--- a/KOT/Docs/KOT_app_structure.pptx
+++ b/KOT/Docs/KOT_app_structure.pptx
@@ -10,13 +10,16 @@
     <p:sldId id="262" r:id="rId4"/>
     <p:sldId id="263" r:id="rId5"/>
     <p:sldId id="265" r:id="rId6"/>
-    <p:sldId id="264" r:id="rId7"/>
-    <p:sldId id="266" r:id="rId8"/>
-    <p:sldId id="267" r:id="rId9"/>
-    <p:sldId id="268" r:id="rId10"/>
-    <p:sldId id="269" r:id="rId11"/>
-    <p:sldId id="270" r:id="rId12"/>
-    <p:sldId id="261" r:id="rId13"/>
+    <p:sldId id="273" r:id="rId7"/>
+    <p:sldId id="264" r:id="rId8"/>
+    <p:sldId id="266" r:id="rId9"/>
+    <p:sldId id="267" r:id="rId10"/>
+    <p:sldId id="268" r:id="rId11"/>
+    <p:sldId id="269" r:id="rId12"/>
+    <p:sldId id="270" r:id="rId13"/>
+    <p:sldId id="272" r:id="rId14"/>
+    <p:sldId id="271" r:id="rId15"/>
+    <p:sldId id="261" r:id="rId16"/>
   </p:sldIdLst>
   <p:sldSz cx="9144000" cy="6858000" type="screen4x3"/>
   <p:notesSz cx="6858000" cy="9144000"/>
@@ -254,7 +257,7 @@
           <a:p>
             <a:fld id="{F13AB7A7-9C4D-4AAC-88E2-B5A5A02A933A}" type="datetimeFigureOut">
               <a:rPr lang="ru-RU" smtClean="0"/>
-              <a:t>21.04.2015</a:t>
+              <a:t>20.05.2015</a:t>
             </a:fld>
             <a:endParaRPr lang="ru-RU"/>
           </a:p>
@@ -424,7 +427,7 @@
           <a:p>
             <a:fld id="{F13AB7A7-9C4D-4AAC-88E2-B5A5A02A933A}" type="datetimeFigureOut">
               <a:rPr lang="ru-RU" smtClean="0"/>
-              <a:t>21.04.2015</a:t>
+              <a:t>20.05.2015</a:t>
             </a:fld>
             <a:endParaRPr lang="ru-RU"/>
           </a:p>
@@ -604,7 +607,7 @@
           <a:p>
             <a:fld id="{F13AB7A7-9C4D-4AAC-88E2-B5A5A02A933A}" type="datetimeFigureOut">
               <a:rPr lang="ru-RU" smtClean="0"/>
-              <a:t>21.04.2015</a:t>
+              <a:t>20.05.2015</a:t>
             </a:fld>
             <a:endParaRPr lang="ru-RU"/>
           </a:p>
@@ -774,7 +777,7 @@
           <a:p>
             <a:fld id="{F13AB7A7-9C4D-4AAC-88E2-B5A5A02A933A}" type="datetimeFigureOut">
               <a:rPr lang="ru-RU" smtClean="0"/>
-              <a:t>21.04.2015</a:t>
+              <a:t>20.05.2015</a:t>
             </a:fld>
             <a:endParaRPr lang="ru-RU"/>
           </a:p>
@@ -1018,7 +1021,7 @@
           <a:p>
             <a:fld id="{F13AB7A7-9C4D-4AAC-88E2-B5A5A02A933A}" type="datetimeFigureOut">
               <a:rPr lang="ru-RU" smtClean="0"/>
-              <a:t>21.04.2015</a:t>
+              <a:t>20.05.2015</a:t>
             </a:fld>
             <a:endParaRPr lang="ru-RU"/>
           </a:p>
@@ -1250,7 +1253,7 @@
           <a:p>
             <a:fld id="{F13AB7A7-9C4D-4AAC-88E2-B5A5A02A933A}" type="datetimeFigureOut">
               <a:rPr lang="ru-RU" smtClean="0"/>
-              <a:t>21.04.2015</a:t>
+              <a:t>20.05.2015</a:t>
             </a:fld>
             <a:endParaRPr lang="ru-RU"/>
           </a:p>
@@ -1617,7 +1620,7 @@
           <a:p>
             <a:fld id="{F13AB7A7-9C4D-4AAC-88E2-B5A5A02A933A}" type="datetimeFigureOut">
               <a:rPr lang="ru-RU" smtClean="0"/>
-              <a:t>21.04.2015</a:t>
+              <a:t>20.05.2015</a:t>
             </a:fld>
             <a:endParaRPr lang="ru-RU"/>
           </a:p>
@@ -1735,7 +1738,7 @@
           <a:p>
             <a:fld id="{F13AB7A7-9C4D-4AAC-88E2-B5A5A02A933A}" type="datetimeFigureOut">
               <a:rPr lang="ru-RU" smtClean="0"/>
-              <a:t>21.04.2015</a:t>
+              <a:t>20.05.2015</a:t>
             </a:fld>
             <a:endParaRPr lang="ru-RU"/>
           </a:p>
@@ -1830,7 +1833,7 @@
           <a:p>
             <a:fld id="{F13AB7A7-9C4D-4AAC-88E2-B5A5A02A933A}" type="datetimeFigureOut">
               <a:rPr lang="ru-RU" smtClean="0"/>
-              <a:t>21.04.2015</a:t>
+              <a:t>20.05.2015</a:t>
             </a:fld>
             <a:endParaRPr lang="ru-RU"/>
           </a:p>
@@ -1900,8 +1903,8 @@
         </p:blipFill>
         <p:spPr>
           <a:xfrm>
-            <a:off x="8294299" y="240027"/>
-            <a:ext cx="631895" cy="960583"/>
+            <a:off x="8262650" y="251044"/>
+            <a:ext cx="696595" cy="960583"/>
           </a:xfrm>
           <a:prstGeom prst="rect">
             <a:avLst/>
@@ -1918,6 +1921,13 @@
   <p:clrMapOvr>
     <a:masterClrMapping/>
   </p:clrMapOvr>
+  <p:timing>
+    <p:tnLst>
+      <p:par>
+        <p:cTn id="1" dur="indefinite" restart="never" nodeType="tmRoot"/>
+      </p:par>
+    </p:tnLst>
+  </p:timing>
 </p:sldLayout>
 </file>
 
@@ -2137,7 +2147,7 @@
           <a:p>
             <a:fld id="{F13AB7A7-9C4D-4AAC-88E2-B5A5A02A933A}" type="datetimeFigureOut">
               <a:rPr lang="ru-RU" smtClean="0"/>
-              <a:t>21.04.2015</a:t>
+              <a:t>20.05.2015</a:t>
             </a:fld>
             <a:endParaRPr lang="ru-RU"/>
           </a:p>
@@ -2394,7 +2404,7 @@
           <a:p>
             <a:fld id="{F13AB7A7-9C4D-4AAC-88E2-B5A5A02A933A}" type="datetimeFigureOut">
               <a:rPr lang="ru-RU" smtClean="0"/>
-              <a:t>21.04.2015</a:t>
+              <a:t>20.05.2015</a:t>
             </a:fld>
             <a:endParaRPr lang="ru-RU"/>
           </a:p>
@@ -2607,7 +2617,7 @@
           <a:p>
             <a:fld id="{F13AB7A7-9C4D-4AAC-88E2-B5A5A02A933A}" type="datetimeFigureOut">
               <a:rPr lang="ru-RU" smtClean="0"/>
-              <a:t>21.04.2015</a:t>
+              <a:t>20.05.2015</a:t>
             </a:fld>
             <a:endParaRPr lang="ru-RU"/>
           </a:p>
@@ -3169,13 +3179,14 @@
               <a:t>Список сервисных работ (списком и </a:t>
             </a:r>
             <a:r>
-              <a:rPr lang="ru-RU" sz="1100" dirty="0" err="1"/>
-              <a:t>календаръ</a:t>
-            </a:r>
-            <a:r>
-              <a:rPr lang="ru-RU" sz="1100" dirty="0"/>
+              <a:rPr lang="ru-RU" sz="1100" dirty="0" err="1" smtClean="0"/>
+              <a:t>календар</a:t>
+            </a:r>
+            <a:r>
+              <a:rPr lang="ru-RU" sz="1100" dirty="0" smtClean="0"/>
               <a:t>)</a:t>
             </a:r>
+            <a:endParaRPr lang="ru-RU" sz="1100" dirty="0"/>
           </a:p>
           <a:p>
             <a:pPr marL="361950" lvl="1" indent="-171450">
@@ -3637,6 +3648,848 @@
 </file>
 
 <file path=ppt/slides/slide10.xml><?xml version="1.0" encoding="utf-8"?>
+<p:sld xmlns:a="http://schemas.openxmlformats.org/drawingml/2006/main" xmlns:r="http://schemas.openxmlformats.org/officeDocument/2006/relationships" xmlns:p="http://schemas.openxmlformats.org/presentationml/2006/main">
+  <p:cSld>
+    <p:spTree>
+      <p:nvGrpSpPr>
+        <p:cNvPr id="1" name=""/>
+        <p:cNvGrpSpPr/>
+        <p:nvPr/>
+      </p:nvGrpSpPr>
+      <p:grpSpPr>
+        <a:xfrm>
+          <a:off x="0" y="0"/>
+          <a:ext cx="0" cy="0"/>
+          <a:chOff x="0" y="0"/>
+          <a:chExt cx="0" cy="0"/>
+        </a:xfrm>
+      </p:grpSpPr>
+      <p:pic>
+        <p:nvPicPr>
+          <p:cNvPr id="26" name="Рисунок 25"/>
+          <p:cNvPicPr>
+            <a:picLocks noChangeAspect="1"/>
+          </p:cNvPicPr>
+          <p:nvPr/>
+        </p:nvPicPr>
+        <p:blipFill>
+          <a:blip r:embed="rId2">
+            <a:extLst>
+              <a:ext uri="{28A0092B-C50C-407E-A947-70E740481C1C}">
+                <a14:useLocalDpi xmlns:a14="http://schemas.microsoft.com/office/drawing/2010/main" val="0"/>
+              </a:ext>
+            </a:extLst>
+          </a:blip>
+          <a:stretch>
+            <a:fillRect/>
+          </a:stretch>
+        </p:blipFill>
+        <p:spPr>
+          <a:xfrm>
+            <a:off x="650558" y="3540152"/>
+            <a:ext cx="1736371" cy="2577761"/>
+          </a:xfrm>
+          <a:prstGeom prst="rect">
+            <a:avLst/>
+          </a:prstGeom>
+          <a:ln>
+            <a:solidFill>
+              <a:schemeClr val="bg1">
+                <a:lumMod val="75000"/>
+              </a:schemeClr>
+            </a:solidFill>
+          </a:ln>
+        </p:spPr>
+      </p:pic>
+      <p:sp>
+        <p:nvSpPr>
+          <p:cNvPr id="2" name="TextBox 1"/>
+          <p:cNvSpPr txBox="1">
+            <a:spLocks noChangeAspect="1"/>
+          </p:cNvSpPr>
+          <p:nvPr/>
+        </p:nvSpPr>
+        <p:spPr>
+          <a:xfrm>
+            <a:off x="185918" y="-5561"/>
+            <a:ext cx="3599140" cy="308235"/>
+          </a:xfrm>
+          <a:prstGeom prst="rect">
+            <a:avLst/>
+          </a:prstGeom>
+          <a:noFill/>
+        </p:spPr>
+        <p:txBody>
+          <a:bodyPr wrap="square" rtlCol="0">
+            <a:noAutofit/>
+          </a:bodyPr>
+          <a:lstStyle/>
+          <a:p>
+            <a:r>
+              <a:rPr lang="ru-RU" sz="1500" b="1" u="sng" dirty="0" smtClean="0">
+                <a:solidFill>
+                  <a:schemeClr val="accent5"/>
+                </a:solidFill>
+              </a:rPr>
+              <a:t>ТО – списком по дефолту</a:t>
+            </a:r>
+            <a:endParaRPr lang="ru-RU" sz="1500" b="1" u="sng" dirty="0">
+              <a:solidFill>
+                <a:schemeClr val="accent5"/>
+              </a:solidFill>
+            </a:endParaRPr>
+          </a:p>
+        </p:txBody>
+      </p:sp>
+      <p:pic>
+        <p:nvPicPr>
+          <p:cNvPr id="6" name="Рисунок 5"/>
+          <p:cNvPicPr>
+            <a:picLocks noChangeAspect="1"/>
+          </p:cNvPicPr>
+          <p:nvPr/>
+        </p:nvPicPr>
+        <p:blipFill>
+          <a:blip r:embed="rId3">
+            <a:extLst>
+              <a:ext uri="{28A0092B-C50C-407E-A947-70E740481C1C}">
+                <a14:useLocalDpi xmlns:a14="http://schemas.microsoft.com/office/drawing/2010/main" val="0"/>
+              </a:ext>
+            </a:extLst>
+          </a:blip>
+          <a:stretch>
+            <a:fillRect/>
+          </a:stretch>
+        </p:blipFill>
+        <p:spPr>
+          <a:xfrm>
+            <a:off x="249117" y="708262"/>
+            <a:ext cx="1736371" cy="2577761"/>
+          </a:xfrm>
+          <a:prstGeom prst="rect">
+            <a:avLst/>
+          </a:prstGeom>
+          <a:ln>
+            <a:solidFill>
+              <a:schemeClr val="bg1">
+                <a:lumMod val="75000"/>
+              </a:schemeClr>
+            </a:solidFill>
+          </a:ln>
+        </p:spPr>
+      </p:pic>
+      <p:pic>
+        <p:nvPicPr>
+          <p:cNvPr id="7" name="Рисунок 6"/>
+          <p:cNvPicPr>
+            <a:picLocks noChangeAspect="1"/>
+          </p:cNvPicPr>
+          <p:nvPr/>
+        </p:nvPicPr>
+        <p:blipFill>
+          <a:blip r:embed="rId4">
+            <a:extLst>
+              <a:ext uri="{28A0092B-C50C-407E-A947-70E740481C1C}">
+                <a14:useLocalDpi xmlns:a14="http://schemas.microsoft.com/office/drawing/2010/main" val="0"/>
+              </a:ext>
+            </a:extLst>
+          </a:blip>
+          <a:stretch>
+            <a:fillRect/>
+          </a:stretch>
+        </p:blipFill>
+        <p:spPr>
+          <a:xfrm>
+            <a:off x="2253115" y="451784"/>
+            <a:ext cx="1736371" cy="2577761"/>
+          </a:xfrm>
+          <a:prstGeom prst="rect">
+            <a:avLst/>
+          </a:prstGeom>
+          <a:ln>
+            <a:solidFill>
+              <a:schemeClr val="bg1">
+                <a:lumMod val="75000"/>
+              </a:schemeClr>
+            </a:solidFill>
+          </a:ln>
+        </p:spPr>
+      </p:pic>
+      <p:pic>
+        <p:nvPicPr>
+          <p:cNvPr id="9" name="Рисунок 8"/>
+          <p:cNvPicPr>
+            <a:picLocks noChangeAspect="1"/>
+          </p:cNvPicPr>
+          <p:nvPr/>
+        </p:nvPicPr>
+        <p:blipFill>
+          <a:blip r:embed="rId5">
+            <a:extLst>
+              <a:ext uri="{28A0092B-C50C-407E-A947-70E740481C1C}">
+                <a14:useLocalDpi xmlns:a14="http://schemas.microsoft.com/office/drawing/2010/main" val="0"/>
+              </a:ext>
+            </a:extLst>
+          </a:blip>
+          <a:stretch>
+            <a:fillRect/>
+          </a:stretch>
+        </p:blipFill>
+        <p:spPr>
+          <a:xfrm>
+            <a:off x="2590873" y="3540153"/>
+            <a:ext cx="1736371" cy="2577761"/>
+          </a:xfrm>
+          <a:prstGeom prst="rect">
+            <a:avLst/>
+          </a:prstGeom>
+          <a:ln>
+            <a:solidFill>
+              <a:schemeClr val="bg1">
+                <a:lumMod val="75000"/>
+              </a:schemeClr>
+            </a:solidFill>
+          </a:ln>
+        </p:spPr>
+      </p:pic>
+      <p:sp>
+        <p:nvSpPr>
+          <p:cNvPr id="10" name="Овал 9"/>
+          <p:cNvSpPr/>
+          <p:nvPr/>
+        </p:nvSpPr>
+        <p:spPr>
+          <a:xfrm>
+            <a:off x="1610236" y="1081701"/>
+            <a:ext cx="377768" cy="378823"/>
+          </a:xfrm>
+          <a:prstGeom prst="ellipse">
+            <a:avLst/>
+          </a:prstGeom>
+          <a:solidFill>
+            <a:schemeClr val="accent1">
+              <a:alpha val="50000"/>
+            </a:schemeClr>
+          </a:solidFill>
+          <a:ln>
+            <a:solidFill>
+              <a:schemeClr val="accent1"/>
+            </a:solidFill>
+          </a:ln>
+        </p:spPr>
+        <p:style>
+          <a:lnRef idx="2">
+            <a:schemeClr val="accent1">
+              <a:shade val="50000"/>
+            </a:schemeClr>
+          </a:lnRef>
+          <a:fillRef idx="1">
+            <a:schemeClr val="accent1"/>
+          </a:fillRef>
+          <a:effectRef idx="0">
+            <a:schemeClr val="accent1"/>
+          </a:effectRef>
+          <a:fontRef idx="minor">
+            <a:schemeClr val="lt1"/>
+          </a:fontRef>
+        </p:style>
+        <p:txBody>
+          <a:bodyPr rot="0" spcFirstLastPara="0" vertOverflow="overflow" horzOverflow="overflow" vert="horz" wrap="square" lIns="91440" tIns="45720" rIns="91440" bIns="45720" numCol="1" spcCol="0" rtlCol="0" fromWordArt="0" anchor="ctr" anchorCtr="0" forceAA="0" compatLnSpc="1">
+            <a:prstTxWarp prst="textNoShape">
+              <a:avLst/>
+            </a:prstTxWarp>
+            <a:noAutofit/>
+          </a:bodyPr>
+          <a:lstStyle/>
+          <a:p>
+            <a:pPr algn="ctr"/>
+            <a:endParaRPr lang="ru-RU"/>
+          </a:p>
+        </p:txBody>
+      </p:sp>
+      <p:cxnSp>
+        <p:nvCxnSpPr>
+          <p:cNvPr id="11" name="Прямая со стрелкой 10"/>
+          <p:cNvCxnSpPr>
+            <a:stCxn id="10" idx="6"/>
+          </p:cNvCxnSpPr>
+          <p:nvPr/>
+        </p:nvCxnSpPr>
+        <p:spPr>
+          <a:xfrm>
+            <a:off x="1988004" y="1271113"/>
+            <a:ext cx="262595" cy="221613"/>
+          </a:xfrm>
+          <a:prstGeom prst="straightConnector1">
+            <a:avLst/>
+          </a:prstGeom>
+          <a:ln>
+            <a:prstDash val="sysDash"/>
+            <a:tailEnd type="triangle"/>
+          </a:ln>
+        </p:spPr>
+        <p:style>
+          <a:lnRef idx="1">
+            <a:schemeClr val="accent1"/>
+          </a:lnRef>
+          <a:fillRef idx="0">
+            <a:schemeClr val="accent1"/>
+          </a:fillRef>
+          <a:effectRef idx="0">
+            <a:schemeClr val="accent1"/>
+          </a:effectRef>
+          <a:fontRef idx="minor">
+            <a:schemeClr val="tx1"/>
+          </a:fontRef>
+        </p:style>
+      </p:cxnSp>
+      <p:sp>
+        <p:nvSpPr>
+          <p:cNvPr id="15" name="Овал 14"/>
+          <p:cNvSpPr/>
+          <p:nvPr/>
+        </p:nvSpPr>
+        <p:spPr>
+          <a:xfrm>
+            <a:off x="928418" y="1492726"/>
+            <a:ext cx="377768" cy="378823"/>
+          </a:xfrm>
+          <a:prstGeom prst="ellipse">
+            <a:avLst/>
+          </a:prstGeom>
+          <a:solidFill>
+            <a:schemeClr val="accent1">
+              <a:alpha val="50000"/>
+            </a:schemeClr>
+          </a:solidFill>
+          <a:ln>
+            <a:solidFill>
+              <a:schemeClr val="accent1"/>
+            </a:solidFill>
+          </a:ln>
+        </p:spPr>
+        <p:style>
+          <a:lnRef idx="2">
+            <a:schemeClr val="accent1">
+              <a:shade val="50000"/>
+            </a:schemeClr>
+          </a:lnRef>
+          <a:fillRef idx="1">
+            <a:schemeClr val="accent1"/>
+          </a:fillRef>
+          <a:effectRef idx="0">
+            <a:schemeClr val="accent1"/>
+          </a:effectRef>
+          <a:fontRef idx="minor">
+            <a:schemeClr val="lt1"/>
+          </a:fontRef>
+        </p:style>
+        <p:txBody>
+          <a:bodyPr rot="0" spcFirstLastPara="0" vertOverflow="overflow" horzOverflow="overflow" vert="horz" wrap="square" lIns="91440" tIns="45720" rIns="91440" bIns="45720" numCol="1" spcCol="0" rtlCol="0" fromWordArt="0" anchor="ctr" anchorCtr="0" forceAA="0" compatLnSpc="1">
+            <a:prstTxWarp prst="textNoShape">
+              <a:avLst/>
+            </a:prstTxWarp>
+            <a:noAutofit/>
+          </a:bodyPr>
+          <a:lstStyle/>
+          <a:p>
+            <a:pPr algn="ctr"/>
+            <a:endParaRPr lang="ru-RU"/>
+          </a:p>
+        </p:txBody>
+      </p:sp>
+      <p:cxnSp>
+        <p:nvCxnSpPr>
+          <p:cNvPr id="16" name="Прямая со стрелкой 15"/>
+          <p:cNvCxnSpPr>
+            <a:stCxn id="15" idx="4"/>
+          </p:cNvCxnSpPr>
+          <p:nvPr/>
+        </p:nvCxnSpPr>
+        <p:spPr>
+          <a:xfrm>
+            <a:off x="1117302" y="1871549"/>
+            <a:ext cx="558487" cy="2689300"/>
+          </a:xfrm>
+          <a:prstGeom prst="straightConnector1">
+            <a:avLst/>
+          </a:prstGeom>
+          <a:ln>
+            <a:prstDash val="sysDash"/>
+            <a:tailEnd type="triangle"/>
+          </a:ln>
+        </p:spPr>
+        <p:style>
+          <a:lnRef idx="1">
+            <a:schemeClr val="accent1"/>
+          </a:lnRef>
+          <a:fillRef idx="0">
+            <a:schemeClr val="accent1"/>
+          </a:fillRef>
+          <a:effectRef idx="0">
+            <a:schemeClr val="accent1"/>
+          </a:effectRef>
+          <a:fontRef idx="minor">
+            <a:schemeClr val="tx1"/>
+          </a:fontRef>
+        </p:style>
+      </p:cxnSp>
+      <p:sp>
+        <p:nvSpPr>
+          <p:cNvPr id="20" name="Овал 19"/>
+          <p:cNvSpPr/>
+          <p:nvPr/>
+        </p:nvSpPr>
+        <p:spPr>
+          <a:xfrm>
+            <a:off x="1913278" y="4585857"/>
+            <a:ext cx="377768" cy="378823"/>
+          </a:xfrm>
+          <a:prstGeom prst="ellipse">
+            <a:avLst/>
+          </a:prstGeom>
+          <a:solidFill>
+            <a:schemeClr val="accent1">
+              <a:alpha val="50000"/>
+            </a:schemeClr>
+          </a:solidFill>
+          <a:ln>
+            <a:solidFill>
+              <a:schemeClr val="accent1"/>
+            </a:solidFill>
+          </a:ln>
+        </p:spPr>
+        <p:style>
+          <a:lnRef idx="2">
+            <a:schemeClr val="accent1">
+              <a:shade val="50000"/>
+            </a:schemeClr>
+          </a:lnRef>
+          <a:fillRef idx="1">
+            <a:schemeClr val="accent1"/>
+          </a:fillRef>
+          <a:effectRef idx="0">
+            <a:schemeClr val="accent1"/>
+          </a:effectRef>
+          <a:fontRef idx="minor">
+            <a:schemeClr val="lt1"/>
+          </a:fontRef>
+        </p:style>
+        <p:txBody>
+          <a:bodyPr rot="0" spcFirstLastPara="0" vertOverflow="overflow" horzOverflow="overflow" vert="horz" wrap="square" lIns="91440" tIns="45720" rIns="91440" bIns="45720" numCol="1" spcCol="0" rtlCol="0" fromWordArt="0" anchor="ctr" anchorCtr="0" forceAA="0" compatLnSpc="1">
+            <a:prstTxWarp prst="textNoShape">
+              <a:avLst/>
+            </a:prstTxWarp>
+            <a:noAutofit/>
+          </a:bodyPr>
+          <a:lstStyle/>
+          <a:p>
+            <a:pPr algn="ctr"/>
+            <a:endParaRPr lang="ru-RU"/>
+          </a:p>
+        </p:txBody>
+      </p:sp>
+      <p:cxnSp>
+        <p:nvCxnSpPr>
+          <p:cNvPr id="21" name="Прямая со стрелкой 20"/>
+          <p:cNvCxnSpPr>
+            <a:stCxn id="20" idx="7"/>
+          </p:cNvCxnSpPr>
+          <p:nvPr/>
+        </p:nvCxnSpPr>
+        <p:spPr>
+          <a:xfrm flipV="1">
+            <a:off x="2235723" y="4277241"/>
+            <a:ext cx="885577" cy="364093"/>
+          </a:xfrm>
+          <a:prstGeom prst="straightConnector1">
+            <a:avLst/>
+          </a:prstGeom>
+          <a:ln>
+            <a:prstDash val="sysDash"/>
+            <a:tailEnd type="triangle"/>
+          </a:ln>
+        </p:spPr>
+        <p:style>
+          <a:lnRef idx="1">
+            <a:schemeClr val="accent1"/>
+          </a:lnRef>
+          <a:fillRef idx="0">
+            <a:schemeClr val="accent1"/>
+          </a:fillRef>
+          <a:effectRef idx="0">
+            <a:schemeClr val="accent1"/>
+          </a:effectRef>
+          <a:fontRef idx="minor">
+            <a:schemeClr val="tx1"/>
+          </a:fontRef>
+        </p:style>
+      </p:cxnSp>
+      <p:sp>
+        <p:nvSpPr>
+          <p:cNvPr id="27" name="TextBox 26"/>
+          <p:cNvSpPr txBox="1"/>
+          <p:nvPr/>
+        </p:nvSpPr>
+        <p:spPr>
+          <a:xfrm>
+            <a:off x="4531188" y="587193"/>
+            <a:ext cx="3662769" cy="5847755"/>
+          </a:xfrm>
+          <a:prstGeom prst="rect">
+            <a:avLst/>
+          </a:prstGeom>
+          <a:noFill/>
+        </p:spPr>
+        <p:txBody>
+          <a:bodyPr wrap="square" rtlCol="0">
+            <a:spAutoFit/>
+          </a:bodyPr>
+          <a:lstStyle/>
+          <a:p>
+            <a:pPr marL="171450" indent="-171450">
+              <a:buFont typeface="Wingdings" panose="05000000000000000000" pitchFamily="2" charset="2"/>
+              <a:buChar char="§"/>
+            </a:pPr>
+            <a:r>
+              <a:rPr lang="ru-RU" sz="1100" dirty="0" smtClean="0">
+                <a:solidFill>
+                  <a:schemeClr val="accent1">
+                    <a:lumMod val="75000"/>
+                  </a:schemeClr>
+                </a:solidFill>
+              </a:rPr>
+              <a:t>Дефолтный экран не содержит «Рекомендации по ТО» или Рекомендованной работы с кнопкой «скрыть».</a:t>
+            </a:r>
+          </a:p>
+          <a:p>
+            <a:pPr marL="171450" indent="-171450">
+              <a:buFont typeface="Wingdings" panose="05000000000000000000" pitchFamily="2" charset="2"/>
+              <a:buChar char="§"/>
+            </a:pPr>
+            <a:r>
+              <a:rPr lang="ru-RU" sz="1100" dirty="0" smtClean="0">
+                <a:solidFill>
+                  <a:schemeClr val="accent1">
+                    <a:lumMod val="75000"/>
+                  </a:schemeClr>
+                </a:solidFill>
+              </a:rPr>
+              <a:t>Если юзер не посетил к назначенной дате или означенному пробегу Автосервис и не выполнил работу. Работа начинает обратный отсчет по дате и пробегу. Меняется цветовая схема соответственно.</a:t>
+            </a:r>
+            <a:endParaRPr lang="ru-RU" sz="1100" dirty="0">
+              <a:solidFill>
+                <a:schemeClr val="accent1">
+                  <a:lumMod val="75000"/>
+                </a:schemeClr>
+              </a:solidFill>
+            </a:endParaRPr>
+          </a:p>
+          <a:p>
+            <a:pPr marL="171450" indent="-171450">
+              <a:buFont typeface="Wingdings" panose="05000000000000000000" pitchFamily="2" charset="2"/>
+              <a:buChar char="§"/>
+            </a:pPr>
+            <a:r>
+              <a:rPr lang="ru-RU" sz="1100" dirty="0" smtClean="0">
+                <a:solidFill>
+                  <a:schemeClr val="accent1">
+                    <a:lumMod val="75000"/>
+                  </a:schemeClr>
+                </a:solidFill>
+              </a:rPr>
+              <a:t>После посещения </a:t>
+            </a:r>
+            <a:r>
+              <a:rPr lang="ru-RU" sz="1100" dirty="0" err="1" smtClean="0">
+                <a:solidFill>
+                  <a:schemeClr val="accent1">
+                    <a:lumMod val="75000"/>
+                  </a:schemeClr>
+                </a:solidFill>
+              </a:rPr>
+              <a:t>АвтоСервиса</a:t>
+            </a:r>
+            <a:r>
+              <a:rPr lang="ru-RU" sz="1100" dirty="0" smtClean="0">
+                <a:solidFill>
+                  <a:schemeClr val="accent1">
+                    <a:lumMod val="75000"/>
+                  </a:schemeClr>
+                </a:solidFill>
+              </a:rPr>
+              <a:t> у юзера может появиться подраздел «Рекомендации по ТО от соответствующей даты». Нажав на кнопку «</a:t>
+            </a:r>
+            <a:r>
+              <a:rPr lang="en-GB" sz="1100" dirty="0" smtClean="0">
+                <a:solidFill>
+                  <a:schemeClr val="accent1">
+                    <a:lumMod val="75000"/>
+                  </a:schemeClr>
+                </a:solidFill>
+              </a:rPr>
+              <a:t>More</a:t>
+            </a:r>
+            <a:r>
+              <a:rPr lang="ru-RU" sz="1100" dirty="0" smtClean="0">
+                <a:solidFill>
+                  <a:schemeClr val="accent1">
+                    <a:lumMod val="75000"/>
+                  </a:schemeClr>
+                </a:solidFill>
+              </a:rPr>
+              <a:t>», юзер имеет возможность добавить в основной список ТО рекомендованные работы. После этого у него в основном списке ТО (закреплено сверху) появляется рекомендованная работа с возможностью «Скрыть». При нажатии на кнопку «Скрыть» работы улетает в подраздел «Рекомендации по ТО».</a:t>
+            </a:r>
+          </a:p>
+          <a:p>
+            <a:pPr marL="171450" indent="-171450">
+              <a:buFont typeface="Wingdings" panose="05000000000000000000" pitchFamily="2" charset="2"/>
+              <a:buChar char="§"/>
+            </a:pPr>
+            <a:r>
+              <a:rPr lang="ru-RU" sz="1100" dirty="0" smtClean="0">
+                <a:solidFill>
+                  <a:schemeClr val="accent1">
+                    <a:lumMod val="75000"/>
+                  </a:schemeClr>
+                </a:solidFill>
+              </a:rPr>
+              <a:t>После посещения Автосервиса, выполненные работы по ТО улетают в раздел «История ТО» </a:t>
+            </a:r>
+            <a:r>
+              <a:rPr lang="en-GB" sz="1100" dirty="0" smtClean="0">
+                <a:solidFill>
+                  <a:schemeClr val="accent1">
+                    <a:lumMod val="75000"/>
+                  </a:schemeClr>
+                </a:solidFill>
+              </a:rPr>
+              <a:t>[</a:t>
+            </a:r>
+            <a:r>
+              <a:rPr lang="ru-RU" sz="1100" dirty="0" smtClean="0">
+                <a:solidFill>
+                  <a:schemeClr val="accent1">
+                    <a:lumMod val="75000"/>
+                  </a:schemeClr>
+                </a:solidFill>
+              </a:rPr>
+              <a:t>такой же экран как ТО-списком дефолтный только добавится возможность сортировать</a:t>
+            </a:r>
+            <a:r>
+              <a:rPr lang="en-GB" sz="1100" dirty="0" smtClean="0">
+                <a:solidFill>
+                  <a:schemeClr val="accent1">
+                    <a:lumMod val="75000"/>
+                  </a:schemeClr>
+                </a:solidFill>
+              </a:rPr>
+              <a:t>]</a:t>
+            </a:r>
+            <a:r>
+              <a:rPr lang="ru-RU" sz="1100" dirty="0" smtClean="0">
+                <a:solidFill>
+                  <a:schemeClr val="accent1">
+                    <a:lumMod val="75000"/>
+                  </a:schemeClr>
+                </a:solidFill>
+              </a:rPr>
+              <a:t>. В которой сам Автосервис проставил Дату, Цену, Пробег и Исполнителя.</a:t>
+            </a:r>
+          </a:p>
+          <a:p>
+            <a:pPr marL="171450" indent="-171450">
+              <a:buFont typeface="Wingdings" panose="05000000000000000000" pitchFamily="2" charset="2"/>
+              <a:buChar char="§"/>
+            </a:pPr>
+            <a:r>
+              <a:rPr lang="ru-RU" sz="1100" dirty="0" smtClean="0">
+                <a:solidFill>
+                  <a:schemeClr val="accent1">
+                    <a:lumMod val="75000"/>
+                  </a:schemeClr>
+                </a:solidFill>
+              </a:rPr>
+              <a:t>Также юзер имеет возможность сам завершить работу по ТО. Для этого он </a:t>
+            </a:r>
+            <a:r>
+              <a:rPr lang="ru-RU" sz="1100" dirty="0" err="1" smtClean="0">
+                <a:solidFill>
+                  <a:schemeClr val="accent1">
+                    <a:lumMod val="75000"/>
+                  </a:schemeClr>
+                </a:solidFill>
+              </a:rPr>
+              <a:t>тапает</a:t>
+            </a:r>
+            <a:r>
+              <a:rPr lang="ru-RU" sz="1100" dirty="0" smtClean="0">
+                <a:solidFill>
+                  <a:schemeClr val="accent1">
+                    <a:lumMod val="75000"/>
+                  </a:schemeClr>
+                </a:solidFill>
+              </a:rPr>
+              <a:t> на работу. Вводит дату (по дефолту стоит настоящая), стоимость работы (после ввода отражаются цифры и приписка руб.), пробег при совершении работы (после ввода отражаются цифры и приписка км). После нажатия на кнопку «Готово», работа по ТО улетает в «История ТО». Где маркируется в графе «Исполнитель» как «Гаражный мастер».</a:t>
+            </a:r>
+          </a:p>
+          <a:p>
+            <a:pPr marL="628598" lvl="1" indent="-171450">
+              <a:buFont typeface="Wingdings" panose="05000000000000000000" pitchFamily="2" charset="2"/>
+              <a:buChar char="§"/>
+            </a:pPr>
+            <a:r>
+              <a:rPr lang="ru-RU" sz="1100" dirty="0" smtClean="0">
+                <a:solidFill>
+                  <a:schemeClr val="accent1">
+                    <a:lumMod val="75000"/>
+                  </a:schemeClr>
+                </a:solidFill>
+              </a:rPr>
+              <a:t>При тапе на дату – всплывает календарь</a:t>
+            </a:r>
+          </a:p>
+          <a:p>
+            <a:pPr marL="628598" lvl="1" indent="-171450">
+              <a:buFont typeface="Wingdings" panose="05000000000000000000" pitchFamily="2" charset="2"/>
+              <a:buChar char="§"/>
+            </a:pPr>
+            <a:r>
+              <a:rPr lang="ru-RU" sz="1100" dirty="0" smtClean="0">
+                <a:solidFill>
+                  <a:schemeClr val="accent1">
+                    <a:lumMod val="75000"/>
+                  </a:schemeClr>
+                </a:solidFill>
+              </a:rPr>
+              <a:t>При тапе на Цену всплывает цифровая </a:t>
+            </a:r>
+            <a:r>
+              <a:rPr lang="ru-RU" sz="1100" dirty="0" err="1" smtClean="0">
+                <a:solidFill>
+                  <a:schemeClr val="accent1">
+                    <a:lumMod val="75000"/>
+                  </a:schemeClr>
+                </a:solidFill>
+              </a:rPr>
+              <a:t>клава</a:t>
+            </a:r>
+            <a:r>
+              <a:rPr lang="ru-RU" sz="1100" dirty="0" smtClean="0">
+                <a:solidFill>
+                  <a:schemeClr val="accent1">
+                    <a:lumMod val="75000"/>
+                  </a:schemeClr>
+                </a:solidFill>
+              </a:rPr>
+              <a:t> с галкой вместо </a:t>
+            </a:r>
+            <a:r>
+              <a:rPr lang="en-GB" sz="1100" dirty="0" smtClean="0">
+                <a:solidFill>
+                  <a:schemeClr val="accent1">
+                    <a:lumMod val="75000"/>
+                  </a:schemeClr>
+                </a:solidFill>
+              </a:rPr>
+              <a:t>enter</a:t>
+            </a:r>
+            <a:r>
+              <a:rPr lang="ru-RU" sz="1100" dirty="0" smtClean="0">
+                <a:solidFill>
+                  <a:schemeClr val="accent1">
+                    <a:lumMod val="75000"/>
+                  </a:schemeClr>
+                </a:solidFill>
+              </a:rPr>
+              <a:t>.</a:t>
+            </a:r>
+          </a:p>
+          <a:p>
+            <a:pPr marL="628598" lvl="1" indent="-171450">
+              <a:buFont typeface="Wingdings" panose="05000000000000000000" pitchFamily="2" charset="2"/>
+              <a:buChar char="§"/>
+            </a:pPr>
+            <a:r>
+              <a:rPr lang="ru-RU" sz="1100" dirty="0" smtClean="0">
+                <a:solidFill>
+                  <a:schemeClr val="accent1">
+                    <a:lumMod val="75000"/>
+                  </a:schemeClr>
+                </a:solidFill>
+              </a:rPr>
+              <a:t>При тапе на Пробег всплывает цифровая </a:t>
+            </a:r>
+            <a:r>
+              <a:rPr lang="ru-RU" sz="1100" dirty="0" err="1" smtClean="0">
+                <a:solidFill>
+                  <a:schemeClr val="accent1">
+                    <a:lumMod val="75000"/>
+                  </a:schemeClr>
+                </a:solidFill>
+              </a:rPr>
+              <a:t>клава</a:t>
+            </a:r>
+            <a:r>
+              <a:rPr lang="ru-RU" sz="1100" dirty="0" smtClean="0">
+                <a:solidFill>
+                  <a:schemeClr val="accent1">
+                    <a:lumMod val="75000"/>
+                  </a:schemeClr>
+                </a:solidFill>
+              </a:rPr>
+              <a:t> с галкой вместо </a:t>
+            </a:r>
+            <a:r>
+              <a:rPr lang="en-GB" sz="1100" dirty="0" smtClean="0">
+                <a:solidFill>
+                  <a:schemeClr val="accent1">
+                    <a:lumMod val="75000"/>
+                  </a:schemeClr>
+                </a:solidFill>
+              </a:rPr>
+              <a:t>enter</a:t>
+            </a:r>
+            <a:r>
+              <a:rPr lang="ru-RU" sz="1100" dirty="0" smtClean="0">
+                <a:solidFill>
+                  <a:schemeClr val="accent1">
+                    <a:lumMod val="75000"/>
+                  </a:schemeClr>
+                </a:solidFill>
+              </a:rPr>
+              <a:t>.</a:t>
+            </a:r>
+          </a:p>
+          <a:p>
+            <a:pPr marL="171450" indent="-171450">
+              <a:buFont typeface="Wingdings" panose="05000000000000000000" pitchFamily="2" charset="2"/>
+              <a:buChar char="§"/>
+            </a:pPr>
+            <a:endParaRPr lang="ru-RU" sz="1100" dirty="0">
+              <a:solidFill>
+                <a:schemeClr val="accent1">
+                  <a:lumMod val="75000"/>
+                </a:schemeClr>
+              </a:solidFill>
+            </a:endParaRPr>
+          </a:p>
+        </p:txBody>
+      </p:sp>
+    </p:spTree>
+    <p:extLst>
+      <p:ext uri="{BB962C8B-B14F-4D97-AF65-F5344CB8AC3E}">
+        <p14:creationId xmlns:p14="http://schemas.microsoft.com/office/powerpoint/2010/main" val="2344882269"/>
+      </p:ext>
+    </p:extLst>
+  </p:cSld>
+  <p:clrMapOvr>
+    <a:masterClrMapping/>
+  </p:clrMapOvr>
+</p:sld>
+</file>
+
+<file path=ppt/slides/slide11.xml><?xml version="1.0" encoding="utf-8"?>
 <p:sld xmlns:a="http://schemas.openxmlformats.org/drawingml/2006/main" xmlns:r="http://schemas.openxmlformats.org/officeDocument/2006/relationships" xmlns:p="http://schemas.openxmlformats.org/presentationml/2006/main">
   <p:cSld>
     <p:spTree>
@@ -4647,10 +5500,17 @@
   <p:clrMapOvr>
     <a:masterClrMapping/>
   </p:clrMapOvr>
+  <p:timing>
+    <p:tnLst>
+      <p:par>
+        <p:cTn id="1" dur="indefinite" restart="never" nodeType="tmRoot"/>
+      </p:par>
+    </p:tnLst>
+  </p:timing>
 </p:sld>
 </file>
 
-<file path=ppt/slides/slide11.xml><?xml version="1.0" encoding="utf-8"?>
+<file path=ppt/slides/slide12.xml><?xml version="1.0" encoding="utf-8"?>
 <p:sld xmlns:a="http://schemas.openxmlformats.org/drawingml/2006/main" xmlns:r="http://schemas.openxmlformats.org/officeDocument/2006/relationships" xmlns:p="http://schemas.openxmlformats.org/presentationml/2006/main">
   <p:cSld>
     <p:spTree>
@@ -5207,10 +6067,1787 @@
   <p:clrMapOvr>
     <a:masterClrMapping/>
   </p:clrMapOvr>
+  <p:timing>
+    <p:tnLst>
+      <p:par>
+        <p:cTn id="1" dur="indefinite" restart="never" nodeType="tmRoot"/>
+      </p:par>
+    </p:tnLst>
+  </p:timing>
 </p:sld>
 </file>
 
-<file path=ppt/slides/slide12.xml><?xml version="1.0" encoding="utf-8"?>
+<file path=ppt/slides/slide13.xml><?xml version="1.0" encoding="utf-8"?>
+<p:sld xmlns:a="http://schemas.openxmlformats.org/drawingml/2006/main" xmlns:r="http://schemas.openxmlformats.org/officeDocument/2006/relationships" xmlns:p="http://schemas.openxmlformats.org/presentationml/2006/main">
+  <p:cSld>
+    <p:spTree>
+      <p:nvGrpSpPr>
+        <p:cNvPr id="1" name=""/>
+        <p:cNvGrpSpPr/>
+        <p:nvPr/>
+      </p:nvGrpSpPr>
+      <p:grpSpPr>
+        <a:xfrm>
+          <a:off x="0" y="0"/>
+          <a:ext cx="0" cy="0"/>
+          <a:chOff x="0" y="0"/>
+          <a:chExt cx="0" cy="0"/>
+        </a:xfrm>
+      </p:grpSpPr>
+      <p:sp>
+        <p:nvSpPr>
+          <p:cNvPr id="3" name="TextBox 2"/>
+          <p:cNvSpPr txBox="1">
+            <a:spLocks noChangeAspect="1"/>
+          </p:cNvSpPr>
+          <p:nvPr/>
+        </p:nvSpPr>
+        <p:spPr>
+          <a:xfrm>
+            <a:off x="185918" y="-5561"/>
+            <a:ext cx="3599140" cy="308235"/>
+          </a:xfrm>
+          <a:prstGeom prst="rect">
+            <a:avLst/>
+          </a:prstGeom>
+          <a:noFill/>
+        </p:spPr>
+        <p:txBody>
+          <a:bodyPr wrap="square" rtlCol="0">
+            <a:noAutofit/>
+          </a:bodyPr>
+          <a:lstStyle/>
+          <a:p>
+            <a:r>
+              <a:rPr lang="ru-RU" sz="1500" b="1" u="sng" dirty="0" smtClean="0">
+                <a:solidFill>
+                  <a:schemeClr val="accent5"/>
+                </a:solidFill>
+              </a:rPr>
+              <a:t>БК - 1</a:t>
+            </a:r>
+            <a:endParaRPr lang="ru-RU" sz="1500" b="1" u="sng" dirty="0">
+              <a:solidFill>
+                <a:schemeClr val="accent5"/>
+              </a:solidFill>
+            </a:endParaRPr>
+          </a:p>
+        </p:txBody>
+      </p:sp>
+      <p:pic>
+        <p:nvPicPr>
+          <p:cNvPr id="5" name="Рисунок 4"/>
+          <p:cNvPicPr>
+            <a:picLocks noChangeAspect="1"/>
+          </p:cNvPicPr>
+          <p:nvPr/>
+        </p:nvPicPr>
+        <p:blipFill>
+          <a:blip r:embed="rId2">
+            <a:extLst>
+              <a:ext uri="{28A0092B-C50C-407E-A947-70E740481C1C}">
+                <a14:useLocalDpi xmlns:a14="http://schemas.microsoft.com/office/drawing/2010/main" val="0"/>
+              </a:ext>
+            </a:extLst>
+          </a:blip>
+          <a:stretch>
+            <a:fillRect/>
+          </a:stretch>
+        </p:blipFill>
+        <p:spPr>
+          <a:xfrm>
+            <a:off x="1226200" y="145358"/>
+            <a:ext cx="1775166" cy="2635354"/>
+          </a:xfrm>
+          <a:prstGeom prst="rect">
+            <a:avLst/>
+          </a:prstGeom>
+          <a:ln>
+            <a:solidFill>
+              <a:schemeClr val="bg1">
+                <a:lumMod val="75000"/>
+              </a:schemeClr>
+            </a:solidFill>
+          </a:ln>
+        </p:spPr>
+      </p:pic>
+      <p:pic>
+        <p:nvPicPr>
+          <p:cNvPr id="6" name="Рисунок 5"/>
+          <p:cNvPicPr>
+            <a:picLocks noChangeAspect="1"/>
+          </p:cNvPicPr>
+          <p:nvPr/>
+        </p:nvPicPr>
+        <p:blipFill>
+          <a:blip r:embed="rId3">
+            <a:extLst>
+              <a:ext uri="{28A0092B-C50C-407E-A947-70E740481C1C}">
+                <a14:useLocalDpi xmlns:a14="http://schemas.microsoft.com/office/drawing/2010/main" val="0"/>
+              </a:ext>
+            </a:extLst>
+          </a:blip>
+          <a:stretch>
+            <a:fillRect/>
+          </a:stretch>
+        </p:blipFill>
+        <p:spPr>
+          <a:xfrm>
+            <a:off x="3612561" y="145358"/>
+            <a:ext cx="1775166" cy="2635354"/>
+          </a:xfrm>
+          <a:prstGeom prst="rect">
+            <a:avLst/>
+          </a:prstGeom>
+          <a:ln>
+            <a:solidFill>
+              <a:schemeClr val="bg1">
+                <a:lumMod val="75000"/>
+              </a:schemeClr>
+            </a:solidFill>
+          </a:ln>
+        </p:spPr>
+      </p:pic>
+      <p:sp>
+        <p:nvSpPr>
+          <p:cNvPr id="7" name="Овал 6"/>
+          <p:cNvSpPr/>
+          <p:nvPr/>
+        </p:nvSpPr>
+        <p:spPr>
+          <a:xfrm>
+            <a:off x="2545127" y="355739"/>
+            <a:ext cx="180000" cy="180000"/>
+          </a:xfrm>
+          <a:prstGeom prst="ellipse">
+            <a:avLst/>
+          </a:prstGeom>
+          <a:solidFill>
+            <a:schemeClr val="accent1">
+              <a:alpha val="50000"/>
+            </a:schemeClr>
+          </a:solidFill>
+          <a:ln>
+            <a:solidFill>
+              <a:schemeClr val="accent1"/>
+            </a:solidFill>
+          </a:ln>
+        </p:spPr>
+        <p:style>
+          <a:lnRef idx="2">
+            <a:schemeClr val="accent1">
+              <a:shade val="50000"/>
+            </a:schemeClr>
+          </a:lnRef>
+          <a:fillRef idx="1">
+            <a:schemeClr val="accent1"/>
+          </a:fillRef>
+          <a:effectRef idx="0">
+            <a:schemeClr val="accent1"/>
+          </a:effectRef>
+          <a:fontRef idx="minor">
+            <a:schemeClr val="lt1"/>
+          </a:fontRef>
+        </p:style>
+        <p:txBody>
+          <a:bodyPr rot="0" spcFirstLastPara="0" vertOverflow="overflow" horzOverflow="overflow" vert="horz" wrap="square" lIns="91440" tIns="45720" rIns="91440" bIns="45720" numCol="1" spcCol="0" rtlCol="0" fromWordArt="0" anchor="ctr" anchorCtr="0" forceAA="0" compatLnSpc="1">
+            <a:prstTxWarp prst="textNoShape">
+              <a:avLst/>
+            </a:prstTxWarp>
+            <a:noAutofit/>
+          </a:bodyPr>
+          <a:lstStyle/>
+          <a:p>
+            <a:pPr algn="ctr"/>
+            <a:endParaRPr lang="ru-RU"/>
+          </a:p>
+        </p:txBody>
+      </p:sp>
+      <p:cxnSp>
+        <p:nvCxnSpPr>
+          <p:cNvPr id="8" name="Прямая со стрелкой 7"/>
+          <p:cNvCxnSpPr>
+            <a:stCxn id="7" idx="6"/>
+          </p:cNvCxnSpPr>
+          <p:nvPr/>
+        </p:nvCxnSpPr>
+        <p:spPr>
+          <a:xfrm>
+            <a:off x="2725127" y="445739"/>
+            <a:ext cx="820243" cy="90000"/>
+          </a:xfrm>
+          <a:prstGeom prst="straightConnector1">
+            <a:avLst/>
+          </a:prstGeom>
+          <a:ln>
+            <a:prstDash val="sysDash"/>
+            <a:tailEnd type="triangle"/>
+          </a:ln>
+        </p:spPr>
+        <p:style>
+          <a:lnRef idx="1">
+            <a:schemeClr val="accent1"/>
+          </a:lnRef>
+          <a:fillRef idx="0">
+            <a:schemeClr val="accent1"/>
+          </a:fillRef>
+          <a:effectRef idx="0">
+            <a:schemeClr val="accent1"/>
+          </a:effectRef>
+          <a:fontRef idx="minor">
+            <a:schemeClr val="tx1"/>
+          </a:fontRef>
+        </p:style>
+      </p:cxnSp>
+      <p:pic>
+        <p:nvPicPr>
+          <p:cNvPr id="11" name="Рисунок 10"/>
+          <p:cNvPicPr>
+            <a:picLocks noChangeAspect="1"/>
+          </p:cNvPicPr>
+          <p:nvPr/>
+        </p:nvPicPr>
+        <p:blipFill>
+          <a:blip r:embed="rId4">
+            <a:extLst>
+              <a:ext uri="{28A0092B-C50C-407E-A947-70E740481C1C}">
+                <a14:useLocalDpi xmlns:a14="http://schemas.microsoft.com/office/drawing/2010/main" val="0"/>
+              </a:ext>
+            </a:extLst>
+          </a:blip>
+          <a:stretch>
+            <a:fillRect/>
+          </a:stretch>
+        </p:blipFill>
+        <p:spPr>
+          <a:xfrm>
+            <a:off x="1224646" y="3501755"/>
+            <a:ext cx="1776720" cy="2589704"/>
+          </a:xfrm>
+          <a:prstGeom prst="rect">
+            <a:avLst/>
+          </a:prstGeom>
+          <a:ln>
+            <a:solidFill>
+              <a:schemeClr val="bg1">
+                <a:lumMod val="75000"/>
+              </a:schemeClr>
+            </a:solidFill>
+          </a:ln>
+        </p:spPr>
+      </p:pic>
+      <p:pic>
+        <p:nvPicPr>
+          <p:cNvPr id="13" name="Рисунок 12"/>
+          <p:cNvPicPr>
+            <a:picLocks noChangeAspect="1"/>
+          </p:cNvPicPr>
+          <p:nvPr/>
+        </p:nvPicPr>
+        <p:blipFill>
+          <a:blip r:embed="rId5">
+            <a:extLst>
+              <a:ext uri="{28A0092B-C50C-407E-A947-70E740481C1C}">
+                <a14:useLocalDpi xmlns:a14="http://schemas.microsoft.com/office/drawing/2010/main" val="0"/>
+              </a:ext>
+            </a:extLst>
+          </a:blip>
+          <a:stretch>
+            <a:fillRect/>
+          </a:stretch>
+        </p:blipFill>
+        <p:spPr>
+          <a:xfrm>
+            <a:off x="3614149" y="3501755"/>
+            <a:ext cx="1773578" cy="2585125"/>
+          </a:xfrm>
+          <a:prstGeom prst="rect">
+            <a:avLst/>
+          </a:prstGeom>
+          <a:ln>
+            <a:solidFill>
+              <a:schemeClr val="bg1">
+                <a:lumMod val="75000"/>
+              </a:schemeClr>
+            </a:solidFill>
+          </a:ln>
+        </p:spPr>
+      </p:pic>
+      <p:sp>
+        <p:nvSpPr>
+          <p:cNvPr id="14" name="Овал 13"/>
+          <p:cNvSpPr/>
+          <p:nvPr/>
+        </p:nvSpPr>
+        <p:spPr>
+          <a:xfrm>
+            <a:off x="1629247" y="4615115"/>
+            <a:ext cx="180000" cy="180000"/>
+          </a:xfrm>
+          <a:prstGeom prst="ellipse">
+            <a:avLst/>
+          </a:prstGeom>
+          <a:solidFill>
+            <a:schemeClr val="accent1">
+              <a:alpha val="50000"/>
+            </a:schemeClr>
+          </a:solidFill>
+          <a:ln>
+            <a:solidFill>
+              <a:schemeClr val="accent1"/>
+            </a:solidFill>
+          </a:ln>
+        </p:spPr>
+        <p:style>
+          <a:lnRef idx="2">
+            <a:schemeClr val="accent1">
+              <a:shade val="50000"/>
+            </a:schemeClr>
+          </a:lnRef>
+          <a:fillRef idx="1">
+            <a:schemeClr val="accent1"/>
+          </a:fillRef>
+          <a:effectRef idx="0">
+            <a:schemeClr val="accent1"/>
+          </a:effectRef>
+          <a:fontRef idx="minor">
+            <a:schemeClr val="lt1"/>
+          </a:fontRef>
+        </p:style>
+        <p:txBody>
+          <a:bodyPr rot="0" spcFirstLastPara="0" vertOverflow="overflow" horzOverflow="overflow" vert="horz" wrap="square" lIns="91440" tIns="45720" rIns="91440" bIns="45720" numCol="1" spcCol="0" rtlCol="0" fromWordArt="0" anchor="ctr" anchorCtr="0" forceAA="0" compatLnSpc="1">
+            <a:prstTxWarp prst="textNoShape">
+              <a:avLst/>
+            </a:prstTxWarp>
+            <a:noAutofit/>
+          </a:bodyPr>
+          <a:lstStyle/>
+          <a:p>
+            <a:pPr algn="ctr"/>
+            <a:endParaRPr lang="ru-RU"/>
+          </a:p>
+        </p:txBody>
+      </p:sp>
+      <p:cxnSp>
+        <p:nvCxnSpPr>
+          <p:cNvPr id="15" name="Прямая со стрелкой 14"/>
+          <p:cNvCxnSpPr>
+            <a:stCxn id="14" idx="7"/>
+          </p:cNvCxnSpPr>
+          <p:nvPr/>
+        </p:nvCxnSpPr>
+        <p:spPr>
+          <a:xfrm flipV="1">
+            <a:off x="1782887" y="3998362"/>
+            <a:ext cx="2272818" cy="643113"/>
+          </a:xfrm>
+          <a:prstGeom prst="straightConnector1">
+            <a:avLst/>
+          </a:prstGeom>
+          <a:ln>
+            <a:prstDash val="sysDash"/>
+            <a:tailEnd type="triangle"/>
+          </a:ln>
+        </p:spPr>
+        <p:style>
+          <a:lnRef idx="1">
+            <a:schemeClr val="accent1"/>
+          </a:lnRef>
+          <a:fillRef idx="0">
+            <a:schemeClr val="accent1"/>
+          </a:fillRef>
+          <a:effectRef idx="0">
+            <a:schemeClr val="accent1"/>
+          </a:effectRef>
+          <a:fontRef idx="minor">
+            <a:schemeClr val="tx1"/>
+          </a:fontRef>
+        </p:style>
+      </p:cxnSp>
+      <p:sp>
+        <p:nvSpPr>
+          <p:cNvPr id="16" name="TextBox 15"/>
+          <p:cNvSpPr txBox="1"/>
+          <p:nvPr/>
+        </p:nvSpPr>
+        <p:spPr>
+          <a:xfrm>
+            <a:off x="53234" y="6160804"/>
+            <a:ext cx="3492136" cy="600164"/>
+          </a:xfrm>
+          <a:prstGeom prst="rect">
+            <a:avLst/>
+          </a:prstGeom>
+          <a:noFill/>
+        </p:spPr>
+        <p:txBody>
+          <a:bodyPr wrap="square" rtlCol="0">
+            <a:spAutoFit/>
+          </a:bodyPr>
+          <a:lstStyle/>
+          <a:p>
+            <a:r>
+              <a:rPr lang="ru-RU" sz="1100" dirty="0" smtClean="0">
+                <a:solidFill>
+                  <a:schemeClr val="accent1">
+                    <a:lumMod val="75000"/>
+                  </a:schemeClr>
+                </a:solidFill>
+              </a:rPr>
+              <a:t>Время в столбце «Сейчас» идет согласно системному.</a:t>
+            </a:r>
+            <a:endParaRPr lang="ru-RU" sz="1100" dirty="0">
+              <a:solidFill>
+                <a:schemeClr val="accent1">
+                  <a:lumMod val="75000"/>
+                </a:schemeClr>
+              </a:solidFill>
+            </a:endParaRPr>
+          </a:p>
+          <a:p>
+            <a:r>
+              <a:rPr lang="ru-RU" sz="1100" dirty="0" smtClean="0">
+                <a:solidFill>
+                  <a:schemeClr val="accent1">
+                    <a:lumMod val="75000"/>
+                  </a:schemeClr>
+                </a:solidFill>
+              </a:rPr>
+              <a:t>Статистика показана за период с настоящей даты 00:00 часов до настоящей даты и время.</a:t>
+            </a:r>
+          </a:p>
+        </p:txBody>
+      </p:sp>
+      <p:sp>
+        <p:nvSpPr>
+          <p:cNvPr id="17" name="TextBox 16"/>
+          <p:cNvSpPr txBox="1"/>
+          <p:nvPr/>
+        </p:nvSpPr>
+        <p:spPr>
+          <a:xfrm>
+            <a:off x="3614149" y="6136250"/>
+            <a:ext cx="2264131" cy="261610"/>
+          </a:xfrm>
+          <a:prstGeom prst="rect">
+            <a:avLst/>
+          </a:prstGeom>
+          <a:noFill/>
+        </p:spPr>
+        <p:txBody>
+          <a:bodyPr wrap="square" rtlCol="0">
+            <a:spAutoFit/>
+          </a:bodyPr>
+          <a:lstStyle/>
+          <a:p>
+            <a:r>
+              <a:rPr lang="ru-RU" sz="1100" dirty="0" smtClean="0">
+                <a:solidFill>
+                  <a:schemeClr val="accent1">
+                    <a:lumMod val="75000"/>
+                  </a:schemeClr>
+                </a:solidFill>
+              </a:rPr>
+              <a:t>По дефолту стоит системная дата</a:t>
+            </a:r>
+          </a:p>
+        </p:txBody>
+      </p:sp>
+      <p:sp>
+        <p:nvSpPr>
+          <p:cNvPr id="18" name="TextBox 17"/>
+          <p:cNvSpPr txBox="1"/>
+          <p:nvPr/>
+        </p:nvSpPr>
+        <p:spPr>
+          <a:xfrm>
+            <a:off x="830302" y="3000957"/>
+            <a:ext cx="1962485" cy="430887"/>
+          </a:xfrm>
+          <a:prstGeom prst="rect">
+            <a:avLst/>
+          </a:prstGeom>
+          <a:noFill/>
+        </p:spPr>
+        <p:txBody>
+          <a:bodyPr wrap="square" rtlCol="0">
+            <a:spAutoFit/>
+          </a:bodyPr>
+          <a:lstStyle/>
+          <a:p>
+            <a:r>
+              <a:rPr lang="ru-RU" sz="1100" dirty="0" smtClean="0">
+                <a:solidFill>
+                  <a:schemeClr val="accent1">
+                    <a:lumMod val="75000"/>
+                  </a:schemeClr>
+                </a:solidFill>
+              </a:rPr>
+              <a:t>Дефолтный экран при каждом входе в приложение</a:t>
+            </a:r>
+          </a:p>
+        </p:txBody>
+      </p:sp>
+      <p:sp>
+        <p:nvSpPr>
+          <p:cNvPr id="19" name="Овал 18"/>
+          <p:cNvSpPr/>
+          <p:nvPr/>
+        </p:nvSpPr>
+        <p:spPr>
+          <a:xfrm>
+            <a:off x="2717862" y="4613433"/>
+            <a:ext cx="180000" cy="180000"/>
+          </a:xfrm>
+          <a:prstGeom prst="ellipse">
+            <a:avLst/>
+          </a:prstGeom>
+          <a:solidFill>
+            <a:schemeClr val="accent1">
+              <a:alpha val="50000"/>
+            </a:schemeClr>
+          </a:solidFill>
+          <a:ln>
+            <a:solidFill>
+              <a:schemeClr val="accent1"/>
+            </a:solidFill>
+          </a:ln>
+        </p:spPr>
+        <p:style>
+          <a:lnRef idx="2">
+            <a:schemeClr val="accent1">
+              <a:shade val="50000"/>
+            </a:schemeClr>
+          </a:lnRef>
+          <a:fillRef idx="1">
+            <a:schemeClr val="accent1"/>
+          </a:fillRef>
+          <a:effectRef idx="0">
+            <a:schemeClr val="accent1"/>
+          </a:effectRef>
+          <a:fontRef idx="minor">
+            <a:schemeClr val="lt1"/>
+          </a:fontRef>
+        </p:style>
+        <p:txBody>
+          <a:bodyPr rot="0" spcFirstLastPara="0" vertOverflow="overflow" horzOverflow="overflow" vert="horz" wrap="square" lIns="91440" tIns="45720" rIns="91440" bIns="45720" numCol="1" spcCol="0" rtlCol="0" fromWordArt="0" anchor="ctr" anchorCtr="0" forceAA="0" compatLnSpc="1">
+            <a:prstTxWarp prst="textNoShape">
+              <a:avLst/>
+            </a:prstTxWarp>
+            <a:noAutofit/>
+          </a:bodyPr>
+          <a:lstStyle/>
+          <a:p>
+            <a:pPr algn="ctr"/>
+            <a:endParaRPr lang="ru-RU"/>
+          </a:p>
+        </p:txBody>
+      </p:sp>
+      <p:cxnSp>
+        <p:nvCxnSpPr>
+          <p:cNvPr id="20" name="Прямая со стрелкой 19"/>
+          <p:cNvCxnSpPr>
+            <a:stCxn id="19" idx="7"/>
+          </p:cNvCxnSpPr>
+          <p:nvPr/>
+        </p:nvCxnSpPr>
+        <p:spPr>
+          <a:xfrm flipV="1">
+            <a:off x="2871502" y="4127141"/>
+            <a:ext cx="1217337" cy="512652"/>
+          </a:xfrm>
+          <a:prstGeom prst="straightConnector1">
+            <a:avLst/>
+          </a:prstGeom>
+          <a:ln>
+            <a:prstDash val="sysDash"/>
+            <a:tailEnd type="triangle"/>
+          </a:ln>
+        </p:spPr>
+        <p:style>
+          <a:lnRef idx="1">
+            <a:schemeClr val="accent1"/>
+          </a:lnRef>
+          <a:fillRef idx="0">
+            <a:schemeClr val="accent1"/>
+          </a:fillRef>
+          <a:effectRef idx="0">
+            <a:schemeClr val="accent1"/>
+          </a:effectRef>
+          <a:fontRef idx="minor">
+            <a:schemeClr val="tx1"/>
+          </a:fontRef>
+        </p:style>
+      </p:cxnSp>
+      <p:sp>
+        <p:nvSpPr>
+          <p:cNvPr id="23" name="TextBox 22"/>
+          <p:cNvSpPr txBox="1"/>
+          <p:nvPr/>
+        </p:nvSpPr>
+        <p:spPr>
+          <a:xfrm>
+            <a:off x="3155006" y="3067243"/>
+            <a:ext cx="1427355" cy="261610"/>
+          </a:xfrm>
+          <a:prstGeom prst="rect">
+            <a:avLst/>
+          </a:prstGeom>
+          <a:noFill/>
+        </p:spPr>
+        <p:txBody>
+          <a:bodyPr wrap="square" rtlCol="0">
+            <a:spAutoFit/>
+          </a:bodyPr>
+          <a:lstStyle/>
+          <a:p>
+            <a:r>
+              <a:rPr lang="ru-RU" sz="1100" dirty="0" smtClean="0">
+                <a:solidFill>
+                  <a:schemeClr val="accent1">
+                    <a:lumMod val="75000"/>
+                  </a:schemeClr>
+                </a:solidFill>
+              </a:rPr>
+              <a:t>Общий пробег авто</a:t>
+            </a:r>
+          </a:p>
+        </p:txBody>
+      </p:sp>
+      <p:cxnSp>
+        <p:nvCxnSpPr>
+          <p:cNvPr id="24" name="Прямая со стрелкой 23"/>
+          <p:cNvCxnSpPr/>
+          <p:nvPr/>
+        </p:nvCxnSpPr>
+        <p:spPr>
+          <a:xfrm flipH="1">
+            <a:off x="2871502" y="3328853"/>
+            <a:ext cx="488092" cy="721043"/>
+          </a:xfrm>
+          <a:prstGeom prst="straightConnector1">
+            <a:avLst/>
+          </a:prstGeom>
+          <a:ln>
+            <a:prstDash val="sysDash"/>
+            <a:tailEnd type="triangle"/>
+          </a:ln>
+        </p:spPr>
+        <p:style>
+          <a:lnRef idx="1">
+            <a:schemeClr val="accent1"/>
+          </a:lnRef>
+          <a:fillRef idx="0">
+            <a:schemeClr val="accent1"/>
+          </a:fillRef>
+          <a:effectRef idx="0">
+            <a:schemeClr val="accent1"/>
+          </a:effectRef>
+          <a:fontRef idx="minor">
+            <a:schemeClr val="tx1"/>
+          </a:fontRef>
+        </p:style>
+      </p:cxnSp>
+      <p:sp>
+        <p:nvSpPr>
+          <p:cNvPr id="27" name="Овал 26"/>
+          <p:cNvSpPr/>
+          <p:nvPr/>
+        </p:nvSpPr>
+        <p:spPr>
+          <a:xfrm>
+            <a:off x="2482449" y="3723198"/>
+            <a:ext cx="180000" cy="180000"/>
+          </a:xfrm>
+          <a:prstGeom prst="ellipse">
+            <a:avLst/>
+          </a:prstGeom>
+          <a:solidFill>
+            <a:schemeClr val="accent1">
+              <a:alpha val="50000"/>
+            </a:schemeClr>
+          </a:solidFill>
+          <a:ln>
+            <a:solidFill>
+              <a:schemeClr val="accent1"/>
+            </a:solidFill>
+          </a:ln>
+        </p:spPr>
+        <p:style>
+          <a:lnRef idx="2">
+            <a:schemeClr val="accent1">
+              <a:shade val="50000"/>
+            </a:schemeClr>
+          </a:lnRef>
+          <a:fillRef idx="1">
+            <a:schemeClr val="accent1"/>
+          </a:fillRef>
+          <a:effectRef idx="0">
+            <a:schemeClr val="accent1"/>
+          </a:effectRef>
+          <a:fontRef idx="minor">
+            <a:schemeClr val="lt1"/>
+          </a:fontRef>
+        </p:style>
+        <p:txBody>
+          <a:bodyPr rot="0" spcFirstLastPara="0" vertOverflow="overflow" horzOverflow="overflow" vert="horz" wrap="square" lIns="91440" tIns="45720" rIns="91440" bIns="45720" numCol="1" spcCol="0" rtlCol="0" fromWordArt="0" anchor="ctr" anchorCtr="0" forceAA="0" compatLnSpc="1">
+            <a:prstTxWarp prst="textNoShape">
+              <a:avLst/>
+            </a:prstTxWarp>
+            <a:noAutofit/>
+          </a:bodyPr>
+          <a:lstStyle/>
+          <a:p>
+            <a:pPr algn="ctr"/>
+            <a:endParaRPr lang="ru-RU"/>
+          </a:p>
+        </p:txBody>
+      </p:sp>
+      <p:cxnSp>
+        <p:nvCxnSpPr>
+          <p:cNvPr id="28" name="Прямая со стрелкой 27"/>
+          <p:cNvCxnSpPr>
+            <a:stCxn id="27" idx="7"/>
+          </p:cNvCxnSpPr>
+          <p:nvPr/>
+        </p:nvCxnSpPr>
+        <p:spPr>
+          <a:xfrm flipV="1">
+            <a:off x="2636089" y="2429030"/>
+            <a:ext cx="844081" cy="1320528"/>
+          </a:xfrm>
+          <a:prstGeom prst="straightConnector1">
+            <a:avLst/>
+          </a:prstGeom>
+          <a:ln>
+            <a:prstDash val="sysDash"/>
+            <a:tailEnd type="triangle"/>
+          </a:ln>
+        </p:spPr>
+        <p:style>
+          <a:lnRef idx="1">
+            <a:schemeClr val="accent1"/>
+          </a:lnRef>
+          <a:fillRef idx="0">
+            <a:schemeClr val="accent1"/>
+          </a:fillRef>
+          <a:effectRef idx="0">
+            <a:schemeClr val="accent1"/>
+          </a:effectRef>
+          <a:fontRef idx="minor">
+            <a:schemeClr val="tx1"/>
+          </a:fontRef>
+        </p:style>
+      </p:cxnSp>
+    </p:spTree>
+    <p:extLst>
+      <p:ext uri="{BB962C8B-B14F-4D97-AF65-F5344CB8AC3E}">
+        <p14:creationId xmlns:p14="http://schemas.microsoft.com/office/powerpoint/2010/main" val="3881302247"/>
+      </p:ext>
+    </p:extLst>
+  </p:cSld>
+  <p:clrMapOvr>
+    <a:masterClrMapping/>
+  </p:clrMapOvr>
+</p:sld>
+</file>
+
+<file path=ppt/slides/slide14.xml><?xml version="1.0" encoding="utf-8"?>
+<p:sld xmlns:a="http://schemas.openxmlformats.org/drawingml/2006/main" xmlns:r="http://schemas.openxmlformats.org/officeDocument/2006/relationships" xmlns:p="http://schemas.openxmlformats.org/presentationml/2006/main">
+  <p:cSld>
+    <p:spTree>
+      <p:nvGrpSpPr>
+        <p:cNvPr id="1" name=""/>
+        <p:cNvGrpSpPr/>
+        <p:nvPr/>
+      </p:nvGrpSpPr>
+      <p:grpSpPr>
+        <a:xfrm>
+          <a:off x="0" y="0"/>
+          <a:ext cx="0" cy="0"/>
+          <a:chOff x="0" y="0"/>
+          <a:chExt cx="0" cy="0"/>
+        </a:xfrm>
+      </p:grpSpPr>
+      <p:pic>
+        <p:nvPicPr>
+          <p:cNvPr id="43" name="Рисунок 42"/>
+          <p:cNvPicPr>
+            <a:picLocks noChangeAspect="1"/>
+          </p:cNvPicPr>
+          <p:nvPr/>
+        </p:nvPicPr>
+        <p:blipFill>
+          <a:blip r:embed="rId2">
+            <a:extLst>
+              <a:ext uri="{28A0092B-C50C-407E-A947-70E740481C1C}">
+                <a14:useLocalDpi xmlns:a14="http://schemas.microsoft.com/office/drawing/2010/main" val="0"/>
+              </a:ext>
+            </a:extLst>
+          </a:blip>
+          <a:stretch>
+            <a:fillRect/>
+          </a:stretch>
+        </p:blipFill>
+        <p:spPr>
+          <a:xfrm>
+            <a:off x="2489029" y="3325546"/>
+            <a:ext cx="1784031" cy="2600361"/>
+          </a:xfrm>
+          <a:prstGeom prst="rect">
+            <a:avLst/>
+          </a:prstGeom>
+          <a:ln>
+            <a:solidFill>
+              <a:schemeClr val="bg1">
+                <a:lumMod val="75000"/>
+              </a:schemeClr>
+            </a:solidFill>
+          </a:ln>
+        </p:spPr>
+      </p:pic>
+      <p:pic>
+        <p:nvPicPr>
+          <p:cNvPr id="19" name="Рисунок 18"/>
+          <p:cNvPicPr>
+            <a:picLocks noChangeAspect="1"/>
+          </p:cNvPicPr>
+          <p:nvPr/>
+        </p:nvPicPr>
+        <p:blipFill>
+          <a:blip r:embed="rId3">
+            <a:extLst>
+              <a:ext uri="{28A0092B-C50C-407E-A947-70E740481C1C}">
+                <a14:useLocalDpi xmlns:a14="http://schemas.microsoft.com/office/drawing/2010/main" val="0"/>
+              </a:ext>
+            </a:extLst>
+          </a:blip>
+          <a:stretch>
+            <a:fillRect/>
+          </a:stretch>
+        </p:blipFill>
+        <p:spPr>
+          <a:xfrm>
+            <a:off x="2502969" y="530992"/>
+            <a:ext cx="1780476" cy="2595179"/>
+          </a:xfrm>
+          <a:prstGeom prst="rect">
+            <a:avLst/>
+          </a:prstGeom>
+          <a:ln>
+            <a:solidFill>
+              <a:schemeClr val="bg1">
+                <a:lumMod val="75000"/>
+              </a:schemeClr>
+            </a:solidFill>
+          </a:ln>
+        </p:spPr>
+      </p:pic>
+      <p:sp>
+        <p:nvSpPr>
+          <p:cNvPr id="23" name="Овал 22"/>
+          <p:cNvSpPr/>
+          <p:nvPr/>
+        </p:nvSpPr>
+        <p:spPr>
+          <a:xfrm>
+            <a:off x="2604212" y="1625692"/>
+            <a:ext cx="522952" cy="267064"/>
+          </a:xfrm>
+          <a:prstGeom prst="ellipse">
+            <a:avLst/>
+          </a:prstGeom>
+          <a:noFill/>
+          <a:ln>
+            <a:solidFill>
+              <a:schemeClr val="accent1"/>
+            </a:solidFill>
+          </a:ln>
+        </p:spPr>
+        <p:style>
+          <a:lnRef idx="2">
+            <a:schemeClr val="accent1">
+              <a:shade val="50000"/>
+            </a:schemeClr>
+          </a:lnRef>
+          <a:fillRef idx="1">
+            <a:schemeClr val="accent1"/>
+          </a:fillRef>
+          <a:effectRef idx="0">
+            <a:schemeClr val="accent1"/>
+          </a:effectRef>
+          <a:fontRef idx="minor">
+            <a:schemeClr val="lt1"/>
+          </a:fontRef>
+        </p:style>
+        <p:txBody>
+          <a:bodyPr rot="0" spcFirstLastPara="0" vertOverflow="overflow" horzOverflow="overflow" vert="horz" wrap="square" lIns="91440" tIns="45720" rIns="91440" bIns="45720" numCol="1" spcCol="0" rtlCol="0" fromWordArt="0" anchor="ctr" anchorCtr="0" forceAA="0" compatLnSpc="1">
+            <a:prstTxWarp prst="textNoShape">
+              <a:avLst/>
+            </a:prstTxWarp>
+            <a:noAutofit/>
+          </a:bodyPr>
+          <a:lstStyle/>
+          <a:p>
+            <a:pPr algn="ctr"/>
+            <a:endParaRPr lang="ru-RU"/>
+          </a:p>
+        </p:txBody>
+      </p:sp>
+      <p:sp>
+        <p:nvSpPr>
+          <p:cNvPr id="24" name="Овал 23"/>
+          <p:cNvSpPr/>
+          <p:nvPr/>
+        </p:nvSpPr>
+        <p:spPr>
+          <a:xfrm>
+            <a:off x="3030885" y="2458556"/>
+            <a:ext cx="180000" cy="180000"/>
+          </a:xfrm>
+          <a:prstGeom prst="ellipse">
+            <a:avLst/>
+          </a:prstGeom>
+          <a:solidFill>
+            <a:schemeClr val="accent1">
+              <a:alpha val="50000"/>
+            </a:schemeClr>
+          </a:solidFill>
+          <a:ln>
+            <a:solidFill>
+              <a:schemeClr val="accent1"/>
+            </a:solidFill>
+          </a:ln>
+        </p:spPr>
+        <p:style>
+          <a:lnRef idx="2">
+            <a:schemeClr val="accent1">
+              <a:shade val="50000"/>
+            </a:schemeClr>
+          </a:lnRef>
+          <a:fillRef idx="1">
+            <a:schemeClr val="accent1"/>
+          </a:fillRef>
+          <a:effectRef idx="0">
+            <a:schemeClr val="accent1"/>
+          </a:effectRef>
+          <a:fontRef idx="minor">
+            <a:schemeClr val="lt1"/>
+          </a:fontRef>
+        </p:style>
+        <p:txBody>
+          <a:bodyPr rot="0" spcFirstLastPara="0" vertOverflow="overflow" horzOverflow="overflow" vert="horz" wrap="square" lIns="91440" tIns="45720" rIns="91440" bIns="45720" numCol="1" spcCol="0" rtlCol="0" fromWordArt="0" anchor="ctr" anchorCtr="0" forceAA="0" compatLnSpc="1">
+            <a:prstTxWarp prst="textNoShape">
+              <a:avLst/>
+            </a:prstTxWarp>
+            <a:noAutofit/>
+          </a:bodyPr>
+          <a:lstStyle/>
+          <a:p>
+            <a:pPr algn="ctr"/>
+            <a:endParaRPr lang="ru-RU"/>
+          </a:p>
+        </p:txBody>
+      </p:sp>
+      <p:sp>
+        <p:nvSpPr>
+          <p:cNvPr id="26" name="TextBox 25"/>
+          <p:cNvSpPr txBox="1"/>
+          <p:nvPr/>
+        </p:nvSpPr>
+        <p:spPr>
+          <a:xfrm>
+            <a:off x="4639281" y="1078777"/>
+            <a:ext cx="3599267" cy="4493538"/>
+          </a:xfrm>
+          <a:prstGeom prst="rect">
+            <a:avLst/>
+          </a:prstGeom>
+          <a:noFill/>
+        </p:spPr>
+        <p:txBody>
+          <a:bodyPr wrap="square" rtlCol="0">
+            <a:spAutoFit/>
+          </a:bodyPr>
+          <a:lstStyle/>
+          <a:p>
+            <a:pPr marL="171450" indent="-171450">
+              <a:buFont typeface="Wingdings" panose="05000000000000000000" pitchFamily="2" charset="2"/>
+              <a:buChar char="§"/>
+            </a:pPr>
+            <a:r>
+              <a:rPr lang="ru-RU" sz="1100" dirty="0" smtClean="0">
+                <a:solidFill>
+                  <a:schemeClr val="accent1">
+                    <a:lumMod val="75000"/>
+                  </a:schemeClr>
+                </a:solidFill>
+              </a:rPr>
+              <a:t>Дата установлена (Начало пути) - юзеру доступен выбор временной </a:t>
+            </a:r>
+            <a:r>
+              <a:rPr lang="ru-RU" sz="1100" dirty="0">
+                <a:solidFill>
+                  <a:schemeClr val="accent1">
+                    <a:lumMod val="75000"/>
+                  </a:schemeClr>
+                </a:solidFill>
+              </a:rPr>
+              <a:t>точки всех запусков двигателя за </a:t>
+            </a:r>
+            <a:r>
+              <a:rPr lang="ru-RU" sz="1100" dirty="0" smtClean="0">
+                <a:solidFill>
+                  <a:schemeClr val="accent1">
+                    <a:lumMod val="75000"/>
+                  </a:schemeClr>
+                </a:solidFill>
+              </a:rPr>
+              <a:t>выбранную дату (с </a:t>
+            </a:r>
+            <a:r>
+              <a:rPr lang="ru-RU" sz="1100" dirty="0">
+                <a:solidFill>
+                  <a:schemeClr val="accent1">
+                    <a:lumMod val="75000"/>
+                  </a:schemeClr>
+                </a:solidFill>
+              </a:rPr>
+              <a:t>00:00 до </a:t>
+            </a:r>
+            <a:r>
+              <a:rPr lang="ru-RU" sz="1100" dirty="0" smtClean="0">
+                <a:solidFill>
+                  <a:schemeClr val="accent1">
+                    <a:lumMod val="75000"/>
+                  </a:schemeClr>
+                </a:solidFill>
+              </a:rPr>
+              <a:t>23:59) как только он нажал «Готово» в календаре</a:t>
+            </a:r>
+          </a:p>
+          <a:p>
+            <a:pPr marL="171450" indent="-171450">
+              <a:buFont typeface="Wingdings" panose="05000000000000000000" pitchFamily="2" charset="2"/>
+              <a:buChar char="§"/>
+            </a:pPr>
+            <a:r>
+              <a:rPr lang="ru-RU" sz="1100" dirty="0" smtClean="0">
+                <a:solidFill>
+                  <a:schemeClr val="accent1">
+                    <a:lumMod val="75000"/>
+                  </a:schemeClr>
+                </a:solidFill>
+              </a:rPr>
+              <a:t>Дата </a:t>
+            </a:r>
+            <a:r>
+              <a:rPr lang="ru-RU" sz="1100" dirty="0">
+                <a:solidFill>
+                  <a:schemeClr val="accent1">
+                    <a:lumMod val="75000"/>
+                  </a:schemeClr>
+                </a:solidFill>
+              </a:rPr>
+              <a:t>установлена </a:t>
+            </a:r>
+            <a:r>
+              <a:rPr lang="ru-RU" sz="1100" dirty="0" smtClean="0">
+                <a:solidFill>
+                  <a:schemeClr val="accent1">
+                    <a:lumMod val="75000"/>
+                  </a:schemeClr>
+                </a:solidFill>
+              </a:rPr>
+              <a:t>(Завершение </a:t>
+            </a:r>
+            <a:r>
+              <a:rPr lang="ru-RU" sz="1100" dirty="0">
+                <a:solidFill>
+                  <a:schemeClr val="accent1">
+                    <a:lumMod val="75000"/>
+                  </a:schemeClr>
+                </a:solidFill>
+              </a:rPr>
+              <a:t>пути) - юзеру доступен выбор временной точки всех </a:t>
+            </a:r>
+            <a:r>
+              <a:rPr lang="ru-RU" sz="1100" dirty="0" smtClean="0">
+                <a:solidFill>
+                  <a:schemeClr val="accent1">
+                    <a:lumMod val="75000"/>
+                  </a:schemeClr>
+                </a:solidFill>
+              </a:rPr>
+              <a:t>выкл. </a:t>
+            </a:r>
+            <a:r>
+              <a:rPr lang="ru-RU" sz="1100" dirty="0">
+                <a:solidFill>
+                  <a:schemeClr val="accent1">
+                    <a:lumMod val="75000"/>
+                  </a:schemeClr>
+                </a:solidFill>
+              </a:rPr>
+              <a:t>двигателя за </a:t>
+            </a:r>
+            <a:r>
+              <a:rPr lang="ru-RU" sz="1100" dirty="0" smtClean="0">
+                <a:solidFill>
+                  <a:schemeClr val="accent1">
+                    <a:lumMod val="75000"/>
+                  </a:schemeClr>
+                </a:solidFill>
+              </a:rPr>
+              <a:t>выбранную дату (с </a:t>
+            </a:r>
+            <a:r>
+              <a:rPr lang="ru-RU" sz="1100" dirty="0">
+                <a:solidFill>
+                  <a:schemeClr val="accent1">
+                    <a:lumMod val="75000"/>
+                  </a:schemeClr>
+                </a:solidFill>
+              </a:rPr>
+              <a:t>00:00 до 23:59 установленной даты) как только он нажал «Готово» в календаре</a:t>
+            </a:r>
+          </a:p>
+          <a:p>
+            <a:pPr marL="171450" indent="-171450">
+              <a:buFont typeface="Wingdings" panose="05000000000000000000" pitchFamily="2" charset="2"/>
+              <a:buChar char="§"/>
+            </a:pPr>
+            <a:r>
+              <a:rPr lang="ru-RU" sz="1100" dirty="0" smtClean="0">
+                <a:solidFill>
+                  <a:schemeClr val="accent1">
+                    <a:lumMod val="75000"/>
+                  </a:schemeClr>
+                </a:solidFill>
+              </a:rPr>
+              <a:t>Выбор времени не доступен пока не установлена дата.</a:t>
+            </a:r>
+          </a:p>
+          <a:p>
+            <a:pPr marL="171450" indent="-171450">
+              <a:buFont typeface="Wingdings" panose="05000000000000000000" pitchFamily="2" charset="2"/>
+              <a:buChar char="§"/>
+            </a:pPr>
+            <a:r>
+              <a:rPr lang="ru-RU" sz="1100" dirty="0" smtClean="0">
+                <a:solidFill>
+                  <a:schemeClr val="accent1">
+                    <a:lumMod val="75000"/>
+                  </a:schemeClr>
+                </a:solidFill>
+              </a:rPr>
+              <a:t>Во </a:t>
+            </a:r>
+            <a:r>
+              <a:rPr lang="ru-RU" sz="1100" dirty="0">
+                <a:solidFill>
+                  <a:schemeClr val="accent1">
+                    <a:lumMod val="75000"/>
+                  </a:schemeClr>
+                </a:solidFill>
+              </a:rPr>
+              <a:t>время выбора времени, бокс статистики меняет цвет. После того как время установлено - цвет становится акцентным, что визуализирует окончание перерасчета.</a:t>
+            </a:r>
+          </a:p>
+          <a:p>
+            <a:pPr marL="171450" indent="-171450">
+              <a:buFont typeface="Wingdings" panose="05000000000000000000" pitchFamily="2" charset="2"/>
+              <a:buChar char="§"/>
+            </a:pPr>
+            <a:r>
+              <a:rPr lang="ru-RU" sz="1100" dirty="0" smtClean="0">
+                <a:solidFill>
+                  <a:schemeClr val="accent1">
+                    <a:lumMod val="75000"/>
+                  </a:schemeClr>
+                </a:solidFill>
+              </a:rPr>
+              <a:t>При выборе времени:</a:t>
+            </a:r>
+          </a:p>
+          <a:p>
+            <a:pPr marL="628598" lvl="1" indent="-171450">
+              <a:buFont typeface="Wingdings" panose="05000000000000000000" pitchFamily="2" charset="2"/>
+              <a:buChar char="§"/>
+            </a:pPr>
+            <a:r>
+              <a:rPr lang="ru-RU" sz="1100" dirty="0" smtClean="0">
+                <a:solidFill>
+                  <a:schemeClr val="accent1">
+                    <a:lumMod val="75000"/>
+                  </a:schemeClr>
+                </a:solidFill>
+              </a:rPr>
+              <a:t>В </a:t>
+            </a:r>
+            <a:r>
+              <a:rPr lang="ru-RU" sz="1100" dirty="0">
+                <a:solidFill>
+                  <a:schemeClr val="accent1">
+                    <a:lumMod val="75000"/>
+                  </a:schemeClr>
+                </a:solidFill>
+              </a:rPr>
+              <a:t>столбце «Сегодня» сохраняется всегда вариант </a:t>
+            </a:r>
+            <a:r>
+              <a:rPr lang="ru-RU" sz="1100" dirty="0" smtClean="0">
+                <a:solidFill>
+                  <a:schemeClr val="accent1">
+                    <a:lumMod val="75000"/>
+                  </a:schemeClr>
+                </a:solidFill>
+              </a:rPr>
+              <a:t>00:00</a:t>
+            </a:r>
+          </a:p>
+          <a:p>
+            <a:pPr marL="628598" lvl="1" indent="-171450">
+              <a:buFont typeface="Wingdings" panose="05000000000000000000" pitchFamily="2" charset="2"/>
+              <a:buChar char="§"/>
+            </a:pPr>
+            <a:r>
+              <a:rPr lang="ru-RU" sz="1100" dirty="0" smtClean="0">
+                <a:solidFill>
+                  <a:schemeClr val="accent1">
+                    <a:lumMod val="75000"/>
+                  </a:schemeClr>
+                </a:solidFill>
+              </a:rPr>
+              <a:t>в </a:t>
+            </a:r>
+            <a:r>
+              <a:rPr lang="ru-RU" sz="1100" dirty="0">
+                <a:solidFill>
+                  <a:schemeClr val="accent1">
+                    <a:lumMod val="75000"/>
+                  </a:schemeClr>
+                </a:solidFill>
+              </a:rPr>
+              <a:t>столбце «Сейчас» – </a:t>
+            </a:r>
+            <a:r>
+              <a:rPr lang="ru-RU" sz="1100" dirty="0" smtClean="0">
+                <a:solidFill>
+                  <a:schemeClr val="accent1">
+                    <a:lumMod val="75000"/>
+                  </a:schemeClr>
+                </a:solidFill>
+              </a:rPr>
+              <a:t>«Текущее» и 23:59.</a:t>
+            </a:r>
+          </a:p>
+          <a:p>
+            <a:pPr marL="171450" indent="-171450">
+              <a:buFont typeface="Wingdings" panose="05000000000000000000" pitchFamily="2" charset="2"/>
+              <a:buChar char="§"/>
+            </a:pPr>
+            <a:r>
+              <a:rPr lang="ru-RU" sz="1100" dirty="0" smtClean="0">
+                <a:solidFill>
+                  <a:schemeClr val="accent1">
+                    <a:lumMod val="75000"/>
+                  </a:schemeClr>
+                </a:solidFill>
+              </a:rPr>
+              <a:t>Подсчет статистики происходит каждый раз как только меняется один из временных параметров.</a:t>
+            </a:r>
+          </a:p>
+          <a:p>
+            <a:pPr marL="171450" indent="-171450">
+              <a:buFont typeface="Wingdings" panose="05000000000000000000" pitchFamily="2" charset="2"/>
+              <a:buChar char="§"/>
+            </a:pPr>
+            <a:r>
+              <a:rPr lang="ru-RU" sz="1100" dirty="0" smtClean="0">
+                <a:solidFill>
+                  <a:schemeClr val="accent1">
+                    <a:lumMod val="75000"/>
+                  </a:schemeClr>
+                </a:solidFill>
+              </a:rPr>
+              <a:t>«Текущее» доступно при любой дате. При нажатии на «Текущее» параметры (дата и время) выставляются в дефолтное состояние («Сейчас» и системное значение времени).</a:t>
+            </a:r>
+            <a:endParaRPr lang="ru-RU" sz="1100" dirty="0">
+              <a:solidFill>
+                <a:schemeClr val="accent1">
+                  <a:lumMod val="75000"/>
+                </a:schemeClr>
+              </a:solidFill>
+            </a:endParaRPr>
+          </a:p>
+          <a:p>
+            <a:pPr marL="171450" indent="-171450">
+              <a:buFont typeface="Wingdings" panose="05000000000000000000" pitchFamily="2" charset="2"/>
+              <a:buChar char="§"/>
+            </a:pPr>
+            <a:endParaRPr lang="ru-RU" sz="1100" dirty="0" smtClean="0">
+              <a:solidFill>
+                <a:schemeClr val="accent1">
+                  <a:lumMod val="75000"/>
+                </a:schemeClr>
+              </a:solidFill>
+            </a:endParaRPr>
+          </a:p>
+        </p:txBody>
+      </p:sp>
+      <p:sp>
+        <p:nvSpPr>
+          <p:cNvPr id="33" name="TextBox 32"/>
+          <p:cNvSpPr txBox="1">
+            <a:spLocks noChangeAspect="1"/>
+          </p:cNvSpPr>
+          <p:nvPr/>
+        </p:nvSpPr>
+        <p:spPr>
+          <a:xfrm>
+            <a:off x="185918" y="-5561"/>
+            <a:ext cx="3599140" cy="308235"/>
+          </a:xfrm>
+          <a:prstGeom prst="rect">
+            <a:avLst/>
+          </a:prstGeom>
+          <a:noFill/>
+        </p:spPr>
+        <p:txBody>
+          <a:bodyPr wrap="square" rtlCol="0">
+            <a:noAutofit/>
+          </a:bodyPr>
+          <a:lstStyle/>
+          <a:p>
+            <a:r>
+              <a:rPr lang="ru-RU" sz="1500" b="1" u="sng" dirty="0" smtClean="0">
+                <a:solidFill>
+                  <a:schemeClr val="accent5"/>
+                </a:solidFill>
+              </a:rPr>
+              <a:t>БК – 2</a:t>
+            </a:r>
+          </a:p>
+        </p:txBody>
+      </p:sp>
+      <p:pic>
+        <p:nvPicPr>
+          <p:cNvPr id="15" name="Рисунок 14"/>
+          <p:cNvPicPr>
+            <a:picLocks noChangeAspect="1"/>
+          </p:cNvPicPr>
+          <p:nvPr/>
+        </p:nvPicPr>
+        <p:blipFill>
+          <a:blip r:embed="rId4">
+            <a:extLst>
+              <a:ext uri="{28A0092B-C50C-407E-A947-70E740481C1C}">
+                <a14:useLocalDpi xmlns:a14="http://schemas.microsoft.com/office/drawing/2010/main" val="0"/>
+              </a:ext>
+            </a:extLst>
+          </a:blip>
+          <a:stretch>
+            <a:fillRect/>
+          </a:stretch>
+        </p:blipFill>
+        <p:spPr>
+          <a:xfrm>
+            <a:off x="337115" y="653644"/>
+            <a:ext cx="1777402" cy="2590699"/>
+          </a:xfrm>
+          <a:prstGeom prst="rect">
+            <a:avLst/>
+          </a:prstGeom>
+          <a:ln>
+            <a:solidFill>
+              <a:schemeClr val="bg1">
+                <a:lumMod val="75000"/>
+              </a:schemeClr>
+            </a:solidFill>
+          </a:ln>
+        </p:spPr>
+      </p:pic>
+      <p:pic>
+        <p:nvPicPr>
+          <p:cNvPr id="16" name="Рисунок 15"/>
+          <p:cNvPicPr>
+            <a:picLocks noChangeAspect="1"/>
+          </p:cNvPicPr>
+          <p:nvPr/>
+        </p:nvPicPr>
+        <p:blipFill>
+          <a:blip r:embed="rId5">
+            <a:extLst>
+              <a:ext uri="{28A0092B-C50C-407E-A947-70E740481C1C}">
+                <a14:useLocalDpi xmlns:a14="http://schemas.microsoft.com/office/drawing/2010/main" val="0"/>
+              </a:ext>
+            </a:extLst>
+          </a:blip>
+          <a:stretch>
+            <a:fillRect/>
+          </a:stretch>
+        </p:blipFill>
+        <p:spPr>
+          <a:xfrm>
+            <a:off x="337114" y="3377875"/>
+            <a:ext cx="1777403" cy="2590699"/>
+          </a:xfrm>
+          <a:prstGeom prst="rect">
+            <a:avLst/>
+          </a:prstGeom>
+          <a:ln>
+            <a:solidFill>
+              <a:schemeClr val="bg1">
+                <a:lumMod val="75000"/>
+              </a:schemeClr>
+            </a:solidFill>
+          </a:ln>
+        </p:spPr>
+      </p:pic>
+      <p:sp>
+        <p:nvSpPr>
+          <p:cNvPr id="34" name="TextBox 33"/>
+          <p:cNvSpPr txBox="1"/>
+          <p:nvPr/>
+        </p:nvSpPr>
+        <p:spPr>
+          <a:xfrm>
+            <a:off x="337114" y="222757"/>
+            <a:ext cx="2497697" cy="430887"/>
+          </a:xfrm>
+          <a:prstGeom prst="rect">
+            <a:avLst/>
+          </a:prstGeom>
+          <a:noFill/>
+        </p:spPr>
+        <p:txBody>
+          <a:bodyPr wrap="square" rtlCol="0">
+            <a:spAutoFit/>
+          </a:bodyPr>
+          <a:lstStyle/>
+          <a:p>
+            <a:r>
+              <a:rPr lang="ru-RU" sz="1100" dirty="0" smtClean="0">
+                <a:solidFill>
+                  <a:schemeClr val="accent1">
+                    <a:lumMod val="75000"/>
+                  </a:schemeClr>
+                </a:solidFill>
+              </a:rPr>
+              <a:t>Дефолтный экран (при двигатель </a:t>
+            </a:r>
+            <a:r>
+              <a:rPr lang="ru-RU" sz="1100" dirty="0" err="1" smtClean="0">
+                <a:solidFill>
+                  <a:schemeClr val="accent1">
+                    <a:lumMod val="75000"/>
+                  </a:schemeClr>
+                </a:solidFill>
+              </a:rPr>
+              <a:t>вкл</a:t>
+            </a:r>
+            <a:r>
+              <a:rPr lang="ru-RU" sz="1100" dirty="0" smtClean="0">
+                <a:solidFill>
+                  <a:schemeClr val="accent1">
+                    <a:lumMod val="75000"/>
+                  </a:schemeClr>
+                </a:solidFill>
+              </a:rPr>
+              <a:t>): счетчик идет от 00:00 </a:t>
+            </a:r>
+          </a:p>
+        </p:txBody>
+      </p:sp>
+      <p:sp>
+        <p:nvSpPr>
+          <p:cNvPr id="35" name="TextBox 34"/>
+          <p:cNvSpPr txBox="1"/>
+          <p:nvPr/>
+        </p:nvSpPr>
+        <p:spPr>
+          <a:xfrm>
+            <a:off x="185918" y="6044079"/>
+            <a:ext cx="2808686" cy="769441"/>
+          </a:xfrm>
+          <a:prstGeom prst="rect">
+            <a:avLst/>
+          </a:prstGeom>
+          <a:noFill/>
+        </p:spPr>
+        <p:txBody>
+          <a:bodyPr wrap="square" rtlCol="0">
+            <a:spAutoFit/>
+          </a:bodyPr>
+          <a:lstStyle/>
+          <a:p>
+            <a:r>
+              <a:rPr lang="ru-RU" sz="1100" dirty="0" smtClean="0">
+                <a:solidFill>
+                  <a:schemeClr val="accent1">
+                    <a:lumMod val="75000"/>
+                  </a:schemeClr>
+                </a:solidFill>
+              </a:rPr>
+              <a:t>Дефолтный экран (при двигатель </a:t>
+            </a:r>
+            <a:r>
+              <a:rPr lang="ru-RU" sz="1100" dirty="0" err="1" smtClean="0">
+                <a:solidFill>
+                  <a:schemeClr val="accent1">
+                    <a:lumMod val="75000"/>
+                  </a:schemeClr>
+                </a:solidFill>
+              </a:rPr>
+              <a:t>выкл</a:t>
+            </a:r>
+            <a:r>
+              <a:rPr lang="ru-RU" sz="1100" dirty="0" smtClean="0">
+                <a:solidFill>
+                  <a:schemeClr val="accent1">
+                    <a:lumMod val="75000"/>
+                  </a:schemeClr>
+                </a:solidFill>
+              </a:rPr>
+              <a:t>): счетчик показывает данные от 00:00 до точки последнего выкл. двигателя, при этом на экране часы идут. </a:t>
+            </a:r>
+          </a:p>
+        </p:txBody>
+      </p:sp>
+      <p:cxnSp>
+        <p:nvCxnSpPr>
+          <p:cNvPr id="37" name="Прямая со стрелкой 36"/>
+          <p:cNvCxnSpPr>
+            <a:endCxn id="23" idx="2"/>
+          </p:cNvCxnSpPr>
+          <p:nvPr/>
+        </p:nvCxnSpPr>
+        <p:spPr>
+          <a:xfrm flipV="1">
+            <a:off x="903629" y="1759224"/>
+            <a:ext cx="1700583" cy="110510"/>
+          </a:xfrm>
+          <a:prstGeom prst="straightConnector1">
+            <a:avLst/>
+          </a:prstGeom>
+          <a:ln>
+            <a:prstDash val="sysDash"/>
+            <a:tailEnd type="triangle"/>
+          </a:ln>
+        </p:spPr>
+        <p:style>
+          <a:lnRef idx="1">
+            <a:schemeClr val="accent1"/>
+          </a:lnRef>
+          <a:fillRef idx="0">
+            <a:schemeClr val="accent1"/>
+          </a:fillRef>
+          <a:effectRef idx="0">
+            <a:schemeClr val="accent1"/>
+          </a:effectRef>
+          <a:fontRef idx="minor">
+            <a:schemeClr val="tx1"/>
+          </a:fontRef>
+        </p:style>
+      </p:cxnSp>
+      <p:cxnSp>
+        <p:nvCxnSpPr>
+          <p:cNvPr id="38" name="Прямая со стрелкой 37"/>
+          <p:cNvCxnSpPr/>
+          <p:nvPr/>
+        </p:nvCxnSpPr>
+        <p:spPr>
+          <a:xfrm flipV="1">
+            <a:off x="2114517" y="2638556"/>
+            <a:ext cx="374512" cy="126478"/>
+          </a:xfrm>
+          <a:prstGeom prst="straightConnector1">
+            <a:avLst/>
+          </a:prstGeom>
+          <a:ln>
+            <a:prstDash val="sysDash"/>
+            <a:tailEnd type="triangle"/>
+          </a:ln>
+        </p:spPr>
+        <p:style>
+          <a:lnRef idx="1">
+            <a:schemeClr val="accent1"/>
+          </a:lnRef>
+          <a:fillRef idx="0">
+            <a:schemeClr val="accent1"/>
+          </a:fillRef>
+          <a:effectRef idx="0">
+            <a:schemeClr val="accent1"/>
+          </a:effectRef>
+          <a:fontRef idx="minor">
+            <a:schemeClr val="tx1"/>
+          </a:fontRef>
+        </p:style>
+      </p:cxnSp>
+      <p:cxnSp>
+        <p:nvCxnSpPr>
+          <p:cNvPr id="49" name="Прямая со стрелкой 48"/>
+          <p:cNvCxnSpPr>
+            <a:endCxn id="52" idx="2"/>
+          </p:cNvCxnSpPr>
+          <p:nvPr/>
+        </p:nvCxnSpPr>
+        <p:spPr>
+          <a:xfrm flipV="1">
+            <a:off x="1985488" y="4558960"/>
+            <a:ext cx="1646454" cy="35005"/>
+          </a:xfrm>
+          <a:prstGeom prst="straightConnector1">
+            <a:avLst/>
+          </a:prstGeom>
+          <a:ln>
+            <a:prstDash val="sysDash"/>
+            <a:tailEnd type="triangle"/>
+          </a:ln>
+        </p:spPr>
+        <p:style>
+          <a:lnRef idx="1">
+            <a:schemeClr val="accent1"/>
+          </a:lnRef>
+          <a:fillRef idx="0">
+            <a:schemeClr val="accent1"/>
+          </a:fillRef>
+          <a:effectRef idx="0">
+            <a:schemeClr val="accent1"/>
+          </a:effectRef>
+          <a:fontRef idx="minor">
+            <a:schemeClr val="tx1"/>
+          </a:fontRef>
+        </p:style>
+      </p:cxnSp>
+      <p:sp>
+        <p:nvSpPr>
+          <p:cNvPr id="52" name="Овал 51"/>
+          <p:cNvSpPr/>
+          <p:nvPr/>
+        </p:nvSpPr>
+        <p:spPr>
+          <a:xfrm>
+            <a:off x="3631942" y="4425428"/>
+            <a:ext cx="522952" cy="267064"/>
+          </a:xfrm>
+          <a:prstGeom prst="ellipse">
+            <a:avLst/>
+          </a:prstGeom>
+          <a:noFill/>
+          <a:ln>
+            <a:solidFill>
+              <a:schemeClr val="accent1"/>
+            </a:solidFill>
+          </a:ln>
+        </p:spPr>
+        <p:style>
+          <a:lnRef idx="2">
+            <a:schemeClr val="accent1">
+              <a:shade val="50000"/>
+            </a:schemeClr>
+          </a:lnRef>
+          <a:fillRef idx="1">
+            <a:schemeClr val="accent1"/>
+          </a:fillRef>
+          <a:effectRef idx="0">
+            <a:schemeClr val="accent1"/>
+          </a:effectRef>
+          <a:fontRef idx="minor">
+            <a:schemeClr val="lt1"/>
+          </a:fontRef>
+        </p:style>
+        <p:txBody>
+          <a:bodyPr rot="0" spcFirstLastPara="0" vertOverflow="overflow" horzOverflow="overflow" vert="horz" wrap="square" lIns="91440" tIns="45720" rIns="91440" bIns="45720" numCol="1" spcCol="0" rtlCol="0" fromWordArt="0" anchor="ctr" anchorCtr="0" forceAA="0" compatLnSpc="1">
+            <a:prstTxWarp prst="textNoShape">
+              <a:avLst/>
+            </a:prstTxWarp>
+            <a:noAutofit/>
+          </a:bodyPr>
+          <a:lstStyle/>
+          <a:p>
+            <a:pPr algn="ctr"/>
+            <a:endParaRPr lang="ru-RU"/>
+          </a:p>
+        </p:txBody>
+      </p:sp>
+      <p:sp>
+        <p:nvSpPr>
+          <p:cNvPr id="54" name="Овал 53"/>
+          <p:cNvSpPr/>
+          <p:nvPr/>
+        </p:nvSpPr>
+        <p:spPr>
+          <a:xfrm>
+            <a:off x="3621554" y="5073004"/>
+            <a:ext cx="180000" cy="180000"/>
+          </a:xfrm>
+          <a:prstGeom prst="ellipse">
+            <a:avLst/>
+          </a:prstGeom>
+          <a:solidFill>
+            <a:schemeClr val="accent1">
+              <a:alpha val="50000"/>
+            </a:schemeClr>
+          </a:solidFill>
+          <a:ln>
+            <a:solidFill>
+              <a:schemeClr val="accent1"/>
+            </a:solidFill>
+          </a:ln>
+        </p:spPr>
+        <p:style>
+          <a:lnRef idx="2">
+            <a:schemeClr val="accent1">
+              <a:shade val="50000"/>
+            </a:schemeClr>
+          </a:lnRef>
+          <a:fillRef idx="1">
+            <a:schemeClr val="accent1"/>
+          </a:fillRef>
+          <a:effectRef idx="0">
+            <a:schemeClr val="accent1"/>
+          </a:effectRef>
+          <a:fontRef idx="minor">
+            <a:schemeClr val="lt1"/>
+          </a:fontRef>
+        </p:style>
+        <p:txBody>
+          <a:bodyPr rot="0" spcFirstLastPara="0" vertOverflow="overflow" horzOverflow="overflow" vert="horz" wrap="square" lIns="91440" tIns="45720" rIns="91440" bIns="45720" numCol="1" spcCol="0" rtlCol="0" fromWordArt="0" anchor="ctr" anchorCtr="0" forceAA="0" compatLnSpc="1">
+            <a:prstTxWarp prst="textNoShape">
+              <a:avLst/>
+            </a:prstTxWarp>
+            <a:noAutofit/>
+          </a:bodyPr>
+          <a:lstStyle/>
+          <a:p>
+            <a:pPr algn="ctr"/>
+            <a:endParaRPr lang="ru-RU"/>
+          </a:p>
+        </p:txBody>
+      </p:sp>
+    </p:spTree>
+    <p:extLst>
+      <p:ext uri="{BB962C8B-B14F-4D97-AF65-F5344CB8AC3E}">
+        <p14:creationId xmlns:p14="http://schemas.microsoft.com/office/powerpoint/2010/main" val="1865124016"/>
+      </p:ext>
+    </p:extLst>
+  </p:cSld>
+  <p:clrMapOvr>
+    <a:masterClrMapping/>
+  </p:clrMapOvr>
+  <p:timing>
+    <p:tnLst>
+      <p:par>
+        <p:cTn id="1" dur="indefinite" restart="never" nodeType="tmRoot"/>
+      </p:par>
+    </p:tnLst>
+  </p:timing>
+</p:sld>
+</file>
+
+<file path=ppt/slides/slide15.xml><?xml version="1.0" encoding="utf-8"?>
 <p:sld xmlns:a="http://schemas.openxmlformats.org/drawingml/2006/main" xmlns:r="http://schemas.openxmlformats.org/officeDocument/2006/relationships" xmlns:p="http://schemas.openxmlformats.org/presentationml/2006/main">
   <p:cSld>
     <p:spTree>
@@ -8653,6 +11290,336 @@
                   <a:schemeClr val="accent5"/>
                 </a:solidFill>
               </a:rPr>
+              <a:t>Заставка</a:t>
+            </a:r>
+            <a:endParaRPr lang="ru-RU" sz="1500" b="1" u="sng" dirty="0">
+              <a:solidFill>
+                <a:schemeClr val="accent5"/>
+              </a:solidFill>
+            </a:endParaRPr>
+          </a:p>
+        </p:txBody>
+      </p:sp>
+      <p:pic>
+        <p:nvPicPr>
+          <p:cNvPr id="3" name="Рисунок 2"/>
+          <p:cNvPicPr>
+            <a:picLocks noChangeAspect="1"/>
+          </p:cNvPicPr>
+          <p:nvPr/>
+        </p:nvPicPr>
+        <p:blipFill>
+          <a:blip r:embed="rId2">
+            <a:extLst>
+              <a:ext uri="{28A0092B-C50C-407E-A947-70E740481C1C}">
+                <a14:useLocalDpi xmlns:a14="http://schemas.microsoft.com/office/drawing/2010/main" val="0"/>
+              </a:ext>
+            </a:extLst>
+          </a:blip>
+          <a:stretch>
+            <a:fillRect/>
+          </a:stretch>
+        </p:blipFill>
+        <p:spPr>
+          <a:xfrm>
+            <a:off x="569283" y="495869"/>
+            <a:ext cx="1698067" cy="2547101"/>
+          </a:xfrm>
+          <a:prstGeom prst="rect">
+            <a:avLst/>
+          </a:prstGeom>
+          <a:ln>
+            <a:solidFill>
+              <a:schemeClr val="bg1">
+                <a:lumMod val="75000"/>
+              </a:schemeClr>
+            </a:solidFill>
+          </a:ln>
+        </p:spPr>
+      </p:pic>
+      <p:sp>
+        <p:nvSpPr>
+          <p:cNvPr id="5" name="TextBox 4"/>
+          <p:cNvSpPr txBox="1">
+            <a:spLocks noChangeAspect="1"/>
+          </p:cNvSpPr>
+          <p:nvPr/>
+        </p:nvSpPr>
+        <p:spPr>
+          <a:xfrm>
+            <a:off x="2825041" y="83651"/>
+            <a:ext cx="3599140" cy="308235"/>
+          </a:xfrm>
+          <a:prstGeom prst="rect">
+            <a:avLst/>
+          </a:prstGeom>
+          <a:noFill/>
+        </p:spPr>
+        <p:txBody>
+          <a:bodyPr wrap="square" rtlCol="0">
+            <a:noAutofit/>
+          </a:bodyPr>
+          <a:lstStyle/>
+          <a:p>
+            <a:r>
+              <a:rPr lang="ru-RU" sz="1500" b="1" u="sng" dirty="0" smtClean="0">
+                <a:solidFill>
+                  <a:schemeClr val="accent5"/>
+                </a:solidFill>
+              </a:rPr>
+              <a:t>Авторизация</a:t>
+            </a:r>
+            <a:endParaRPr lang="ru-RU" sz="1500" b="1" u="sng" dirty="0" smtClean="0">
+              <a:solidFill>
+                <a:schemeClr val="accent5"/>
+              </a:solidFill>
+            </a:endParaRPr>
+          </a:p>
+        </p:txBody>
+      </p:sp>
+      <p:pic>
+        <p:nvPicPr>
+          <p:cNvPr id="6" name="Рисунок 5"/>
+          <p:cNvPicPr>
+            <a:picLocks noChangeAspect="1"/>
+          </p:cNvPicPr>
+          <p:nvPr/>
+        </p:nvPicPr>
+        <p:blipFill>
+          <a:blip r:embed="rId3">
+            <a:extLst>
+              <a:ext uri="{28A0092B-C50C-407E-A947-70E740481C1C}">
+                <a14:useLocalDpi xmlns:a14="http://schemas.microsoft.com/office/drawing/2010/main" val="0"/>
+              </a:ext>
+            </a:extLst>
+          </a:blip>
+          <a:stretch>
+            <a:fillRect/>
+          </a:stretch>
+        </p:blipFill>
+        <p:spPr>
+          <a:xfrm>
+            <a:off x="2825041" y="495869"/>
+            <a:ext cx="1698067" cy="2547101"/>
+          </a:xfrm>
+          <a:prstGeom prst="rect">
+            <a:avLst/>
+          </a:prstGeom>
+          <a:ln>
+            <a:solidFill>
+              <a:schemeClr val="bg1">
+                <a:lumMod val="75000"/>
+              </a:schemeClr>
+            </a:solidFill>
+          </a:ln>
+        </p:spPr>
+      </p:pic>
+      <p:pic>
+        <p:nvPicPr>
+          <p:cNvPr id="7" name="Рисунок 6"/>
+          <p:cNvPicPr>
+            <a:picLocks noChangeAspect="1"/>
+          </p:cNvPicPr>
+          <p:nvPr/>
+        </p:nvPicPr>
+        <p:blipFill>
+          <a:blip r:embed="rId4">
+            <a:extLst>
+              <a:ext uri="{28A0092B-C50C-407E-A947-70E740481C1C}">
+                <a14:useLocalDpi xmlns:a14="http://schemas.microsoft.com/office/drawing/2010/main" val="0"/>
+              </a:ext>
+            </a:extLst>
+          </a:blip>
+          <a:stretch>
+            <a:fillRect/>
+          </a:stretch>
+        </p:blipFill>
+        <p:spPr>
+          <a:xfrm>
+            <a:off x="4769783" y="495869"/>
+            <a:ext cx="1698068" cy="2547101"/>
+          </a:xfrm>
+          <a:prstGeom prst="rect">
+            <a:avLst/>
+          </a:prstGeom>
+          <a:ln>
+            <a:solidFill>
+              <a:schemeClr val="bg1">
+                <a:lumMod val="75000"/>
+              </a:schemeClr>
+            </a:solidFill>
+          </a:ln>
+        </p:spPr>
+      </p:pic>
+      <p:pic>
+        <p:nvPicPr>
+          <p:cNvPr id="8" name="Рисунок 7"/>
+          <p:cNvPicPr>
+            <a:picLocks noChangeAspect="1"/>
+          </p:cNvPicPr>
+          <p:nvPr/>
+        </p:nvPicPr>
+        <p:blipFill>
+          <a:blip r:embed="rId5">
+            <a:extLst>
+              <a:ext uri="{28A0092B-C50C-407E-A947-70E740481C1C}">
+                <a14:useLocalDpi xmlns:a14="http://schemas.microsoft.com/office/drawing/2010/main" val="0"/>
+              </a:ext>
+            </a:extLst>
+          </a:blip>
+          <a:stretch>
+            <a:fillRect/>
+          </a:stretch>
+        </p:blipFill>
+        <p:spPr>
+          <a:xfrm>
+            <a:off x="5999661" y="3604299"/>
+            <a:ext cx="1928855" cy="3212768"/>
+          </a:xfrm>
+          <a:prstGeom prst="rect">
+            <a:avLst/>
+          </a:prstGeom>
+          <a:ln>
+            <a:solidFill>
+              <a:schemeClr val="bg1">
+                <a:lumMod val="75000"/>
+              </a:schemeClr>
+            </a:solidFill>
+          </a:ln>
+        </p:spPr>
+      </p:pic>
+      <p:pic>
+        <p:nvPicPr>
+          <p:cNvPr id="9" name="Рисунок 8"/>
+          <p:cNvPicPr>
+            <a:picLocks noChangeAspect="1"/>
+          </p:cNvPicPr>
+          <p:nvPr/>
+        </p:nvPicPr>
+        <p:blipFill>
+          <a:blip r:embed="rId6">
+            <a:extLst>
+              <a:ext uri="{28A0092B-C50C-407E-A947-70E740481C1C}">
+                <a14:useLocalDpi xmlns:a14="http://schemas.microsoft.com/office/drawing/2010/main" val="0"/>
+              </a:ext>
+            </a:extLst>
+          </a:blip>
+          <a:stretch>
+            <a:fillRect/>
+          </a:stretch>
+        </p:blipFill>
+        <p:spPr>
+          <a:xfrm>
+            <a:off x="3977331" y="3604298"/>
+            <a:ext cx="1910512" cy="2871739"/>
+          </a:xfrm>
+          <a:prstGeom prst="rect">
+            <a:avLst/>
+          </a:prstGeom>
+          <a:ln>
+            <a:solidFill>
+              <a:schemeClr val="bg1">
+                <a:lumMod val="75000"/>
+              </a:schemeClr>
+            </a:solidFill>
+          </a:ln>
+        </p:spPr>
+      </p:pic>
+      <p:sp>
+        <p:nvSpPr>
+          <p:cNvPr id="10" name="TextBox 9"/>
+          <p:cNvSpPr txBox="1">
+            <a:spLocks noChangeAspect="1"/>
+          </p:cNvSpPr>
+          <p:nvPr/>
+        </p:nvSpPr>
+        <p:spPr>
+          <a:xfrm>
+            <a:off x="3977331" y="3210235"/>
+            <a:ext cx="3599140" cy="308235"/>
+          </a:xfrm>
+          <a:prstGeom prst="rect">
+            <a:avLst/>
+          </a:prstGeom>
+          <a:noFill/>
+        </p:spPr>
+        <p:txBody>
+          <a:bodyPr wrap="square" rtlCol="0">
+            <a:noAutofit/>
+          </a:bodyPr>
+          <a:lstStyle/>
+          <a:p>
+            <a:r>
+              <a:rPr lang="ru-RU" sz="1500" b="1" u="sng" dirty="0" smtClean="0">
+                <a:solidFill>
+                  <a:schemeClr val="accent5"/>
+                </a:solidFill>
+              </a:rPr>
+              <a:t>Основное меню</a:t>
+            </a:r>
+          </a:p>
+        </p:txBody>
+      </p:sp>
+    </p:spTree>
+    <p:extLst>
+      <p:ext uri="{BB962C8B-B14F-4D97-AF65-F5344CB8AC3E}">
+        <p14:creationId xmlns:p14="http://schemas.microsoft.com/office/powerpoint/2010/main" val="3411668170"/>
+      </p:ext>
+    </p:extLst>
+  </p:cSld>
+  <p:clrMapOvr>
+    <a:masterClrMapping/>
+  </p:clrMapOvr>
+</p:sld>
+</file>
+
+<file path=ppt/slides/slide7.xml><?xml version="1.0" encoding="utf-8"?>
+<p:sld xmlns:a="http://schemas.openxmlformats.org/drawingml/2006/main" xmlns:r="http://schemas.openxmlformats.org/officeDocument/2006/relationships" xmlns:p="http://schemas.openxmlformats.org/presentationml/2006/main">
+  <p:cSld>
+    <p:spTree>
+      <p:nvGrpSpPr>
+        <p:cNvPr id="1" name=""/>
+        <p:cNvGrpSpPr/>
+        <p:nvPr/>
+      </p:nvGrpSpPr>
+      <p:grpSpPr>
+        <a:xfrm>
+          <a:off x="0" y="0"/>
+          <a:ext cx="0" cy="0"/>
+          <a:chOff x="0" y="0"/>
+          <a:chExt cx="0" cy="0"/>
+        </a:xfrm>
+      </p:grpSpPr>
+      <p:sp>
+        <p:nvSpPr>
+          <p:cNvPr id="2" name="TextBox 1"/>
+          <p:cNvSpPr txBox="1">
+            <a:spLocks noChangeAspect="1"/>
+          </p:cNvSpPr>
+          <p:nvPr/>
+        </p:nvSpPr>
+        <p:spPr>
+          <a:xfrm>
+            <a:off x="185918" y="83651"/>
+            <a:ext cx="3599140" cy="308235"/>
+          </a:xfrm>
+          <a:prstGeom prst="rect">
+            <a:avLst/>
+          </a:prstGeom>
+          <a:noFill/>
+        </p:spPr>
+        <p:txBody>
+          <a:bodyPr wrap="square" rtlCol="0">
+            <a:noAutofit/>
+          </a:bodyPr>
+          <a:lstStyle/>
+          <a:p>
+            <a:r>
+              <a:rPr lang="ru-RU" sz="1500" b="1" u="sng" dirty="0" smtClean="0">
+                <a:solidFill>
+                  <a:schemeClr val="accent5"/>
+                </a:solidFill>
+              </a:rPr>
               <a:t>Карта – </a:t>
             </a:r>
             <a:r>
@@ -9880,7 +12847,7 @@
 </p:sld>
 </file>
 
-<file path=ppt/slides/slide7.xml><?xml version="1.0" encoding="utf-8"?>
+<file path=ppt/slides/slide8.xml><?xml version="1.0" encoding="utf-8"?>
 <p:sld xmlns:a="http://schemas.openxmlformats.org/drawingml/2006/main" xmlns:r="http://schemas.openxmlformats.org/officeDocument/2006/relationships" xmlns:p="http://schemas.openxmlformats.org/presentationml/2006/main">
   <p:cSld>
     <p:spTree>
@@ -10942,7 +13909,7 @@
 </p:sld>
 </file>
 
-<file path=ppt/slides/slide8.xml><?xml version="1.0" encoding="utf-8"?>
+<file path=ppt/slides/slide9.xml><?xml version="1.0" encoding="utf-8"?>
 <p:sld xmlns:a="http://schemas.openxmlformats.org/drawingml/2006/main" xmlns:r="http://schemas.openxmlformats.org/officeDocument/2006/relationships" xmlns:p="http://schemas.openxmlformats.org/presentationml/2006/main">
   <p:cSld>
     <p:spTree>
@@ -12152,848 +15119,6 @@
     <p:extLst>
       <p:ext uri="{BB962C8B-B14F-4D97-AF65-F5344CB8AC3E}">
         <p14:creationId xmlns:p14="http://schemas.microsoft.com/office/powerpoint/2010/main" val="3528250773"/>
-      </p:ext>
-    </p:extLst>
-  </p:cSld>
-  <p:clrMapOvr>
-    <a:masterClrMapping/>
-  </p:clrMapOvr>
-</p:sld>
-</file>
-
-<file path=ppt/slides/slide9.xml><?xml version="1.0" encoding="utf-8"?>
-<p:sld xmlns:a="http://schemas.openxmlformats.org/drawingml/2006/main" xmlns:r="http://schemas.openxmlformats.org/officeDocument/2006/relationships" xmlns:p="http://schemas.openxmlformats.org/presentationml/2006/main">
-  <p:cSld>
-    <p:spTree>
-      <p:nvGrpSpPr>
-        <p:cNvPr id="1" name=""/>
-        <p:cNvGrpSpPr/>
-        <p:nvPr/>
-      </p:nvGrpSpPr>
-      <p:grpSpPr>
-        <a:xfrm>
-          <a:off x="0" y="0"/>
-          <a:ext cx="0" cy="0"/>
-          <a:chOff x="0" y="0"/>
-          <a:chExt cx="0" cy="0"/>
-        </a:xfrm>
-      </p:grpSpPr>
-      <p:pic>
-        <p:nvPicPr>
-          <p:cNvPr id="26" name="Рисунок 25"/>
-          <p:cNvPicPr>
-            <a:picLocks noChangeAspect="1"/>
-          </p:cNvPicPr>
-          <p:nvPr/>
-        </p:nvPicPr>
-        <p:blipFill>
-          <a:blip r:embed="rId2">
-            <a:extLst>
-              <a:ext uri="{28A0092B-C50C-407E-A947-70E740481C1C}">
-                <a14:useLocalDpi xmlns:a14="http://schemas.microsoft.com/office/drawing/2010/main" val="0"/>
-              </a:ext>
-            </a:extLst>
-          </a:blip>
-          <a:stretch>
-            <a:fillRect/>
-          </a:stretch>
-        </p:blipFill>
-        <p:spPr>
-          <a:xfrm>
-            <a:off x="650558" y="3540152"/>
-            <a:ext cx="1736371" cy="2577761"/>
-          </a:xfrm>
-          <a:prstGeom prst="rect">
-            <a:avLst/>
-          </a:prstGeom>
-          <a:ln>
-            <a:solidFill>
-              <a:schemeClr val="bg1">
-                <a:lumMod val="75000"/>
-              </a:schemeClr>
-            </a:solidFill>
-          </a:ln>
-        </p:spPr>
-      </p:pic>
-      <p:sp>
-        <p:nvSpPr>
-          <p:cNvPr id="2" name="TextBox 1"/>
-          <p:cNvSpPr txBox="1">
-            <a:spLocks noChangeAspect="1"/>
-          </p:cNvSpPr>
-          <p:nvPr/>
-        </p:nvSpPr>
-        <p:spPr>
-          <a:xfrm>
-            <a:off x="185918" y="-5561"/>
-            <a:ext cx="3599140" cy="308235"/>
-          </a:xfrm>
-          <a:prstGeom prst="rect">
-            <a:avLst/>
-          </a:prstGeom>
-          <a:noFill/>
-        </p:spPr>
-        <p:txBody>
-          <a:bodyPr wrap="square" rtlCol="0">
-            <a:noAutofit/>
-          </a:bodyPr>
-          <a:lstStyle/>
-          <a:p>
-            <a:r>
-              <a:rPr lang="ru-RU" sz="1500" b="1" u="sng" dirty="0" smtClean="0">
-                <a:solidFill>
-                  <a:schemeClr val="accent5"/>
-                </a:solidFill>
-              </a:rPr>
-              <a:t>ТО – списком по дефолту</a:t>
-            </a:r>
-            <a:endParaRPr lang="ru-RU" sz="1500" b="1" u="sng" dirty="0">
-              <a:solidFill>
-                <a:schemeClr val="accent5"/>
-              </a:solidFill>
-            </a:endParaRPr>
-          </a:p>
-        </p:txBody>
-      </p:sp>
-      <p:pic>
-        <p:nvPicPr>
-          <p:cNvPr id="6" name="Рисунок 5"/>
-          <p:cNvPicPr>
-            <a:picLocks noChangeAspect="1"/>
-          </p:cNvPicPr>
-          <p:nvPr/>
-        </p:nvPicPr>
-        <p:blipFill>
-          <a:blip r:embed="rId3">
-            <a:extLst>
-              <a:ext uri="{28A0092B-C50C-407E-A947-70E740481C1C}">
-                <a14:useLocalDpi xmlns:a14="http://schemas.microsoft.com/office/drawing/2010/main" val="0"/>
-              </a:ext>
-            </a:extLst>
-          </a:blip>
-          <a:stretch>
-            <a:fillRect/>
-          </a:stretch>
-        </p:blipFill>
-        <p:spPr>
-          <a:xfrm>
-            <a:off x="249117" y="708262"/>
-            <a:ext cx="1736371" cy="2577761"/>
-          </a:xfrm>
-          <a:prstGeom prst="rect">
-            <a:avLst/>
-          </a:prstGeom>
-          <a:ln>
-            <a:solidFill>
-              <a:schemeClr val="bg1">
-                <a:lumMod val="75000"/>
-              </a:schemeClr>
-            </a:solidFill>
-          </a:ln>
-        </p:spPr>
-      </p:pic>
-      <p:pic>
-        <p:nvPicPr>
-          <p:cNvPr id="7" name="Рисунок 6"/>
-          <p:cNvPicPr>
-            <a:picLocks noChangeAspect="1"/>
-          </p:cNvPicPr>
-          <p:nvPr/>
-        </p:nvPicPr>
-        <p:blipFill>
-          <a:blip r:embed="rId4">
-            <a:extLst>
-              <a:ext uri="{28A0092B-C50C-407E-A947-70E740481C1C}">
-                <a14:useLocalDpi xmlns:a14="http://schemas.microsoft.com/office/drawing/2010/main" val="0"/>
-              </a:ext>
-            </a:extLst>
-          </a:blip>
-          <a:stretch>
-            <a:fillRect/>
-          </a:stretch>
-        </p:blipFill>
-        <p:spPr>
-          <a:xfrm>
-            <a:off x="2253115" y="451784"/>
-            <a:ext cx="1736371" cy="2577761"/>
-          </a:xfrm>
-          <a:prstGeom prst="rect">
-            <a:avLst/>
-          </a:prstGeom>
-          <a:ln>
-            <a:solidFill>
-              <a:schemeClr val="bg1">
-                <a:lumMod val="75000"/>
-              </a:schemeClr>
-            </a:solidFill>
-          </a:ln>
-        </p:spPr>
-      </p:pic>
-      <p:pic>
-        <p:nvPicPr>
-          <p:cNvPr id="9" name="Рисунок 8"/>
-          <p:cNvPicPr>
-            <a:picLocks noChangeAspect="1"/>
-          </p:cNvPicPr>
-          <p:nvPr/>
-        </p:nvPicPr>
-        <p:blipFill>
-          <a:blip r:embed="rId5">
-            <a:extLst>
-              <a:ext uri="{28A0092B-C50C-407E-A947-70E740481C1C}">
-                <a14:useLocalDpi xmlns:a14="http://schemas.microsoft.com/office/drawing/2010/main" val="0"/>
-              </a:ext>
-            </a:extLst>
-          </a:blip>
-          <a:stretch>
-            <a:fillRect/>
-          </a:stretch>
-        </p:blipFill>
-        <p:spPr>
-          <a:xfrm>
-            <a:off x="2590873" y="3540153"/>
-            <a:ext cx="1736371" cy="2577761"/>
-          </a:xfrm>
-          <a:prstGeom prst="rect">
-            <a:avLst/>
-          </a:prstGeom>
-          <a:ln>
-            <a:solidFill>
-              <a:schemeClr val="bg1">
-                <a:lumMod val="75000"/>
-              </a:schemeClr>
-            </a:solidFill>
-          </a:ln>
-        </p:spPr>
-      </p:pic>
-      <p:sp>
-        <p:nvSpPr>
-          <p:cNvPr id="10" name="Овал 9"/>
-          <p:cNvSpPr/>
-          <p:nvPr/>
-        </p:nvSpPr>
-        <p:spPr>
-          <a:xfrm>
-            <a:off x="1610236" y="1081701"/>
-            <a:ext cx="377768" cy="378823"/>
-          </a:xfrm>
-          <a:prstGeom prst="ellipse">
-            <a:avLst/>
-          </a:prstGeom>
-          <a:solidFill>
-            <a:schemeClr val="accent1">
-              <a:alpha val="50000"/>
-            </a:schemeClr>
-          </a:solidFill>
-          <a:ln>
-            <a:solidFill>
-              <a:schemeClr val="accent1"/>
-            </a:solidFill>
-          </a:ln>
-        </p:spPr>
-        <p:style>
-          <a:lnRef idx="2">
-            <a:schemeClr val="accent1">
-              <a:shade val="50000"/>
-            </a:schemeClr>
-          </a:lnRef>
-          <a:fillRef idx="1">
-            <a:schemeClr val="accent1"/>
-          </a:fillRef>
-          <a:effectRef idx="0">
-            <a:schemeClr val="accent1"/>
-          </a:effectRef>
-          <a:fontRef idx="minor">
-            <a:schemeClr val="lt1"/>
-          </a:fontRef>
-        </p:style>
-        <p:txBody>
-          <a:bodyPr rot="0" spcFirstLastPara="0" vertOverflow="overflow" horzOverflow="overflow" vert="horz" wrap="square" lIns="91440" tIns="45720" rIns="91440" bIns="45720" numCol="1" spcCol="0" rtlCol="0" fromWordArt="0" anchor="ctr" anchorCtr="0" forceAA="0" compatLnSpc="1">
-            <a:prstTxWarp prst="textNoShape">
-              <a:avLst/>
-            </a:prstTxWarp>
-            <a:noAutofit/>
-          </a:bodyPr>
-          <a:lstStyle/>
-          <a:p>
-            <a:pPr algn="ctr"/>
-            <a:endParaRPr lang="ru-RU"/>
-          </a:p>
-        </p:txBody>
-      </p:sp>
-      <p:cxnSp>
-        <p:nvCxnSpPr>
-          <p:cNvPr id="11" name="Прямая со стрелкой 10"/>
-          <p:cNvCxnSpPr>
-            <a:stCxn id="10" idx="6"/>
-          </p:cNvCxnSpPr>
-          <p:nvPr/>
-        </p:nvCxnSpPr>
-        <p:spPr>
-          <a:xfrm>
-            <a:off x="1988004" y="1271113"/>
-            <a:ext cx="262595" cy="221613"/>
-          </a:xfrm>
-          <a:prstGeom prst="straightConnector1">
-            <a:avLst/>
-          </a:prstGeom>
-          <a:ln>
-            <a:prstDash val="sysDash"/>
-            <a:tailEnd type="triangle"/>
-          </a:ln>
-        </p:spPr>
-        <p:style>
-          <a:lnRef idx="1">
-            <a:schemeClr val="accent1"/>
-          </a:lnRef>
-          <a:fillRef idx="0">
-            <a:schemeClr val="accent1"/>
-          </a:fillRef>
-          <a:effectRef idx="0">
-            <a:schemeClr val="accent1"/>
-          </a:effectRef>
-          <a:fontRef idx="minor">
-            <a:schemeClr val="tx1"/>
-          </a:fontRef>
-        </p:style>
-      </p:cxnSp>
-      <p:sp>
-        <p:nvSpPr>
-          <p:cNvPr id="15" name="Овал 14"/>
-          <p:cNvSpPr/>
-          <p:nvPr/>
-        </p:nvSpPr>
-        <p:spPr>
-          <a:xfrm>
-            <a:off x="928418" y="1492726"/>
-            <a:ext cx="377768" cy="378823"/>
-          </a:xfrm>
-          <a:prstGeom prst="ellipse">
-            <a:avLst/>
-          </a:prstGeom>
-          <a:solidFill>
-            <a:schemeClr val="accent1">
-              <a:alpha val="50000"/>
-            </a:schemeClr>
-          </a:solidFill>
-          <a:ln>
-            <a:solidFill>
-              <a:schemeClr val="accent1"/>
-            </a:solidFill>
-          </a:ln>
-        </p:spPr>
-        <p:style>
-          <a:lnRef idx="2">
-            <a:schemeClr val="accent1">
-              <a:shade val="50000"/>
-            </a:schemeClr>
-          </a:lnRef>
-          <a:fillRef idx="1">
-            <a:schemeClr val="accent1"/>
-          </a:fillRef>
-          <a:effectRef idx="0">
-            <a:schemeClr val="accent1"/>
-          </a:effectRef>
-          <a:fontRef idx="minor">
-            <a:schemeClr val="lt1"/>
-          </a:fontRef>
-        </p:style>
-        <p:txBody>
-          <a:bodyPr rot="0" spcFirstLastPara="0" vertOverflow="overflow" horzOverflow="overflow" vert="horz" wrap="square" lIns="91440" tIns="45720" rIns="91440" bIns="45720" numCol="1" spcCol="0" rtlCol="0" fromWordArt="0" anchor="ctr" anchorCtr="0" forceAA="0" compatLnSpc="1">
-            <a:prstTxWarp prst="textNoShape">
-              <a:avLst/>
-            </a:prstTxWarp>
-            <a:noAutofit/>
-          </a:bodyPr>
-          <a:lstStyle/>
-          <a:p>
-            <a:pPr algn="ctr"/>
-            <a:endParaRPr lang="ru-RU"/>
-          </a:p>
-        </p:txBody>
-      </p:sp>
-      <p:cxnSp>
-        <p:nvCxnSpPr>
-          <p:cNvPr id="16" name="Прямая со стрелкой 15"/>
-          <p:cNvCxnSpPr>
-            <a:stCxn id="15" idx="4"/>
-          </p:cNvCxnSpPr>
-          <p:nvPr/>
-        </p:nvCxnSpPr>
-        <p:spPr>
-          <a:xfrm>
-            <a:off x="1117302" y="1871549"/>
-            <a:ext cx="558487" cy="2689300"/>
-          </a:xfrm>
-          <a:prstGeom prst="straightConnector1">
-            <a:avLst/>
-          </a:prstGeom>
-          <a:ln>
-            <a:prstDash val="sysDash"/>
-            <a:tailEnd type="triangle"/>
-          </a:ln>
-        </p:spPr>
-        <p:style>
-          <a:lnRef idx="1">
-            <a:schemeClr val="accent1"/>
-          </a:lnRef>
-          <a:fillRef idx="0">
-            <a:schemeClr val="accent1"/>
-          </a:fillRef>
-          <a:effectRef idx="0">
-            <a:schemeClr val="accent1"/>
-          </a:effectRef>
-          <a:fontRef idx="minor">
-            <a:schemeClr val="tx1"/>
-          </a:fontRef>
-        </p:style>
-      </p:cxnSp>
-      <p:sp>
-        <p:nvSpPr>
-          <p:cNvPr id="20" name="Овал 19"/>
-          <p:cNvSpPr/>
-          <p:nvPr/>
-        </p:nvSpPr>
-        <p:spPr>
-          <a:xfrm>
-            <a:off x="1913278" y="4585857"/>
-            <a:ext cx="377768" cy="378823"/>
-          </a:xfrm>
-          <a:prstGeom prst="ellipse">
-            <a:avLst/>
-          </a:prstGeom>
-          <a:solidFill>
-            <a:schemeClr val="accent1">
-              <a:alpha val="50000"/>
-            </a:schemeClr>
-          </a:solidFill>
-          <a:ln>
-            <a:solidFill>
-              <a:schemeClr val="accent1"/>
-            </a:solidFill>
-          </a:ln>
-        </p:spPr>
-        <p:style>
-          <a:lnRef idx="2">
-            <a:schemeClr val="accent1">
-              <a:shade val="50000"/>
-            </a:schemeClr>
-          </a:lnRef>
-          <a:fillRef idx="1">
-            <a:schemeClr val="accent1"/>
-          </a:fillRef>
-          <a:effectRef idx="0">
-            <a:schemeClr val="accent1"/>
-          </a:effectRef>
-          <a:fontRef idx="minor">
-            <a:schemeClr val="lt1"/>
-          </a:fontRef>
-        </p:style>
-        <p:txBody>
-          <a:bodyPr rot="0" spcFirstLastPara="0" vertOverflow="overflow" horzOverflow="overflow" vert="horz" wrap="square" lIns="91440" tIns="45720" rIns="91440" bIns="45720" numCol="1" spcCol="0" rtlCol="0" fromWordArt="0" anchor="ctr" anchorCtr="0" forceAA="0" compatLnSpc="1">
-            <a:prstTxWarp prst="textNoShape">
-              <a:avLst/>
-            </a:prstTxWarp>
-            <a:noAutofit/>
-          </a:bodyPr>
-          <a:lstStyle/>
-          <a:p>
-            <a:pPr algn="ctr"/>
-            <a:endParaRPr lang="ru-RU"/>
-          </a:p>
-        </p:txBody>
-      </p:sp>
-      <p:cxnSp>
-        <p:nvCxnSpPr>
-          <p:cNvPr id="21" name="Прямая со стрелкой 20"/>
-          <p:cNvCxnSpPr>
-            <a:stCxn id="20" idx="7"/>
-          </p:cNvCxnSpPr>
-          <p:nvPr/>
-        </p:nvCxnSpPr>
-        <p:spPr>
-          <a:xfrm flipV="1">
-            <a:off x="2235723" y="4277241"/>
-            <a:ext cx="885577" cy="364093"/>
-          </a:xfrm>
-          <a:prstGeom prst="straightConnector1">
-            <a:avLst/>
-          </a:prstGeom>
-          <a:ln>
-            <a:prstDash val="sysDash"/>
-            <a:tailEnd type="triangle"/>
-          </a:ln>
-        </p:spPr>
-        <p:style>
-          <a:lnRef idx="1">
-            <a:schemeClr val="accent1"/>
-          </a:lnRef>
-          <a:fillRef idx="0">
-            <a:schemeClr val="accent1"/>
-          </a:fillRef>
-          <a:effectRef idx="0">
-            <a:schemeClr val="accent1"/>
-          </a:effectRef>
-          <a:fontRef idx="minor">
-            <a:schemeClr val="tx1"/>
-          </a:fontRef>
-        </p:style>
-      </p:cxnSp>
-      <p:sp>
-        <p:nvSpPr>
-          <p:cNvPr id="27" name="TextBox 26"/>
-          <p:cNvSpPr txBox="1"/>
-          <p:nvPr/>
-        </p:nvSpPr>
-        <p:spPr>
-          <a:xfrm>
-            <a:off x="4531188" y="587193"/>
-            <a:ext cx="3662769" cy="5847755"/>
-          </a:xfrm>
-          <a:prstGeom prst="rect">
-            <a:avLst/>
-          </a:prstGeom>
-          <a:noFill/>
-        </p:spPr>
-        <p:txBody>
-          <a:bodyPr wrap="square" rtlCol="0">
-            <a:spAutoFit/>
-          </a:bodyPr>
-          <a:lstStyle/>
-          <a:p>
-            <a:pPr marL="171450" indent="-171450">
-              <a:buFont typeface="Wingdings" panose="05000000000000000000" pitchFamily="2" charset="2"/>
-              <a:buChar char="§"/>
-            </a:pPr>
-            <a:r>
-              <a:rPr lang="ru-RU" sz="1100" dirty="0" smtClean="0">
-                <a:solidFill>
-                  <a:schemeClr val="accent1">
-                    <a:lumMod val="75000"/>
-                  </a:schemeClr>
-                </a:solidFill>
-              </a:rPr>
-              <a:t>Дефолтный экран не содержит «Рекомендации по ТО» или Рекомендованной работы с кнопкой «скрыть».</a:t>
-            </a:r>
-          </a:p>
-          <a:p>
-            <a:pPr marL="171450" indent="-171450">
-              <a:buFont typeface="Wingdings" panose="05000000000000000000" pitchFamily="2" charset="2"/>
-              <a:buChar char="§"/>
-            </a:pPr>
-            <a:r>
-              <a:rPr lang="ru-RU" sz="1100" dirty="0" smtClean="0">
-                <a:solidFill>
-                  <a:schemeClr val="accent1">
-                    <a:lumMod val="75000"/>
-                  </a:schemeClr>
-                </a:solidFill>
-              </a:rPr>
-              <a:t>Если юзер не посетил к назначенной дате или означенному пробегу Автосервис и не выполнил работу. Работа начинает обратный отсчет по дате и пробегу. Меняется цветовая схема соответственно.</a:t>
-            </a:r>
-            <a:endParaRPr lang="ru-RU" sz="1100" dirty="0">
-              <a:solidFill>
-                <a:schemeClr val="accent1">
-                  <a:lumMod val="75000"/>
-                </a:schemeClr>
-              </a:solidFill>
-            </a:endParaRPr>
-          </a:p>
-          <a:p>
-            <a:pPr marL="171450" indent="-171450">
-              <a:buFont typeface="Wingdings" panose="05000000000000000000" pitchFamily="2" charset="2"/>
-              <a:buChar char="§"/>
-            </a:pPr>
-            <a:r>
-              <a:rPr lang="ru-RU" sz="1100" dirty="0" smtClean="0">
-                <a:solidFill>
-                  <a:schemeClr val="accent1">
-                    <a:lumMod val="75000"/>
-                  </a:schemeClr>
-                </a:solidFill>
-              </a:rPr>
-              <a:t>После посещения </a:t>
-            </a:r>
-            <a:r>
-              <a:rPr lang="ru-RU" sz="1100" dirty="0" err="1" smtClean="0">
-                <a:solidFill>
-                  <a:schemeClr val="accent1">
-                    <a:lumMod val="75000"/>
-                  </a:schemeClr>
-                </a:solidFill>
-              </a:rPr>
-              <a:t>АвтоСервиса</a:t>
-            </a:r>
-            <a:r>
-              <a:rPr lang="ru-RU" sz="1100" dirty="0" smtClean="0">
-                <a:solidFill>
-                  <a:schemeClr val="accent1">
-                    <a:lumMod val="75000"/>
-                  </a:schemeClr>
-                </a:solidFill>
-              </a:rPr>
-              <a:t> у юзера может появиться подраздел «Рекомендации по ТО от соответствующей даты». Нажав на кнопку «</a:t>
-            </a:r>
-            <a:r>
-              <a:rPr lang="en-GB" sz="1100" dirty="0" smtClean="0">
-                <a:solidFill>
-                  <a:schemeClr val="accent1">
-                    <a:lumMod val="75000"/>
-                  </a:schemeClr>
-                </a:solidFill>
-              </a:rPr>
-              <a:t>More</a:t>
-            </a:r>
-            <a:r>
-              <a:rPr lang="ru-RU" sz="1100" dirty="0" smtClean="0">
-                <a:solidFill>
-                  <a:schemeClr val="accent1">
-                    <a:lumMod val="75000"/>
-                  </a:schemeClr>
-                </a:solidFill>
-              </a:rPr>
-              <a:t>», юзер имеет возможность добавить в основной список ТО рекомендованные работы. После этого у него в основном списке ТО (закреплено сверху) появляется рекомендованная работа с возможностью «Скрыть». При нажатии на кнопку «Скрыть» работы улетает в подраздел «Рекомендации по ТО».</a:t>
-            </a:r>
-          </a:p>
-          <a:p>
-            <a:pPr marL="171450" indent="-171450">
-              <a:buFont typeface="Wingdings" panose="05000000000000000000" pitchFamily="2" charset="2"/>
-              <a:buChar char="§"/>
-            </a:pPr>
-            <a:r>
-              <a:rPr lang="ru-RU" sz="1100" dirty="0" smtClean="0">
-                <a:solidFill>
-                  <a:schemeClr val="accent1">
-                    <a:lumMod val="75000"/>
-                  </a:schemeClr>
-                </a:solidFill>
-              </a:rPr>
-              <a:t>После посещения Автосервиса, выполненные работы по ТО улетают в раздел «История ТО» </a:t>
-            </a:r>
-            <a:r>
-              <a:rPr lang="en-GB" sz="1100" dirty="0" smtClean="0">
-                <a:solidFill>
-                  <a:schemeClr val="accent1">
-                    <a:lumMod val="75000"/>
-                  </a:schemeClr>
-                </a:solidFill>
-              </a:rPr>
-              <a:t>[</a:t>
-            </a:r>
-            <a:r>
-              <a:rPr lang="ru-RU" sz="1100" dirty="0" smtClean="0">
-                <a:solidFill>
-                  <a:schemeClr val="accent1">
-                    <a:lumMod val="75000"/>
-                  </a:schemeClr>
-                </a:solidFill>
-              </a:rPr>
-              <a:t>такой же экран как ТО-списком дефолтный только добавится возможность сортировать</a:t>
-            </a:r>
-            <a:r>
-              <a:rPr lang="en-GB" sz="1100" dirty="0" smtClean="0">
-                <a:solidFill>
-                  <a:schemeClr val="accent1">
-                    <a:lumMod val="75000"/>
-                  </a:schemeClr>
-                </a:solidFill>
-              </a:rPr>
-              <a:t>]</a:t>
-            </a:r>
-            <a:r>
-              <a:rPr lang="ru-RU" sz="1100" dirty="0" smtClean="0">
-                <a:solidFill>
-                  <a:schemeClr val="accent1">
-                    <a:lumMod val="75000"/>
-                  </a:schemeClr>
-                </a:solidFill>
-              </a:rPr>
-              <a:t>. В которой сам Автосервис проставил Дату, Цену, Пробег и Исполнителя.</a:t>
-            </a:r>
-          </a:p>
-          <a:p>
-            <a:pPr marL="171450" indent="-171450">
-              <a:buFont typeface="Wingdings" panose="05000000000000000000" pitchFamily="2" charset="2"/>
-              <a:buChar char="§"/>
-            </a:pPr>
-            <a:r>
-              <a:rPr lang="ru-RU" sz="1100" dirty="0" smtClean="0">
-                <a:solidFill>
-                  <a:schemeClr val="accent1">
-                    <a:lumMod val="75000"/>
-                  </a:schemeClr>
-                </a:solidFill>
-              </a:rPr>
-              <a:t>Также юзер имеет возможность сам завершить работу по ТО. Для этого он </a:t>
-            </a:r>
-            <a:r>
-              <a:rPr lang="ru-RU" sz="1100" dirty="0" err="1" smtClean="0">
-                <a:solidFill>
-                  <a:schemeClr val="accent1">
-                    <a:lumMod val="75000"/>
-                  </a:schemeClr>
-                </a:solidFill>
-              </a:rPr>
-              <a:t>тапает</a:t>
-            </a:r>
-            <a:r>
-              <a:rPr lang="ru-RU" sz="1100" dirty="0" smtClean="0">
-                <a:solidFill>
-                  <a:schemeClr val="accent1">
-                    <a:lumMod val="75000"/>
-                  </a:schemeClr>
-                </a:solidFill>
-              </a:rPr>
-              <a:t> на работу. Вводит дату (по дефолту стоит настоящая), стоимость работы (после ввода отражаются цифры и приписка руб.), пробег при совершении работы (после ввода отражаются цифры и приписка км). После нажатия на кнопку «Готово», работа по ТО улетает в «История ТО». Где маркируется в графе «Исполнитель» как «Гаражный мастер».</a:t>
-            </a:r>
-          </a:p>
-          <a:p>
-            <a:pPr marL="628598" lvl="1" indent="-171450">
-              <a:buFont typeface="Wingdings" panose="05000000000000000000" pitchFamily="2" charset="2"/>
-              <a:buChar char="§"/>
-            </a:pPr>
-            <a:r>
-              <a:rPr lang="ru-RU" sz="1100" dirty="0" smtClean="0">
-                <a:solidFill>
-                  <a:schemeClr val="accent1">
-                    <a:lumMod val="75000"/>
-                  </a:schemeClr>
-                </a:solidFill>
-              </a:rPr>
-              <a:t>При тапе на дату – всплывает календарь</a:t>
-            </a:r>
-          </a:p>
-          <a:p>
-            <a:pPr marL="628598" lvl="1" indent="-171450">
-              <a:buFont typeface="Wingdings" panose="05000000000000000000" pitchFamily="2" charset="2"/>
-              <a:buChar char="§"/>
-            </a:pPr>
-            <a:r>
-              <a:rPr lang="ru-RU" sz="1100" dirty="0" smtClean="0">
-                <a:solidFill>
-                  <a:schemeClr val="accent1">
-                    <a:lumMod val="75000"/>
-                  </a:schemeClr>
-                </a:solidFill>
-              </a:rPr>
-              <a:t>При тапе на Цену всплывает цифровая </a:t>
-            </a:r>
-            <a:r>
-              <a:rPr lang="ru-RU" sz="1100" dirty="0" err="1" smtClean="0">
-                <a:solidFill>
-                  <a:schemeClr val="accent1">
-                    <a:lumMod val="75000"/>
-                  </a:schemeClr>
-                </a:solidFill>
-              </a:rPr>
-              <a:t>клава</a:t>
-            </a:r>
-            <a:r>
-              <a:rPr lang="ru-RU" sz="1100" dirty="0" smtClean="0">
-                <a:solidFill>
-                  <a:schemeClr val="accent1">
-                    <a:lumMod val="75000"/>
-                  </a:schemeClr>
-                </a:solidFill>
-              </a:rPr>
-              <a:t> с галкой вместо </a:t>
-            </a:r>
-            <a:r>
-              <a:rPr lang="en-GB" sz="1100" dirty="0" smtClean="0">
-                <a:solidFill>
-                  <a:schemeClr val="accent1">
-                    <a:lumMod val="75000"/>
-                  </a:schemeClr>
-                </a:solidFill>
-              </a:rPr>
-              <a:t>enter</a:t>
-            </a:r>
-            <a:r>
-              <a:rPr lang="ru-RU" sz="1100" dirty="0" smtClean="0">
-                <a:solidFill>
-                  <a:schemeClr val="accent1">
-                    <a:lumMod val="75000"/>
-                  </a:schemeClr>
-                </a:solidFill>
-              </a:rPr>
-              <a:t>.</a:t>
-            </a:r>
-          </a:p>
-          <a:p>
-            <a:pPr marL="628598" lvl="1" indent="-171450">
-              <a:buFont typeface="Wingdings" panose="05000000000000000000" pitchFamily="2" charset="2"/>
-              <a:buChar char="§"/>
-            </a:pPr>
-            <a:r>
-              <a:rPr lang="ru-RU" sz="1100" dirty="0" smtClean="0">
-                <a:solidFill>
-                  <a:schemeClr val="accent1">
-                    <a:lumMod val="75000"/>
-                  </a:schemeClr>
-                </a:solidFill>
-              </a:rPr>
-              <a:t>При тапе на Пробег всплывает цифровая </a:t>
-            </a:r>
-            <a:r>
-              <a:rPr lang="ru-RU" sz="1100" dirty="0" err="1" smtClean="0">
-                <a:solidFill>
-                  <a:schemeClr val="accent1">
-                    <a:lumMod val="75000"/>
-                  </a:schemeClr>
-                </a:solidFill>
-              </a:rPr>
-              <a:t>клава</a:t>
-            </a:r>
-            <a:r>
-              <a:rPr lang="ru-RU" sz="1100" dirty="0" smtClean="0">
-                <a:solidFill>
-                  <a:schemeClr val="accent1">
-                    <a:lumMod val="75000"/>
-                  </a:schemeClr>
-                </a:solidFill>
-              </a:rPr>
-              <a:t> с галкой вместо </a:t>
-            </a:r>
-            <a:r>
-              <a:rPr lang="en-GB" sz="1100" dirty="0" smtClean="0">
-                <a:solidFill>
-                  <a:schemeClr val="accent1">
-                    <a:lumMod val="75000"/>
-                  </a:schemeClr>
-                </a:solidFill>
-              </a:rPr>
-              <a:t>enter</a:t>
-            </a:r>
-            <a:r>
-              <a:rPr lang="ru-RU" sz="1100" dirty="0" smtClean="0">
-                <a:solidFill>
-                  <a:schemeClr val="accent1">
-                    <a:lumMod val="75000"/>
-                  </a:schemeClr>
-                </a:solidFill>
-              </a:rPr>
-              <a:t>.</a:t>
-            </a:r>
-          </a:p>
-          <a:p>
-            <a:pPr marL="171450" indent="-171450">
-              <a:buFont typeface="Wingdings" panose="05000000000000000000" pitchFamily="2" charset="2"/>
-              <a:buChar char="§"/>
-            </a:pPr>
-            <a:endParaRPr lang="ru-RU" sz="1100" dirty="0">
-              <a:solidFill>
-                <a:schemeClr val="accent1">
-                  <a:lumMod val="75000"/>
-                </a:schemeClr>
-              </a:solidFill>
-            </a:endParaRPr>
-          </a:p>
-        </p:txBody>
-      </p:sp>
-    </p:spTree>
-    <p:extLst>
-      <p:ext uri="{BB962C8B-B14F-4D97-AF65-F5344CB8AC3E}">
-        <p14:creationId xmlns:p14="http://schemas.microsoft.com/office/powerpoint/2010/main" val="2344882269"/>
       </p:ext>
     </p:extLst>
   </p:cSld>

--- a/KOT/Docs/KOT_app_structure.pptx
+++ b/KOT/Docs/KOT_app_structure.pptx
@@ -11,15 +11,17 @@
     <p:sldId id="263" r:id="rId5"/>
     <p:sldId id="265" r:id="rId6"/>
     <p:sldId id="273" r:id="rId7"/>
-    <p:sldId id="264" r:id="rId8"/>
-    <p:sldId id="266" r:id="rId9"/>
-    <p:sldId id="267" r:id="rId10"/>
-    <p:sldId id="268" r:id="rId11"/>
-    <p:sldId id="269" r:id="rId12"/>
-    <p:sldId id="270" r:id="rId13"/>
-    <p:sldId id="272" r:id="rId14"/>
-    <p:sldId id="271" r:id="rId15"/>
-    <p:sldId id="261" r:id="rId16"/>
+    <p:sldId id="274" r:id="rId8"/>
+    <p:sldId id="275" r:id="rId9"/>
+    <p:sldId id="264" r:id="rId10"/>
+    <p:sldId id="266" r:id="rId11"/>
+    <p:sldId id="267" r:id="rId12"/>
+    <p:sldId id="268" r:id="rId13"/>
+    <p:sldId id="269" r:id="rId14"/>
+    <p:sldId id="270" r:id="rId15"/>
+    <p:sldId id="272" r:id="rId16"/>
+    <p:sldId id="271" r:id="rId17"/>
+    <p:sldId id="261" r:id="rId18"/>
   </p:sldIdLst>
   <p:sldSz cx="9144000" cy="6858000" type="screen4x3"/>
   <p:notesSz cx="6858000" cy="9144000"/>
@@ -257,7 +259,7 @@
           <a:p>
             <a:fld id="{F13AB7A7-9C4D-4AAC-88E2-B5A5A02A933A}" type="datetimeFigureOut">
               <a:rPr lang="ru-RU" smtClean="0"/>
-              <a:t>20.05.2015</a:t>
+              <a:t>08.06.2015</a:t>
             </a:fld>
             <a:endParaRPr lang="ru-RU"/>
           </a:p>
@@ -427,7 +429,7 @@
           <a:p>
             <a:fld id="{F13AB7A7-9C4D-4AAC-88E2-B5A5A02A933A}" type="datetimeFigureOut">
               <a:rPr lang="ru-RU" smtClean="0"/>
-              <a:t>20.05.2015</a:t>
+              <a:t>08.06.2015</a:t>
             </a:fld>
             <a:endParaRPr lang="ru-RU"/>
           </a:p>
@@ -607,7 +609,7 @@
           <a:p>
             <a:fld id="{F13AB7A7-9C4D-4AAC-88E2-B5A5A02A933A}" type="datetimeFigureOut">
               <a:rPr lang="ru-RU" smtClean="0"/>
-              <a:t>20.05.2015</a:t>
+              <a:t>08.06.2015</a:t>
             </a:fld>
             <a:endParaRPr lang="ru-RU"/>
           </a:p>
@@ -777,7 +779,7 @@
           <a:p>
             <a:fld id="{F13AB7A7-9C4D-4AAC-88E2-B5A5A02A933A}" type="datetimeFigureOut">
               <a:rPr lang="ru-RU" smtClean="0"/>
-              <a:t>20.05.2015</a:t>
+              <a:t>08.06.2015</a:t>
             </a:fld>
             <a:endParaRPr lang="ru-RU"/>
           </a:p>
@@ -1021,7 +1023,7 @@
           <a:p>
             <a:fld id="{F13AB7A7-9C4D-4AAC-88E2-B5A5A02A933A}" type="datetimeFigureOut">
               <a:rPr lang="ru-RU" smtClean="0"/>
-              <a:t>20.05.2015</a:t>
+              <a:t>08.06.2015</a:t>
             </a:fld>
             <a:endParaRPr lang="ru-RU"/>
           </a:p>
@@ -1253,7 +1255,7 @@
           <a:p>
             <a:fld id="{F13AB7A7-9C4D-4AAC-88E2-B5A5A02A933A}" type="datetimeFigureOut">
               <a:rPr lang="ru-RU" smtClean="0"/>
-              <a:t>20.05.2015</a:t>
+              <a:t>08.06.2015</a:t>
             </a:fld>
             <a:endParaRPr lang="ru-RU"/>
           </a:p>
@@ -1620,7 +1622,7 @@
           <a:p>
             <a:fld id="{F13AB7A7-9C4D-4AAC-88E2-B5A5A02A933A}" type="datetimeFigureOut">
               <a:rPr lang="ru-RU" smtClean="0"/>
-              <a:t>20.05.2015</a:t>
+              <a:t>08.06.2015</a:t>
             </a:fld>
             <a:endParaRPr lang="ru-RU"/>
           </a:p>
@@ -1738,7 +1740,7 @@
           <a:p>
             <a:fld id="{F13AB7A7-9C4D-4AAC-88E2-B5A5A02A933A}" type="datetimeFigureOut">
               <a:rPr lang="ru-RU" smtClean="0"/>
-              <a:t>20.05.2015</a:t>
+              <a:t>08.06.2015</a:t>
             </a:fld>
             <a:endParaRPr lang="ru-RU"/>
           </a:p>
@@ -1833,7 +1835,7 @@
           <a:p>
             <a:fld id="{F13AB7A7-9C4D-4AAC-88E2-B5A5A02A933A}" type="datetimeFigureOut">
               <a:rPr lang="ru-RU" smtClean="0"/>
-              <a:t>20.05.2015</a:t>
+              <a:t>08.06.2015</a:t>
             </a:fld>
             <a:endParaRPr lang="ru-RU"/>
           </a:p>
@@ -2147,7 +2149,7 @@
           <a:p>
             <a:fld id="{F13AB7A7-9C4D-4AAC-88E2-B5A5A02A933A}" type="datetimeFigureOut">
               <a:rPr lang="ru-RU" smtClean="0"/>
-              <a:t>20.05.2015</a:t>
+              <a:t>08.06.2015</a:t>
             </a:fld>
             <a:endParaRPr lang="ru-RU"/>
           </a:p>
@@ -2404,7 +2406,7 @@
           <a:p>
             <a:fld id="{F13AB7A7-9C4D-4AAC-88E2-B5A5A02A933A}" type="datetimeFigureOut">
               <a:rPr lang="ru-RU" smtClean="0"/>
-              <a:t>20.05.2015</a:t>
+              <a:t>08.06.2015</a:t>
             </a:fld>
             <a:endParaRPr lang="ru-RU"/>
           </a:p>
@@ -2617,7 +2619,7 @@
           <a:p>
             <a:fld id="{F13AB7A7-9C4D-4AAC-88E2-B5A5A02A933A}" type="datetimeFigureOut">
               <a:rPr lang="ru-RU" smtClean="0"/>
-              <a:t>20.05.2015</a:t>
+              <a:t>08.06.2015</a:t>
             </a:fld>
             <a:endParaRPr lang="ru-RU"/>
           </a:p>
@@ -3666,6 +3668,2287 @@
       </p:grpSpPr>
       <p:pic>
         <p:nvPicPr>
+          <p:cNvPr id="66" name="Рисунок 65"/>
+          <p:cNvPicPr>
+            <a:picLocks noChangeAspect="1"/>
+          </p:cNvPicPr>
+          <p:nvPr/>
+        </p:nvPicPr>
+        <p:blipFill>
+          <a:blip r:embed="rId2">
+            <a:extLst>
+              <a:ext uri="{28A0092B-C50C-407E-A947-70E740481C1C}">
+                <a14:useLocalDpi xmlns:a14="http://schemas.microsoft.com/office/drawing/2010/main" val="0"/>
+              </a:ext>
+            </a:extLst>
+          </a:blip>
+          <a:stretch>
+            <a:fillRect/>
+          </a:stretch>
+        </p:blipFill>
+        <p:spPr>
+          <a:xfrm>
+            <a:off x="4375021" y="2929035"/>
+            <a:ext cx="1708680" cy="2547101"/>
+          </a:xfrm>
+          <a:prstGeom prst="rect">
+            <a:avLst/>
+          </a:prstGeom>
+          <a:ln>
+            <a:solidFill>
+              <a:schemeClr val="bg1">
+                <a:lumMod val="75000"/>
+              </a:schemeClr>
+            </a:solidFill>
+          </a:ln>
+        </p:spPr>
+      </p:pic>
+      <p:pic>
+        <p:nvPicPr>
+          <p:cNvPr id="62" name="Рисунок 61"/>
+          <p:cNvPicPr>
+            <a:picLocks noChangeAspect="1"/>
+          </p:cNvPicPr>
+          <p:nvPr/>
+        </p:nvPicPr>
+        <p:blipFill>
+          <a:blip r:embed="rId3">
+            <a:extLst>
+              <a:ext uri="{28A0092B-C50C-407E-A947-70E740481C1C}">
+                <a14:useLocalDpi xmlns:a14="http://schemas.microsoft.com/office/drawing/2010/main" val="0"/>
+              </a:ext>
+            </a:extLst>
+          </a:blip>
+          <a:stretch>
+            <a:fillRect/>
+          </a:stretch>
+        </p:blipFill>
+        <p:spPr>
+          <a:xfrm>
+            <a:off x="2532133" y="3908830"/>
+            <a:ext cx="1716888" cy="2548837"/>
+          </a:xfrm>
+          <a:prstGeom prst="rect">
+            <a:avLst/>
+          </a:prstGeom>
+          <a:ln>
+            <a:solidFill>
+              <a:schemeClr val="bg1">
+                <a:lumMod val="75000"/>
+              </a:schemeClr>
+            </a:solidFill>
+          </a:ln>
+        </p:spPr>
+      </p:pic>
+      <p:pic>
+        <p:nvPicPr>
+          <p:cNvPr id="59" name="Рисунок 58"/>
+          <p:cNvPicPr>
+            <a:picLocks noChangeAspect="1"/>
+          </p:cNvPicPr>
+          <p:nvPr/>
+        </p:nvPicPr>
+        <p:blipFill>
+          <a:blip r:embed="rId4">
+            <a:extLst>
+              <a:ext uri="{28A0092B-C50C-407E-A947-70E740481C1C}">
+                <a14:useLocalDpi xmlns:a14="http://schemas.microsoft.com/office/drawing/2010/main" val="0"/>
+              </a:ext>
+            </a:extLst>
+          </a:blip>
+          <a:stretch>
+            <a:fillRect/>
+          </a:stretch>
+        </p:blipFill>
+        <p:spPr>
+          <a:xfrm>
+            <a:off x="2033053" y="2806331"/>
+            <a:ext cx="1736371" cy="2577761"/>
+          </a:xfrm>
+          <a:prstGeom prst="rect">
+            <a:avLst/>
+          </a:prstGeom>
+          <a:ln>
+            <a:solidFill>
+              <a:schemeClr val="bg1">
+                <a:lumMod val="75000"/>
+              </a:schemeClr>
+            </a:solidFill>
+          </a:ln>
+        </p:spPr>
+      </p:pic>
+      <p:pic>
+        <p:nvPicPr>
+          <p:cNvPr id="33" name="Рисунок 32"/>
+          <p:cNvPicPr>
+            <a:picLocks noChangeAspect="1"/>
+          </p:cNvPicPr>
+          <p:nvPr/>
+        </p:nvPicPr>
+        <p:blipFill>
+          <a:blip r:embed="rId5">
+            <a:extLst>
+              <a:ext uri="{28A0092B-C50C-407E-A947-70E740481C1C}">
+                <a14:useLocalDpi xmlns:a14="http://schemas.microsoft.com/office/drawing/2010/main" val="0"/>
+              </a:ext>
+            </a:extLst>
+          </a:blip>
+          <a:stretch>
+            <a:fillRect/>
+          </a:stretch>
+        </p:blipFill>
+        <p:spPr>
+          <a:xfrm>
+            <a:off x="2033053" y="114311"/>
+            <a:ext cx="1705128" cy="2547101"/>
+          </a:xfrm>
+          <a:prstGeom prst="rect">
+            <a:avLst/>
+          </a:prstGeom>
+          <a:ln>
+            <a:solidFill>
+              <a:schemeClr val="bg1">
+                <a:lumMod val="75000"/>
+              </a:schemeClr>
+            </a:solidFill>
+          </a:ln>
+        </p:spPr>
+      </p:pic>
+      <p:sp>
+        <p:nvSpPr>
+          <p:cNvPr id="2" name="TextBox 1"/>
+          <p:cNvSpPr txBox="1">
+            <a:spLocks noChangeAspect="1"/>
+          </p:cNvSpPr>
+          <p:nvPr/>
+        </p:nvSpPr>
+        <p:spPr>
+          <a:xfrm>
+            <a:off x="185918" y="83651"/>
+            <a:ext cx="3599140" cy="308235"/>
+          </a:xfrm>
+          <a:prstGeom prst="rect">
+            <a:avLst/>
+          </a:prstGeom>
+          <a:noFill/>
+        </p:spPr>
+        <p:txBody>
+          <a:bodyPr wrap="square" rtlCol="0">
+            <a:noAutofit/>
+          </a:bodyPr>
+          <a:lstStyle/>
+          <a:p>
+            <a:r>
+              <a:rPr lang="ru-RU" sz="1500" b="1" u="sng" dirty="0" smtClean="0">
+                <a:solidFill>
+                  <a:schemeClr val="accent5"/>
+                </a:solidFill>
+              </a:rPr>
+              <a:t>Карта – </a:t>
+            </a:r>
+            <a:r>
+              <a:rPr lang="en-GB" sz="1500" b="1" u="sng" dirty="0" smtClean="0">
+                <a:solidFill>
+                  <a:schemeClr val="accent5"/>
+                </a:solidFill>
+              </a:rPr>
+              <a:t>Service Info</a:t>
+            </a:r>
+            <a:endParaRPr lang="ru-RU" sz="1500" b="1" u="sng" dirty="0">
+              <a:solidFill>
+                <a:schemeClr val="accent5"/>
+              </a:solidFill>
+            </a:endParaRPr>
+          </a:p>
+        </p:txBody>
+      </p:sp>
+      <p:pic>
+        <p:nvPicPr>
+          <p:cNvPr id="4" name="Рисунок 3"/>
+          <p:cNvPicPr>
+            <a:picLocks noChangeAspect="1"/>
+          </p:cNvPicPr>
+          <p:nvPr/>
+        </p:nvPicPr>
+        <p:blipFill>
+          <a:blip r:embed="rId6">
+            <a:extLst>
+              <a:ext uri="{28A0092B-C50C-407E-A947-70E740481C1C}">
+                <a14:useLocalDpi xmlns:a14="http://schemas.microsoft.com/office/drawing/2010/main" val="0"/>
+              </a:ext>
+            </a:extLst>
+          </a:blip>
+          <a:stretch>
+            <a:fillRect/>
+          </a:stretch>
+        </p:blipFill>
+        <p:spPr>
+          <a:xfrm>
+            <a:off x="94913" y="1956678"/>
+            <a:ext cx="1705128" cy="2547101"/>
+          </a:xfrm>
+          <a:prstGeom prst="rect">
+            <a:avLst/>
+          </a:prstGeom>
+          <a:ln>
+            <a:solidFill>
+              <a:schemeClr val="bg1">
+                <a:lumMod val="75000"/>
+              </a:schemeClr>
+            </a:solidFill>
+          </a:ln>
+        </p:spPr>
+      </p:pic>
+      <p:sp>
+        <p:nvSpPr>
+          <p:cNvPr id="7" name="Овал 6"/>
+          <p:cNvSpPr/>
+          <p:nvPr/>
+        </p:nvSpPr>
+        <p:spPr>
+          <a:xfrm>
+            <a:off x="759691" y="2929035"/>
+            <a:ext cx="377768" cy="378823"/>
+          </a:xfrm>
+          <a:prstGeom prst="ellipse">
+            <a:avLst/>
+          </a:prstGeom>
+          <a:solidFill>
+            <a:schemeClr val="accent1">
+              <a:alpha val="50000"/>
+            </a:schemeClr>
+          </a:solidFill>
+          <a:ln>
+            <a:solidFill>
+              <a:schemeClr val="accent1"/>
+            </a:solidFill>
+          </a:ln>
+        </p:spPr>
+        <p:style>
+          <a:lnRef idx="2">
+            <a:schemeClr val="accent1">
+              <a:shade val="50000"/>
+            </a:schemeClr>
+          </a:lnRef>
+          <a:fillRef idx="1">
+            <a:schemeClr val="accent1"/>
+          </a:fillRef>
+          <a:effectRef idx="0">
+            <a:schemeClr val="accent1"/>
+          </a:effectRef>
+          <a:fontRef idx="minor">
+            <a:schemeClr val="lt1"/>
+          </a:fontRef>
+        </p:style>
+        <p:txBody>
+          <a:bodyPr rot="0" spcFirstLastPara="0" vertOverflow="overflow" horzOverflow="overflow" vert="horz" wrap="square" lIns="91440" tIns="45720" rIns="91440" bIns="45720" numCol="1" spcCol="0" rtlCol="0" fromWordArt="0" anchor="ctr" anchorCtr="0" forceAA="0" compatLnSpc="1">
+            <a:prstTxWarp prst="textNoShape">
+              <a:avLst/>
+            </a:prstTxWarp>
+            <a:noAutofit/>
+          </a:bodyPr>
+          <a:lstStyle/>
+          <a:p>
+            <a:pPr algn="ctr"/>
+            <a:endParaRPr lang="ru-RU"/>
+          </a:p>
+        </p:txBody>
+      </p:sp>
+      <p:cxnSp>
+        <p:nvCxnSpPr>
+          <p:cNvPr id="8" name="Прямая со стрелкой 7"/>
+          <p:cNvCxnSpPr>
+            <a:stCxn id="7" idx="5"/>
+          </p:cNvCxnSpPr>
+          <p:nvPr/>
+        </p:nvCxnSpPr>
+        <p:spPr>
+          <a:xfrm>
+            <a:off x="1082136" y="3252381"/>
+            <a:ext cx="1095673" cy="1518968"/>
+          </a:xfrm>
+          <a:prstGeom prst="straightConnector1">
+            <a:avLst/>
+          </a:prstGeom>
+          <a:ln>
+            <a:prstDash val="sysDash"/>
+            <a:tailEnd type="triangle"/>
+          </a:ln>
+        </p:spPr>
+        <p:style>
+          <a:lnRef idx="1">
+            <a:schemeClr val="accent1"/>
+          </a:lnRef>
+          <a:fillRef idx="0">
+            <a:schemeClr val="accent1"/>
+          </a:fillRef>
+          <a:effectRef idx="0">
+            <a:schemeClr val="accent1"/>
+          </a:effectRef>
+          <a:fontRef idx="minor">
+            <a:schemeClr val="tx1"/>
+          </a:fontRef>
+        </p:style>
+      </p:cxnSp>
+      <p:grpSp>
+        <p:nvGrpSpPr>
+          <p:cNvPr id="17" name="Группа 16"/>
+          <p:cNvGrpSpPr/>
+          <p:nvPr/>
+        </p:nvGrpSpPr>
+        <p:grpSpPr>
+          <a:xfrm>
+            <a:off x="2886329" y="4503779"/>
+            <a:ext cx="252000" cy="466583"/>
+            <a:chOff x="6911856" y="2091964"/>
+            <a:chExt cx="252000" cy="466583"/>
+          </a:xfrm>
+        </p:grpSpPr>
+        <p:sp>
+          <p:nvSpPr>
+            <p:cNvPr id="15" name="Овал 14"/>
+            <p:cNvSpPr/>
+            <p:nvPr/>
+          </p:nvSpPr>
+          <p:spPr>
+            <a:xfrm>
+              <a:off x="6911856" y="2306547"/>
+              <a:ext cx="252000" cy="252000"/>
+            </a:xfrm>
+            <a:prstGeom prst="ellipse">
+              <a:avLst/>
+            </a:prstGeom>
+            <a:solidFill>
+              <a:schemeClr val="accent1">
+                <a:alpha val="50000"/>
+              </a:schemeClr>
+            </a:solidFill>
+            <a:ln w="38100">
+              <a:solidFill>
+                <a:schemeClr val="accent1"/>
+              </a:solidFill>
+            </a:ln>
+          </p:spPr>
+          <p:style>
+            <a:lnRef idx="2">
+              <a:schemeClr val="accent1">
+                <a:shade val="50000"/>
+              </a:schemeClr>
+            </a:lnRef>
+            <a:fillRef idx="1">
+              <a:schemeClr val="accent1"/>
+            </a:fillRef>
+            <a:effectRef idx="0">
+              <a:schemeClr val="accent1"/>
+            </a:effectRef>
+            <a:fontRef idx="minor">
+              <a:schemeClr val="lt1"/>
+            </a:fontRef>
+          </p:style>
+          <p:txBody>
+            <a:bodyPr rot="0" spcFirstLastPara="0" vertOverflow="overflow" horzOverflow="overflow" vert="horz" wrap="square" lIns="91440" tIns="45720" rIns="91440" bIns="45720" numCol="1" spcCol="0" rtlCol="0" fromWordArt="0" anchor="ctr" anchorCtr="0" forceAA="0" compatLnSpc="1">
+              <a:prstTxWarp prst="textNoShape">
+                <a:avLst/>
+              </a:prstTxWarp>
+              <a:noAutofit/>
+            </a:bodyPr>
+            <a:lstStyle/>
+            <a:p>
+              <a:pPr algn="ctr"/>
+              <a:endParaRPr lang="ru-RU"/>
+            </a:p>
+          </p:txBody>
+        </p:sp>
+        <p:cxnSp>
+          <p:nvCxnSpPr>
+            <p:cNvPr id="16" name="Прямая со стрелкой 15"/>
+            <p:cNvCxnSpPr>
+              <a:stCxn id="15" idx="0"/>
+            </p:cNvCxnSpPr>
+            <p:nvPr/>
+          </p:nvCxnSpPr>
+          <p:spPr>
+            <a:xfrm flipV="1">
+              <a:off x="7037856" y="2091964"/>
+              <a:ext cx="0" cy="214583"/>
+            </a:xfrm>
+            <a:prstGeom prst="straightConnector1">
+              <a:avLst/>
+            </a:prstGeom>
+            <a:ln w="28575">
+              <a:tailEnd type="triangle"/>
+            </a:ln>
+          </p:spPr>
+          <p:style>
+            <a:lnRef idx="1">
+              <a:schemeClr val="accent1"/>
+            </a:lnRef>
+            <a:fillRef idx="0">
+              <a:schemeClr val="accent1"/>
+            </a:fillRef>
+            <a:effectRef idx="0">
+              <a:schemeClr val="accent1"/>
+            </a:effectRef>
+            <a:fontRef idx="minor">
+              <a:schemeClr val="tx1"/>
+            </a:fontRef>
+          </p:style>
+        </p:cxnSp>
+      </p:grpSp>
+      <p:sp>
+        <p:nvSpPr>
+          <p:cNvPr id="34" name="Овал 33"/>
+          <p:cNvSpPr/>
+          <p:nvPr/>
+        </p:nvSpPr>
+        <p:spPr>
+          <a:xfrm>
+            <a:off x="1425340" y="2049192"/>
+            <a:ext cx="377768" cy="378823"/>
+          </a:xfrm>
+          <a:prstGeom prst="ellipse">
+            <a:avLst/>
+          </a:prstGeom>
+          <a:solidFill>
+            <a:schemeClr val="accent1">
+              <a:alpha val="50000"/>
+            </a:schemeClr>
+          </a:solidFill>
+          <a:ln>
+            <a:solidFill>
+              <a:schemeClr val="accent1"/>
+            </a:solidFill>
+          </a:ln>
+        </p:spPr>
+        <p:style>
+          <a:lnRef idx="2">
+            <a:schemeClr val="accent1">
+              <a:shade val="50000"/>
+            </a:schemeClr>
+          </a:lnRef>
+          <a:fillRef idx="1">
+            <a:schemeClr val="accent1"/>
+          </a:fillRef>
+          <a:effectRef idx="0">
+            <a:schemeClr val="accent1"/>
+          </a:effectRef>
+          <a:fontRef idx="minor">
+            <a:schemeClr val="lt1"/>
+          </a:fontRef>
+        </p:style>
+        <p:txBody>
+          <a:bodyPr rot="0" spcFirstLastPara="0" vertOverflow="overflow" horzOverflow="overflow" vert="horz" wrap="square" lIns="91440" tIns="45720" rIns="91440" bIns="45720" numCol="1" spcCol="0" rtlCol="0" fromWordArt="0" anchor="ctr" anchorCtr="0" forceAA="0" compatLnSpc="1">
+            <a:prstTxWarp prst="textNoShape">
+              <a:avLst/>
+            </a:prstTxWarp>
+            <a:noAutofit/>
+          </a:bodyPr>
+          <a:lstStyle/>
+          <a:p>
+            <a:pPr algn="ctr"/>
+            <a:endParaRPr lang="ru-RU"/>
+          </a:p>
+        </p:txBody>
+      </p:sp>
+      <p:cxnSp>
+        <p:nvCxnSpPr>
+          <p:cNvPr id="35" name="Прямая со стрелкой 34"/>
+          <p:cNvCxnSpPr>
+            <a:stCxn id="34" idx="7"/>
+          </p:cNvCxnSpPr>
+          <p:nvPr/>
+        </p:nvCxnSpPr>
+        <p:spPr>
+          <a:xfrm flipV="1">
+            <a:off x="1747785" y="590298"/>
+            <a:ext cx="1003173" cy="1514371"/>
+          </a:xfrm>
+          <a:prstGeom prst="straightConnector1">
+            <a:avLst/>
+          </a:prstGeom>
+          <a:ln>
+            <a:prstDash val="sysDash"/>
+            <a:tailEnd type="triangle"/>
+          </a:ln>
+        </p:spPr>
+        <p:style>
+          <a:lnRef idx="1">
+            <a:schemeClr val="accent1"/>
+          </a:lnRef>
+          <a:fillRef idx="0">
+            <a:schemeClr val="accent1"/>
+          </a:fillRef>
+          <a:effectRef idx="0">
+            <a:schemeClr val="accent1"/>
+          </a:effectRef>
+          <a:fontRef idx="minor">
+            <a:schemeClr val="tx1"/>
+          </a:fontRef>
+        </p:style>
+      </p:cxnSp>
+      <p:cxnSp>
+        <p:nvCxnSpPr>
+          <p:cNvPr id="44" name="Прямая со стрелкой 43"/>
+          <p:cNvCxnSpPr>
+            <a:stCxn id="15" idx="6"/>
+          </p:cNvCxnSpPr>
+          <p:nvPr/>
+        </p:nvCxnSpPr>
+        <p:spPr>
+          <a:xfrm flipV="1">
+            <a:off x="3138329" y="3747041"/>
+            <a:ext cx="1236692" cy="1097321"/>
+          </a:xfrm>
+          <a:prstGeom prst="straightConnector1">
+            <a:avLst/>
+          </a:prstGeom>
+          <a:ln>
+            <a:prstDash val="sysDash"/>
+            <a:tailEnd type="triangle"/>
+          </a:ln>
+        </p:spPr>
+        <p:style>
+          <a:lnRef idx="1">
+            <a:schemeClr val="accent1"/>
+          </a:lnRef>
+          <a:fillRef idx="0">
+            <a:schemeClr val="accent1"/>
+          </a:fillRef>
+          <a:effectRef idx="0">
+            <a:schemeClr val="accent1"/>
+          </a:effectRef>
+          <a:fontRef idx="minor">
+            <a:schemeClr val="tx1"/>
+          </a:fontRef>
+        </p:style>
+      </p:cxnSp>
+      <p:pic>
+        <p:nvPicPr>
+          <p:cNvPr id="48" name="Рисунок 47"/>
+          <p:cNvPicPr>
+            <a:picLocks noChangeAspect="1"/>
+          </p:cNvPicPr>
+          <p:nvPr/>
+        </p:nvPicPr>
+        <p:blipFill>
+          <a:blip r:embed="rId7">
+            <a:extLst>
+              <a:ext uri="{28A0092B-C50C-407E-A947-70E740481C1C}">
+                <a14:useLocalDpi xmlns:a14="http://schemas.microsoft.com/office/drawing/2010/main" val="0"/>
+              </a:ext>
+            </a:extLst>
+          </a:blip>
+          <a:stretch>
+            <a:fillRect/>
+          </a:stretch>
+        </p:blipFill>
+        <p:spPr>
+          <a:xfrm>
+            <a:off x="3871920" y="237768"/>
+            <a:ext cx="1713396" cy="2559452"/>
+          </a:xfrm>
+          <a:prstGeom prst="rect">
+            <a:avLst/>
+          </a:prstGeom>
+          <a:ln>
+            <a:solidFill>
+              <a:schemeClr val="bg1">
+                <a:lumMod val="75000"/>
+              </a:schemeClr>
+            </a:solidFill>
+          </a:ln>
+        </p:spPr>
+      </p:pic>
+      <p:sp>
+        <p:nvSpPr>
+          <p:cNvPr id="49" name="Овал 48"/>
+          <p:cNvSpPr/>
+          <p:nvPr/>
+        </p:nvSpPr>
+        <p:spPr>
+          <a:xfrm>
+            <a:off x="1411122" y="3174602"/>
+            <a:ext cx="377768" cy="378823"/>
+          </a:xfrm>
+          <a:prstGeom prst="ellipse">
+            <a:avLst/>
+          </a:prstGeom>
+          <a:solidFill>
+            <a:schemeClr val="accent1">
+              <a:alpha val="50000"/>
+            </a:schemeClr>
+          </a:solidFill>
+          <a:ln>
+            <a:solidFill>
+              <a:schemeClr val="accent1"/>
+            </a:solidFill>
+          </a:ln>
+        </p:spPr>
+        <p:style>
+          <a:lnRef idx="2">
+            <a:schemeClr val="accent1">
+              <a:shade val="50000"/>
+            </a:schemeClr>
+          </a:lnRef>
+          <a:fillRef idx="1">
+            <a:schemeClr val="accent1"/>
+          </a:fillRef>
+          <a:effectRef idx="0">
+            <a:schemeClr val="accent1"/>
+          </a:effectRef>
+          <a:fontRef idx="minor">
+            <a:schemeClr val="lt1"/>
+          </a:fontRef>
+        </p:style>
+        <p:txBody>
+          <a:bodyPr rot="0" spcFirstLastPara="0" vertOverflow="overflow" horzOverflow="overflow" vert="horz" wrap="square" lIns="91440" tIns="45720" rIns="91440" bIns="45720" numCol="1" spcCol="0" rtlCol="0" fromWordArt="0" anchor="ctr" anchorCtr="0" forceAA="0" compatLnSpc="1">
+            <a:prstTxWarp prst="textNoShape">
+              <a:avLst/>
+            </a:prstTxWarp>
+            <a:noAutofit/>
+          </a:bodyPr>
+          <a:lstStyle/>
+          <a:p>
+            <a:pPr algn="ctr"/>
+            <a:endParaRPr lang="ru-RU"/>
+          </a:p>
+        </p:txBody>
+      </p:sp>
+      <p:cxnSp>
+        <p:nvCxnSpPr>
+          <p:cNvPr id="50" name="Прямая со стрелкой 49"/>
+          <p:cNvCxnSpPr>
+            <a:stCxn id="49" idx="6"/>
+          </p:cNvCxnSpPr>
+          <p:nvPr/>
+        </p:nvCxnSpPr>
+        <p:spPr>
+          <a:xfrm flipV="1">
+            <a:off x="1788890" y="936702"/>
+            <a:ext cx="2939728" cy="2427312"/>
+          </a:xfrm>
+          <a:prstGeom prst="straightConnector1">
+            <a:avLst/>
+          </a:prstGeom>
+          <a:ln>
+            <a:prstDash val="sysDash"/>
+            <a:tailEnd type="triangle"/>
+          </a:ln>
+        </p:spPr>
+        <p:style>
+          <a:lnRef idx="1">
+            <a:schemeClr val="accent1"/>
+          </a:lnRef>
+          <a:fillRef idx="0">
+            <a:schemeClr val="accent1"/>
+          </a:fillRef>
+          <a:effectRef idx="0">
+            <a:schemeClr val="accent1"/>
+          </a:effectRef>
+          <a:fontRef idx="minor">
+            <a:schemeClr val="tx1"/>
+          </a:fontRef>
+        </p:style>
+      </p:cxnSp>
+      <p:sp>
+        <p:nvSpPr>
+          <p:cNvPr id="53" name="TextBox 52"/>
+          <p:cNvSpPr txBox="1"/>
+          <p:nvPr/>
+        </p:nvSpPr>
+        <p:spPr>
+          <a:xfrm>
+            <a:off x="5681522" y="936702"/>
+            <a:ext cx="2738082" cy="938719"/>
+          </a:xfrm>
+          <a:prstGeom prst="rect">
+            <a:avLst/>
+          </a:prstGeom>
+          <a:noFill/>
+        </p:spPr>
+        <p:txBody>
+          <a:bodyPr wrap="square" rtlCol="0">
+            <a:spAutoFit/>
+          </a:bodyPr>
+          <a:lstStyle/>
+          <a:p>
+            <a:r>
+              <a:rPr lang="ru-RU" sz="1100" dirty="0" smtClean="0">
+                <a:solidFill>
+                  <a:schemeClr val="accent1">
+                    <a:lumMod val="75000"/>
+                  </a:schemeClr>
+                </a:solidFill>
+              </a:rPr>
+              <a:t>Тап на «</a:t>
+            </a:r>
+            <a:r>
+              <a:rPr lang="en-GB" sz="1100" dirty="0" err="1" smtClean="0">
+                <a:solidFill>
+                  <a:schemeClr val="accent1">
+                    <a:lumMod val="75000"/>
+                  </a:schemeClr>
+                </a:solidFill>
+              </a:rPr>
+              <a:t>ic_find_mobile</a:t>
+            </a:r>
+            <a:r>
+              <a:rPr lang="ru-RU" sz="1100" dirty="0" smtClean="0">
+                <a:solidFill>
+                  <a:schemeClr val="accent1">
+                    <a:lumMod val="75000"/>
+                  </a:schemeClr>
+                </a:solidFill>
+              </a:rPr>
+              <a:t>» на карте появляется вторая иконка активного цвета с мобильным, после определения координат простраивается маршрут от иконки с мобильным до иконки с </a:t>
+            </a:r>
+            <a:r>
+              <a:rPr lang="ru-RU" sz="1100" dirty="0" err="1" smtClean="0">
+                <a:solidFill>
+                  <a:schemeClr val="accent1">
+                    <a:lumMod val="75000"/>
+                  </a:schemeClr>
+                </a:solidFill>
+              </a:rPr>
+              <a:t>КОТом</a:t>
+            </a:r>
+            <a:r>
+              <a:rPr lang="ru-RU" sz="1100" dirty="0" smtClean="0">
+                <a:solidFill>
+                  <a:schemeClr val="accent1">
+                    <a:lumMod val="75000"/>
+                  </a:schemeClr>
+                </a:solidFill>
+              </a:rPr>
+              <a:t>.</a:t>
+            </a:r>
+            <a:endParaRPr lang="ru-RU" sz="1100" dirty="0">
+              <a:solidFill>
+                <a:schemeClr val="accent1">
+                  <a:lumMod val="75000"/>
+                </a:schemeClr>
+              </a:solidFill>
+            </a:endParaRPr>
+          </a:p>
+        </p:txBody>
+      </p:sp>
+      <p:sp>
+        <p:nvSpPr>
+          <p:cNvPr id="64" name="TextBox 63"/>
+          <p:cNvSpPr txBox="1"/>
+          <p:nvPr/>
+        </p:nvSpPr>
+        <p:spPr>
+          <a:xfrm>
+            <a:off x="2532132" y="6510654"/>
+            <a:ext cx="4727311" cy="261610"/>
+          </a:xfrm>
+          <a:prstGeom prst="rect">
+            <a:avLst/>
+          </a:prstGeom>
+          <a:noFill/>
+        </p:spPr>
+        <p:txBody>
+          <a:bodyPr wrap="square" rtlCol="0">
+            <a:spAutoFit/>
+          </a:bodyPr>
+          <a:lstStyle/>
+          <a:p>
+            <a:r>
+              <a:rPr lang="ru-RU" sz="1100" dirty="0" smtClean="0">
+                <a:solidFill>
+                  <a:schemeClr val="accent1">
+                    <a:lumMod val="75000"/>
+                  </a:schemeClr>
+                </a:solidFill>
+              </a:rPr>
+              <a:t>Если юзер поставил оценку, то </a:t>
+            </a:r>
+            <a:r>
+              <a:rPr lang="en-GB" sz="1100" dirty="0" smtClean="0">
+                <a:solidFill>
+                  <a:schemeClr val="accent1">
+                    <a:lumMod val="75000"/>
+                  </a:schemeClr>
+                </a:solidFill>
+              </a:rPr>
+              <a:t>preview</a:t>
+            </a:r>
+            <a:r>
+              <a:rPr lang="ru-RU" sz="1100" dirty="0" smtClean="0">
+                <a:solidFill>
+                  <a:schemeClr val="accent1">
+                    <a:lumMod val="75000"/>
+                  </a:schemeClr>
+                </a:solidFill>
+              </a:rPr>
+              <a:t> имеет иной вид (!) – см. след. слайд</a:t>
+            </a:r>
+            <a:endParaRPr lang="ru-RU" sz="1100" dirty="0">
+              <a:solidFill>
+                <a:schemeClr val="accent1">
+                  <a:lumMod val="75000"/>
+                </a:schemeClr>
+              </a:solidFill>
+            </a:endParaRPr>
+          </a:p>
+        </p:txBody>
+      </p:sp>
+      <p:pic>
+        <p:nvPicPr>
+          <p:cNvPr id="68" name="Рисунок 67"/>
+          <p:cNvPicPr>
+            <a:picLocks noChangeAspect="1"/>
+          </p:cNvPicPr>
+          <p:nvPr/>
+        </p:nvPicPr>
+        <p:blipFill>
+          <a:blip r:embed="rId8">
+            <a:extLst>
+              <a:ext uri="{28A0092B-C50C-407E-A947-70E740481C1C}">
+                <a14:useLocalDpi xmlns:a14="http://schemas.microsoft.com/office/drawing/2010/main" val="0"/>
+              </a:ext>
+            </a:extLst>
+          </a:blip>
+          <a:stretch>
+            <a:fillRect/>
+          </a:stretch>
+        </p:blipFill>
+        <p:spPr>
+          <a:xfrm>
+            <a:off x="6246682" y="2929034"/>
+            <a:ext cx="1708680" cy="2547101"/>
+          </a:xfrm>
+          <a:prstGeom prst="rect">
+            <a:avLst/>
+          </a:prstGeom>
+          <a:ln>
+            <a:solidFill>
+              <a:schemeClr val="bg1">
+                <a:lumMod val="75000"/>
+              </a:schemeClr>
+            </a:solidFill>
+          </a:ln>
+        </p:spPr>
+      </p:pic>
+      <p:cxnSp>
+        <p:nvCxnSpPr>
+          <p:cNvPr id="69" name="Прямая со стрелкой 68"/>
+          <p:cNvCxnSpPr/>
+          <p:nvPr/>
+        </p:nvCxnSpPr>
+        <p:spPr>
+          <a:xfrm>
+            <a:off x="7761249" y="3905799"/>
+            <a:ext cx="356839" cy="0"/>
+          </a:xfrm>
+          <a:prstGeom prst="straightConnector1">
+            <a:avLst/>
+          </a:prstGeom>
+          <a:ln>
+            <a:prstDash val="sysDash"/>
+            <a:tailEnd type="triangle"/>
+          </a:ln>
+        </p:spPr>
+        <p:style>
+          <a:lnRef idx="1">
+            <a:schemeClr val="accent1"/>
+          </a:lnRef>
+          <a:fillRef idx="0">
+            <a:schemeClr val="accent1"/>
+          </a:fillRef>
+          <a:effectRef idx="0">
+            <a:schemeClr val="accent1"/>
+          </a:effectRef>
+          <a:fontRef idx="minor">
+            <a:schemeClr val="tx1"/>
+          </a:fontRef>
+        </p:style>
+      </p:cxnSp>
+      <p:sp>
+        <p:nvSpPr>
+          <p:cNvPr id="72" name="TextBox 71"/>
+          <p:cNvSpPr txBox="1"/>
+          <p:nvPr/>
+        </p:nvSpPr>
+        <p:spPr>
+          <a:xfrm>
+            <a:off x="8118088" y="3230228"/>
+            <a:ext cx="1025912" cy="2970044"/>
+          </a:xfrm>
+          <a:prstGeom prst="rect">
+            <a:avLst/>
+          </a:prstGeom>
+          <a:noFill/>
+        </p:spPr>
+        <p:txBody>
+          <a:bodyPr wrap="square" rtlCol="0">
+            <a:spAutoFit/>
+          </a:bodyPr>
+          <a:lstStyle/>
+          <a:p>
+            <a:r>
+              <a:rPr lang="ru-RU" sz="1100" dirty="0" smtClean="0">
+                <a:solidFill>
+                  <a:schemeClr val="accent1">
+                    <a:lumMod val="75000"/>
+                  </a:schemeClr>
+                </a:solidFill>
+              </a:rPr>
+              <a:t>Переадресация юзера в окно телефона с набранным номером – остается только нажать кнопку «Вызов». По системной кнопке «Назад» возвращаем юзера на тот же экран</a:t>
+            </a:r>
+            <a:endParaRPr lang="ru-RU" sz="1100" dirty="0">
+              <a:solidFill>
+                <a:schemeClr val="accent1">
+                  <a:lumMod val="75000"/>
+                </a:schemeClr>
+              </a:solidFill>
+            </a:endParaRPr>
+          </a:p>
+        </p:txBody>
+      </p:sp>
+      <p:sp>
+        <p:nvSpPr>
+          <p:cNvPr id="73" name="Овал 72"/>
+          <p:cNvSpPr/>
+          <p:nvPr/>
+        </p:nvSpPr>
+        <p:spPr>
+          <a:xfrm>
+            <a:off x="5058967" y="3716388"/>
+            <a:ext cx="377768" cy="378823"/>
+          </a:xfrm>
+          <a:prstGeom prst="ellipse">
+            <a:avLst/>
+          </a:prstGeom>
+          <a:solidFill>
+            <a:schemeClr val="accent1">
+              <a:alpha val="50000"/>
+            </a:schemeClr>
+          </a:solidFill>
+          <a:ln>
+            <a:solidFill>
+              <a:schemeClr val="accent1"/>
+            </a:solidFill>
+          </a:ln>
+        </p:spPr>
+        <p:style>
+          <a:lnRef idx="2">
+            <a:schemeClr val="accent1">
+              <a:shade val="50000"/>
+            </a:schemeClr>
+          </a:lnRef>
+          <a:fillRef idx="1">
+            <a:schemeClr val="accent1"/>
+          </a:fillRef>
+          <a:effectRef idx="0">
+            <a:schemeClr val="accent1"/>
+          </a:effectRef>
+          <a:fontRef idx="minor">
+            <a:schemeClr val="lt1"/>
+          </a:fontRef>
+        </p:style>
+        <p:txBody>
+          <a:bodyPr rot="0" spcFirstLastPara="0" vertOverflow="overflow" horzOverflow="overflow" vert="horz" wrap="square" lIns="91440" tIns="45720" rIns="91440" bIns="45720" numCol="1" spcCol="0" rtlCol="0" fromWordArt="0" anchor="ctr" anchorCtr="0" forceAA="0" compatLnSpc="1">
+            <a:prstTxWarp prst="textNoShape">
+              <a:avLst/>
+            </a:prstTxWarp>
+            <a:noAutofit/>
+          </a:bodyPr>
+          <a:lstStyle/>
+          <a:p>
+            <a:pPr algn="ctr"/>
+            <a:endParaRPr lang="ru-RU"/>
+          </a:p>
+        </p:txBody>
+      </p:sp>
+      <p:cxnSp>
+        <p:nvCxnSpPr>
+          <p:cNvPr id="74" name="Прямая со стрелкой 73"/>
+          <p:cNvCxnSpPr>
+            <a:stCxn id="73" idx="6"/>
+          </p:cNvCxnSpPr>
+          <p:nvPr/>
+        </p:nvCxnSpPr>
+        <p:spPr>
+          <a:xfrm flipV="1">
+            <a:off x="5436735" y="3905799"/>
+            <a:ext cx="897158" cy="1"/>
+          </a:xfrm>
+          <a:prstGeom prst="straightConnector1">
+            <a:avLst/>
+          </a:prstGeom>
+          <a:ln>
+            <a:prstDash val="sysDash"/>
+            <a:tailEnd type="triangle"/>
+          </a:ln>
+        </p:spPr>
+        <p:style>
+          <a:lnRef idx="1">
+            <a:schemeClr val="accent1"/>
+          </a:lnRef>
+          <a:fillRef idx="0">
+            <a:schemeClr val="accent1"/>
+          </a:fillRef>
+          <a:effectRef idx="0">
+            <a:schemeClr val="accent1"/>
+          </a:effectRef>
+          <a:fontRef idx="minor">
+            <a:schemeClr val="tx1"/>
+          </a:fontRef>
+        </p:style>
+      </p:cxnSp>
+    </p:spTree>
+    <p:extLst>
+      <p:ext uri="{BB962C8B-B14F-4D97-AF65-F5344CB8AC3E}">
+        <p14:creationId xmlns:p14="http://schemas.microsoft.com/office/powerpoint/2010/main" val="1537699432"/>
+      </p:ext>
+    </p:extLst>
+  </p:cSld>
+  <p:clrMapOvr>
+    <a:masterClrMapping/>
+  </p:clrMapOvr>
+</p:sld>
+</file>
+
+<file path=ppt/slides/slide11.xml><?xml version="1.0" encoding="utf-8"?>
+<p:sld xmlns:a="http://schemas.openxmlformats.org/drawingml/2006/main" xmlns:r="http://schemas.openxmlformats.org/officeDocument/2006/relationships" xmlns:p="http://schemas.openxmlformats.org/presentationml/2006/main">
+  <p:cSld>
+    <p:spTree>
+      <p:nvGrpSpPr>
+        <p:cNvPr id="1" name=""/>
+        <p:cNvGrpSpPr/>
+        <p:nvPr/>
+      </p:nvGrpSpPr>
+      <p:grpSpPr>
+        <a:xfrm>
+          <a:off x="0" y="0"/>
+          <a:ext cx="0" cy="0"/>
+          <a:chOff x="0" y="0"/>
+          <a:chExt cx="0" cy="0"/>
+        </a:xfrm>
+      </p:grpSpPr>
+      <p:pic>
+        <p:nvPicPr>
+          <p:cNvPr id="11" name="Рисунок 10"/>
+          <p:cNvPicPr>
+            <a:picLocks noChangeAspect="1"/>
+          </p:cNvPicPr>
+          <p:nvPr/>
+        </p:nvPicPr>
+        <p:blipFill>
+          <a:blip r:embed="rId2">
+            <a:extLst>
+              <a:ext uri="{28A0092B-C50C-407E-A947-70E740481C1C}">
+                <a14:useLocalDpi xmlns:a14="http://schemas.microsoft.com/office/drawing/2010/main" val="0"/>
+              </a:ext>
+            </a:extLst>
+          </a:blip>
+          <a:stretch>
+            <a:fillRect/>
+          </a:stretch>
+        </p:blipFill>
+        <p:spPr>
+          <a:xfrm>
+            <a:off x="5401680" y="303985"/>
+            <a:ext cx="1735076" cy="3696466"/>
+          </a:xfrm>
+          <a:prstGeom prst="rect">
+            <a:avLst/>
+          </a:prstGeom>
+          <a:ln>
+            <a:solidFill>
+              <a:schemeClr val="bg1">
+                <a:lumMod val="75000"/>
+              </a:schemeClr>
+            </a:solidFill>
+          </a:ln>
+        </p:spPr>
+      </p:pic>
+      <p:pic>
+        <p:nvPicPr>
+          <p:cNvPr id="5" name="Рисунок 4"/>
+          <p:cNvPicPr>
+            <a:picLocks noChangeAspect="1"/>
+          </p:cNvPicPr>
+          <p:nvPr/>
+        </p:nvPicPr>
+        <p:blipFill>
+          <a:blip r:embed="rId3">
+            <a:extLst>
+              <a:ext uri="{28A0092B-C50C-407E-A947-70E740481C1C}">
+                <a14:useLocalDpi xmlns:a14="http://schemas.microsoft.com/office/drawing/2010/main" val="0"/>
+              </a:ext>
+            </a:extLst>
+          </a:blip>
+          <a:stretch>
+            <a:fillRect/>
+          </a:stretch>
+        </p:blipFill>
+        <p:spPr>
+          <a:xfrm>
+            <a:off x="2303808" y="708262"/>
+            <a:ext cx="1729248" cy="2577761"/>
+          </a:xfrm>
+          <a:prstGeom prst="rect">
+            <a:avLst/>
+          </a:prstGeom>
+          <a:ln>
+            <a:solidFill>
+              <a:schemeClr val="bg1">
+                <a:lumMod val="75000"/>
+              </a:schemeClr>
+            </a:solidFill>
+          </a:ln>
+        </p:spPr>
+      </p:pic>
+      <p:pic>
+        <p:nvPicPr>
+          <p:cNvPr id="3" name="Рисунок 2"/>
+          <p:cNvPicPr>
+            <a:picLocks noChangeAspect="1"/>
+          </p:cNvPicPr>
+          <p:nvPr/>
+        </p:nvPicPr>
+        <p:blipFill>
+          <a:blip r:embed="rId4">
+            <a:extLst>
+              <a:ext uri="{28A0092B-C50C-407E-A947-70E740481C1C}">
+                <a14:useLocalDpi xmlns:a14="http://schemas.microsoft.com/office/drawing/2010/main" val="0"/>
+              </a:ext>
+            </a:extLst>
+          </a:blip>
+          <a:stretch>
+            <a:fillRect/>
+          </a:stretch>
+        </p:blipFill>
+        <p:spPr>
+          <a:xfrm>
+            <a:off x="2303808" y="3542430"/>
+            <a:ext cx="1729248" cy="2577761"/>
+          </a:xfrm>
+          <a:prstGeom prst="rect">
+            <a:avLst/>
+          </a:prstGeom>
+          <a:ln>
+            <a:solidFill>
+              <a:schemeClr val="bg1">
+                <a:lumMod val="75000"/>
+              </a:schemeClr>
+            </a:solidFill>
+          </a:ln>
+        </p:spPr>
+      </p:pic>
+      <p:pic>
+        <p:nvPicPr>
+          <p:cNvPr id="62" name="Рисунок 61"/>
+          <p:cNvPicPr>
+            <a:picLocks noChangeAspect="1"/>
+          </p:cNvPicPr>
+          <p:nvPr/>
+        </p:nvPicPr>
+        <p:blipFill>
+          <a:blip r:embed="rId5">
+            <a:extLst>
+              <a:ext uri="{28A0092B-C50C-407E-A947-70E740481C1C}">
+                <a14:useLocalDpi xmlns:a14="http://schemas.microsoft.com/office/drawing/2010/main" val="0"/>
+              </a:ext>
+            </a:extLst>
+          </a:blip>
+          <a:stretch>
+            <a:fillRect/>
+          </a:stretch>
+        </p:blipFill>
+        <p:spPr>
+          <a:xfrm>
+            <a:off x="268600" y="3542430"/>
+            <a:ext cx="1716888" cy="2548837"/>
+          </a:xfrm>
+          <a:prstGeom prst="rect">
+            <a:avLst/>
+          </a:prstGeom>
+          <a:ln>
+            <a:solidFill>
+              <a:schemeClr val="bg1">
+                <a:lumMod val="75000"/>
+              </a:schemeClr>
+            </a:solidFill>
+          </a:ln>
+        </p:spPr>
+      </p:pic>
+      <p:pic>
+        <p:nvPicPr>
+          <p:cNvPr id="59" name="Рисунок 58"/>
+          <p:cNvPicPr>
+            <a:picLocks noChangeAspect="1"/>
+          </p:cNvPicPr>
+          <p:nvPr/>
+        </p:nvPicPr>
+        <p:blipFill>
+          <a:blip r:embed="rId6">
+            <a:extLst>
+              <a:ext uri="{28A0092B-C50C-407E-A947-70E740481C1C}">
+                <a14:useLocalDpi xmlns:a14="http://schemas.microsoft.com/office/drawing/2010/main" val="0"/>
+              </a:ext>
+            </a:extLst>
+          </a:blip>
+          <a:stretch>
+            <a:fillRect/>
+          </a:stretch>
+        </p:blipFill>
+        <p:spPr>
+          <a:xfrm>
+            <a:off x="249117" y="711669"/>
+            <a:ext cx="1736371" cy="2577761"/>
+          </a:xfrm>
+          <a:prstGeom prst="rect">
+            <a:avLst/>
+          </a:prstGeom>
+          <a:ln>
+            <a:solidFill>
+              <a:schemeClr val="bg1">
+                <a:lumMod val="75000"/>
+              </a:schemeClr>
+            </a:solidFill>
+          </a:ln>
+        </p:spPr>
+      </p:pic>
+      <p:sp>
+        <p:nvSpPr>
+          <p:cNvPr id="2" name="TextBox 1"/>
+          <p:cNvSpPr txBox="1">
+            <a:spLocks noChangeAspect="1"/>
+          </p:cNvSpPr>
+          <p:nvPr/>
+        </p:nvSpPr>
+        <p:spPr>
+          <a:xfrm>
+            <a:off x="185918" y="-5561"/>
+            <a:ext cx="3599140" cy="308235"/>
+          </a:xfrm>
+          <a:prstGeom prst="rect">
+            <a:avLst/>
+          </a:prstGeom>
+          <a:noFill/>
+        </p:spPr>
+        <p:txBody>
+          <a:bodyPr wrap="square" rtlCol="0">
+            <a:noAutofit/>
+          </a:bodyPr>
+          <a:lstStyle/>
+          <a:p>
+            <a:r>
+              <a:rPr lang="ru-RU" sz="1500" b="1" u="sng" dirty="0" smtClean="0">
+                <a:solidFill>
+                  <a:schemeClr val="accent5"/>
+                </a:solidFill>
+              </a:rPr>
+              <a:t>Карта – </a:t>
+            </a:r>
+            <a:r>
+              <a:rPr lang="en-GB" sz="1500" b="1" u="sng" dirty="0" smtClean="0">
+                <a:solidFill>
+                  <a:schemeClr val="accent5"/>
+                </a:solidFill>
+              </a:rPr>
+              <a:t>Service Info</a:t>
+            </a:r>
+            <a:r>
+              <a:rPr lang="ru-RU" sz="1500" b="1" u="sng" dirty="0" smtClean="0">
+                <a:solidFill>
+                  <a:schemeClr val="accent5"/>
+                </a:solidFill>
+              </a:rPr>
+              <a:t> - </a:t>
+            </a:r>
+            <a:r>
+              <a:rPr lang="en-GB" sz="1500" b="1" u="sng" dirty="0" err="1" smtClean="0">
+                <a:solidFill>
+                  <a:schemeClr val="accent5"/>
+                </a:solidFill>
+              </a:rPr>
+              <a:t>Raiting</a:t>
+            </a:r>
+            <a:endParaRPr lang="ru-RU" sz="1500" b="1" u="sng" dirty="0">
+              <a:solidFill>
+                <a:schemeClr val="accent5"/>
+              </a:solidFill>
+            </a:endParaRPr>
+          </a:p>
+        </p:txBody>
+      </p:sp>
+      <p:grpSp>
+        <p:nvGrpSpPr>
+          <p:cNvPr id="17" name="Группа 16"/>
+          <p:cNvGrpSpPr/>
+          <p:nvPr/>
+        </p:nvGrpSpPr>
+        <p:grpSpPr>
+          <a:xfrm>
+            <a:off x="1104531" y="2457641"/>
+            <a:ext cx="252000" cy="466583"/>
+            <a:chOff x="6911856" y="2091964"/>
+            <a:chExt cx="252000" cy="466583"/>
+          </a:xfrm>
+        </p:grpSpPr>
+        <p:sp>
+          <p:nvSpPr>
+            <p:cNvPr id="15" name="Овал 14"/>
+            <p:cNvSpPr/>
+            <p:nvPr/>
+          </p:nvSpPr>
+          <p:spPr>
+            <a:xfrm>
+              <a:off x="6911856" y="2306547"/>
+              <a:ext cx="252000" cy="252000"/>
+            </a:xfrm>
+            <a:prstGeom prst="ellipse">
+              <a:avLst/>
+            </a:prstGeom>
+            <a:solidFill>
+              <a:schemeClr val="accent1">
+                <a:alpha val="50000"/>
+              </a:schemeClr>
+            </a:solidFill>
+            <a:ln w="38100">
+              <a:solidFill>
+                <a:schemeClr val="accent1"/>
+              </a:solidFill>
+            </a:ln>
+          </p:spPr>
+          <p:style>
+            <a:lnRef idx="2">
+              <a:schemeClr val="accent1">
+                <a:shade val="50000"/>
+              </a:schemeClr>
+            </a:lnRef>
+            <a:fillRef idx="1">
+              <a:schemeClr val="accent1"/>
+            </a:fillRef>
+            <a:effectRef idx="0">
+              <a:schemeClr val="accent1"/>
+            </a:effectRef>
+            <a:fontRef idx="minor">
+              <a:schemeClr val="lt1"/>
+            </a:fontRef>
+          </p:style>
+          <p:txBody>
+            <a:bodyPr rot="0" spcFirstLastPara="0" vertOverflow="overflow" horzOverflow="overflow" vert="horz" wrap="square" lIns="91440" tIns="45720" rIns="91440" bIns="45720" numCol="1" spcCol="0" rtlCol="0" fromWordArt="0" anchor="ctr" anchorCtr="0" forceAA="0" compatLnSpc="1">
+              <a:prstTxWarp prst="textNoShape">
+                <a:avLst/>
+              </a:prstTxWarp>
+              <a:noAutofit/>
+            </a:bodyPr>
+            <a:lstStyle/>
+            <a:p>
+              <a:pPr algn="ctr"/>
+              <a:endParaRPr lang="ru-RU"/>
+            </a:p>
+          </p:txBody>
+        </p:sp>
+        <p:cxnSp>
+          <p:nvCxnSpPr>
+            <p:cNvPr id="16" name="Прямая со стрелкой 15"/>
+            <p:cNvCxnSpPr>
+              <a:stCxn id="15" idx="0"/>
+            </p:cNvCxnSpPr>
+            <p:nvPr/>
+          </p:nvCxnSpPr>
+          <p:spPr>
+            <a:xfrm flipV="1">
+              <a:off x="7037856" y="2091964"/>
+              <a:ext cx="0" cy="214583"/>
+            </a:xfrm>
+            <a:prstGeom prst="straightConnector1">
+              <a:avLst/>
+            </a:prstGeom>
+            <a:ln w="28575">
+              <a:tailEnd type="triangle"/>
+            </a:ln>
+          </p:spPr>
+          <p:style>
+            <a:lnRef idx="1">
+              <a:schemeClr val="accent1"/>
+            </a:lnRef>
+            <a:fillRef idx="0">
+              <a:schemeClr val="accent1"/>
+            </a:fillRef>
+            <a:effectRef idx="0">
+              <a:schemeClr val="accent1"/>
+            </a:effectRef>
+            <a:fontRef idx="minor">
+              <a:schemeClr val="tx1"/>
+            </a:fontRef>
+          </p:style>
+        </p:cxnSp>
+      </p:grpSp>
+      <p:cxnSp>
+        <p:nvCxnSpPr>
+          <p:cNvPr id="44" name="Прямая со стрелкой 43"/>
+          <p:cNvCxnSpPr>
+            <a:stCxn id="15" idx="6"/>
+          </p:cNvCxnSpPr>
+          <p:nvPr/>
+        </p:nvCxnSpPr>
+        <p:spPr>
+          <a:xfrm>
+            <a:off x="1356531" y="2798224"/>
+            <a:ext cx="1061316" cy="65639"/>
+          </a:xfrm>
+          <a:prstGeom prst="straightConnector1">
+            <a:avLst/>
+          </a:prstGeom>
+          <a:ln>
+            <a:prstDash val="sysDash"/>
+            <a:tailEnd type="triangle"/>
+          </a:ln>
+        </p:spPr>
+        <p:style>
+          <a:lnRef idx="1">
+            <a:schemeClr val="accent1"/>
+          </a:lnRef>
+          <a:fillRef idx="0">
+            <a:schemeClr val="accent1"/>
+          </a:fillRef>
+          <a:effectRef idx="0">
+            <a:schemeClr val="accent1"/>
+          </a:effectRef>
+          <a:fontRef idx="minor">
+            <a:schemeClr val="tx1"/>
+          </a:fontRef>
+        </p:style>
+      </p:cxnSp>
+      <p:grpSp>
+        <p:nvGrpSpPr>
+          <p:cNvPr id="29" name="Группа 28"/>
+          <p:cNvGrpSpPr/>
+          <p:nvPr/>
+        </p:nvGrpSpPr>
+        <p:grpSpPr>
+          <a:xfrm>
+            <a:off x="1104531" y="5280653"/>
+            <a:ext cx="252000" cy="466583"/>
+            <a:chOff x="6911856" y="2091964"/>
+            <a:chExt cx="252000" cy="466583"/>
+          </a:xfrm>
+        </p:grpSpPr>
+        <p:sp>
+          <p:nvSpPr>
+            <p:cNvPr id="30" name="Овал 29"/>
+            <p:cNvSpPr/>
+            <p:nvPr/>
+          </p:nvSpPr>
+          <p:spPr>
+            <a:xfrm>
+              <a:off x="6911856" y="2306547"/>
+              <a:ext cx="252000" cy="252000"/>
+            </a:xfrm>
+            <a:prstGeom prst="ellipse">
+              <a:avLst/>
+            </a:prstGeom>
+            <a:solidFill>
+              <a:schemeClr val="accent1">
+                <a:alpha val="50000"/>
+              </a:schemeClr>
+            </a:solidFill>
+            <a:ln w="38100">
+              <a:solidFill>
+                <a:schemeClr val="accent1"/>
+              </a:solidFill>
+            </a:ln>
+          </p:spPr>
+          <p:style>
+            <a:lnRef idx="2">
+              <a:schemeClr val="accent1">
+                <a:shade val="50000"/>
+              </a:schemeClr>
+            </a:lnRef>
+            <a:fillRef idx="1">
+              <a:schemeClr val="accent1"/>
+            </a:fillRef>
+            <a:effectRef idx="0">
+              <a:schemeClr val="accent1"/>
+            </a:effectRef>
+            <a:fontRef idx="minor">
+              <a:schemeClr val="lt1"/>
+            </a:fontRef>
+          </p:style>
+          <p:txBody>
+            <a:bodyPr rot="0" spcFirstLastPara="0" vertOverflow="overflow" horzOverflow="overflow" vert="horz" wrap="square" lIns="91440" tIns="45720" rIns="91440" bIns="45720" numCol="1" spcCol="0" rtlCol="0" fromWordArt="0" anchor="ctr" anchorCtr="0" forceAA="0" compatLnSpc="1">
+              <a:prstTxWarp prst="textNoShape">
+                <a:avLst/>
+              </a:prstTxWarp>
+              <a:noAutofit/>
+            </a:bodyPr>
+            <a:lstStyle/>
+            <a:p>
+              <a:pPr algn="ctr"/>
+              <a:endParaRPr lang="ru-RU"/>
+            </a:p>
+          </p:txBody>
+        </p:sp>
+        <p:cxnSp>
+          <p:nvCxnSpPr>
+            <p:cNvPr id="31" name="Прямая со стрелкой 30"/>
+            <p:cNvCxnSpPr>
+              <a:stCxn id="30" idx="0"/>
+            </p:cNvCxnSpPr>
+            <p:nvPr/>
+          </p:nvCxnSpPr>
+          <p:spPr>
+            <a:xfrm flipV="1">
+              <a:off x="7037856" y="2091964"/>
+              <a:ext cx="0" cy="214583"/>
+            </a:xfrm>
+            <a:prstGeom prst="straightConnector1">
+              <a:avLst/>
+            </a:prstGeom>
+            <a:ln w="28575">
+              <a:tailEnd type="triangle"/>
+            </a:ln>
+          </p:spPr>
+          <p:style>
+            <a:lnRef idx="1">
+              <a:schemeClr val="accent1"/>
+            </a:lnRef>
+            <a:fillRef idx="0">
+              <a:schemeClr val="accent1"/>
+            </a:fillRef>
+            <a:effectRef idx="0">
+              <a:schemeClr val="accent1"/>
+            </a:effectRef>
+            <a:fontRef idx="minor">
+              <a:schemeClr val="tx1"/>
+            </a:fontRef>
+          </p:style>
+        </p:cxnSp>
+      </p:grpSp>
+      <p:cxnSp>
+        <p:nvCxnSpPr>
+          <p:cNvPr id="32" name="Прямая со стрелкой 31"/>
+          <p:cNvCxnSpPr>
+            <a:stCxn id="30" idx="6"/>
+          </p:cNvCxnSpPr>
+          <p:nvPr/>
+        </p:nvCxnSpPr>
+        <p:spPr>
+          <a:xfrm>
+            <a:off x="1356531" y="5621236"/>
+            <a:ext cx="1061316" cy="65639"/>
+          </a:xfrm>
+          <a:prstGeom prst="straightConnector1">
+            <a:avLst/>
+          </a:prstGeom>
+          <a:ln>
+            <a:prstDash val="sysDash"/>
+            <a:tailEnd type="triangle"/>
+          </a:ln>
+        </p:spPr>
+        <p:style>
+          <a:lnRef idx="1">
+            <a:schemeClr val="accent1"/>
+          </a:lnRef>
+          <a:fillRef idx="0">
+            <a:schemeClr val="accent1"/>
+          </a:fillRef>
+          <a:effectRef idx="0">
+            <a:schemeClr val="accent1"/>
+          </a:effectRef>
+          <a:fontRef idx="minor">
+            <a:schemeClr val="tx1"/>
+          </a:fontRef>
+        </p:style>
+      </p:cxnSp>
+      <p:sp>
+        <p:nvSpPr>
+          <p:cNvPr id="36" name="Овал 35"/>
+          <p:cNvSpPr/>
+          <p:nvPr/>
+        </p:nvSpPr>
+        <p:spPr>
+          <a:xfrm>
+            <a:off x="6281522" y="2152218"/>
+            <a:ext cx="377768" cy="378823"/>
+          </a:xfrm>
+          <a:prstGeom prst="ellipse">
+            <a:avLst/>
+          </a:prstGeom>
+          <a:solidFill>
+            <a:schemeClr val="accent1">
+              <a:alpha val="50000"/>
+            </a:schemeClr>
+          </a:solidFill>
+          <a:ln>
+            <a:solidFill>
+              <a:schemeClr val="accent1"/>
+            </a:solidFill>
+          </a:ln>
+        </p:spPr>
+        <p:style>
+          <a:lnRef idx="2">
+            <a:schemeClr val="accent1">
+              <a:shade val="50000"/>
+            </a:schemeClr>
+          </a:lnRef>
+          <a:fillRef idx="1">
+            <a:schemeClr val="accent1"/>
+          </a:fillRef>
+          <a:effectRef idx="0">
+            <a:schemeClr val="accent1"/>
+          </a:effectRef>
+          <a:fontRef idx="minor">
+            <a:schemeClr val="lt1"/>
+          </a:fontRef>
+        </p:style>
+        <p:txBody>
+          <a:bodyPr rot="0" spcFirstLastPara="0" vertOverflow="overflow" horzOverflow="overflow" vert="horz" wrap="square" lIns="91440" tIns="45720" rIns="91440" bIns="45720" numCol="1" spcCol="0" rtlCol="0" fromWordArt="0" anchor="ctr" anchorCtr="0" forceAA="0" compatLnSpc="1">
+            <a:prstTxWarp prst="textNoShape">
+              <a:avLst/>
+            </a:prstTxWarp>
+            <a:noAutofit/>
+          </a:bodyPr>
+          <a:lstStyle/>
+          <a:p>
+            <a:pPr algn="ctr"/>
+            <a:endParaRPr lang="ru-RU"/>
+          </a:p>
+        </p:txBody>
+      </p:sp>
+      <p:cxnSp>
+        <p:nvCxnSpPr>
+          <p:cNvPr id="37" name="Прямая со стрелкой 36"/>
+          <p:cNvCxnSpPr>
+            <a:stCxn id="36" idx="7"/>
+            <a:endCxn id="10" idx="1"/>
+          </p:cNvCxnSpPr>
+          <p:nvPr/>
+        </p:nvCxnSpPr>
+        <p:spPr>
+          <a:xfrm flipV="1">
+            <a:off x="6603967" y="2017969"/>
+            <a:ext cx="695687" cy="189726"/>
+          </a:xfrm>
+          <a:prstGeom prst="straightConnector1">
+            <a:avLst/>
+          </a:prstGeom>
+          <a:ln>
+            <a:prstDash val="sysDash"/>
+            <a:tailEnd type="triangle"/>
+          </a:ln>
+        </p:spPr>
+        <p:style>
+          <a:lnRef idx="1">
+            <a:schemeClr val="accent1"/>
+          </a:lnRef>
+          <a:fillRef idx="0">
+            <a:schemeClr val="accent1"/>
+          </a:fillRef>
+          <a:effectRef idx="0">
+            <a:schemeClr val="accent1"/>
+          </a:effectRef>
+          <a:fontRef idx="minor">
+            <a:schemeClr val="tx1"/>
+          </a:fontRef>
+        </p:style>
+      </p:cxnSp>
+      <p:pic>
+        <p:nvPicPr>
+          <p:cNvPr id="10" name="Рисунок 9"/>
+          <p:cNvPicPr>
+            <a:picLocks noChangeAspect="1"/>
+          </p:cNvPicPr>
+          <p:nvPr/>
+        </p:nvPicPr>
+        <p:blipFill>
+          <a:blip r:embed="rId7">
+            <a:extLst>
+              <a:ext uri="{28A0092B-C50C-407E-A947-70E740481C1C}">
+                <a14:useLocalDpi xmlns:a14="http://schemas.microsoft.com/office/drawing/2010/main" val="0"/>
+              </a:ext>
+            </a:extLst>
+          </a:blip>
+          <a:stretch>
+            <a:fillRect/>
+          </a:stretch>
+        </p:blipFill>
+        <p:spPr>
+          <a:xfrm>
+            <a:off x="7299654" y="708262"/>
+            <a:ext cx="1757190" cy="2619413"/>
+          </a:xfrm>
+          <a:prstGeom prst="rect">
+            <a:avLst/>
+          </a:prstGeom>
+          <a:ln>
+            <a:solidFill>
+              <a:schemeClr val="bg1">
+                <a:lumMod val="75000"/>
+              </a:schemeClr>
+            </a:solidFill>
+          </a:ln>
+        </p:spPr>
+      </p:pic>
+      <p:pic>
+        <p:nvPicPr>
+          <p:cNvPr id="12" name="Рисунок 11"/>
+          <p:cNvPicPr>
+            <a:picLocks noChangeAspect="1"/>
+          </p:cNvPicPr>
+          <p:nvPr/>
+        </p:nvPicPr>
+        <p:blipFill>
+          <a:blip r:embed="rId8">
+            <a:extLst>
+              <a:ext uri="{28A0092B-C50C-407E-A947-70E740481C1C}">
+                <a14:useLocalDpi xmlns:a14="http://schemas.microsoft.com/office/drawing/2010/main" val="0"/>
+              </a:ext>
+            </a:extLst>
+          </a:blip>
+          <a:stretch>
+            <a:fillRect/>
+          </a:stretch>
+        </p:blipFill>
+        <p:spPr>
+          <a:xfrm>
+            <a:off x="4201466" y="3061169"/>
+            <a:ext cx="1646282" cy="3696466"/>
+          </a:xfrm>
+          <a:prstGeom prst="rect">
+            <a:avLst/>
+          </a:prstGeom>
+          <a:ln>
+            <a:solidFill>
+              <a:schemeClr val="bg1">
+                <a:lumMod val="75000"/>
+              </a:schemeClr>
+            </a:solidFill>
+          </a:ln>
+        </p:spPr>
+      </p:pic>
+      <p:grpSp>
+        <p:nvGrpSpPr>
+          <p:cNvPr id="41" name="Группа 40"/>
+          <p:cNvGrpSpPr/>
+          <p:nvPr/>
+        </p:nvGrpSpPr>
+        <p:grpSpPr>
+          <a:xfrm>
+            <a:off x="3546432" y="2117058"/>
+            <a:ext cx="252000" cy="681166"/>
+            <a:chOff x="3104573" y="1223554"/>
+            <a:chExt cx="252000" cy="681166"/>
+          </a:xfrm>
+        </p:grpSpPr>
+        <p:cxnSp>
+          <p:nvCxnSpPr>
+            <p:cNvPr id="42" name="Прямая со стрелкой 41"/>
+            <p:cNvCxnSpPr>
+              <a:stCxn id="43" idx="4"/>
+            </p:cNvCxnSpPr>
+            <p:nvPr/>
+          </p:nvCxnSpPr>
+          <p:spPr>
+            <a:xfrm>
+              <a:off x="3230573" y="1690137"/>
+              <a:ext cx="9575" cy="214583"/>
+            </a:xfrm>
+            <a:prstGeom prst="straightConnector1">
+              <a:avLst/>
+            </a:prstGeom>
+            <a:ln>
+              <a:tailEnd type="triangle"/>
+            </a:ln>
+          </p:spPr>
+          <p:style>
+            <a:lnRef idx="1">
+              <a:schemeClr val="accent1"/>
+            </a:lnRef>
+            <a:fillRef idx="0">
+              <a:schemeClr val="accent1"/>
+            </a:fillRef>
+            <a:effectRef idx="0">
+              <a:schemeClr val="accent1"/>
+            </a:effectRef>
+            <a:fontRef idx="minor">
+              <a:schemeClr val="tx1"/>
+            </a:fontRef>
+          </p:style>
+        </p:cxnSp>
+        <p:sp>
+          <p:nvSpPr>
+            <p:cNvPr id="43" name="Овал 42"/>
+            <p:cNvSpPr/>
+            <p:nvPr/>
+          </p:nvSpPr>
+          <p:spPr>
+            <a:xfrm>
+              <a:off x="3104573" y="1438137"/>
+              <a:ext cx="252000" cy="252000"/>
+            </a:xfrm>
+            <a:prstGeom prst="ellipse">
+              <a:avLst/>
+            </a:prstGeom>
+            <a:solidFill>
+              <a:schemeClr val="accent1">
+                <a:alpha val="50000"/>
+              </a:schemeClr>
+            </a:solidFill>
+            <a:ln w="38100">
+              <a:solidFill>
+                <a:schemeClr val="accent1"/>
+              </a:solidFill>
+            </a:ln>
+          </p:spPr>
+          <p:style>
+            <a:lnRef idx="2">
+              <a:schemeClr val="accent1">
+                <a:shade val="50000"/>
+              </a:schemeClr>
+            </a:lnRef>
+            <a:fillRef idx="1">
+              <a:schemeClr val="accent1"/>
+            </a:fillRef>
+            <a:effectRef idx="0">
+              <a:schemeClr val="accent1"/>
+            </a:effectRef>
+            <a:fontRef idx="minor">
+              <a:schemeClr val="lt1"/>
+            </a:fontRef>
+          </p:style>
+          <p:txBody>
+            <a:bodyPr rot="0" spcFirstLastPara="0" vertOverflow="overflow" horzOverflow="overflow" vert="horz" wrap="square" lIns="91440" tIns="45720" rIns="91440" bIns="45720" numCol="1" spcCol="0" rtlCol="0" fromWordArt="0" anchor="ctr" anchorCtr="0" forceAA="0" compatLnSpc="1">
+              <a:prstTxWarp prst="textNoShape">
+                <a:avLst/>
+              </a:prstTxWarp>
+              <a:noAutofit/>
+            </a:bodyPr>
+            <a:lstStyle/>
+            <a:p>
+              <a:pPr algn="ctr"/>
+              <a:endParaRPr lang="ru-RU"/>
+            </a:p>
+          </p:txBody>
+        </p:sp>
+        <p:cxnSp>
+          <p:nvCxnSpPr>
+            <p:cNvPr id="45" name="Прямая со стрелкой 44"/>
+            <p:cNvCxnSpPr>
+              <a:stCxn id="43" idx="0"/>
+            </p:cNvCxnSpPr>
+            <p:nvPr/>
+          </p:nvCxnSpPr>
+          <p:spPr>
+            <a:xfrm flipV="1">
+              <a:off x="3230573" y="1223554"/>
+              <a:ext cx="0" cy="214583"/>
+            </a:xfrm>
+            <a:prstGeom prst="straightConnector1">
+              <a:avLst/>
+            </a:prstGeom>
+            <a:ln>
+              <a:tailEnd type="triangle"/>
+            </a:ln>
+          </p:spPr>
+          <p:style>
+            <a:lnRef idx="1">
+              <a:schemeClr val="accent1"/>
+            </a:lnRef>
+            <a:fillRef idx="0">
+              <a:schemeClr val="accent1"/>
+            </a:fillRef>
+            <a:effectRef idx="0">
+              <a:schemeClr val="accent1"/>
+            </a:effectRef>
+            <a:fontRef idx="minor">
+              <a:schemeClr val="tx1"/>
+            </a:fontRef>
+          </p:style>
+        </p:cxnSp>
+      </p:grpSp>
+      <p:grpSp>
+        <p:nvGrpSpPr>
+          <p:cNvPr id="46" name="Группа 45"/>
+          <p:cNvGrpSpPr/>
+          <p:nvPr/>
+        </p:nvGrpSpPr>
+        <p:grpSpPr>
+          <a:xfrm>
+            <a:off x="3529982" y="4909402"/>
+            <a:ext cx="252000" cy="681166"/>
+            <a:chOff x="3104573" y="1223554"/>
+            <a:chExt cx="252000" cy="681166"/>
+          </a:xfrm>
+        </p:grpSpPr>
+        <p:cxnSp>
+          <p:nvCxnSpPr>
+            <p:cNvPr id="47" name="Прямая со стрелкой 46"/>
+            <p:cNvCxnSpPr>
+              <a:stCxn id="51" idx="4"/>
+            </p:cNvCxnSpPr>
+            <p:nvPr/>
+          </p:nvCxnSpPr>
+          <p:spPr>
+            <a:xfrm>
+              <a:off x="3230573" y="1690137"/>
+              <a:ext cx="9575" cy="214583"/>
+            </a:xfrm>
+            <a:prstGeom prst="straightConnector1">
+              <a:avLst/>
+            </a:prstGeom>
+            <a:ln>
+              <a:tailEnd type="triangle"/>
+            </a:ln>
+          </p:spPr>
+          <p:style>
+            <a:lnRef idx="1">
+              <a:schemeClr val="accent1"/>
+            </a:lnRef>
+            <a:fillRef idx="0">
+              <a:schemeClr val="accent1"/>
+            </a:fillRef>
+            <a:effectRef idx="0">
+              <a:schemeClr val="accent1"/>
+            </a:effectRef>
+            <a:fontRef idx="minor">
+              <a:schemeClr val="tx1"/>
+            </a:fontRef>
+          </p:style>
+        </p:cxnSp>
+        <p:sp>
+          <p:nvSpPr>
+            <p:cNvPr id="51" name="Овал 50"/>
+            <p:cNvSpPr/>
+            <p:nvPr/>
+          </p:nvSpPr>
+          <p:spPr>
+            <a:xfrm>
+              <a:off x="3104573" y="1438137"/>
+              <a:ext cx="252000" cy="252000"/>
+            </a:xfrm>
+            <a:prstGeom prst="ellipse">
+              <a:avLst/>
+            </a:prstGeom>
+            <a:solidFill>
+              <a:schemeClr val="accent1">
+                <a:alpha val="50000"/>
+              </a:schemeClr>
+            </a:solidFill>
+            <a:ln w="38100">
+              <a:solidFill>
+                <a:schemeClr val="accent1"/>
+              </a:solidFill>
+            </a:ln>
+          </p:spPr>
+          <p:style>
+            <a:lnRef idx="2">
+              <a:schemeClr val="accent1">
+                <a:shade val="50000"/>
+              </a:schemeClr>
+            </a:lnRef>
+            <a:fillRef idx="1">
+              <a:schemeClr val="accent1"/>
+            </a:fillRef>
+            <a:effectRef idx="0">
+              <a:schemeClr val="accent1"/>
+            </a:effectRef>
+            <a:fontRef idx="minor">
+              <a:schemeClr val="lt1"/>
+            </a:fontRef>
+          </p:style>
+          <p:txBody>
+            <a:bodyPr rot="0" spcFirstLastPara="0" vertOverflow="overflow" horzOverflow="overflow" vert="horz" wrap="square" lIns="91440" tIns="45720" rIns="91440" bIns="45720" numCol="1" spcCol="0" rtlCol="0" fromWordArt="0" anchor="ctr" anchorCtr="0" forceAA="0" compatLnSpc="1">
+              <a:prstTxWarp prst="textNoShape">
+                <a:avLst/>
+              </a:prstTxWarp>
+              <a:noAutofit/>
+            </a:bodyPr>
+            <a:lstStyle/>
+            <a:p>
+              <a:pPr algn="ctr"/>
+              <a:endParaRPr lang="ru-RU"/>
+            </a:p>
+          </p:txBody>
+        </p:sp>
+        <p:cxnSp>
+          <p:nvCxnSpPr>
+            <p:cNvPr id="52" name="Прямая со стрелкой 51"/>
+            <p:cNvCxnSpPr>
+              <a:stCxn id="51" idx="0"/>
+            </p:cNvCxnSpPr>
+            <p:nvPr/>
+          </p:nvCxnSpPr>
+          <p:spPr>
+            <a:xfrm flipV="1">
+              <a:off x="3230573" y="1223554"/>
+              <a:ext cx="0" cy="214583"/>
+            </a:xfrm>
+            <a:prstGeom prst="straightConnector1">
+              <a:avLst/>
+            </a:prstGeom>
+            <a:ln>
+              <a:tailEnd type="triangle"/>
+            </a:ln>
+          </p:spPr>
+          <p:style>
+            <a:lnRef idx="1">
+              <a:schemeClr val="accent1"/>
+            </a:lnRef>
+            <a:fillRef idx="0">
+              <a:schemeClr val="accent1"/>
+            </a:fillRef>
+            <a:effectRef idx="0">
+              <a:schemeClr val="accent1"/>
+            </a:effectRef>
+            <a:fontRef idx="minor">
+              <a:schemeClr val="tx1"/>
+            </a:fontRef>
+          </p:style>
+        </p:cxnSp>
+      </p:grpSp>
+      <p:sp>
+        <p:nvSpPr>
+          <p:cNvPr id="54" name="TextBox 53"/>
+          <p:cNvSpPr txBox="1">
+            <a:spLocks noChangeAspect="1"/>
+          </p:cNvSpPr>
+          <p:nvPr/>
+        </p:nvSpPr>
+        <p:spPr>
+          <a:xfrm>
+            <a:off x="185917" y="367638"/>
+            <a:ext cx="1910511" cy="308235"/>
+          </a:xfrm>
+          <a:prstGeom prst="rect">
+            <a:avLst/>
+          </a:prstGeom>
+          <a:noFill/>
+        </p:spPr>
+        <p:txBody>
+          <a:bodyPr wrap="square" rtlCol="0">
+            <a:noAutofit/>
+          </a:bodyPr>
+          <a:lstStyle/>
+          <a:p>
+            <a:r>
+              <a:rPr lang="ru-RU" sz="1500" dirty="0" smtClean="0">
+                <a:solidFill>
+                  <a:schemeClr val="accent5"/>
+                </a:solidFill>
+              </a:rPr>
+              <a:t>Нет своей оценки</a:t>
+            </a:r>
+            <a:endParaRPr lang="ru-RU" sz="1500" dirty="0">
+              <a:solidFill>
+                <a:schemeClr val="accent5"/>
+              </a:solidFill>
+            </a:endParaRPr>
+          </a:p>
+        </p:txBody>
+      </p:sp>
+      <p:sp>
+        <p:nvSpPr>
+          <p:cNvPr id="55" name="TextBox 54"/>
+          <p:cNvSpPr txBox="1">
+            <a:spLocks noChangeAspect="1"/>
+          </p:cNvSpPr>
+          <p:nvPr/>
+        </p:nvSpPr>
+        <p:spPr>
+          <a:xfrm>
+            <a:off x="275275" y="6139345"/>
+            <a:ext cx="1910511" cy="308235"/>
+          </a:xfrm>
+          <a:prstGeom prst="rect">
+            <a:avLst/>
+          </a:prstGeom>
+          <a:noFill/>
+        </p:spPr>
+        <p:txBody>
+          <a:bodyPr wrap="square" rtlCol="0">
+            <a:noAutofit/>
+          </a:bodyPr>
+          <a:lstStyle/>
+          <a:p>
+            <a:r>
+              <a:rPr lang="ru-RU" sz="1500" dirty="0" smtClean="0">
+                <a:solidFill>
+                  <a:schemeClr val="accent5"/>
+                </a:solidFill>
+              </a:rPr>
+              <a:t>Есть своя оценка</a:t>
+            </a:r>
+            <a:endParaRPr lang="ru-RU" sz="1500" dirty="0">
+              <a:solidFill>
+                <a:schemeClr val="accent5"/>
+              </a:solidFill>
+            </a:endParaRPr>
+          </a:p>
+        </p:txBody>
+      </p:sp>
+      <p:sp>
+        <p:nvSpPr>
+          <p:cNvPr id="56" name="TextBox 55"/>
+          <p:cNvSpPr txBox="1"/>
+          <p:nvPr/>
+        </p:nvSpPr>
+        <p:spPr>
+          <a:xfrm>
+            <a:off x="5549435" y="5514490"/>
+            <a:ext cx="2738082" cy="430887"/>
+          </a:xfrm>
+          <a:prstGeom prst="rect">
+            <a:avLst/>
+          </a:prstGeom>
+          <a:noFill/>
+        </p:spPr>
+        <p:txBody>
+          <a:bodyPr wrap="square" rtlCol="0">
+            <a:spAutoFit/>
+          </a:bodyPr>
+          <a:lstStyle/>
+          <a:p>
+            <a:r>
+              <a:rPr lang="ru-RU" sz="1100" dirty="0" smtClean="0">
+                <a:solidFill>
+                  <a:schemeClr val="accent1">
+                    <a:lumMod val="75000"/>
+                  </a:schemeClr>
+                </a:solidFill>
+              </a:rPr>
+              <a:t>В этой части Отзывов отображается средняя температура по больнице.</a:t>
+            </a:r>
+            <a:endParaRPr lang="ru-RU" sz="1100" dirty="0">
+              <a:solidFill>
+                <a:schemeClr val="accent1">
+                  <a:lumMod val="75000"/>
+                </a:schemeClr>
+              </a:solidFill>
+            </a:endParaRPr>
+          </a:p>
+        </p:txBody>
+      </p:sp>
+      <p:sp>
+        <p:nvSpPr>
+          <p:cNvPr id="33" name="TextBox 32"/>
+          <p:cNvSpPr txBox="1"/>
+          <p:nvPr/>
+        </p:nvSpPr>
+        <p:spPr>
+          <a:xfrm>
+            <a:off x="7262261" y="3456777"/>
+            <a:ext cx="1681017" cy="938719"/>
+          </a:xfrm>
+          <a:prstGeom prst="rect">
+            <a:avLst/>
+          </a:prstGeom>
+          <a:noFill/>
+        </p:spPr>
+        <p:txBody>
+          <a:bodyPr wrap="square" rtlCol="0">
+            <a:spAutoFit/>
+          </a:bodyPr>
+          <a:lstStyle/>
+          <a:p>
+            <a:r>
+              <a:rPr lang="ru-RU" sz="1100" dirty="0" smtClean="0">
+                <a:solidFill>
+                  <a:schemeClr val="accent1">
+                    <a:lumMod val="75000"/>
+                  </a:schemeClr>
+                </a:solidFill>
+              </a:rPr>
+              <a:t>5 звезд – Отлично</a:t>
+            </a:r>
+          </a:p>
+          <a:p>
+            <a:r>
+              <a:rPr lang="ru-RU" sz="1100" dirty="0" smtClean="0">
+                <a:solidFill>
+                  <a:schemeClr val="accent1">
+                    <a:lumMod val="75000"/>
+                  </a:schemeClr>
+                </a:solidFill>
+              </a:rPr>
+              <a:t>4 звезды – Хорошо</a:t>
+            </a:r>
+          </a:p>
+          <a:p>
+            <a:r>
+              <a:rPr lang="ru-RU" sz="1100" dirty="0" smtClean="0">
+                <a:solidFill>
+                  <a:schemeClr val="accent1">
+                    <a:lumMod val="75000"/>
+                  </a:schemeClr>
+                </a:solidFill>
+              </a:rPr>
+              <a:t>3 звезды – Неплохо</a:t>
+            </a:r>
+          </a:p>
+          <a:p>
+            <a:r>
+              <a:rPr lang="ru-RU" sz="1100" dirty="0" smtClean="0">
+                <a:solidFill>
+                  <a:schemeClr val="accent1">
+                    <a:lumMod val="75000"/>
+                  </a:schemeClr>
+                </a:solidFill>
+              </a:rPr>
+              <a:t>2 звезды – Плохо</a:t>
+            </a:r>
+          </a:p>
+          <a:p>
+            <a:r>
+              <a:rPr lang="ru-RU" sz="1100" dirty="0" smtClean="0">
+                <a:solidFill>
+                  <a:schemeClr val="accent1">
+                    <a:lumMod val="75000"/>
+                  </a:schemeClr>
+                </a:solidFill>
+              </a:rPr>
+              <a:t>1 звезда - Ужасно</a:t>
+            </a:r>
+            <a:endParaRPr lang="ru-RU" sz="1100" dirty="0">
+              <a:solidFill>
+                <a:schemeClr val="accent1">
+                  <a:lumMod val="75000"/>
+                </a:schemeClr>
+              </a:solidFill>
+            </a:endParaRPr>
+          </a:p>
+        </p:txBody>
+      </p:sp>
+    </p:spTree>
+    <p:extLst>
+      <p:ext uri="{BB962C8B-B14F-4D97-AF65-F5344CB8AC3E}">
+        <p14:creationId xmlns:p14="http://schemas.microsoft.com/office/powerpoint/2010/main" val="3528250773"/>
+      </p:ext>
+    </p:extLst>
+  </p:cSld>
+  <p:clrMapOvr>
+    <a:masterClrMapping/>
+  </p:clrMapOvr>
+</p:sld>
+</file>
+
+<file path=ppt/slides/slide12.xml><?xml version="1.0" encoding="utf-8"?>
+<p:sld xmlns:a="http://schemas.openxmlformats.org/drawingml/2006/main" xmlns:r="http://schemas.openxmlformats.org/officeDocument/2006/relationships" xmlns:p="http://schemas.openxmlformats.org/presentationml/2006/main">
+  <p:cSld>
+    <p:spTree>
+      <p:nvGrpSpPr>
+        <p:cNvPr id="1" name=""/>
+        <p:cNvGrpSpPr/>
+        <p:nvPr/>
+      </p:nvGrpSpPr>
+      <p:grpSpPr>
+        <a:xfrm>
+          <a:off x="0" y="0"/>
+          <a:ext cx="0" cy="0"/>
+          <a:chOff x="0" y="0"/>
+          <a:chExt cx="0" cy="0"/>
+        </a:xfrm>
+      </p:grpSpPr>
+      <p:pic>
+        <p:nvPicPr>
           <p:cNvPr id="26" name="Рисунок 25"/>
           <p:cNvPicPr>
             <a:picLocks noChangeAspect="1"/>
@@ -4489,7 +6772,7 @@
 </p:sld>
 </file>
 
-<file path=ppt/slides/slide11.xml><?xml version="1.0" encoding="utf-8"?>
+<file path=ppt/slides/slide13.xml><?xml version="1.0" encoding="utf-8"?>
 <p:sld xmlns:a="http://schemas.openxmlformats.org/drawingml/2006/main" xmlns:r="http://schemas.openxmlformats.org/officeDocument/2006/relationships" xmlns:p="http://schemas.openxmlformats.org/presentationml/2006/main">
   <p:cSld>
     <p:spTree>
@@ -5510,7 +7793,7 @@
 </p:sld>
 </file>
 
-<file path=ppt/slides/slide12.xml><?xml version="1.0" encoding="utf-8"?>
+<file path=ppt/slides/slide14.xml><?xml version="1.0" encoding="utf-8"?>
 <p:sld xmlns:a="http://schemas.openxmlformats.org/drawingml/2006/main" xmlns:r="http://schemas.openxmlformats.org/officeDocument/2006/relationships" xmlns:p="http://schemas.openxmlformats.org/presentationml/2006/main">
   <p:cSld>
     <p:spTree>
@@ -6077,7 +8360,7 @@
 </p:sld>
 </file>
 
-<file path=ppt/slides/slide13.xml><?xml version="1.0" encoding="utf-8"?>
+<file path=ppt/slides/slide15.xml><?xml version="1.0" encoding="utf-8"?>
 <p:sld xmlns:a="http://schemas.openxmlformats.org/drawingml/2006/main" xmlns:r="http://schemas.openxmlformats.org/officeDocument/2006/relationships" xmlns:p="http://schemas.openxmlformats.org/presentationml/2006/main">
   <p:cSld>
     <p:spTree>
@@ -6852,7 +9135,7 @@
 </p:sld>
 </file>
 
-<file path=ppt/slides/slide14.xml><?xml version="1.0" encoding="utf-8"?>
+<file path=ppt/slides/slide16.xml><?xml version="1.0" encoding="utf-8"?>
 <p:sld xmlns:a="http://schemas.openxmlformats.org/drawingml/2006/main" xmlns:r="http://schemas.openxmlformats.org/officeDocument/2006/relationships" xmlns:p="http://schemas.openxmlformats.org/presentationml/2006/main">
   <p:cSld>
     <p:spTree>
@@ -7847,7 +10130,7 @@
 </p:sld>
 </file>
 
-<file path=ppt/slides/slide15.xml><?xml version="1.0" encoding="utf-8"?>
+<file path=ppt/slides/slide17.xml><?xml version="1.0" encoding="utf-8"?>
 <p:sld xmlns:a="http://schemas.openxmlformats.org/drawingml/2006/main" xmlns:r="http://schemas.openxmlformats.org/officeDocument/2006/relationships" xmlns:p="http://schemas.openxmlformats.org/presentationml/2006/main">
   <p:cSld>
     <p:spTree>
@@ -11367,13 +13650,8 @@
                   <a:schemeClr val="accent5"/>
                 </a:solidFill>
               </a:rPr>
-              <a:t>Авторизация</a:t>
-            </a:r>
-            <a:endParaRPr lang="ru-RU" sz="1500" b="1" u="sng" dirty="0" smtClean="0">
-              <a:solidFill>
-                <a:schemeClr val="accent5"/>
-              </a:solidFill>
-            </a:endParaRPr>
+              <a:t>Регистрация</a:t>
+            </a:r>
           </a:p>
         </p:txBody>
       </p:sp>
@@ -11451,9 +13729,119 @@
           </a:ln>
         </p:spPr>
       </p:pic>
+      <p:sp>
+        <p:nvSpPr>
+          <p:cNvPr id="10" name="TextBox 9"/>
+          <p:cNvSpPr txBox="1">
+            <a:spLocks noChangeAspect="1"/>
+          </p:cNvSpPr>
+          <p:nvPr/>
+        </p:nvSpPr>
+        <p:spPr>
+          <a:xfrm>
+            <a:off x="2634701" y="3212494"/>
+            <a:ext cx="1921662" cy="308235"/>
+          </a:xfrm>
+          <a:prstGeom prst="rect">
+            <a:avLst/>
+          </a:prstGeom>
+          <a:noFill/>
+        </p:spPr>
+        <p:txBody>
+          <a:bodyPr wrap="square" rtlCol="0">
+            <a:noAutofit/>
+          </a:bodyPr>
+          <a:lstStyle/>
+          <a:p>
+            <a:r>
+              <a:rPr lang="ru-RU" sz="1500" b="1" u="sng" dirty="0" smtClean="0">
+                <a:solidFill>
+                  <a:schemeClr val="accent5"/>
+                </a:solidFill>
+              </a:rPr>
+              <a:t>Основное меню</a:t>
+            </a:r>
+          </a:p>
+        </p:txBody>
+      </p:sp>
+      <p:cxnSp>
+        <p:nvCxnSpPr>
+          <p:cNvPr id="12" name="Прямая соединительная линия 11"/>
+          <p:cNvCxnSpPr/>
+          <p:nvPr/>
+        </p:nvCxnSpPr>
+        <p:spPr>
+          <a:xfrm flipV="1">
+            <a:off x="3339009" y="3661225"/>
+            <a:ext cx="446049" cy="367990"/>
+          </a:xfrm>
+          <a:prstGeom prst="line">
+            <a:avLst/>
+          </a:prstGeom>
+          <a:ln>
+            <a:solidFill>
+              <a:srgbClr val="C00000"/>
+            </a:solidFill>
+          </a:ln>
+        </p:spPr>
+        <p:style>
+          <a:lnRef idx="1">
+            <a:schemeClr val="accent1"/>
+          </a:lnRef>
+          <a:fillRef idx="0">
+            <a:schemeClr val="accent1"/>
+          </a:fillRef>
+          <a:effectRef idx="0">
+            <a:schemeClr val="accent1"/>
+          </a:effectRef>
+          <a:fontRef idx="minor">
+            <a:schemeClr val="tx1"/>
+          </a:fontRef>
+        </p:style>
+      </p:cxnSp>
+      <p:sp>
+        <p:nvSpPr>
+          <p:cNvPr id="13" name="TextBox 12"/>
+          <p:cNvSpPr txBox="1">
+            <a:spLocks noChangeAspect="1"/>
+          </p:cNvSpPr>
+          <p:nvPr/>
+        </p:nvSpPr>
+        <p:spPr>
+          <a:xfrm>
+            <a:off x="5672317" y="3213859"/>
+            <a:ext cx="2189293" cy="308235"/>
+          </a:xfrm>
+          <a:prstGeom prst="rect">
+            <a:avLst/>
+          </a:prstGeom>
+          <a:noFill/>
+        </p:spPr>
+        <p:txBody>
+          <a:bodyPr wrap="square" rtlCol="0">
+            <a:noAutofit/>
+          </a:bodyPr>
+          <a:lstStyle/>
+          <a:p>
+            <a:r>
+              <a:rPr lang="ru-RU" sz="1500" b="1" u="sng" dirty="0" smtClean="0">
+                <a:solidFill>
+                  <a:schemeClr val="accent5"/>
+                </a:solidFill>
+              </a:rPr>
+              <a:t>Страница «Профиль»</a:t>
+            </a:r>
+            <a:endParaRPr lang="ru-RU" sz="1500" b="1" u="sng" dirty="0">
+              <a:solidFill>
+                <a:schemeClr val="accent5"/>
+              </a:solidFill>
+            </a:endParaRPr>
+          </a:p>
+        </p:txBody>
+      </p:sp>
       <p:pic>
         <p:nvPicPr>
-          <p:cNvPr id="8" name="Рисунок 7"/>
+          <p:cNvPr id="15" name="Рисунок 14"/>
           <p:cNvPicPr>
             <a:picLocks noChangeAspect="1"/>
           </p:cNvPicPr>
@@ -11473,8 +13861,8 @@
         </p:blipFill>
         <p:spPr>
           <a:xfrm>
-            <a:off x="5999661" y="3604299"/>
-            <a:ext cx="1928855" cy="3212768"/>
+            <a:off x="5709732" y="3567561"/>
+            <a:ext cx="1893004" cy="2871739"/>
           </a:xfrm>
           <a:prstGeom prst="rect">
             <a:avLst/>
@@ -11488,9 +13876,142 @@
           </a:ln>
         </p:spPr>
       </p:pic>
+      <p:sp>
+        <p:nvSpPr>
+          <p:cNvPr id="18" name="Овал 17"/>
+          <p:cNvSpPr/>
+          <p:nvPr/>
+        </p:nvSpPr>
+        <p:spPr>
+          <a:xfrm>
+            <a:off x="6796871" y="4234340"/>
+            <a:ext cx="377768" cy="378823"/>
+          </a:xfrm>
+          <a:prstGeom prst="ellipse">
+            <a:avLst/>
+          </a:prstGeom>
+          <a:solidFill>
+            <a:schemeClr val="accent1">
+              <a:alpha val="50000"/>
+            </a:schemeClr>
+          </a:solidFill>
+          <a:ln>
+            <a:solidFill>
+              <a:schemeClr val="accent1"/>
+            </a:solidFill>
+          </a:ln>
+        </p:spPr>
+        <p:style>
+          <a:lnRef idx="2">
+            <a:schemeClr val="accent1">
+              <a:shade val="50000"/>
+            </a:schemeClr>
+          </a:lnRef>
+          <a:fillRef idx="1">
+            <a:schemeClr val="accent1"/>
+          </a:fillRef>
+          <a:effectRef idx="0">
+            <a:schemeClr val="accent1"/>
+          </a:effectRef>
+          <a:fontRef idx="minor">
+            <a:schemeClr val="lt1"/>
+          </a:fontRef>
+        </p:style>
+        <p:txBody>
+          <a:bodyPr rot="0" spcFirstLastPara="0" vertOverflow="overflow" horzOverflow="overflow" vert="horz" wrap="square" lIns="91440" tIns="45720" rIns="91440" bIns="45720" numCol="1" spcCol="0" rtlCol="0" fromWordArt="0" anchor="ctr" anchorCtr="0" forceAA="0" compatLnSpc="1">
+            <a:prstTxWarp prst="textNoShape">
+              <a:avLst/>
+            </a:prstTxWarp>
+            <a:noAutofit/>
+          </a:bodyPr>
+          <a:lstStyle/>
+          <a:p>
+            <a:pPr algn="ctr"/>
+            <a:endParaRPr lang="ru-RU"/>
+          </a:p>
+        </p:txBody>
+      </p:sp>
+      <p:cxnSp>
+        <p:nvCxnSpPr>
+          <p:cNvPr id="19" name="Прямая со стрелкой 18"/>
+          <p:cNvCxnSpPr>
+            <a:stCxn id="18" idx="3"/>
+          </p:cNvCxnSpPr>
+          <p:nvPr/>
+        </p:nvCxnSpPr>
+        <p:spPr>
+          <a:xfrm flipH="1">
+            <a:off x="5498630" y="4557686"/>
+            <a:ext cx="1353564" cy="516119"/>
+          </a:xfrm>
+          <a:prstGeom prst="straightConnector1">
+            <a:avLst/>
+          </a:prstGeom>
+          <a:ln>
+            <a:prstDash val="sysDash"/>
+            <a:tailEnd type="triangle"/>
+          </a:ln>
+        </p:spPr>
+        <p:style>
+          <a:lnRef idx="1">
+            <a:schemeClr val="accent1"/>
+          </a:lnRef>
+          <a:fillRef idx="0">
+            <a:schemeClr val="accent1"/>
+          </a:fillRef>
+          <a:effectRef idx="0">
+            <a:schemeClr val="accent1"/>
+          </a:effectRef>
+          <a:fontRef idx="minor">
+            <a:schemeClr val="tx1"/>
+          </a:fontRef>
+        </p:style>
+      </p:cxnSp>
+      <p:sp>
+        <p:nvSpPr>
+          <p:cNvPr id="21" name="TextBox 20"/>
+          <p:cNvSpPr txBox="1"/>
+          <p:nvPr/>
+        </p:nvSpPr>
+        <p:spPr>
+          <a:xfrm>
+            <a:off x="5101133" y="6440104"/>
+            <a:ext cx="3072713" cy="430887"/>
+          </a:xfrm>
+          <a:prstGeom prst="rect">
+            <a:avLst/>
+          </a:prstGeom>
+          <a:noFill/>
+        </p:spPr>
+        <p:txBody>
+          <a:bodyPr wrap="square" rtlCol="0">
+            <a:spAutoFit/>
+          </a:bodyPr>
+          <a:lstStyle/>
+          <a:p>
+            <a:r>
+              <a:rPr lang="ru-RU" sz="1100" dirty="0" smtClean="0">
+                <a:solidFill>
+                  <a:schemeClr val="accent1">
+                    <a:lumMod val="75000"/>
+                  </a:schemeClr>
+                </a:solidFill>
+              </a:rPr>
+              <a:t>Информация в профиле является статичной и передается в приложение из профиля на сайте.</a:t>
+            </a:r>
+            <a:endParaRPr lang="ru-RU" sz="1100" dirty="0">
+              <a:solidFill>
+                <a:schemeClr val="accent1">
+                  <a:lumMod val="75000"/>
+                </a:schemeClr>
+              </a:solidFill>
+            </a:endParaRPr>
+          </a:p>
+        </p:txBody>
+      </p:sp>
       <p:pic>
         <p:nvPicPr>
-          <p:cNvPr id="9" name="Рисунок 8"/>
+          <p:cNvPr id="4" name="Рисунок 3"/>
           <p:cNvPicPr>
             <a:picLocks noChangeAspect="1"/>
           </p:cNvPicPr>
@@ -11510,8 +14031,8 @@
         </p:blipFill>
         <p:spPr>
           <a:xfrm>
-            <a:off x="3977331" y="3604298"/>
-            <a:ext cx="1910512" cy="2871739"/>
+            <a:off x="2658571" y="3567561"/>
+            <a:ext cx="1897792" cy="3102273"/>
           </a:xfrm>
           <a:prstGeom prst="rect">
             <a:avLst/>
@@ -11525,41 +14046,132 @@
           </a:ln>
         </p:spPr>
       </p:pic>
+      <p:cxnSp>
+        <p:nvCxnSpPr>
+          <p:cNvPr id="11" name="Прямая соединительная линия 10"/>
+          <p:cNvCxnSpPr/>
+          <p:nvPr/>
+        </p:nvCxnSpPr>
+        <p:spPr>
+          <a:xfrm flipV="1">
+            <a:off x="3760181" y="3696754"/>
+            <a:ext cx="446049" cy="367990"/>
+          </a:xfrm>
+          <a:prstGeom prst="line">
+            <a:avLst/>
+          </a:prstGeom>
+          <a:ln>
+            <a:solidFill>
+              <a:srgbClr val="C00000"/>
+            </a:solidFill>
+          </a:ln>
+        </p:spPr>
+        <p:style>
+          <a:lnRef idx="1">
+            <a:schemeClr val="accent1"/>
+          </a:lnRef>
+          <a:fillRef idx="0">
+            <a:schemeClr val="accent1"/>
+          </a:fillRef>
+          <a:effectRef idx="0">
+            <a:schemeClr val="accent1"/>
+          </a:effectRef>
+          <a:fontRef idx="minor">
+            <a:schemeClr val="tx1"/>
+          </a:fontRef>
+        </p:style>
+      </p:cxnSp>
       <p:sp>
         <p:nvSpPr>
-          <p:cNvPr id="10" name="TextBox 9"/>
-          <p:cNvSpPr txBox="1">
-            <a:spLocks noChangeAspect="1"/>
-          </p:cNvSpPr>
+          <p:cNvPr id="16" name="Овал 15"/>
+          <p:cNvSpPr/>
           <p:nvPr/>
         </p:nvSpPr>
         <p:spPr>
           <a:xfrm>
-            <a:off x="3977331" y="3210235"/>
-            <a:ext cx="3599140" cy="308235"/>
-          </a:xfrm>
-          <a:prstGeom prst="rect">
-            <a:avLst/>
-          </a:prstGeom>
-          <a:noFill/>
-        </p:spPr>
+            <a:off x="3851993" y="4255039"/>
+            <a:ext cx="377768" cy="378823"/>
+          </a:xfrm>
+          <a:prstGeom prst="ellipse">
+            <a:avLst/>
+          </a:prstGeom>
+          <a:solidFill>
+            <a:schemeClr val="accent1">
+              <a:alpha val="50000"/>
+            </a:schemeClr>
+          </a:solidFill>
+          <a:ln>
+            <a:solidFill>
+              <a:schemeClr val="accent1"/>
+            </a:solidFill>
+          </a:ln>
+        </p:spPr>
+        <p:style>
+          <a:lnRef idx="2">
+            <a:schemeClr val="accent1">
+              <a:shade val="50000"/>
+            </a:schemeClr>
+          </a:lnRef>
+          <a:fillRef idx="1">
+            <a:schemeClr val="accent1"/>
+          </a:fillRef>
+          <a:effectRef idx="0">
+            <a:schemeClr val="accent1"/>
+          </a:effectRef>
+          <a:fontRef idx="minor">
+            <a:schemeClr val="lt1"/>
+          </a:fontRef>
+        </p:style>
         <p:txBody>
-          <a:bodyPr wrap="square" rtlCol="0">
+          <a:bodyPr rot="0" spcFirstLastPara="0" vertOverflow="overflow" horzOverflow="overflow" vert="horz" wrap="square" lIns="91440" tIns="45720" rIns="91440" bIns="45720" numCol="1" spcCol="0" rtlCol="0" fromWordArt="0" anchor="ctr" anchorCtr="0" forceAA="0" compatLnSpc="1">
+            <a:prstTxWarp prst="textNoShape">
+              <a:avLst/>
+            </a:prstTxWarp>
             <a:noAutofit/>
           </a:bodyPr>
           <a:lstStyle/>
           <a:p>
-            <a:r>
-              <a:rPr lang="ru-RU" sz="1500" b="1" u="sng" dirty="0" smtClean="0">
-                <a:solidFill>
-                  <a:schemeClr val="accent5"/>
-                </a:solidFill>
-              </a:rPr>
-              <a:t>Основное меню</a:t>
-            </a:r>
+            <a:pPr algn="ctr"/>
+            <a:endParaRPr lang="ru-RU"/>
           </a:p>
         </p:txBody>
       </p:sp>
+      <p:cxnSp>
+        <p:nvCxnSpPr>
+          <p:cNvPr id="17" name="Прямая со стрелкой 16"/>
+          <p:cNvCxnSpPr>
+            <a:stCxn id="16" idx="6"/>
+          </p:cNvCxnSpPr>
+          <p:nvPr/>
+        </p:nvCxnSpPr>
+        <p:spPr>
+          <a:xfrm flipV="1">
+            <a:off x="4229761" y="4409269"/>
+            <a:ext cx="1193422" cy="35182"/>
+          </a:xfrm>
+          <a:prstGeom prst="straightConnector1">
+            <a:avLst/>
+          </a:prstGeom>
+          <a:ln>
+            <a:prstDash val="sysDash"/>
+            <a:tailEnd type="triangle"/>
+          </a:ln>
+        </p:spPr>
+        <p:style>
+          <a:lnRef idx="1">
+            <a:schemeClr val="accent1"/>
+          </a:lnRef>
+          <a:fillRef idx="0">
+            <a:schemeClr val="accent1"/>
+          </a:fillRef>
+          <a:effectRef idx="0">
+            <a:schemeClr val="accent1"/>
+          </a:effectRef>
+          <a:fontRef idx="minor">
+            <a:schemeClr val="tx1"/>
+          </a:fontRef>
+        </p:style>
+      </p:cxnSp>
     </p:spTree>
     <p:extLst>
       <p:ext uri="{BB962C8B-B14F-4D97-AF65-F5344CB8AC3E}">
@@ -11590,57 +14202,9 @@
           <a:chExt cx="0" cy="0"/>
         </a:xfrm>
       </p:grpSpPr>
-      <p:sp>
-        <p:nvSpPr>
-          <p:cNvPr id="2" name="TextBox 1"/>
-          <p:cNvSpPr txBox="1">
-            <a:spLocks noChangeAspect="1"/>
-          </p:cNvSpPr>
-          <p:nvPr/>
-        </p:nvSpPr>
-        <p:spPr>
-          <a:xfrm>
-            <a:off x="185918" y="83651"/>
-            <a:ext cx="3599140" cy="308235"/>
-          </a:xfrm>
-          <a:prstGeom prst="rect">
-            <a:avLst/>
-          </a:prstGeom>
-          <a:noFill/>
-        </p:spPr>
-        <p:txBody>
-          <a:bodyPr wrap="square" rtlCol="0">
-            <a:noAutofit/>
-          </a:bodyPr>
-          <a:lstStyle/>
-          <a:p>
-            <a:r>
-              <a:rPr lang="ru-RU" sz="1500" b="1" u="sng" dirty="0" smtClean="0">
-                <a:solidFill>
-                  <a:schemeClr val="accent5"/>
-                </a:solidFill>
-              </a:rPr>
-              <a:t>Карта – </a:t>
-            </a:r>
-            <a:r>
-              <a:rPr lang="en-GB" sz="1500" b="1" u="sng" dirty="0" smtClean="0">
-                <a:solidFill>
-                  <a:schemeClr val="accent5"/>
-                </a:solidFill>
-              </a:rPr>
-              <a:t>Down menu &amp; Alarm Dialog win</a:t>
-            </a:r>
-            <a:endParaRPr lang="ru-RU" sz="1500" b="1" u="sng" dirty="0">
-              <a:solidFill>
-                <a:schemeClr val="accent5"/>
-              </a:solidFill>
-            </a:endParaRPr>
-          </a:p>
-        </p:txBody>
-      </p:sp>
       <p:pic>
         <p:nvPicPr>
-          <p:cNvPr id="4" name="Рисунок 3"/>
+          <p:cNvPr id="16" name="Рисунок 15"/>
           <p:cNvPicPr>
             <a:picLocks noChangeAspect="1"/>
           </p:cNvPicPr>
@@ -11660,8 +14224,8 @@
         </p:blipFill>
         <p:spPr>
           <a:xfrm>
-            <a:off x="96710" y="1956679"/>
-            <a:ext cx="1705128" cy="2547101"/>
+            <a:off x="205103" y="468498"/>
+            <a:ext cx="1897792" cy="3102273"/>
           </a:xfrm>
           <a:prstGeom prst="rect">
             <a:avLst/>
@@ -11675,9 +14239,49 @@
           </a:ln>
         </p:spPr>
       </p:pic>
+      <p:sp>
+        <p:nvSpPr>
+          <p:cNvPr id="18" name="TextBox 17"/>
+          <p:cNvSpPr txBox="1">
+            <a:spLocks noChangeAspect="1"/>
+          </p:cNvSpPr>
+          <p:nvPr/>
+        </p:nvSpPr>
+        <p:spPr>
+          <a:xfrm>
+            <a:off x="198355" y="77065"/>
+            <a:ext cx="3599140" cy="308235"/>
+          </a:xfrm>
+          <a:prstGeom prst="rect">
+            <a:avLst/>
+          </a:prstGeom>
+          <a:noFill/>
+        </p:spPr>
+        <p:txBody>
+          <a:bodyPr wrap="square" rtlCol="0">
+            <a:noAutofit/>
+          </a:bodyPr>
+          <a:lstStyle/>
+          <a:p>
+            <a:r>
+              <a:rPr lang="ru-RU" sz="1500" b="1" u="sng" dirty="0" smtClean="0">
+                <a:solidFill>
+                  <a:schemeClr val="accent5"/>
+                </a:solidFill>
+              </a:rPr>
+              <a:t>Настройки</a:t>
+            </a:r>
+            <a:endParaRPr lang="ru-RU" sz="1500" b="1" u="sng" dirty="0">
+              <a:solidFill>
+                <a:schemeClr val="accent5"/>
+              </a:solidFill>
+            </a:endParaRPr>
+          </a:p>
+        </p:txBody>
+      </p:sp>
       <p:pic>
         <p:nvPicPr>
-          <p:cNvPr id="5" name="Рисунок 4"/>
+          <p:cNvPr id="20" name="Рисунок 19"/>
           <p:cNvPicPr>
             <a:picLocks noChangeAspect="1"/>
           </p:cNvPicPr>
@@ -11697,8 +14301,8 @@
         </p:blipFill>
         <p:spPr>
           <a:xfrm>
-            <a:off x="1990722" y="971750"/>
-            <a:ext cx="1705128" cy="2547101"/>
+            <a:off x="2437912" y="472850"/>
+            <a:ext cx="2008058" cy="2984112"/>
           </a:xfrm>
           <a:prstGeom prst="rect">
             <a:avLst/>
@@ -11712,9 +14316,417 @@
           </a:ln>
         </p:spPr>
       </p:pic>
+      <p:sp>
+        <p:nvSpPr>
+          <p:cNvPr id="22" name="TextBox 21"/>
+          <p:cNvSpPr txBox="1"/>
+          <p:nvPr/>
+        </p:nvSpPr>
+        <p:spPr>
+          <a:xfrm>
+            <a:off x="4525813" y="452206"/>
+            <a:ext cx="3659182" cy="2970044"/>
+          </a:xfrm>
+          <a:prstGeom prst="rect">
+            <a:avLst/>
+          </a:prstGeom>
+          <a:noFill/>
+        </p:spPr>
+        <p:txBody>
+          <a:bodyPr wrap="square" rtlCol="0">
+            <a:spAutoFit/>
+          </a:bodyPr>
+          <a:lstStyle/>
+          <a:p>
+            <a:r>
+              <a:rPr lang="ru-RU" sz="1100" dirty="0" smtClean="0">
+                <a:solidFill>
+                  <a:schemeClr val="accent1">
+                    <a:lumMod val="75000"/>
+                  </a:schemeClr>
+                </a:solidFill>
+              </a:rPr>
+              <a:t>По дефолту стоит 60%.</a:t>
+            </a:r>
+            <a:br>
+              <a:rPr lang="ru-RU" sz="1100" dirty="0" smtClean="0">
+                <a:solidFill>
+                  <a:schemeClr val="accent1">
+                    <a:lumMod val="75000"/>
+                  </a:schemeClr>
+                </a:solidFill>
+              </a:rPr>
+            </a:br>
+            <a:r>
+              <a:rPr lang="ru-RU" sz="1100" dirty="0" smtClean="0">
+                <a:solidFill>
+                  <a:schemeClr val="accent1">
+                    <a:lumMod val="75000"/>
+                  </a:schemeClr>
+                </a:solidFill>
+              </a:rPr>
+              <a:t>Уровни тревоги – подстрочник меняется в зависимости от установленного значения на слайдере:</a:t>
+            </a:r>
+          </a:p>
+          <a:p>
+            <a:r>
+              <a:rPr lang="ru-RU" sz="1100" dirty="0">
+                <a:solidFill>
+                  <a:schemeClr val="accent1">
+                    <a:lumMod val="75000"/>
+                  </a:schemeClr>
+                </a:solidFill>
+              </a:rPr>
+              <a:t>1</a:t>
+            </a:r>
+            <a:r>
+              <a:rPr lang="ru-RU" sz="1100" dirty="0" smtClean="0">
+                <a:solidFill>
+                  <a:schemeClr val="accent1">
+                    <a:lumMod val="75000"/>
+                  </a:schemeClr>
+                </a:solidFill>
+              </a:rPr>
+              <a:t>%: «Похоже, КОТ</a:t>
+            </a:r>
+            <a:r>
+              <a:rPr lang="en-GB" sz="1100" dirty="0" smtClean="0">
+                <a:solidFill>
+                  <a:schemeClr val="accent1">
+                    <a:lumMod val="75000"/>
+                  </a:schemeClr>
+                </a:solidFill>
+              </a:rPr>
+              <a:t>’</a:t>
+            </a:r>
+            <a:r>
+              <a:rPr lang="ru-RU" sz="1100" dirty="0" smtClean="0">
+                <a:solidFill>
+                  <a:schemeClr val="accent1">
+                    <a:lumMod val="75000"/>
+                  </a:schemeClr>
+                </a:solidFill>
+              </a:rPr>
+              <a:t>а придавил рояль»</a:t>
+            </a:r>
+          </a:p>
+          <a:p>
+            <a:r>
+              <a:rPr lang="ru-RU" sz="1100" dirty="0" smtClean="0">
+                <a:solidFill>
+                  <a:schemeClr val="accent1">
+                    <a:lumMod val="75000"/>
+                  </a:schemeClr>
+                </a:solidFill>
+              </a:rPr>
+              <a:t>20%: «Ух! Мимо пронеслась фура»</a:t>
+            </a:r>
+          </a:p>
+          <a:p>
+            <a:r>
+              <a:rPr lang="ru-RU" sz="1100" dirty="0" smtClean="0">
+                <a:solidFill>
+                  <a:schemeClr val="accent1">
+                    <a:lumMod val="75000"/>
+                  </a:schemeClr>
+                </a:solidFill>
+              </a:rPr>
+              <a:t>40%: «Паркуются по звуку бампера»</a:t>
+            </a:r>
+          </a:p>
+          <a:p>
+            <a:r>
+              <a:rPr lang="ru-RU" sz="1100" dirty="0" smtClean="0">
+                <a:solidFill>
+                  <a:schemeClr val="accent1">
+                    <a:lumMod val="75000"/>
+                  </a:schemeClr>
+                </a:solidFill>
+              </a:rPr>
+              <a:t>60%: «Кто-то задел Ваш автомобиль»</a:t>
+            </a:r>
+          </a:p>
+          <a:p>
+            <a:r>
+              <a:rPr lang="ru-RU" sz="1100" dirty="0" smtClean="0">
+                <a:solidFill>
+                  <a:schemeClr val="accent1">
+                    <a:lumMod val="75000"/>
+                  </a:schemeClr>
+                </a:solidFill>
+              </a:rPr>
+              <a:t>80%: «Кошка греется на капоте»</a:t>
+            </a:r>
+          </a:p>
+          <a:p>
+            <a:r>
+              <a:rPr lang="ru-RU" sz="1100" dirty="0" smtClean="0">
+                <a:solidFill>
+                  <a:schemeClr val="accent1">
+                    <a:lumMod val="75000"/>
+                  </a:schemeClr>
+                </a:solidFill>
+              </a:rPr>
+              <a:t>100%: «На Ваше авто упало перышко»</a:t>
+            </a:r>
+          </a:p>
+          <a:p>
+            <a:endParaRPr lang="ru-RU" sz="1100" dirty="0">
+              <a:solidFill>
+                <a:schemeClr val="accent1">
+                  <a:lumMod val="75000"/>
+                </a:schemeClr>
+              </a:solidFill>
+            </a:endParaRPr>
+          </a:p>
+          <a:p>
+            <a:r>
+              <a:rPr lang="ru-RU" sz="1100" dirty="0" smtClean="0">
+                <a:solidFill>
+                  <a:schemeClr val="accent1">
+                    <a:lumMod val="75000"/>
+                  </a:schemeClr>
+                </a:solidFill>
+              </a:rPr>
+              <a:t>«Точка» на слайдере тяготеет к реперным точкам на линии.</a:t>
+            </a:r>
+          </a:p>
+          <a:p>
+            <a:endParaRPr lang="ru-RU" sz="1100" dirty="0">
+              <a:solidFill>
+                <a:schemeClr val="accent1">
+                  <a:lumMod val="75000"/>
+                </a:schemeClr>
+              </a:solidFill>
+            </a:endParaRPr>
+          </a:p>
+          <a:p>
+            <a:r>
+              <a:rPr lang="ru-RU" sz="1100" dirty="0" smtClean="0">
+                <a:solidFill>
+                  <a:schemeClr val="accent1">
+                    <a:lumMod val="75000"/>
+                  </a:schemeClr>
+                </a:solidFill>
+              </a:rPr>
+              <a:t>В графе «Моб телефон для уведомлений» по дефолту стоит номер из профиля.</a:t>
+            </a:r>
+          </a:p>
+          <a:p>
+            <a:endParaRPr lang="ru-RU" sz="1100" dirty="0">
+              <a:solidFill>
+                <a:schemeClr val="accent1">
+                  <a:lumMod val="75000"/>
+                </a:schemeClr>
+              </a:solidFill>
+            </a:endParaRPr>
+          </a:p>
+          <a:p>
+            <a:r>
+              <a:rPr lang="ru-RU" sz="1100" dirty="0" smtClean="0">
+                <a:solidFill>
+                  <a:schemeClr val="accent1">
+                    <a:lumMod val="75000"/>
+                  </a:schemeClr>
+                </a:solidFill>
+              </a:rPr>
+              <a:t>Остальные графы выставлены по дефолту «Отправлять».</a:t>
+            </a:r>
+            <a:endParaRPr lang="ru-RU" sz="1100" dirty="0">
+              <a:solidFill>
+                <a:schemeClr val="accent1">
+                  <a:lumMod val="75000"/>
+                </a:schemeClr>
+              </a:solidFill>
+            </a:endParaRPr>
+          </a:p>
+        </p:txBody>
+      </p:sp>
+      <p:sp>
+        <p:nvSpPr>
+          <p:cNvPr id="24" name="Овал 23"/>
+          <p:cNvSpPr/>
+          <p:nvPr/>
+        </p:nvSpPr>
+        <p:spPr>
+          <a:xfrm>
+            <a:off x="812742" y="2956615"/>
+            <a:ext cx="377768" cy="378823"/>
+          </a:xfrm>
+          <a:prstGeom prst="ellipse">
+            <a:avLst/>
+          </a:prstGeom>
+          <a:solidFill>
+            <a:schemeClr val="accent1">
+              <a:alpha val="50000"/>
+            </a:schemeClr>
+          </a:solidFill>
+          <a:ln>
+            <a:solidFill>
+              <a:schemeClr val="accent1"/>
+            </a:solidFill>
+          </a:ln>
+        </p:spPr>
+        <p:style>
+          <a:lnRef idx="2">
+            <a:schemeClr val="accent1">
+              <a:shade val="50000"/>
+            </a:schemeClr>
+          </a:lnRef>
+          <a:fillRef idx="1">
+            <a:schemeClr val="accent1"/>
+          </a:fillRef>
+          <a:effectRef idx="0">
+            <a:schemeClr val="accent1"/>
+          </a:effectRef>
+          <a:fontRef idx="minor">
+            <a:schemeClr val="lt1"/>
+          </a:fontRef>
+        </p:style>
+        <p:txBody>
+          <a:bodyPr rot="0" spcFirstLastPara="0" vertOverflow="overflow" horzOverflow="overflow" vert="horz" wrap="square" lIns="91440" tIns="45720" rIns="91440" bIns="45720" numCol="1" spcCol="0" rtlCol="0" fromWordArt="0" anchor="ctr" anchorCtr="0" forceAA="0" compatLnSpc="1">
+            <a:prstTxWarp prst="textNoShape">
+              <a:avLst/>
+            </a:prstTxWarp>
+            <a:noAutofit/>
+          </a:bodyPr>
+          <a:lstStyle/>
+          <a:p>
+            <a:pPr algn="ctr"/>
+            <a:endParaRPr lang="ru-RU"/>
+          </a:p>
+        </p:txBody>
+      </p:sp>
+      <p:cxnSp>
+        <p:nvCxnSpPr>
+          <p:cNvPr id="25" name="Прямая со стрелкой 24"/>
+          <p:cNvCxnSpPr>
+            <a:stCxn id="24" idx="7"/>
+          </p:cNvCxnSpPr>
+          <p:nvPr/>
+        </p:nvCxnSpPr>
+        <p:spPr>
+          <a:xfrm flipV="1">
+            <a:off x="1135187" y="2385029"/>
+            <a:ext cx="1203269" cy="627063"/>
+          </a:xfrm>
+          <a:prstGeom prst="straightConnector1">
+            <a:avLst/>
+          </a:prstGeom>
+          <a:ln>
+            <a:prstDash val="sysDash"/>
+            <a:tailEnd type="triangle"/>
+          </a:ln>
+        </p:spPr>
+        <p:style>
+          <a:lnRef idx="1">
+            <a:schemeClr val="accent1"/>
+          </a:lnRef>
+          <a:fillRef idx="0">
+            <a:schemeClr val="accent1"/>
+          </a:fillRef>
+          <a:effectRef idx="0">
+            <a:schemeClr val="accent1"/>
+          </a:effectRef>
+          <a:fontRef idx="minor">
+            <a:schemeClr val="tx1"/>
+          </a:fontRef>
+        </p:style>
+      </p:cxnSp>
+      <p:sp>
+        <p:nvSpPr>
+          <p:cNvPr id="27" name="Овал 26"/>
+          <p:cNvSpPr/>
+          <p:nvPr/>
+        </p:nvSpPr>
+        <p:spPr>
+          <a:xfrm>
+            <a:off x="2422306" y="620706"/>
+            <a:ext cx="377768" cy="378823"/>
+          </a:xfrm>
+          <a:prstGeom prst="ellipse">
+            <a:avLst/>
+          </a:prstGeom>
+          <a:solidFill>
+            <a:schemeClr val="accent1">
+              <a:alpha val="50000"/>
+            </a:schemeClr>
+          </a:solidFill>
+          <a:ln>
+            <a:solidFill>
+              <a:schemeClr val="accent1"/>
+            </a:solidFill>
+          </a:ln>
+        </p:spPr>
+        <p:style>
+          <a:lnRef idx="2">
+            <a:schemeClr val="accent1">
+              <a:shade val="50000"/>
+            </a:schemeClr>
+          </a:lnRef>
+          <a:fillRef idx="1">
+            <a:schemeClr val="accent1"/>
+          </a:fillRef>
+          <a:effectRef idx="0">
+            <a:schemeClr val="accent1"/>
+          </a:effectRef>
+          <a:fontRef idx="minor">
+            <a:schemeClr val="lt1"/>
+          </a:fontRef>
+        </p:style>
+        <p:txBody>
+          <a:bodyPr rot="0" spcFirstLastPara="0" vertOverflow="overflow" horzOverflow="overflow" vert="horz" wrap="square" lIns="91440" tIns="45720" rIns="91440" bIns="45720" numCol="1" spcCol="0" rtlCol="0" fromWordArt="0" anchor="ctr" anchorCtr="0" forceAA="0" compatLnSpc="1">
+            <a:prstTxWarp prst="textNoShape">
+              <a:avLst/>
+            </a:prstTxWarp>
+            <a:noAutofit/>
+          </a:bodyPr>
+          <a:lstStyle/>
+          <a:p>
+            <a:pPr algn="ctr"/>
+            <a:endParaRPr lang="ru-RU"/>
+          </a:p>
+        </p:txBody>
+      </p:sp>
+      <p:cxnSp>
+        <p:nvCxnSpPr>
+          <p:cNvPr id="28" name="Прямая со стрелкой 27"/>
+          <p:cNvCxnSpPr>
+            <a:stCxn id="27" idx="2"/>
+          </p:cNvCxnSpPr>
+          <p:nvPr/>
+        </p:nvCxnSpPr>
+        <p:spPr>
+          <a:xfrm flipH="1">
+            <a:off x="2142816" y="810118"/>
+            <a:ext cx="279490" cy="58347"/>
+          </a:xfrm>
+          <a:prstGeom prst="straightConnector1">
+            <a:avLst/>
+          </a:prstGeom>
+          <a:ln>
+            <a:prstDash val="sysDash"/>
+            <a:tailEnd type="triangle"/>
+          </a:ln>
+        </p:spPr>
+        <p:style>
+          <a:lnRef idx="1">
+            <a:schemeClr val="accent1"/>
+          </a:lnRef>
+          <a:fillRef idx="0">
+            <a:schemeClr val="accent1"/>
+          </a:fillRef>
+          <a:effectRef idx="0">
+            <a:schemeClr val="accent1"/>
+          </a:effectRef>
+          <a:fontRef idx="minor">
+            <a:schemeClr val="tx1"/>
+          </a:fontRef>
+        </p:style>
+      </p:cxnSp>
       <p:pic>
         <p:nvPicPr>
-          <p:cNvPr id="6" name="Рисунок 5"/>
+          <p:cNvPr id="33" name="Рисунок 32"/>
           <p:cNvPicPr>
             <a:picLocks noChangeAspect="1"/>
           </p:cNvPicPr>
@@ -11734,8 +14746,8 @@
         </p:blipFill>
         <p:spPr>
           <a:xfrm>
-            <a:off x="2566018" y="4229520"/>
-            <a:ext cx="1705128" cy="2547101"/>
+            <a:off x="861892" y="3738630"/>
+            <a:ext cx="2008059" cy="2984112"/>
           </a:xfrm>
           <a:prstGeom prst="rect">
             <a:avLst/>
@@ -11749,9 +14761,232 @@
           </a:ln>
         </p:spPr>
       </p:pic>
+      <p:sp>
+        <p:nvSpPr>
+          <p:cNvPr id="34" name="Овал 33"/>
+          <p:cNvSpPr/>
+          <p:nvPr/>
+        </p:nvSpPr>
+        <p:spPr>
+          <a:xfrm>
+            <a:off x="3064042" y="1744670"/>
+            <a:ext cx="377768" cy="378823"/>
+          </a:xfrm>
+          <a:prstGeom prst="ellipse">
+            <a:avLst/>
+          </a:prstGeom>
+          <a:solidFill>
+            <a:schemeClr val="accent1">
+              <a:alpha val="50000"/>
+            </a:schemeClr>
+          </a:solidFill>
+          <a:ln>
+            <a:solidFill>
+              <a:schemeClr val="accent1"/>
+            </a:solidFill>
+          </a:ln>
+        </p:spPr>
+        <p:style>
+          <a:lnRef idx="2">
+            <a:schemeClr val="accent1">
+              <a:shade val="50000"/>
+            </a:schemeClr>
+          </a:lnRef>
+          <a:fillRef idx="1">
+            <a:schemeClr val="accent1"/>
+          </a:fillRef>
+          <a:effectRef idx="0">
+            <a:schemeClr val="accent1"/>
+          </a:effectRef>
+          <a:fontRef idx="minor">
+            <a:schemeClr val="lt1"/>
+          </a:fontRef>
+        </p:style>
+        <p:txBody>
+          <a:bodyPr rot="0" spcFirstLastPara="0" vertOverflow="overflow" horzOverflow="overflow" vert="horz" wrap="square" lIns="91440" tIns="45720" rIns="91440" bIns="45720" numCol="1" spcCol="0" rtlCol="0" fromWordArt="0" anchor="ctr" anchorCtr="0" forceAA="0" compatLnSpc="1">
+            <a:prstTxWarp prst="textNoShape">
+              <a:avLst/>
+            </a:prstTxWarp>
+            <a:noAutofit/>
+          </a:bodyPr>
+          <a:lstStyle/>
+          <a:p>
+            <a:pPr algn="ctr"/>
+            <a:endParaRPr lang="ru-RU"/>
+          </a:p>
+        </p:txBody>
+      </p:sp>
+      <p:cxnSp>
+        <p:nvCxnSpPr>
+          <p:cNvPr id="35" name="Прямая со стрелкой 34"/>
+          <p:cNvCxnSpPr/>
+          <p:nvPr/>
+        </p:nvCxnSpPr>
+        <p:spPr>
+          <a:xfrm flipH="1">
+            <a:off x="2207053" y="2123493"/>
+            <a:ext cx="1042070" cy="2894556"/>
+          </a:xfrm>
+          <a:prstGeom prst="straightConnector1">
+            <a:avLst/>
+          </a:prstGeom>
+          <a:ln>
+            <a:prstDash val="sysDash"/>
+            <a:tailEnd type="triangle"/>
+          </a:ln>
+        </p:spPr>
+        <p:style>
+          <a:lnRef idx="1">
+            <a:schemeClr val="accent1"/>
+          </a:lnRef>
+          <a:fillRef idx="0">
+            <a:schemeClr val="accent1"/>
+          </a:fillRef>
+          <a:effectRef idx="0">
+            <a:schemeClr val="accent1"/>
+          </a:effectRef>
+          <a:fontRef idx="minor">
+            <a:schemeClr val="tx1"/>
+          </a:fontRef>
+        </p:style>
+      </p:cxnSp>
+      <p:sp>
+        <p:nvSpPr>
+          <p:cNvPr id="38" name="TextBox 37"/>
+          <p:cNvSpPr txBox="1"/>
+          <p:nvPr/>
+        </p:nvSpPr>
+        <p:spPr>
+          <a:xfrm>
+            <a:off x="5256609" y="3784136"/>
+            <a:ext cx="3452494" cy="2123658"/>
+          </a:xfrm>
+          <a:prstGeom prst="rect">
+            <a:avLst/>
+          </a:prstGeom>
+          <a:noFill/>
+        </p:spPr>
+        <p:txBody>
+          <a:bodyPr wrap="square" rtlCol="0">
+            <a:spAutoFit/>
+          </a:bodyPr>
+          <a:lstStyle/>
+          <a:p>
+            <a:r>
+              <a:rPr lang="ru-RU" sz="1100" dirty="0" smtClean="0">
+                <a:solidFill>
+                  <a:schemeClr val="accent1">
+                    <a:lumMod val="75000"/>
+                  </a:schemeClr>
+                </a:solidFill>
+              </a:rPr>
+              <a:t>При нажатии на кнопку «</a:t>
+            </a:r>
+            <a:r>
+              <a:rPr lang="en-GB" sz="1100" dirty="0" smtClean="0">
+                <a:solidFill>
+                  <a:schemeClr val="accent1">
+                    <a:lumMod val="75000"/>
+                  </a:schemeClr>
+                </a:solidFill>
+              </a:rPr>
+              <a:t>Enter</a:t>
+            </a:r>
+            <a:r>
+              <a:rPr lang="ru-RU" sz="1100" dirty="0" smtClean="0">
+                <a:solidFill>
+                  <a:schemeClr val="accent1">
+                    <a:lumMod val="75000"/>
+                  </a:schemeClr>
+                </a:solidFill>
+              </a:rPr>
+              <a:t>» на клавиатуре всплывает диалоговое окно. Тогда как приложение отправляет уведомительное смс на указанный номер.</a:t>
+            </a:r>
+          </a:p>
+          <a:p>
+            <a:endParaRPr lang="ru-RU" sz="1100" dirty="0" smtClean="0">
+              <a:solidFill>
+                <a:schemeClr val="accent1">
+                  <a:lumMod val="75000"/>
+                </a:schemeClr>
+              </a:solidFill>
+            </a:endParaRPr>
+          </a:p>
+          <a:p>
+            <a:r>
+              <a:rPr lang="ru-RU" sz="1100" dirty="0" smtClean="0">
+                <a:solidFill>
+                  <a:schemeClr val="accent1">
+                    <a:lumMod val="75000"/>
+                  </a:schemeClr>
+                </a:solidFill>
+              </a:rPr>
+              <a:t>После чего юзер нажимает </a:t>
+            </a:r>
+            <a:r>
+              <a:rPr lang="ru-RU" sz="1100" dirty="0" smtClean="0">
+                <a:solidFill>
+                  <a:srgbClr val="C00000"/>
+                </a:solidFill>
+              </a:rPr>
+              <a:t>«Да» </a:t>
+            </a:r>
+            <a:r>
+              <a:rPr lang="ru-RU" sz="1100" dirty="0" smtClean="0">
+                <a:solidFill>
+                  <a:schemeClr val="accent1">
+                    <a:lumMod val="75000"/>
+                  </a:schemeClr>
+                </a:solidFill>
+              </a:rPr>
+              <a:t>и номер закрепляется. </a:t>
+            </a:r>
+          </a:p>
+          <a:p>
+            <a:r>
+              <a:rPr lang="ru-RU" sz="1100" dirty="0" smtClean="0">
+                <a:solidFill>
+                  <a:schemeClr val="accent1">
+                    <a:lumMod val="75000"/>
+                  </a:schemeClr>
+                </a:solidFill>
+              </a:rPr>
+              <a:t>Если юзер нажимает «Закрыть» - возвращаемся на ввод номера. </a:t>
+            </a:r>
+          </a:p>
+          <a:p>
+            <a:endParaRPr lang="ru-RU" sz="1100" dirty="0">
+              <a:solidFill>
+                <a:schemeClr val="accent1">
+                  <a:lumMod val="75000"/>
+                </a:schemeClr>
+              </a:solidFill>
+            </a:endParaRPr>
+          </a:p>
+          <a:p>
+            <a:r>
+              <a:rPr lang="ru-RU" sz="1100" dirty="0" smtClean="0">
+                <a:solidFill>
+                  <a:schemeClr val="accent1">
+                    <a:lumMod val="75000"/>
+                  </a:schemeClr>
+                </a:solidFill>
+              </a:rPr>
+              <a:t>При желании юзер может выйти из этого заколдованного круга через системную кнопку «Назад».</a:t>
+            </a:r>
+            <a:endParaRPr lang="ru-RU" sz="1100" dirty="0">
+              <a:solidFill>
+                <a:schemeClr val="accent1">
+                  <a:lumMod val="75000"/>
+                </a:schemeClr>
+              </a:solidFill>
+            </a:endParaRPr>
+          </a:p>
+        </p:txBody>
+      </p:sp>
       <p:pic>
         <p:nvPicPr>
-          <p:cNvPr id="7" name="Рисунок 6"/>
+          <p:cNvPr id="39" name="Рисунок 38"/>
           <p:cNvPicPr>
             <a:picLocks noChangeAspect="1"/>
           </p:cNvPicPr>
@@ -11771,8 +15006,8 @@
         </p:blipFill>
         <p:spPr>
           <a:xfrm>
-            <a:off x="1990722" y="3631673"/>
-            <a:ext cx="1705128" cy="2547101"/>
+            <a:off x="3163239" y="3738630"/>
+            <a:ext cx="2008059" cy="2984112"/>
           </a:xfrm>
           <a:prstGeom prst="rect">
             <a:avLst/>
@@ -11786,1037 +15021,24 @@
           </a:ln>
         </p:spPr>
       </p:pic>
-      <p:pic>
-        <p:nvPicPr>
-          <p:cNvPr id="8" name="Рисунок 7"/>
-          <p:cNvPicPr>
-            <a:picLocks noChangeAspect="1"/>
-          </p:cNvPicPr>
-          <p:nvPr/>
-        </p:nvPicPr>
-        <p:blipFill>
-          <a:blip r:embed="rId6">
-            <a:extLst>
-              <a:ext uri="{28A0092B-C50C-407E-A947-70E740481C1C}">
-                <a14:useLocalDpi xmlns:a14="http://schemas.microsoft.com/office/drawing/2010/main" val="0"/>
-              </a:ext>
-            </a:extLst>
-          </a:blip>
-          <a:stretch>
-            <a:fillRect/>
-          </a:stretch>
-        </p:blipFill>
-        <p:spPr>
-          <a:xfrm>
-            <a:off x="4491969" y="3923568"/>
-            <a:ext cx="1705128" cy="2547101"/>
-          </a:xfrm>
-          <a:prstGeom prst="rect">
+      <p:cxnSp>
+        <p:nvCxnSpPr>
+          <p:cNvPr id="41" name="Прямая соединительная линия 40"/>
+          <p:cNvCxnSpPr/>
+          <p:nvPr/>
+        </p:nvCxnSpPr>
+        <p:spPr>
+          <a:xfrm flipV="1">
+            <a:off x="1290772" y="564574"/>
+            <a:ext cx="446049" cy="367990"/>
+          </a:xfrm>
+          <a:prstGeom prst="line">
             <a:avLst/>
           </a:prstGeom>
           <a:ln>
             <a:solidFill>
-              <a:schemeClr val="bg1">
-                <a:lumMod val="75000"/>
-              </a:schemeClr>
+              <a:srgbClr val="C00000"/>
             </a:solidFill>
-          </a:ln>
-        </p:spPr>
-      </p:pic>
-      <p:sp>
-        <p:nvSpPr>
-          <p:cNvPr id="9" name="Овал 8"/>
-          <p:cNvSpPr/>
-          <p:nvPr/>
-        </p:nvSpPr>
-        <p:spPr>
-          <a:xfrm>
-            <a:off x="1390617" y="3854586"/>
-            <a:ext cx="377768" cy="378823"/>
-          </a:xfrm>
-          <a:prstGeom prst="ellipse">
-            <a:avLst/>
-          </a:prstGeom>
-          <a:solidFill>
-            <a:schemeClr val="accent1">
-              <a:alpha val="50000"/>
-            </a:schemeClr>
-          </a:solidFill>
-          <a:ln>
-            <a:solidFill>
-              <a:schemeClr val="accent1"/>
-            </a:solidFill>
-          </a:ln>
-        </p:spPr>
-        <p:style>
-          <a:lnRef idx="2">
-            <a:schemeClr val="accent1">
-              <a:shade val="50000"/>
-            </a:schemeClr>
-          </a:lnRef>
-          <a:fillRef idx="1">
-            <a:schemeClr val="accent1"/>
-          </a:fillRef>
-          <a:effectRef idx="0">
-            <a:schemeClr val="accent1"/>
-          </a:effectRef>
-          <a:fontRef idx="minor">
-            <a:schemeClr val="lt1"/>
-          </a:fontRef>
-        </p:style>
-        <p:txBody>
-          <a:bodyPr rot="0" spcFirstLastPara="0" vertOverflow="overflow" horzOverflow="overflow" vert="horz" wrap="square" lIns="91440" tIns="45720" rIns="91440" bIns="45720" numCol="1" spcCol="0" rtlCol="0" fromWordArt="0" anchor="ctr" anchorCtr="0" forceAA="0" compatLnSpc="1">
-            <a:prstTxWarp prst="textNoShape">
-              <a:avLst/>
-            </a:prstTxWarp>
-            <a:noAutofit/>
-          </a:bodyPr>
-          <a:lstStyle/>
-          <a:p>
-            <a:pPr algn="ctr"/>
-            <a:endParaRPr lang="ru-RU"/>
-          </a:p>
-        </p:txBody>
-      </p:sp>
-      <p:cxnSp>
-        <p:nvCxnSpPr>
-          <p:cNvPr id="10" name="Прямая со стрелкой 9"/>
-          <p:cNvCxnSpPr>
-            <a:stCxn id="9" idx="7"/>
-          </p:cNvCxnSpPr>
-          <p:nvPr/>
-        </p:nvCxnSpPr>
-        <p:spPr>
-          <a:xfrm flipV="1">
-            <a:off x="1713062" y="3088888"/>
-            <a:ext cx="706754" cy="821175"/>
-          </a:xfrm>
-          <a:prstGeom prst="straightConnector1">
-            <a:avLst/>
-          </a:prstGeom>
-          <a:ln>
-            <a:prstDash val="sysDash"/>
-            <a:tailEnd type="triangle"/>
-          </a:ln>
-        </p:spPr>
-        <p:style>
-          <a:lnRef idx="1">
-            <a:schemeClr val="accent1"/>
-          </a:lnRef>
-          <a:fillRef idx="0">
-            <a:schemeClr val="accent1"/>
-          </a:fillRef>
-          <a:effectRef idx="0">
-            <a:schemeClr val="accent1"/>
-          </a:effectRef>
-          <a:fontRef idx="minor">
-            <a:schemeClr val="tx1"/>
-          </a:fontRef>
-        </p:style>
-      </p:cxnSp>
-      <p:sp>
-        <p:nvSpPr>
-          <p:cNvPr id="15" name="TextBox 14"/>
-          <p:cNvSpPr txBox="1"/>
-          <p:nvPr/>
-        </p:nvSpPr>
-        <p:spPr>
-          <a:xfrm>
-            <a:off x="3785058" y="148659"/>
-            <a:ext cx="5358942" cy="3847207"/>
-          </a:xfrm>
-          <a:prstGeom prst="rect">
-            <a:avLst/>
-          </a:prstGeom>
-          <a:noFill/>
-        </p:spPr>
-        <p:txBody>
-          <a:bodyPr wrap="square" rtlCol="0">
-            <a:spAutoFit/>
-          </a:bodyPr>
-          <a:lstStyle/>
-          <a:p>
-            <a:pPr>
-              <a:spcBef>
-                <a:spcPts val="600"/>
-              </a:spcBef>
-            </a:pPr>
-            <a:r>
-              <a:rPr lang="en-GB" sz="1100" b="1" dirty="0" smtClean="0">
-                <a:solidFill>
-                  <a:schemeClr val="accent1">
-                    <a:lumMod val="75000"/>
-                  </a:schemeClr>
-                </a:solidFill>
-              </a:rPr>
-              <a:t>Down menu</a:t>
-            </a:r>
-            <a:r>
-              <a:rPr lang="ru-RU" sz="1100" b="1" dirty="0">
-                <a:solidFill>
-                  <a:schemeClr val="accent1">
-                    <a:lumMod val="75000"/>
-                  </a:schemeClr>
-                </a:solidFill>
-              </a:rPr>
-              <a:t> </a:t>
-            </a:r>
-            <a:r>
-              <a:rPr lang="ru-RU" sz="1100" dirty="0" smtClean="0">
-                <a:solidFill>
-                  <a:schemeClr val="accent1">
-                    <a:lumMod val="75000"/>
-                  </a:schemeClr>
-                </a:solidFill>
-              </a:rPr>
-              <a:t>- индикатор проблем/</a:t>
-            </a:r>
-            <a:r>
-              <a:rPr lang="ru-RU" sz="1100" dirty="0" err="1" smtClean="0">
-                <a:solidFill>
-                  <a:schemeClr val="accent1">
-                    <a:lumMod val="75000"/>
-                  </a:schemeClr>
-                </a:solidFill>
-              </a:rPr>
-              <a:t>алармов</a:t>
-            </a:r>
-            <a:r>
-              <a:rPr lang="ru-RU" sz="1100" dirty="0" smtClean="0">
-                <a:solidFill>
-                  <a:schemeClr val="accent1">
-                    <a:lumMod val="75000"/>
-                  </a:schemeClr>
-                </a:solidFill>
-              </a:rPr>
-              <a:t>/уведомлений </a:t>
-            </a:r>
-            <a:r>
-              <a:rPr lang="ru-RU" sz="1100" dirty="0" err="1" smtClean="0">
-                <a:solidFill>
-                  <a:schemeClr val="accent1">
-                    <a:lumMod val="75000"/>
-                  </a:schemeClr>
-                </a:solidFill>
-              </a:rPr>
-              <a:t>КОТа</a:t>
-            </a:r>
-            <a:r>
-              <a:rPr lang="ru-RU" sz="1100" dirty="0" smtClean="0">
-                <a:solidFill>
-                  <a:schemeClr val="accent1">
-                    <a:lumMod val="75000"/>
-                  </a:schemeClr>
-                </a:solidFill>
-              </a:rPr>
-              <a:t> </a:t>
-            </a:r>
-          </a:p>
-          <a:p>
-            <a:pPr>
-              <a:spcBef>
-                <a:spcPts val="600"/>
-              </a:spcBef>
-            </a:pPr>
-            <a:r>
-              <a:rPr lang="ru-RU" sz="1100" b="1" dirty="0" smtClean="0">
-                <a:solidFill>
-                  <a:schemeClr val="accent1">
-                    <a:lumMod val="75000"/>
-                  </a:schemeClr>
-                </a:solidFill>
-              </a:rPr>
-              <a:t>Нет </a:t>
-            </a:r>
-            <a:r>
-              <a:rPr lang="ru-RU" sz="1100" b="1" dirty="0" err="1" smtClean="0">
-                <a:solidFill>
-                  <a:schemeClr val="accent1">
-                    <a:lumMod val="75000"/>
-                  </a:schemeClr>
-                </a:solidFill>
-              </a:rPr>
-              <a:t>алармов</a:t>
-            </a:r>
-            <a:r>
-              <a:rPr lang="ru-RU" sz="1100" b="1" dirty="0" smtClean="0">
-                <a:solidFill>
-                  <a:schemeClr val="accent1">
-                    <a:lumMod val="75000"/>
-                  </a:schemeClr>
-                </a:solidFill>
-              </a:rPr>
-              <a:t> </a:t>
-            </a:r>
-            <a:r>
-              <a:rPr lang="ru-RU" sz="1100" dirty="0" smtClean="0">
-                <a:solidFill>
-                  <a:schemeClr val="accent1">
-                    <a:lumMod val="75000"/>
-                  </a:schemeClr>
-                </a:solidFill>
-              </a:rPr>
-              <a:t>– всё неактивно</a:t>
-            </a:r>
-          </a:p>
-          <a:p>
-            <a:pPr>
-              <a:spcBef>
-                <a:spcPts val="600"/>
-              </a:spcBef>
-            </a:pPr>
-            <a:r>
-              <a:rPr lang="ru-RU" sz="1100" b="1" dirty="0" smtClean="0">
-                <a:solidFill>
-                  <a:schemeClr val="accent1">
-                    <a:lumMod val="75000"/>
-                  </a:schemeClr>
-                </a:solidFill>
-              </a:rPr>
-              <a:t>Есть </a:t>
-            </a:r>
-            <a:r>
-              <a:rPr lang="ru-RU" sz="1100" b="1" dirty="0" err="1" smtClean="0">
-                <a:solidFill>
-                  <a:schemeClr val="accent1">
-                    <a:lumMod val="75000"/>
-                  </a:schemeClr>
-                </a:solidFill>
-              </a:rPr>
-              <a:t>аларм</a:t>
-            </a:r>
-            <a:r>
-              <a:rPr lang="ru-RU" sz="1100" b="1" dirty="0" smtClean="0">
-                <a:solidFill>
-                  <a:schemeClr val="accent1">
-                    <a:lumMod val="75000"/>
-                  </a:schemeClr>
-                </a:solidFill>
-              </a:rPr>
-              <a:t>, чел на экране «Карта» </a:t>
-            </a:r>
-            <a:r>
-              <a:rPr lang="ru-RU" sz="1100" dirty="0" smtClean="0">
-                <a:solidFill>
-                  <a:schemeClr val="accent1">
-                    <a:lumMod val="75000"/>
-                  </a:schemeClr>
-                </a:solidFill>
-              </a:rPr>
-              <a:t>– всплывает </a:t>
-            </a:r>
-            <a:r>
-              <a:rPr lang="en-GB" sz="1100" dirty="0" smtClean="0">
-                <a:solidFill>
-                  <a:schemeClr val="accent1">
-                    <a:lumMod val="75000"/>
-                  </a:schemeClr>
-                </a:solidFill>
-              </a:rPr>
-              <a:t>Down menu</a:t>
-            </a:r>
-            <a:r>
-              <a:rPr lang="ru-RU" sz="1100" dirty="0" smtClean="0">
-                <a:solidFill>
-                  <a:schemeClr val="accent1">
-                    <a:lumMod val="75000"/>
-                  </a:schemeClr>
-                </a:solidFill>
-              </a:rPr>
-              <a:t>, иконка в </a:t>
-            </a:r>
-            <a:br>
-              <a:rPr lang="ru-RU" sz="1100" dirty="0" smtClean="0">
-                <a:solidFill>
-                  <a:schemeClr val="accent1">
-                    <a:lumMod val="75000"/>
-                  </a:schemeClr>
-                </a:solidFill>
-              </a:rPr>
-            </a:br>
-            <a:r>
-              <a:rPr lang="ru-RU" sz="1100" dirty="0" smtClean="0">
-                <a:solidFill>
-                  <a:schemeClr val="accent1">
-                    <a:lumMod val="75000"/>
-                  </a:schemeClr>
-                </a:solidFill>
-              </a:rPr>
-              <a:t>активном цвете, всплывает диалоговое окно с </a:t>
-            </a:r>
-            <a:r>
-              <a:rPr lang="ru-RU" sz="1100" dirty="0" err="1" smtClean="0">
-                <a:solidFill>
-                  <a:schemeClr val="accent1">
-                    <a:lumMod val="75000"/>
-                  </a:schemeClr>
-                </a:solidFill>
-              </a:rPr>
-              <a:t>алармовым</a:t>
-            </a:r>
-            <a:r>
-              <a:rPr lang="ru-RU" sz="1100" dirty="0" smtClean="0">
-                <a:solidFill>
-                  <a:schemeClr val="accent1">
-                    <a:lumMod val="75000"/>
-                  </a:schemeClr>
-                </a:solidFill>
-              </a:rPr>
-              <a:t> текстом. Чел </a:t>
-            </a:r>
-            <a:br>
-              <a:rPr lang="ru-RU" sz="1100" dirty="0" smtClean="0">
-                <a:solidFill>
-                  <a:schemeClr val="accent1">
-                    <a:lumMod val="75000"/>
-                  </a:schemeClr>
-                </a:solidFill>
-              </a:rPr>
-            </a:br>
-            <a:r>
-              <a:rPr lang="ru-RU" sz="1100" dirty="0" smtClean="0">
-                <a:solidFill>
-                  <a:schemeClr val="accent1">
-                    <a:lumMod val="75000"/>
-                  </a:schemeClr>
-                </a:solidFill>
-              </a:rPr>
-              <a:t>«ЗАКРЫТЬ» диалоговое окно, иконка становится неактивна.</a:t>
-            </a:r>
-          </a:p>
-          <a:p>
-            <a:pPr>
-              <a:spcBef>
-                <a:spcPts val="600"/>
-              </a:spcBef>
-            </a:pPr>
-            <a:r>
-              <a:rPr lang="ru-RU" sz="1100" b="1" dirty="0" smtClean="0">
-                <a:solidFill>
-                  <a:schemeClr val="accent1">
-                    <a:lumMod val="75000"/>
-                  </a:schemeClr>
-                </a:solidFill>
-              </a:rPr>
-              <a:t>Есть </a:t>
-            </a:r>
-            <a:r>
-              <a:rPr lang="ru-RU" sz="1100" b="1" dirty="0" err="1" smtClean="0">
-                <a:solidFill>
-                  <a:schemeClr val="accent1">
-                    <a:lumMod val="75000"/>
-                  </a:schemeClr>
-                </a:solidFill>
-              </a:rPr>
-              <a:t>аларм</a:t>
-            </a:r>
-            <a:r>
-              <a:rPr lang="ru-RU" sz="1100" b="1" dirty="0" smtClean="0">
-                <a:solidFill>
-                  <a:schemeClr val="accent1">
-                    <a:lumMod val="75000"/>
-                  </a:schemeClr>
-                </a:solidFill>
-              </a:rPr>
-              <a:t>, чел на любом </a:t>
-            </a:r>
-            <a:r>
-              <a:rPr lang="ru-RU" sz="1100" b="1" dirty="0" err="1" smtClean="0">
-                <a:solidFill>
-                  <a:schemeClr val="accent1">
-                    <a:lumMod val="75000"/>
-                  </a:schemeClr>
-                </a:solidFill>
-              </a:rPr>
-              <a:t>др</a:t>
-            </a:r>
-            <a:r>
-              <a:rPr lang="ru-RU" sz="1100" b="1" dirty="0" smtClean="0">
-                <a:solidFill>
-                  <a:schemeClr val="accent1">
-                    <a:lumMod val="75000"/>
-                  </a:schemeClr>
-                </a:solidFill>
-              </a:rPr>
-              <a:t> экране </a:t>
-            </a:r>
-            <a:r>
-              <a:rPr lang="ru-RU" sz="1100" dirty="0" smtClean="0">
-                <a:solidFill>
-                  <a:schemeClr val="accent1">
-                    <a:lumMod val="75000"/>
-                  </a:schemeClr>
-                </a:solidFill>
-              </a:rPr>
-              <a:t>– всплывает диалоговое окно.</a:t>
-            </a:r>
-          </a:p>
-          <a:p>
-            <a:pPr>
-              <a:spcBef>
-                <a:spcPts val="600"/>
-              </a:spcBef>
-            </a:pPr>
-            <a:r>
-              <a:rPr lang="ru-RU" sz="1100" b="1" dirty="0" smtClean="0">
-                <a:solidFill>
-                  <a:schemeClr val="accent1">
-                    <a:lumMod val="75000"/>
-                  </a:schemeClr>
-                </a:solidFill>
-              </a:rPr>
-              <a:t>Есть </a:t>
-            </a:r>
-            <a:r>
-              <a:rPr lang="ru-RU" sz="1100" b="1" dirty="0" err="1" smtClean="0">
-                <a:solidFill>
-                  <a:schemeClr val="accent1">
-                    <a:lumMod val="75000"/>
-                  </a:schemeClr>
-                </a:solidFill>
-              </a:rPr>
-              <a:t>аларм</a:t>
-            </a:r>
-            <a:r>
-              <a:rPr lang="ru-RU" sz="1100" b="1" dirty="0" smtClean="0">
-                <a:solidFill>
-                  <a:schemeClr val="accent1">
-                    <a:lumMod val="75000"/>
-                  </a:schemeClr>
-                </a:solidFill>
-              </a:rPr>
-              <a:t>, чел не в приложении </a:t>
-            </a:r>
-            <a:r>
-              <a:rPr lang="ru-RU" sz="1100" dirty="0" smtClean="0">
-                <a:solidFill>
-                  <a:schemeClr val="accent1">
-                    <a:lumMod val="75000"/>
-                  </a:schemeClr>
-                </a:solidFill>
-              </a:rPr>
-              <a:t>– уведомление появляется в </a:t>
-            </a:r>
-            <a:r>
-              <a:rPr lang="ru-RU" sz="1100" dirty="0" err="1" smtClean="0">
-                <a:solidFill>
-                  <a:schemeClr val="accent1">
-                    <a:lumMod val="75000"/>
-                  </a:schemeClr>
-                </a:solidFill>
-              </a:rPr>
-              <a:t>трее</a:t>
-            </a:r>
-            <a:r>
-              <a:rPr lang="ru-RU" sz="1100" dirty="0" smtClean="0">
-                <a:solidFill>
-                  <a:schemeClr val="accent1">
-                    <a:lumMod val="75000"/>
-                  </a:schemeClr>
-                </a:solidFill>
-              </a:rPr>
-              <a:t> </a:t>
-            </a:r>
-            <a:r>
-              <a:rPr lang="ru-RU" sz="1100" dirty="0" err="1" smtClean="0">
-                <a:solidFill>
-                  <a:schemeClr val="accent1">
-                    <a:lumMod val="75000"/>
-                  </a:schemeClr>
-                </a:solidFill>
-              </a:rPr>
-              <a:t>андройда</a:t>
-            </a:r>
-            <a:r>
-              <a:rPr lang="ru-RU" sz="1100" dirty="0" smtClean="0">
-                <a:solidFill>
-                  <a:schemeClr val="accent1">
-                    <a:lumMod val="75000"/>
-                  </a:schemeClr>
-                </a:solidFill>
-              </a:rPr>
-              <a:t>. Откуда он может закрыть уведомление. </a:t>
-            </a:r>
-            <a:r>
-              <a:rPr lang="ru-RU" sz="1100" dirty="0" err="1" smtClean="0">
-                <a:solidFill>
-                  <a:schemeClr val="accent1">
-                    <a:lumMod val="75000"/>
-                  </a:schemeClr>
-                </a:solidFill>
-              </a:rPr>
-              <a:t>Тапнув</a:t>
-            </a:r>
-            <a:r>
-              <a:rPr lang="ru-RU" sz="1100" dirty="0" smtClean="0">
-                <a:solidFill>
-                  <a:schemeClr val="accent1">
-                    <a:lumMod val="75000"/>
-                  </a:schemeClr>
-                </a:solidFill>
-              </a:rPr>
-              <a:t> по уведомлению в </a:t>
-            </a:r>
-            <a:r>
-              <a:rPr lang="ru-RU" sz="1100" dirty="0" err="1" smtClean="0">
-                <a:solidFill>
-                  <a:schemeClr val="accent1">
-                    <a:lumMod val="75000"/>
-                  </a:schemeClr>
-                </a:solidFill>
-              </a:rPr>
-              <a:t>трее</a:t>
-            </a:r>
-            <a:r>
-              <a:rPr lang="ru-RU" sz="1100" dirty="0" smtClean="0">
-                <a:solidFill>
-                  <a:schemeClr val="accent1">
-                    <a:lumMod val="75000"/>
-                  </a:schemeClr>
-                </a:solidFill>
-              </a:rPr>
-              <a:t> </a:t>
-            </a:r>
-            <a:r>
-              <a:rPr lang="ru-RU" sz="1100" dirty="0" err="1" smtClean="0">
-                <a:solidFill>
-                  <a:schemeClr val="accent1">
-                    <a:lumMod val="75000"/>
-                  </a:schemeClr>
-                </a:solidFill>
-              </a:rPr>
-              <a:t>андройда</a:t>
-            </a:r>
-            <a:r>
-              <a:rPr lang="ru-RU" sz="1100" dirty="0" smtClean="0">
-                <a:solidFill>
-                  <a:schemeClr val="accent1">
-                    <a:lumMod val="75000"/>
-                  </a:schemeClr>
-                </a:solidFill>
-              </a:rPr>
-              <a:t> – переадресация на экран «Карта с открытым диалоговом окном уведомления и нижнем меню с активной соответствующей иконкой».</a:t>
-            </a:r>
-            <a:endParaRPr lang="en-GB" sz="1100" dirty="0" smtClean="0">
-              <a:solidFill>
-                <a:schemeClr val="accent1">
-                  <a:lumMod val="75000"/>
-                </a:schemeClr>
-              </a:solidFill>
-            </a:endParaRPr>
-          </a:p>
-          <a:p>
-            <a:pPr>
-              <a:spcBef>
-                <a:spcPts val="600"/>
-              </a:spcBef>
-            </a:pPr>
-            <a:r>
-              <a:rPr lang="ru-RU" sz="1100" b="1" dirty="0" smtClean="0">
-                <a:solidFill>
-                  <a:schemeClr val="accent1">
-                    <a:lumMod val="75000"/>
-                  </a:schemeClr>
-                </a:solidFill>
-              </a:rPr>
-              <a:t>Есть </a:t>
-            </a:r>
-            <a:r>
-              <a:rPr lang="ru-RU" sz="1100" b="1" dirty="0" err="1" smtClean="0">
-                <a:solidFill>
-                  <a:schemeClr val="accent1">
-                    <a:lumMod val="75000"/>
-                  </a:schemeClr>
-                </a:solidFill>
-              </a:rPr>
-              <a:t>аларм</a:t>
-            </a:r>
-            <a:r>
-              <a:rPr lang="ru-RU" sz="1100" b="1" dirty="0" smtClean="0">
-                <a:solidFill>
-                  <a:schemeClr val="accent1">
-                    <a:lumMod val="75000"/>
-                  </a:schemeClr>
-                </a:solidFill>
-              </a:rPr>
-              <a:t>, но чел каким-либо образом не нажал на кнопку «ЗАКРЫТЬ» в диалоговом окне, а окно свернулось, или нажал на «Очистить» в </a:t>
-            </a:r>
-            <a:r>
-              <a:rPr lang="ru-RU" sz="1100" b="1" dirty="0" err="1" smtClean="0">
-                <a:solidFill>
-                  <a:schemeClr val="accent1">
-                    <a:lumMod val="75000"/>
-                  </a:schemeClr>
-                </a:solidFill>
-              </a:rPr>
-              <a:t>трее</a:t>
-            </a:r>
-            <a:r>
-              <a:rPr lang="ru-RU" sz="1100" b="1" dirty="0" smtClean="0">
-                <a:solidFill>
-                  <a:schemeClr val="accent1">
-                    <a:lumMod val="75000"/>
-                  </a:schemeClr>
-                </a:solidFill>
-              </a:rPr>
-              <a:t> </a:t>
-            </a:r>
-            <a:r>
-              <a:rPr lang="ru-RU" sz="1100" b="1" dirty="0" err="1" smtClean="0">
-                <a:solidFill>
-                  <a:schemeClr val="accent1">
-                    <a:lumMod val="75000"/>
-                  </a:schemeClr>
-                </a:solidFill>
-              </a:rPr>
-              <a:t>андройда</a:t>
-            </a:r>
-            <a:r>
-              <a:rPr lang="ru-RU" sz="1100" dirty="0" smtClean="0">
-                <a:solidFill>
-                  <a:schemeClr val="accent1">
-                    <a:lumMod val="75000"/>
-                  </a:schemeClr>
-                </a:solidFill>
-              </a:rPr>
-              <a:t> – при попадании на экран «Карта», чел видит не дефолтный экран, а экран с диалоговым окном и нижнем меню с активной иконкой с </a:t>
-            </a:r>
-            <a:r>
-              <a:rPr lang="ru-RU" sz="1100" dirty="0" err="1" smtClean="0">
-                <a:solidFill>
-                  <a:schemeClr val="accent1">
-                    <a:lumMod val="75000"/>
-                  </a:schemeClr>
-                </a:solidFill>
-              </a:rPr>
-              <a:t>алармом</a:t>
-            </a:r>
-            <a:r>
-              <a:rPr lang="ru-RU" sz="1100" dirty="0" smtClean="0">
-                <a:solidFill>
-                  <a:schemeClr val="accent1">
-                    <a:lumMod val="75000"/>
-                  </a:schemeClr>
-                </a:solidFill>
-              </a:rPr>
-              <a:t>.</a:t>
-            </a:r>
-          </a:p>
-          <a:p>
-            <a:pPr>
-              <a:spcBef>
-                <a:spcPts val="600"/>
-              </a:spcBef>
-            </a:pPr>
-            <a:r>
-              <a:rPr lang="ru-RU" sz="1100" dirty="0" smtClean="0">
-                <a:solidFill>
-                  <a:schemeClr val="accent1">
-                    <a:lumMod val="75000"/>
-                  </a:schemeClr>
-                </a:solidFill>
-              </a:rPr>
-              <a:t>«Хранится» для вызова по активной иконке в нижнем меню только одно уведомление. Остальные «улетают» на экран «Уведомления» (коллектор всех уведомлений приложения с датой и временем).</a:t>
-            </a:r>
-          </a:p>
-          <a:p>
-            <a:pPr>
-              <a:spcBef>
-                <a:spcPts val="600"/>
-              </a:spcBef>
-            </a:pPr>
-            <a:r>
-              <a:rPr lang="ru-RU" sz="1100" b="1" dirty="0" smtClean="0">
-                <a:solidFill>
-                  <a:schemeClr val="accent1">
-                    <a:lumMod val="75000"/>
-                  </a:schemeClr>
-                </a:solidFill>
-              </a:rPr>
-              <a:t>Если несколько уведомлений из разных категорий </a:t>
-            </a:r>
-            <a:r>
-              <a:rPr lang="ru-RU" sz="1100" dirty="0" smtClean="0">
-                <a:solidFill>
-                  <a:schemeClr val="accent1">
-                    <a:lumMod val="75000"/>
-                  </a:schemeClr>
-                </a:solidFill>
-              </a:rPr>
-              <a:t>- диалоговые окна «выскакивают» последовательно, пока чел не закроет все.</a:t>
-            </a:r>
-            <a:endParaRPr lang="ru-RU" sz="1100" dirty="0">
-              <a:solidFill>
-                <a:schemeClr val="accent1">
-                  <a:lumMod val="75000"/>
-                </a:schemeClr>
-              </a:solidFill>
-            </a:endParaRPr>
-          </a:p>
-        </p:txBody>
-      </p:sp>
-      <p:sp>
-        <p:nvSpPr>
-          <p:cNvPr id="16" name="Овал 15"/>
-          <p:cNvSpPr/>
-          <p:nvPr/>
-        </p:nvSpPr>
-        <p:spPr>
-          <a:xfrm>
-            <a:off x="3468899" y="6169748"/>
-            <a:ext cx="377768" cy="378823"/>
-          </a:xfrm>
-          <a:prstGeom prst="ellipse">
-            <a:avLst/>
-          </a:prstGeom>
-          <a:solidFill>
-            <a:srgbClr val="5B9BD5">
-              <a:alpha val="20000"/>
-            </a:srgbClr>
-          </a:solidFill>
-          <a:ln>
-            <a:solidFill>
-              <a:schemeClr val="accent1"/>
-            </a:solidFill>
-          </a:ln>
-        </p:spPr>
-        <p:style>
-          <a:lnRef idx="2">
-            <a:schemeClr val="accent1">
-              <a:shade val="50000"/>
-            </a:schemeClr>
-          </a:lnRef>
-          <a:fillRef idx="1">
-            <a:schemeClr val="accent1"/>
-          </a:fillRef>
-          <a:effectRef idx="0">
-            <a:schemeClr val="accent1"/>
-          </a:effectRef>
-          <a:fontRef idx="minor">
-            <a:schemeClr val="lt1"/>
-          </a:fontRef>
-        </p:style>
-        <p:txBody>
-          <a:bodyPr rot="0" spcFirstLastPara="0" vertOverflow="overflow" horzOverflow="overflow" vert="horz" wrap="square" lIns="91440" tIns="45720" rIns="91440" bIns="45720" numCol="1" spcCol="0" rtlCol="0" fromWordArt="0" anchor="ctr" anchorCtr="0" forceAA="0" compatLnSpc="1">
-            <a:prstTxWarp prst="textNoShape">
-              <a:avLst/>
-            </a:prstTxWarp>
-            <a:noAutofit/>
-          </a:bodyPr>
-          <a:lstStyle/>
-          <a:p>
-            <a:pPr algn="ctr"/>
-            <a:endParaRPr lang="ru-RU"/>
-          </a:p>
-        </p:txBody>
-      </p:sp>
-      <p:cxnSp>
-        <p:nvCxnSpPr>
-          <p:cNvPr id="17" name="Прямая со стрелкой 16"/>
-          <p:cNvCxnSpPr>
-            <a:stCxn id="16" idx="7"/>
-          </p:cNvCxnSpPr>
-          <p:nvPr/>
-        </p:nvCxnSpPr>
-        <p:spPr>
-          <a:xfrm flipV="1">
-            <a:off x="3791344" y="5404050"/>
-            <a:ext cx="706754" cy="821175"/>
-          </a:xfrm>
-          <a:prstGeom prst="straightConnector1">
-            <a:avLst/>
-          </a:prstGeom>
-          <a:ln>
-            <a:prstDash val="sysDash"/>
-            <a:tailEnd type="triangle"/>
-          </a:ln>
-        </p:spPr>
-        <p:style>
-          <a:lnRef idx="1">
-            <a:schemeClr val="accent1"/>
-          </a:lnRef>
-          <a:fillRef idx="0">
-            <a:schemeClr val="accent1"/>
-          </a:fillRef>
-          <a:effectRef idx="0">
-            <a:schemeClr val="accent1"/>
-          </a:effectRef>
-          <a:fontRef idx="minor">
-            <a:schemeClr val="tx1"/>
-          </a:fontRef>
-        </p:style>
-      </p:cxnSp>
-      <p:sp>
-        <p:nvSpPr>
-          <p:cNvPr id="18" name="TextBox 17"/>
-          <p:cNvSpPr txBox="1"/>
-          <p:nvPr/>
-        </p:nvSpPr>
-        <p:spPr>
-          <a:xfrm>
-            <a:off x="4232828" y="6440068"/>
-            <a:ext cx="4165762" cy="430887"/>
-          </a:xfrm>
-          <a:prstGeom prst="rect">
-            <a:avLst/>
-          </a:prstGeom>
-          <a:noFill/>
-        </p:spPr>
-        <p:txBody>
-          <a:bodyPr wrap="square" rtlCol="0">
-            <a:spAutoFit/>
-          </a:bodyPr>
-          <a:lstStyle/>
-          <a:p>
-            <a:r>
-              <a:rPr lang="ru-RU" sz="1100" dirty="0" smtClean="0">
-                <a:solidFill>
-                  <a:schemeClr val="accent1">
-                    <a:lumMod val="75000"/>
-                  </a:schemeClr>
-                </a:solidFill>
-              </a:rPr>
-              <a:t>Тап обозначается «вспыхиванием» квадрата </a:t>
-            </a:r>
-            <a:r>
-              <a:rPr lang="en-GB" sz="1100" dirty="0" smtClean="0">
-                <a:solidFill>
-                  <a:schemeClr val="accent1">
-                    <a:lumMod val="75000"/>
-                  </a:schemeClr>
-                </a:solidFill>
-              </a:rPr>
-              <a:t>48x48dp</a:t>
-            </a:r>
-            <a:r>
-              <a:rPr lang="ru-RU" sz="1100" dirty="0" smtClean="0">
-                <a:solidFill>
-                  <a:schemeClr val="accent1">
-                    <a:lumMod val="75000"/>
-                  </a:schemeClr>
-                </a:solidFill>
-              </a:rPr>
-              <a:t> с </a:t>
-            </a:r>
-            <a:r>
-              <a:rPr lang="en-GB" sz="1100" dirty="0" smtClean="0">
-                <a:solidFill>
-                  <a:schemeClr val="accent1">
-                    <a:lumMod val="75000"/>
-                  </a:schemeClr>
-                </a:solidFill>
-              </a:rPr>
-              <a:t>corner 2dp </a:t>
-            </a:r>
-            <a:r>
-              <a:rPr lang="ru-RU" sz="1100" dirty="0" smtClean="0">
-                <a:solidFill>
-                  <a:schemeClr val="accent1">
-                    <a:lumMod val="75000"/>
-                  </a:schemeClr>
-                </a:solidFill>
-              </a:rPr>
-              <a:t>цвет: </a:t>
-            </a:r>
-            <a:r>
-              <a:rPr lang="en-GB" sz="1100" dirty="0" smtClean="0">
-                <a:solidFill>
-                  <a:schemeClr val="accent1">
-                    <a:lumMod val="75000"/>
-                  </a:schemeClr>
-                </a:solidFill>
-              </a:rPr>
-              <a:t>fill</a:t>
-            </a:r>
-            <a:r>
-              <a:rPr lang="ru-RU" sz="1100" dirty="0" smtClean="0">
-                <a:solidFill>
-                  <a:schemeClr val="accent1">
-                    <a:lumMod val="75000"/>
-                  </a:schemeClr>
-                </a:solidFill>
-              </a:rPr>
-              <a:t> - </a:t>
-            </a:r>
-            <a:r>
-              <a:rPr lang="en-GB" sz="1100" dirty="0" smtClean="0">
-                <a:solidFill>
-                  <a:schemeClr val="accent1">
-                    <a:lumMod val="75000"/>
-                  </a:schemeClr>
-                </a:solidFill>
-              </a:rPr>
-              <a:t>#FF4081</a:t>
-            </a:r>
-            <a:r>
-              <a:rPr lang="en-GB" sz="1100" dirty="0">
-                <a:solidFill>
-                  <a:schemeClr val="accent1">
-                    <a:lumMod val="75000"/>
-                  </a:schemeClr>
-                </a:solidFill>
-              </a:rPr>
-              <a:t>, stroke - #</a:t>
-            </a:r>
-            <a:r>
-              <a:rPr lang="en-GB" sz="1100" dirty="0" smtClean="0">
-                <a:solidFill>
-                  <a:schemeClr val="accent1">
-                    <a:lumMod val="75000"/>
-                  </a:schemeClr>
-                </a:solidFill>
-              </a:rPr>
-              <a:t>C2185B 1dp</a:t>
-            </a:r>
-            <a:r>
-              <a:rPr lang="ru-RU" sz="1100" dirty="0" smtClean="0">
-                <a:solidFill>
-                  <a:schemeClr val="accent1">
-                    <a:lumMod val="75000"/>
-                  </a:schemeClr>
-                </a:solidFill>
-              </a:rPr>
-              <a:t>,</a:t>
-            </a:r>
-            <a:r>
-              <a:rPr lang="en-GB" sz="1100" dirty="0" smtClean="0">
-                <a:solidFill>
-                  <a:schemeClr val="accent1">
-                    <a:lumMod val="75000"/>
-                  </a:schemeClr>
-                </a:solidFill>
-              </a:rPr>
-              <a:t> opacity – 70%</a:t>
-            </a:r>
-            <a:endParaRPr lang="ru-RU" sz="1100" dirty="0">
-              <a:solidFill>
-                <a:schemeClr val="accent1">
-                  <a:lumMod val="75000"/>
-                </a:schemeClr>
-              </a:solidFill>
-            </a:endParaRPr>
-          </a:p>
-        </p:txBody>
-      </p:sp>
-      <p:cxnSp>
-        <p:nvCxnSpPr>
-          <p:cNvPr id="20" name="Прямая со стрелкой 19"/>
-          <p:cNvCxnSpPr>
-            <a:stCxn id="9" idx="5"/>
-          </p:cNvCxnSpPr>
-          <p:nvPr/>
-        </p:nvCxnSpPr>
-        <p:spPr>
-          <a:xfrm>
-            <a:off x="1713062" y="4177932"/>
-            <a:ext cx="1109946" cy="1458057"/>
-          </a:xfrm>
-          <a:prstGeom prst="straightConnector1">
-            <a:avLst/>
-          </a:prstGeom>
-          <a:ln>
-            <a:prstDash val="sysDash"/>
-            <a:tailEnd type="triangle"/>
           </a:ln>
         </p:spPr>
         <p:style>
@@ -12837,7 +15059,7 @@
     </p:spTree>
     <p:extLst>
       <p:ext uri="{BB962C8B-B14F-4D97-AF65-F5344CB8AC3E}">
-        <p14:creationId xmlns:p14="http://schemas.microsoft.com/office/powerpoint/2010/main" val="3598518176"/>
+        <p14:creationId xmlns:p14="http://schemas.microsoft.com/office/powerpoint/2010/main" val="2078687655"/>
       </p:ext>
     </p:extLst>
   </p:cSld>
@@ -12866,7 +15088,7 @@
       </p:grpSpPr>
       <p:pic>
         <p:nvPicPr>
-          <p:cNvPr id="66" name="Рисунок 65"/>
+          <p:cNvPr id="13" name="Рисунок 12"/>
           <p:cNvPicPr>
             <a:picLocks noChangeAspect="1"/>
           </p:cNvPicPr>
@@ -12886,8 +15108,8 @@
         </p:blipFill>
         <p:spPr>
           <a:xfrm>
-            <a:off x="4375021" y="2929035"/>
-            <a:ext cx="1708680" cy="2547101"/>
+            <a:off x="1443321" y="58773"/>
+            <a:ext cx="1897792" cy="3102273"/>
           </a:xfrm>
           <a:prstGeom prst="rect">
             <a:avLst/>
@@ -12901,9 +15123,377 @@
           </a:ln>
         </p:spPr>
       </p:pic>
+      <p:sp>
+        <p:nvSpPr>
+          <p:cNvPr id="2" name="TextBox 1"/>
+          <p:cNvSpPr txBox="1">
+            <a:spLocks noChangeAspect="1"/>
+          </p:cNvSpPr>
+          <p:nvPr/>
+        </p:nvSpPr>
+        <p:spPr>
+          <a:xfrm>
+            <a:off x="86843" y="166267"/>
+            <a:ext cx="3599140" cy="308235"/>
+          </a:xfrm>
+          <a:prstGeom prst="rect">
+            <a:avLst/>
+          </a:prstGeom>
+          <a:noFill/>
+        </p:spPr>
+        <p:txBody>
+          <a:bodyPr wrap="square" rtlCol="0">
+            <a:noAutofit/>
+          </a:bodyPr>
+          <a:lstStyle/>
+          <a:p>
+            <a:r>
+              <a:rPr lang="ru-RU" sz="1500" b="1" u="sng" dirty="0" smtClean="0">
+                <a:solidFill>
+                  <a:schemeClr val="accent5"/>
+                </a:solidFill>
+              </a:rPr>
+              <a:t>Уведомления</a:t>
+            </a:r>
+            <a:endParaRPr lang="ru-RU" sz="1500" b="1" u="sng" dirty="0">
+              <a:solidFill>
+                <a:schemeClr val="accent5"/>
+              </a:solidFill>
+            </a:endParaRPr>
+          </a:p>
+        </p:txBody>
+      </p:sp>
+      <p:sp>
+        <p:nvSpPr>
+          <p:cNvPr id="4" name="Овал 3"/>
+          <p:cNvSpPr/>
+          <p:nvPr/>
+        </p:nvSpPr>
+        <p:spPr>
+          <a:xfrm>
+            <a:off x="1991715" y="2300028"/>
+            <a:ext cx="377768" cy="378823"/>
+          </a:xfrm>
+          <a:prstGeom prst="ellipse">
+            <a:avLst/>
+          </a:prstGeom>
+          <a:solidFill>
+            <a:schemeClr val="accent1">
+              <a:alpha val="50000"/>
+            </a:schemeClr>
+          </a:solidFill>
+          <a:ln>
+            <a:solidFill>
+              <a:schemeClr val="accent1"/>
+            </a:solidFill>
+          </a:ln>
+        </p:spPr>
+        <p:style>
+          <a:lnRef idx="2">
+            <a:schemeClr val="accent1">
+              <a:shade val="50000"/>
+            </a:schemeClr>
+          </a:lnRef>
+          <a:fillRef idx="1">
+            <a:schemeClr val="accent1"/>
+          </a:fillRef>
+          <a:effectRef idx="0">
+            <a:schemeClr val="accent1"/>
+          </a:effectRef>
+          <a:fontRef idx="minor">
+            <a:schemeClr val="lt1"/>
+          </a:fontRef>
+        </p:style>
+        <p:txBody>
+          <a:bodyPr rot="0" spcFirstLastPara="0" vertOverflow="overflow" horzOverflow="overflow" vert="horz" wrap="square" lIns="91440" tIns="45720" rIns="91440" bIns="45720" numCol="1" spcCol="0" rtlCol="0" fromWordArt="0" anchor="ctr" anchorCtr="0" forceAA="0" compatLnSpc="1">
+            <a:prstTxWarp prst="textNoShape">
+              <a:avLst/>
+            </a:prstTxWarp>
+            <a:noAutofit/>
+          </a:bodyPr>
+          <a:lstStyle/>
+          <a:p>
+            <a:pPr algn="ctr"/>
+            <a:endParaRPr lang="ru-RU"/>
+          </a:p>
+        </p:txBody>
+      </p:sp>
+      <p:cxnSp>
+        <p:nvCxnSpPr>
+          <p:cNvPr id="5" name="Прямая со стрелкой 4"/>
+          <p:cNvCxnSpPr>
+            <a:stCxn id="4" idx="7"/>
+          </p:cNvCxnSpPr>
+          <p:nvPr/>
+        </p:nvCxnSpPr>
+        <p:spPr>
+          <a:xfrm flipV="1">
+            <a:off x="2314160" y="1728442"/>
+            <a:ext cx="1203269" cy="627063"/>
+          </a:xfrm>
+          <a:prstGeom prst="straightConnector1">
+            <a:avLst/>
+          </a:prstGeom>
+          <a:ln>
+            <a:prstDash val="sysDash"/>
+            <a:tailEnd type="triangle"/>
+          </a:ln>
+        </p:spPr>
+        <p:style>
+          <a:lnRef idx="1">
+            <a:schemeClr val="accent1"/>
+          </a:lnRef>
+          <a:fillRef idx="0">
+            <a:schemeClr val="accent1"/>
+          </a:fillRef>
+          <a:effectRef idx="0">
+            <a:schemeClr val="accent1"/>
+          </a:effectRef>
+          <a:fontRef idx="minor">
+            <a:schemeClr val="tx1"/>
+          </a:fontRef>
+        </p:style>
+      </p:cxnSp>
+      <p:sp>
+        <p:nvSpPr>
+          <p:cNvPr id="6" name="TextBox 5"/>
+          <p:cNvSpPr txBox="1"/>
+          <p:nvPr/>
+        </p:nvSpPr>
+        <p:spPr>
+          <a:xfrm>
+            <a:off x="5986233" y="612845"/>
+            <a:ext cx="3157377" cy="938719"/>
+          </a:xfrm>
+          <a:prstGeom prst="rect">
+            <a:avLst/>
+          </a:prstGeom>
+          <a:noFill/>
+        </p:spPr>
+        <p:txBody>
+          <a:bodyPr wrap="square" rtlCol="0">
+            <a:spAutoFit/>
+          </a:bodyPr>
+          <a:lstStyle/>
+          <a:p>
+            <a:r>
+              <a:rPr lang="ru-RU" sz="1100" dirty="0" smtClean="0">
+                <a:solidFill>
+                  <a:schemeClr val="accent1">
+                    <a:lumMod val="75000"/>
+                  </a:schemeClr>
+                </a:solidFill>
+              </a:rPr>
+              <a:t>Категории уведомлений:</a:t>
+            </a:r>
+          </a:p>
+          <a:p>
+            <a:pPr marL="171450" indent="-171450">
+              <a:buFontTx/>
+              <a:buChar char="-"/>
+            </a:pPr>
+            <a:r>
+              <a:rPr lang="ru-RU" sz="1100" dirty="0" smtClean="0">
+                <a:solidFill>
+                  <a:schemeClr val="accent1">
+                    <a:lumMod val="75000"/>
+                  </a:schemeClr>
+                </a:solidFill>
+              </a:rPr>
+              <a:t>Не выключены фары</a:t>
+            </a:r>
+            <a:r>
+              <a:rPr lang="en-GB" sz="1100" dirty="0" smtClean="0">
+                <a:solidFill>
+                  <a:schemeClr val="accent1">
+                    <a:lumMod val="75000"/>
+                  </a:schemeClr>
+                </a:solidFill>
+              </a:rPr>
+              <a:t> (</a:t>
+            </a:r>
+            <a:r>
+              <a:rPr lang="en-GB" sz="1100" dirty="0" err="1" smtClean="0">
+                <a:solidFill>
+                  <a:schemeClr val="accent1">
+                    <a:lumMod val="75000"/>
+                  </a:schemeClr>
+                </a:solidFill>
+              </a:rPr>
+              <a:t>ic_phara</a:t>
+            </a:r>
+            <a:r>
+              <a:rPr lang="en-GB" sz="1100" dirty="0" smtClean="0">
+                <a:solidFill>
+                  <a:schemeClr val="accent1">
+                    <a:lumMod val="75000"/>
+                  </a:schemeClr>
+                </a:solidFill>
+              </a:rPr>
+              <a:t>)</a:t>
+            </a:r>
+            <a:endParaRPr lang="ru-RU" sz="1100" dirty="0" smtClean="0">
+              <a:solidFill>
+                <a:schemeClr val="accent1">
+                  <a:lumMod val="75000"/>
+                </a:schemeClr>
+              </a:solidFill>
+            </a:endParaRPr>
+          </a:p>
+          <a:p>
+            <a:pPr marL="171450" indent="-171450">
+              <a:buFontTx/>
+              <a:buChar char="-"/>
+            </a:pPr>
+            <a:r>
+              <a:rPr lang="ru-RU" sz="1100" dirty="0" smtClean="0">
+                <a:solidFill>
+                  <a:schemeClr val="accent1">
+                    <a:lumMod val="75000"/>
+                  </a:schemeClr>
+                </a:solidFill>
+              </a:rPr>
+              <a:t>Не закрыта машина (</a:t>
+            </a:r>
+            <a:r>
+              <a:rPr lang="en-GB" sz="1100" dirty="0" err="1" smtClean="0">
+                <a:solidFill>
+                  <a:schemeClr val="accent1">
+                    <a:lumMod val="75000"/>
+                  </a:schemeClr>
+                </a:solidFill>
+              </a:rPr>
+              <a:t>ic_key</a:t>
+            </a:r>
+            <a:r>
+              <a:rPr lang="en-GB" sz="1100" dirty="0" smtClean="0">
+                <a:solidFill>
+                  <a:schemeClr val="accent1">
+                    <a:lumMod val="75000"/>
+                  </a:schemeClr>
+                </a:solidFill>
+              </a:rPr>
+              <a:t>)</a:t>
+            </a:r>
+            <a:endParaRPr lang="ru-RU" sz="1100" dirty="0" smtClean="0">
+              <a:solidFill>
+                <a:schemeClr val="accent1">
+                  <a:lumMod val="75000"/>
+                </a:schemeClr>
+              </a:solidFill>
+            </a:endParaRPr>
+          </a:p>
+          <a:p>
+            <a:pPr marL="171450" indent="-171450">
+              <a:buFontTx/>
+              <a:buChar char="-"/>
+            </a:pPr>
+            <a:r>
+              <a:rPr lang="ru-RU" sz="1100" dirty="0" smtClean="0">
+                <a:solidFill>
+                  <a:schemeClr val="accent1">
+                    <a:lumMod val="75000"/>
+                  </a:schemeClr>
+                </a:solidFill>
+              </a:rPr>
+              <a:t>Эвакуация</a:t>
+            </a:r>
+            <a:r>
+              <a:rPr lang="en-GB" sz="1100" dirty="0" smtClean="0">
+                <a:solidFill>
+                  <a:schemeClr val="accent1">
+                    <a:lumMod val="75000"/>
+                  </a:schemeClr>
+                </a:solidFill>
+              </a:rPr>
+              <a:t> (</a:t>
+            </a:r>
+            <a:r>
+              <a:rPr lang="en-GB" sz="1100" dirty="0" err="1" smtClean="0">
+                <a:solidFill>
+                  <a:schemeClr val="accent1">
+                    <a:lumMod val="75000"/>
+                  </a:schemeClr>
+                </a:solidFill>
+              </a:rPr>
+              <a:t>ic_evacution</a:t>
+            </a:r>
+            <a:r>
+              <a:rPr lang="en-GB" sz="1100" dirty="0" smtClean="0">
+                <a:solidFill>
+                  <a:schemeClr val="accent1">
+                    <a:lumMod val="75000"/>
+                  </a:schemeClr>
+                </a:solidFill>
+              </a:rPr>
+              <a:t>)</a:t>
+            </a:r>
+            <a:endParaRPr lang="ru-RU" sz="1100" dirty="0" smtClean="0">
+              <a:solidFill>
+                <a:schemeClr val="accent1">
+                  <a:lumMod val="75000"/>
+                </a:schemeClr>
+              </a:solidFill>
+            </a:endParaRPr>
+          </a:p>
+          <a:p>
+            <a:pPr marL="171450" indent="-171450">
+              <a:buFontTx/>
+              <a:buChar char="-"/>
+            </a:pPr>
+            <a:r>
+              <a:rPr lang="ru-RU" sz="1100" dirty="0" smtClean="0">
+                <a:solidFill>
+                  <a:schemeClr val="accent1">
+                    <a:lumMod val="75000"/>
+                  </a:schemeClr>
+                </a:solidFill>
+              </a:rPr>
+              <a:t>Удар</a:t>
+            </a:r>
+            <a:r>
+              <a:rPr lang="en-GB" sz="1100" dirty="0" smtClean="0">
+                <a:solidFill>
+                  <a:schemeClr val="accent1">
+                    <a:lumMod val="75000"/>
+                  </a:schemeClr>
+                </a:solidFill>
+              </a:rPr>
+              <a:t> (</a:t>
+            </a:r>
+            <a:r>
+              <a:rPr lang="en-GB" sz="1100" dirty="0" err="1" smtClean="0">
+                <a:solidFill>
+                  <a:schemeClr val="accent1">
+                    <a:lumMod val="75000"/>
+                  </a:schemeClr>
+                </a:solidFill>
+              </a:rPr>
+              <a:t>ic_hint</a:t>
+            </a:r>
+            <a:r>
+              <a:rPr lang="en-GB" sz="1100" dirty="0" smtClean="0">
+                <a:solidFill>
+                  <a:schemeClr val="accent1">
+                    <a:lumMod val="75000"/>
+                  </a:schemeClr>
+                </a:solidFill>
+              </a:rPr>
+              <a:t>)</a:t>
+            </a:r>
+            <a:endParaRPr lang="ru-RU" sz="1100" dirty="0" smtClean="0">
+              <a:solidFill>
+                <a:schemeClr val="accent1">
+                  <a:lumMod val="75000"/>
+                </a:schemeClr>
+              </a:solidFill>
+            </a:endParaRPr>
+          </a:p>
+        </p:txBody>
+      </p:sp>
       <p:pic>
         <p:nvPicPr>
-          <p:cNvPr id="62" name="Рисунок 61"/>
+          <p:cNvPr id="7" name="Рисунок 6"/>
           <p:cNvPicPr>
             <a:picLocks noChangeAspect="1"/>
           </p:cNvPicPr>
@@ -12923,8 +15513,8 @@
         </p:blipFill>
         <p:spPr>
           <a:xfrm>
-            <a:off x="2532133" y="3908830"/>
-            <a:ext cx="1716888" cy="2548837"/>
+            <a:off x="5304934" y="3417646"/>
+            <a:ext cx="2155232" cy="3212768"/>
           </a:xfrm>
           <a:prstGeom prst="rect">
             <a:avLst/>
@@ -12940,7 +15530,7 @@
       </p:pic>
       <p:pic>
         <p:nvPicPr>
-          <p:cNvPr id="59" name="Рисунок 58"/>
+          <p:cNvPr id="8" name="Рисунок 7"/>
           <p:cNvPicPr>
             <a:picLocks noChangeAspect="1"/>
           </p:cNvPicPr>
@@ -12960,8 +15550,8 @@
         </p:blipFill>
         <p:spPr>
           <a:xfrm>
-            <a:off x="2033053" y="2806331"/>
-            <a:ext cx="1736371" cy="2577761"/>
+            <a:off x="3685983" y="58773"/>
+            <a:ext cx="2155232" cy="3222777"/>
           </a:xfrm>
           <a:prstGeom prst="rect">
             <a:avLst/>
@@ -12977,7 +15567,7 @@
       </p:pic>
       <p:pic>
         <p:nvPicPr>
-          <p:cNvPr id="33" name="Рисунок 32"/>
+          <p:cNvPr id="9" name="Рисунок 8"/>
           <p:cNvPicPr>
             <a:picLocks noChangeAspect="1"/>
           </p:cNvPicPr>
@@ -12997,8 +15587,8 @@
         </p:blipFill>
         <p:spPr>
           <a:xfrm>
-            <a:off x="2033053" y="114311"/>
-            <a:ext cx="1705128" cy="2547101"/>
+            <a:off x="237819" y="3417646"/>
+            <a:ext cx="2148539" cy="3212768"/>
           </a:xfrm>
           <a:prstGeom prst="rect">
             <a:avLst/>
@@ -13012,57 +15602,9 @@
           </a:ln>
         </p:spPr>
       </p:pic>
-      <p:sp>
-        <p:nvSpPr>
-          <p:cNvPr id="2" name="TextBox 1"/>
-          <p:cNvSpPr txBox="1">
-            <a:spLocks noChangeAspect="1"/>
-          </p:cNvSpPr>
-          <p:nvPr/>
-        </p:nvSpPr>
-        <p:spPr>
-          <a:xfrm>
-            <a:off x="185918" y="83651"/>
-            <a:ext cx="3599140" cy="308235"/>
-          </a:xfrm>
-          <a:prstGeom prst="rect">
-            <a:avLst/>
-          </a:prstGeom>
-          <a:noFill/>
-        </p:spPr>
-        <p:txBody>
-          <a:bodyPr wrap="square" rtlCol="0">
-            <a:noAutofit/>
-          </a:bodyPr>
-          <a:lstStyle/>
-          <a:p>
-            <a:r>
-              <a:rPr lang="ru-RU" sz="1500" b="1" u="sng" dirty="0" smtClean="0">
-                <a:solidFill>
-                  <a:schemeClr val="accent5"/>
-                </a:solidFill>
-              </a:rPr>
-              <a:t>Карта – </a:t>
-            </a:r>
-            <a:r>
-              <a:rPr lang="en-GB" sz="1500" b="1" u="sng" dirty="0" smtClean="0">
-                <a:solidFill>
-                  <a:schemeClr val="accent5"/>
-                </a:solidFill>
-              </a:rPr>
-              <a:t>Service Info</a:t>
-            </a:r>
-            <a:endParaRPr lang="ru-RU" sz="1500" b="1" u="sng" dirty="0">
-              <a:solidFill>
-                <a:schemeClr val="accent5"/>
-              </a:solidFill>
-            </a:endParaRPr>
-          </a:p>
-        </p:txBody>
-      </p:sp>
       <p:pic>
         <p:nvPicPr>
-          <p:cNvPr id="4" name="Рисунок 3"/>
+          <p:cNvPr id="10" name="Рисунок 9"/>
           <p:cNvPicPr>
             <a:picLocks noChangeAspect="1"/>
           </p:cNvPicPr>
@@ -13082,8 +15624,8 @@
         </p:blipFill>
         <p:spPr>
           <a:xfrm>
-            <a:off x="94913" y="1956678"/>
-            <a:ext cx="1705128" cy="2547101"/>
+            <a:off x="2768029" y="3412641"/>
+            <a:ext cx="2155233" cy="3222777"/>
           </a:xfrm>
           <a:prstGeom prst="rect">
             <a:avLst/>
@@ -13099,465 +15641,14 @@
       </p:pic>
       <p:sp>
         <p:nvSpPr>
-          <p:cNvPr id="7" name="Овал 6"/>
-          <p:cNvSpPr/>
+          <p:cNvPr id="11" name="TextBox 10"/>
+          <p:cNvSpPr txBox="1"/>
           <p:nvPr/>
         </p:nvSpPr>
         <p:spPr>
           <a:xfrm>
-            <a:off x="759691" y="2929035"/>
-            <a:ext cx="377768" cy="378823"/>
-          </a:xfrm>
-          <a:prstGeom prst="ellipse">
-            <a:avLst/>
-          </a:prstGeom>
-          <a:solidFill>
-            <a:schemeClr val="accent1">
-              <a:alpha val="50000"/>
-            </a:schemeClr>
-          </a:solidFill>
-          <a:ln>
-            <a:solidFill>
-              <a:schemeClr val="accent1"/>
-            </a:solidFill>
-          </a:ln>
-        </p:spPr>
-        <p:style>
-          <a:lnRef idx="2">
-            <a:schemeClr val="accent1">
-              <a:shade val="50000"/>
-            </a:schemeClr>
-          </a:lnRef>
-          <a:fillRef idx="1">
-            <a:schemeClr val="accent1"/>
-          </a:fillRef>
-          <a:effectRef idx="0">
-            <a:schemeClr val="accent1"/>
-          </a:effectRef>
-          <a:fontRef idx="minor">
-            <a:schemeClr val="lt1"/>
-          </a:fontRef>
-        </p:style>
-        <p:txBody>
-          <a:bodyPr rot="0" spcFirstLastPara="0" vertOverflow="overflow" horzOverflow="overflow" vert="horz" wrap="square" lIns="91440" tIns="45720" rIns="91440" bIns="45720" numCol="1" spcCol="0" rtlCol="0" fromWordArt="0" anchor="ctr" anchorCtr="0" forceAA="0" compatLnSpc="1">
-            <a:prstTxWarp prst="textNoShape">
-              <a:avLst/>
-            </a:prstTxWarp>
-            <a:noAutofit/>
-          </a:bodyPr>
-          <a:lstStyle/>
-          <a:p>
-            <a:pPr algn="ctr"/>
-            <a:endParaRPr lang="ru-RU"/>
-          </a:p>
-        </p:txBody>
-      </p:sp>
-      <p:cxnSp>
-        <p:nvCxnSpPr>
-          <p:cNvPr id="8" name="Прямая со стрелкой 7"/>
-          <p:cNvCxnSpPr>
-            <a:stCxn id="7" idx="5"/>
-          </p:cNvCxnSpPr>
-          <p:nvPr/>
-        </p:nvCxnSpPr>
-        <p:spPr>
-          <a:xfrm>
-            <a:off x="1082136" y="3252381"/>
-            <a:ext cx="1095673" cy="1518968"/>
-          </a:xfrm>
-          <a:prstGeom prst="straightConnector1">
-            <a:avLst/>
-          </a:prstGeom>
-          <a:ln>
-            <a:prstDash val="sysDash"/>
-            <a:tailEnd type="triangle"/>
-          </a:ln>
-        </p:spPr>
-        <p:style>
-          <a:lnRef idx="1">
-            <a:schemeClr val="accent1"/>
-          </a:lnRef>
-          <a:fillRef idx="0">
-            <a:schemeClr val="accent1"/>
-          </a:fillRef>
-          <a:effectRef idx="0">
-            <a:schemeClr val="accent1"/>
-          </a:effectRef>
-          <a:fontRef idx="minor">
-            <a:schemeClr val="tx1"/>
-          </a:fontRef>
-        </p:style>
-      </p:cxnSp>
-      <p:grpSp>
-        <p:nvGrpSpPr>
-          <p:cNvPr id="17" name="Группа 16"/>
-          <p:cNvGrpSpPr/>
-          <p:nvPr/>
-        </p:nvGrpSpPr>
-        <p:grpSpPr>
-          <a:xfrm>
-            <a:off x="2886329" y="4503779"/>
-            <a:ext cx="252000" cy="466583"/>
-            <a:chOff x="6911856" y="2091964"/>
-            <a:chExt cx="252000" cy="466583"/>
-          </a:xfrm>
-        </p:grpSpPr>
-        <p:sp>
-          <p:nvSpPr>
-            <p:cNvPr id="15" name="Овал 14"/>
-            <p:cNvSpPr/>
-            <p:nvPr/>
-          </p:nvSpPr>
-          <p:spPr>
-            <a:xfrm>
-              <a:off x="6911856" y="2306547"/>
-              <a:ext cx="252000" cy="252000"/>
-            </a:xfrm>
-            <a:prstGeom prst="ellipse">
-              <a:avLst/>
-            </a:prstGeom>
-            <a:solidFill>
-              <a:schemeClr val="accent1">
-                <a:alpha val="50000"/>
-              </a:schemeClr>
-            </a:solidFill>
-            <a:ln w="38100">
-              <a:solidFill>
-                <a:schemeClr val="accent1"/>
-              </a:solidFill>
-            </a:ln>
-          </p:spPr>
-          <p:style>
-            <a:lnRef idx="2">
-              <a:schemeClr val="accent1">
-                <a:shade val="50000"/>
-              </a:schemeClr>
-            </a:lnRef>
-            <a:fillRef idx="1">
-              <a:schemeClr val="accent1"/>
-            </a:fillRef>
-            <a:effectRef idx="0">
-              <a:schemeClr val="accent1"/>
-            </a:effectRef>
-            <a:fontRef idx="minor">
-              <a:schemeClr val="lt1"/>
-            </a:fontRef>
-          </p:style>
-          <p:txBody>
-            <a:bodyPr rot="0" spcFirstLastPara="0" vertOverflow="overflow" horzOverflow="overflow" vert="horz" wrap="square" lIns="91440" tIns="45720" rIns="91440" bIns="45720" numCol="1" spcCol="0" rtlCol="0" fromWordArt="0" anchor="ctr" anchorCtr="0" forceAA="0" compatLnSpc="1">
-              <a:prstTxWarp prst="textNoShape">
-                <a:avLst/>
-              </a:prstTxWarp>
-              <a:noAutofit/>
-            </a:bodyPr>
-            <a:lstStyle/>
-            <a:p>
-              <a:pPr algn="ctr"/>
-              <a:endParaRPr lang="ru-RU"/>
-            </a:p>
-          </p:txBody>
-        </p:sp>
-        <p:cxnSp>
-          <p:nvCxnSpPr>
-            <p:cNvPr id="16" name="Прямая со стрелкой 15"/>
-            <p:cNvCxnSpPr>
-              <a:stCxn id="15" idx="0"/>
-            </p:cNvCxnSpPr>
-            <p:nvPr/>
-          </p:nvCxnSpPr>
-          <p:spPr>
-            <a:xfrm flipV="1">
-              <a:off x="7037856" y="2091964"/>
-              <a:ext cx="0" cy="214583"/>
-            </a:xfrm>
-            <a:prstGeom prst="straightConnector1">
-              <a:avLst/>
-            </a:prstGeom>
-            <a:ln w="28575">
-              <a:tailEnd type="triangle"/>
-            </a:ln>
-          </p:spPr>
-          <p:style>
-            <a:lnRef idx="1">
-              <a:schemeClr val="accent1"/>
-            </a:lnRef>
-            <a:fillRef idx="0">
-              <a:schemeClr val="accent1"/>
-            </a:fillRef>
-            <a:effectRef idx="0">
-              <a:schemeClr val="accent1"/>
-            </a:effectRef>
-            <a:fontRef idx="minor">
-              <a:schemeClr val="tx1"/>
-            </a:fontRef>
-          </p:style>
-        </p:cxnSp>
-      </p:grpSp>
-      <p:sp>
-        <p:nvSpPr>
-          <p:cNvPr id="34" name="Овал 33"/>
-          <p:cNvSpPr/>
-          <p:nvPr/>
-        </p:nvSpPr>
-        <p:spPr>
-          <a:xfrm>
-            <a:off x="1425340" y="2049192"/>
-            <a:ext cx="377768" cy="378823"/>
-          </a:xfrm>
-          <a:prstGeom prst="ellipse">
-            <a:avLst/>
-          </a:prstGeom>
-          <a:solidFill>
-            <a:schemeClr val="accent1">
-              <a:alpha val="50000"/>
-            </a:schemeClr>
-          </a:solidFill>
-          <a:ln>
-            <a:solidFill>
-              <a:schemeClr val="accent1"/>
-            </a:solidFill>
-          </a:ln>
-        </p:spPr>
-        <p:style>
-          <a:lnRef idx="2">
-            <a:schemeClr val="accent1">
-              <a:shade val="50000"/>
-            </a:schemeClr>
-          </a:lnRef>
-          <a:fillRef idx="1">
-            <a:schemeClr val="accent1"/>
-          </a:fillRef>
-          <a:effectRef idx="0">
-            <a:schemeClr val="accent1"/>
-          </a:effectRef>
-          <a:fontRef idx="minor">
-            <a:schemeClr val="lt1"/>
-          </a:fontRef>
-        </p:style>
-        <p:txBody>
-          <a:bodyPr rot="0" spcFirstLastPara="0" vertOverflow="overflow" horzOverflow="overflow" vert="horz" wrap="square" lIns="91440" tIns="45720" rIns="91440" bIns="45720" numCol="1" spcCol="0" rtlCol="0" fromWordArt="0" anchor="ctr" anchorCtr="0" forceAA="0" compatLnSpc="1">
-            <a:prstTxWarp prst="textNoShape">
-              <a:avLst/>
-            </a:prstTxWarp>
-            <a:noAutofit/>
-          </a:bodyPr>
-          <a:lstStyle/>
-          <a:p>
-            <a:pPr algn="ctr"/>
-            <a:endParaRPr lang="ru-RU"/>
-          </a:p>
-        </p:txBody>
-      </p:sp>
-      <p:cxnSp>
-        <p:nvCxnSpPr>
-          <p:cNvPr id="35" name="Прямая со стрелкой 34"/>
-          <p:cNvCxnSpPr>
-            <a:stCxn id="34" idx="7"/>
-          </p:cNvCxnSpPr>
-          <p:nvPr/>
-        </p:nvCxnSpPr>
-        <p:spPr>
-          <a:xfrm flipV="1">
-            <a:off x="1747785" y="590298"/>
-            <a:ext cx="1003173" cy="1514371"/>
-          </a:xfrm>
-          <a:prstGeom prst="straightConnector1">
-            <a:avLst/>
-          </a:prstGeom>
-          <a:ln>
-            <a:prstDash val="sysDash"/>
-            <a:tailEnd type="triangle"/>
-          </a:ln>
-        </p:spPr>
-        <p:style>
-          <a:lnRef idx="1">
-            <a:schemeClr val="accent1"/>
-          </a:lnRef>
-          <a:fillRef idx="0">
-            <a:schemeClr val="accent1"/>
-          </a:fillRef>
-          <a:effectRef idx="0">
-            <a:schemeClr val="accent1"/>
-          </a:effectRef>
-          <a:fontRef idx="minor">
-            <a:schemeClr val="tx1"/>
-          </a:fontRef>
-        </p:style>
-      </p:cxnSp>
-      <p:cxnSp>
-        <p:nvCxnSpPr>
-          <p:cNvPr id="44" name="Прямая со стрелкой 43"/>
-          <p:cNvCxnSpPr>
-            <a:stCxn id="15" idx="6"/>
-          </p:cNvCxnSpPr>
-          <p:nvPr/>
-        </p:nvCxnSpPr>
-        <p:spPr>
-          <a:xfrm flipV="1">
-            <a:off x="3138329" y="3747041"/>
-            <a:ext cx="1236692" cy="1097321"/>
-          </a:xfrm>
-          <a:prstGeom prst="straightConnector1">
-            <a:avLst/>
-          </a:prstGeom>
-          <a:ln>
-            <a:prstDash val="sysDash"/>
-            <a:tailEnd type="triangle"/>
-          </a:ln>
-        </p:spPr>
-        <p:style>
-          <a:lnRef idx="1">
-            <a:schemeClr val="accent1"/>
-          </a:lnRef>
-          <a:fillRef idx="0">
-            <a:schemeClr val="accent1"/>
-          </a:fillRef>
-          <a:effectRef idx="0">
-            <a:schemeClr val="accent1"/>
-          </a:effectRef>
-          <a:fontRef idx="minor">
-            <a:schemeClr val="tx1"/>
-          </a:fontRef>
-        </p:style>
-      </p:cxnSp>
-      <p:pic>
-        <p:nvPicPr>
-          <p:cNvPr id="48" name="Рисунок 47"/>
-          <p:cNvPicPr>
-            <a:picLocks noChangeAspect="1"/>
-          </p:cNvPicPr>
-          <p:nvPr/>
-        </p:nvPicPr>
-        <p:blipFill>
-          <a:blip r:embed="rId7">
-            <a:extLst>
-              <a:ext uri="{28A0092B-C50C-407E-A947-70E740481C1C}">
-                <a14:useLocalDpi xmlns:a14="http://schemas.microsoft.com/office/drawing/2010/main" val="0"/>
-              </a:ext>
-            </a:extLst>
-          </a:blip>
-          <a:stretch>
-            <a:fillRect/>
-          </a:stretch>
-        </p:blipFill>
-        <p:spPr>
-          <a:xfrm>
-            <a:off x="3871920" y="237768"/>
-            <a:ext cx="1713396" cy="2559452"/>
-          </a:xfrm>
-          <a:prstGeom prst="rect">
-            <a:avLst/>
-          </a:prstGeom>
-          <a:ln>
-            <a:solidFill>
-              <a:schemeClr val="bg1">
-                <a:lumMod val="75000"/>
-              </a:schemeClr>
-            </a:solidFill>
-          </a:ln>
-        </p:spPr>
-      </p:pic>
-      <p:sp>
-        <p:nvSpPr>
-          <p:cNvPr id="49" name="Овал 48"/>
-          <p:cNvSpPr/>
-          <p:nvPr/>
-        </p:nvSpPr>
-        <p:spPr>
-          <a:xfrm>
-            <a:off x="1411122" y="3174602"/>
-            <a:ext cx="377768" cy="378823"/>
-          </a:xfrm>
-          <a:prstGeom prst="ellipse">
-            <a:avLst/>
-          </a:prstGeom>
-          <a:solidFill>
-            <a:schemeClr val="accent1">
-              <a:alpha val="50000"/>
-            </a:schemeClr>
-          </a:solidFill>
-          <a:ln>
-            <a:solidFill>
-              <a:schemeClr val="accent1"/>
-            </a:solidFill>
-          </a:ln>
-        </p:spPr>
-        <p:style>
-          <a:lnRef idx="2">
-            <a:schemeClr val="accent1">
-              <a:shade val="50000"/>
-            </a:schemeClr>
-          </a:lnRef>
-          <a:fillRef idx="1">
-            <a:schemeClr val="accent1"/>
-          </a:fillRef>
-          <a:effectRef idx="0">
-            <a:schemeClr val="accent1"/>
-          </a:effectRef>
-          <a:fontRef idx="minor">
-            <a:schemeClr val="lt1"/>
-          </a:fontRef>
-        </p:style>
-        <p:txBody>
-          <a:bodyPr rot="0" spcFirstLastPara="0" vertOverflow="overflow" horzOverflow="overflow" vert="horz" wrap="square" lIns="91440" tIns="45720" rIns="91440" bIns="45720" numCol="1" spcCol="0" rtlCol="0" fromWordArt="0" anchor="ctr" anchorCtr="0" forceAA="0" compatLnSpc="1">
-            <a:prstTxWarp prst="textNoShape">
-              <a:avLst/>
-            </a:prstTxWarp>
-            <a:noAutofit/>
-          </a:bodyPr>
-          <a:lstStyle/>
-          <a:p>
-            <a:pPr algn="ctr"/>
-            <a:endParaRPr lang="ru-RU"/>
-          </a:p>
-        </p:txBody>
-      </p:sp>
-      <p:cxnSp>
-        <p:nvCxnSpPr>
-          <p:cNvPr id="50" name="Прямая со стрелкой 49"/>
-          <p:cNvCxnSpPr>
-            <a:stCxn id="49" idx="6"/>
-          </p:cNvCxnSpPr>
-          <p:nvPr/>
-        </p:nvCxnSpPr>
-        <p:spPr>
-          <a:xfrm flipV="1">
-            <a:off x="1788890" y="936702"/>
-            <a:ext cx="2939728" cy="2427312"/>
-          </a:xfrm>
-          <a:prstGeom prst="straightConnector1">
-            <a:avLst/>
-          </a:prstGeom>
-          <a:ln>
-            <a:prstDash val="sysDash"/>
-            <a:tailEnd type="triangle"/>
-          </a:ln>
-        </p:spPr>
-        <p:style>
-          <a:lnRef idx="1">
-            <a:schemeClr val="accent1"/>
-          </a:lnRef>
-          <a:fillRef idx="0">
-            <a:schemeClr val="accent1"/>
-          </a:fillRef>
-          <a:effectRef idx="0">
-            <a:schemeClr val="accent1"/>
-          </a:effectRef>
-          <a:fontRef idx="minor">
-            <a:schemeClr val="tx1"/>
-          </a:fontRef>
-        </p:style>
-      </p:cxnSp>
-      <p:sp>
-        <p:nvSpPr>
-          <p:cNvPr id="53" name="TextBox 52"/>
-          <p:cNvSpPr txBox="1"/>
-          <p:nvPr/>
-        </p:nvSpPr>
-        <p:spPr>
-          <a:xfrm>
-            <a:off x="5681522" y="936702"/>
-            <a:ext cx="2738082" cy="938719"/>
+            <a:off x="5986232" y="1886145"/>
+            <a:ext cx="3157377" cy="1107996"/>
           </a:xfrm>
           <a:prstGeom prst="rect">
             <a:avLst/>
@@ -13570,6 +15661,10 @@
           </a:bodyPr>
           <a:lstStyle/>
           <a:p>
+            <a:pPr marL="171450" indent="-171450">
+              <a:buFont typeface="Wingdings" panose="05000000000000000000" pitchFamily="2" charset="2"/>
+              <a:buChar char="§"/>
+            </a:pPr>
             <a:r>
               <a:rPr lang="ru-RU" sz="1100" dirty="0" smtClean="0">
                 <a:solidFill>
@@ -13578,18 +15673,14 @@
                   </a:schemeClr>
                 </a:solidFill>
               </a:rPr>
-              <a:t>Тап на «</a:t>
-            </a:r>
-            <a:r>
-              <a:rPr lang="en-GB" sz="1100" dirty="0" err="1" smtClean="0">
-                <a:solidFill>
-                  <a:schemeClr val="accent1">
-                    <a:lumMod val="75000"/>
-                  </a:schemeClr>
-                </a:solidFill>
-              </a:rPr>
-              <a:t>ic_find_mobile</a:t>
-            </a:r>
+              <a:t>Базовый цвет иконок в списке – серый. </a:t>
+            </a:r>
+          </a:p>
+          <a:p>
+            <a:pPr marL="171450" indent="-171450">
+              <a:buFont typeface="Wingdings" panose="05000000000000000000" pitchFamily="2" charset="2"/>
+              <a:buChar char="§"/>
+            </a:pPr>
             <a:r>
               <a:rPr lang="ru-RU" sz="1100" dirty="0" smtClean="0">
                 <a:solidFill>
@@ -13598,7 +15689,39 @@
                   </a:schemeClr>
                 </a:solidFill>
               </a:rPr>
-              <a:t>» на карте появляется вторая иконка активного цвета с мобильным, после определения координат простраивается маршрут от иконки с мобильным до иконки с </a:t>
+              <a:t>При нажатии на строке уведомления </a:t>
+            </a:r>
+          </a:p>
+          <a:p>
+            <a:pPr marL="628598" lvl="1" indent="-171450">
+              <a:buFont typeface="Wingdings" panose="05000000000000000000" pitchFamily="2" charset="2"/>
+              <a:buChar char="§"/>
+            </a:pPr>
+            <a:r>
+              <a:rPr lang="ru-RU" sz="1100" dirty="0" smtClean="0">
+                <a:solidFill>
+                  <a:schemeClr val="accent1">
+                    <a:lumMod val="75000"/>
+                  </a:schemeClr>
+                </a:solidFill>
+              </a:rPr>
+              <a:t>иконка меняет цвет на акцентный</a:t>
+            </a:r>
+          </a:p>
+          <a:p>
+            <a:pPr marL="628598" lvl="1" indent="-171450">
+              <a:buFont typeface="Wingdings" panose="05000000000000000000" pitchFamily="2" charset="2"/>
+              <a:buChar char="§"/>
+            </a:pPr>
+            <a:r>
+              <a:rPr lang="ru-RU" sz="1100" dirty="0" smtClean="0">
+                <a:solidFill>
+                  <a:schemeClr val="accent1">
+                    <a:lumMod val="75000"/>
+                  </a:schemeClr>
+                </a:solidFill>
+              </a:rPr>
+              <a:t>Строка «раздвигается» появляется </a:t>
             </a:r>
             <a:r>
               <a:rPr lang="ru-RU" sz="1100" dirty="0" err="1" smtClean="0">
@@ -13608,7 +15731,7 @@
                   </a:schemeClr>
                 </a:solidFill>
               </a:rPr>
-              <a:t>КОТом</a:t>
+              <a:t>доп</a:t>
             </a:r>
             <a:r>
               <a:rPr lang="ru-RU" sz="1100" dirty="0" smtClean="0">
@@ -13618,9 +15741,25 @@
                   </a:schemeClr>
                 </a:solidFill>
               </a:rPr>
-              <a:t>.</a:t>
-            </a:r>
-            <a:endParaRPr lang="ru-RU" sz="1100" dirty="0">
+              <a:t> текст уведомления </a:t>
+            </a:r>
+          </a:p>
+          <a:p>
+            <a:pPr marL="171450" indent="-171450">
+              <a:buFont typeface="Wingdings" panose="05000000000000000000" pitchFamily="2" charset="2"/>
+              <a:buChar char="§"/>
+            </a:pPr>
+            <a:r>
+              <a:rPr lang="ru-RU" sz="1100" dirty="0" err="1" smtClean="0">
+                <a:solidFill>
+                  <a:schemeClr val="accent1">
+                    <a:lumMod val="75000"/>
+                  </a:schemeClr>
+                </a:solidFill>
+              </a:rPr>
+              <a:t>ххх</a:t>
+            </a:r>
+            <a:endParaRPr lang="ru-RU" sz="1100" dirty="0" smtClean="0">
               <a:solidFill>
                 <a:schemeClr val="accent1">
                   <a:lumMod val="75000"/>
@@ -13630,255 +15769,24 @@
           </a:p>
         </p:txBody>
       </p:sp>
-      <p:sp>
-        <p:nvSpPr>
-          <p:cNvPr id="64" name="TextBox 63"/>
-          <p:cNvSpPr txBox="1"/>
-          <p:nvPr/>
-        </p:nvSpPr>
-        <p:spPr>
-          <a:xfrm>
-            <a:off x="2532132" y="6510654"/>
-            <a:ext cx="4727311" cy="261610"/>
-          </a:xfrm>
-          <a:prstGeom prst="rect">
-            <a:avLst/>
-          </a:prstGeom>
-          <a:noFill/>
-        </p:spPr>
-        <p:txBody>
-          <a:bodyPr wrap="square" rtlCol="0">
-            <a:spAutoFit/>
-          </a:bodyPr>
-          <a:lstStyle/>
-          <a:p>
-            <a:r>
-              <a:rPr lang="ru-RU" sz="1100" dirty="0" smtClean="0">
-                <a:solidFill>
-                  <a:schemeClr val="accent1">
-                    <a:lumMod val="75000"/>
-                  </a:schemeClr>
-                </a:solidFill>
-              </a:rPr>
-              <a:t>Если юзер поставил оценку, то </a:t>
-            </a:r>
-            <a:r>
-              <a:rPr lang="en-GB" sz="1100" dirty="0" smtClean="0">
-                <a:solidFill>
-                  <a:schemeClr val="accent1">
-                    <a:lumMod val="75000"/>
-                  </a:schemeClr>
-                </a:solidFill>
-              </a:rPr>
-              <a:t>preview</a:t>
-            </a:r>
-            <a:r>
-              <a:rPr lang="ru-RU" sz="1100" dirty="0" smtClean="0">
-                <a:solidFill>
-                  <a:schemeClr val="accent1">
-                    <a:lumMod val="75000"/>
-                  </a:schemeClr>
-                </a:solidFill>
-              </a:rPr>
-              <a:t> имеет иной вид (!) – см. след. слайд</a:t>
-            </a:r>
-            <a:endParaRPr lang="ru-RU" sz="1100" dirty="0">
-              <a:solidFill>
-                <a:schemeClr val="accent1">
-                  <a:lumMod val="75000"/>
-                </a:schemeClr>
-              </a:solidFill>
-            </a:endParaRPr>
-          </a:p>
-        </p:txBody>
-      </p:sp>
-      <p:pic>
-        <p:nvPicPr>
-          <p:cNvPr id="68" name="Рисунок 67"/>
-          <p:cNvPicPr>
-            <a:picLocks noChangeAspect="1"/>
-          </p:cNvPicPr>
-          <p:nvPr/>
-        </p:nvPicPr>
-        <p:blipFill>
-          <a:blip r:embed="rId8">
-            <a:extLst>
-              <a:ext uri="{28A0092B-C50C-407E-A947-70E740481C1C}">
-                <a14:useLocalDpi xmlns:a14="http://schemas.microsoft.com/office/drawing/2010/main" val="0"/>
-              </a:ext>
-            </a:extLst>
-          </a:blip>
-          <a:stretch>
-            <a:fillRect/>
-          </a:stretch>
-        </p:blipFill>
-        <p:spPr>
-          <a:xfrm>
-            <a:off x="6246682" y="2929034"/>
-            <a:ext cx="1708680" cy="2547101"/>
-          </a:xfrm>
-          <a:prstGeom prst="rect">
+      <p:cxnSp>
+        <p:nvCxnSpPr>
+          <p:cNvPr id="12" name="Прямая соединительная линия 11"/>
+          <p:cNvCxnSpPr/>
+          <p:nvPr/>
+        </p:nvCxnSpPr>
+        <p:spPr>
+          <a:xfrm flipV="1">
+            <a:off x="2545004" y="177062"/>
+            <a:ext cx="446049" cy="367990"/>
+          </a:xfrm>
+          <a:prstGeom prst="line">
             <a:avLst/>
           </a:prstGeom>
           <a:ln>
             <a:solidFill>
-              <a:schemeClr val="bg1">
-                <a:lumMod val="75000"/>
-              </a:schemeClr>
+              <a:srgbClr val="C00000"/>
             </a:solidFill>
-          </a:ln>
-        </p:spPr>
-      </p:pic>
-      <p:cxnSp>
-        <p:nvCxnSpPr>
-          <p:cNvPr id="69" name="Прямая со стрелкой 68"/>
-          <p:cNvCxnSpPr/>
-          <p:nvPr/>
-        </p:nvCxnSpPr>
-        <p:spPr>
-          <a:xfrm>
-            <a:off x="7761249" y="3905799"/>
-            <a:ext cx="356839" cy="0"/>
-          </a:xfrm>
-          <a:prstGeom prst="straightConnector1">
-            <a:avLst/>
-          </a:prstGeom>
-          <a:ln>
-            <a:prstDash val="sysDash"/>
-            <a:tailEnd type="triangle"/>
-          </a:ln>
-        </p:spPr>
-        <p:style>
-          <a:lnRef idx="1">
-            <a:schemeClr val="accent1"/>
-          </a:lnRef>
-          <a:fillRef idx="0">
-            <a:schemeClr val="accent1"/>
-          </a:fillRef>
-          <a:effectRef idx="0">
-            <a:schemeClr val="accent1"/>
-          </a:effectRef>
-          <a:fontRef idx="minor">
-            <a:schemeClr val="tx1"/>
-          </a:fontRef>
-        </p:style>
-      </p:cxnSp>
-      <p:sp>
-        <p:nvSpPr>
-          <p:cNvPr id="72" name="TextBox 71"/>
-          <p:cNvSpPr txBox="1"/>
-          <p:nvPr/>
-        </p:nvSpPr>
-        <p:spPr>
-          <a:xfrm>
-            <a:off x="8118088" y="3230228"/>
-            <a:ext cx="1025912" cy="2970044"/>
-          </a:xfrm>
-          <a:prstGeom prst="rect">
-            <a:avLst/>
-          </a:prstGeom>
-          <a:noFill/>
-        </p:spPr>
-        <p:txBody>
-          <a:bodyPr wrap="square" rtlCol="0">
-            <a:spAutoFit/>
-          </a:bodyPr>
-          <a:lstStyle/>
-          <a:p>
-            <a:r>
-              <a:rPr lang="ru-RU" sz="1100" dirty="0" smtClean="0">
-                <a:solidFill>
-                  <a:schemeClr val="accent1">
-                    <a:lumMod val="75000"/>
-                  </a:schemeClr>
-                </a:solidFill>
-              </a:rPr>
-              <a:t>Переадресация юзера в окно телефона с набранным номером – остается только нажать кнопку «Вызов». По системной кнопке «Назад» возвращаем юзера на тот же экран</a:t>
-            </a:r>
-            <a:endParaRPr lang="ru-RU" sz="1100" dirty="0">
-              <a:solidFill>
-                <a:schemeClr val="accent1">
-                  <a:lumMod val="75000"/>
-                </a:schemeClr>
-              </a:solidFill>
-            </a:endParaRPr>
-          </a:p>
-        </p:txBody>
-      </p:sp>
-      <p:sp>
-        <p:nvSpPr>
-          <p:cNvPr id="73" name="Овал 72"/>
-          <p:cNvSpPr/>
-          <p:nvPr/>
-        </p:nvSpPr>
-        <p:spPr>
-          <a:xfrm>
-            <a:off x="5058967" y="3716388"/>
-            <a:ext cx="377768" cy="378823"/>
-          </a:xfrm>
-          <a:prstGeom prst="ellipse">
-            <a:avLst/>
-          </a:prstGeom>
-          <a:solidFill>
-            <a:schemeClr val="accent1">
-              <a:alpha val="50000"/>
-            </a:schemeClr>
-          </a:solidFill>
-          <a:ln>
-            <a:solidFill>
-              <a:schemeClr val="accent1"/>
-            </a:solidFill>
-          </a:ln>
-        </p:spPr>
-        <p:style>
-          <a:lnRef idx="2">
-            <a:schemeClr val="accent1">
-              <a:shade val="50000"/>
-            </a:schemeClr>
-          </a:lnRef>
-          <a:fillRef idx="1">
-            <a:schemeClr val="accent1"/>
-          </a:fillRef>
-          <a:effectRef idx="0">
-            <a:schemeClr val="accent1"/>
-          </a:effectRef>
-          <a:fontRef idx="minor">
-            <a:schemeClr val="lt1"/>
-          </a:fontRef>
-        </p:style>
-        <p:txBody>
-          <a:bodyPr rot="0" spcFirstLastPara="0" vertOverflow="overflow" horzOverflow="overflow" vert="horz" wrap="square" lIns="91440" tIns="45720" rIns="91440" bIns="45720" numCol="1" spcCol="0" rtlCol="0" fromWordArt="0" anchor="ctr" anchorCtr="0" forceAA="0" compatLnSpc="1">
-            <a:prstTxWarp prst="textNoShape">
-              <a:avLst/>
-            </a:prstTxWarp>
-            <a:noAutofit/>
-          </a:bodyPr>
-          <a:lstStyle/>
-          <a:p>
-            <a:pPr algn="ctr"/>
-            <a:endParaRPr lang="ru-RU"/>
-          </a:p>
-        </p:txBody>
-      </p:sp>
-      <p:cxnSp>
-        <p:nvCxnSpPr>
-          <p:cNvPr id="74" name="Прямая со стрелкой 73"/>
-          <p:cNvCxnSpPr>
-            <a:stCxn id="73" idx="6"/>
-          </p:cNvCxnSpPr>
-          <p:nvPr/>
-        </p:nvCxnSpPr>
-        <p:spPr>
-          <a:xfrm flipV="1">
-            <a:off x="5436735" y="3905799"/>
-            <a:ext cx="897158" cy="1"/>
-          </a:xfrm>
-          <a:prstGeom prst="straightConnector1">
-            <a:avLst/>
-          </a:prstGeom>
-          <a:ln>
-            <a:prstDash val="sysDash"/>
-            <a:tailEnd type="triangle"/>
           </a:ln>
         </p:spPr>
         <p:style>
@@ -13899,7 +15807,7 @@
     </p:spTree>
     <p:extLst>
       <p:ext uri="{BB962C8B-B14F-4D97-AF65-F5344CB8AC3E}">
-        <p14:creationId xmlns:p14="http://schemas.microsoft.com/office/powerpoint/2010/main" val="1537699432"/>
+        <p14:creationId xmlns:p14="http://schemas.microsoft.com/office/powerpoint/2010/main" val="2803521632"/>
       </p:ext>
     </p:extLst>
   </p:cSld>
@@ -13926,9 +15834,57 @@
           <a:chExt cx="0" cy="0"/>
         </a:xfrm>
       </p:grpSpPr>
+      <p:sp>
+        <p:nvSpPr>
+          <p:cNvPr id="2" name="TextBox 1"/>
+          <p:cNvSpPr txBox="1">
+            <a:spLocks noChangeAspect="1"/>
+          </p:cNvSpPr>
+          <p:nvPr/>
+        </p:nvSpPr>
+        <p:spPr>
+          <a:xfrm>
+            <a:off x="185918" y="83651"/>
+            <a:ext cx="3599140" cy="308235"/>
+          </a:xfrm>
+          <a:prstGeom prst="rect">
+            <a:avLst/>
+          </a:prstGeom>
+          <a:noFill/>
+        </p:spPr>
+        <p:txBody>
+          <a:bodyPr wrap="square" rtlCol="0">
+            <a:noAutofit/>
+          </a:bodyPr>
+          <a:lstStyle/>
+          <a:p>
+            <a:r>
+              <a:rPr lang="ru-RU" sz="1500" b="1" u="sng" dirty="0" smtClean="0">
+                <a:solidFill>
+                  <a:schemeClr val="accent5"/>
+                </a:solidFill>
+              </a:rPr>
+              <a:t>Карта – </a:t>
+            </a:r>
+            <a:r>
+              <a:rPr lang="en-GB" sz="1500" b="1" u="sng" dirty="0" smtClean="0">
+                <a:solidFill>
+                  <a:schemeClr val="accent5"/>
+                </a:solidFill>
+              </a:rPr>
+              <a:t>Down menu &amp; Alarm Dialog win</a:t>
+            </a:r>
+            <a:endParaRPr lang="ru-RU" sz="1500" b="1" u="sng" dirty="0">
+              <a:solidFill>
+                <a:schemeClr val="accent5"/>
+              </a:solidFill>
+            </a:endParaRPr>
+          </a:p>
+        </p:txBody>
+      </p:sp>
       <p:pic>
         <p:nvPicPr>
-          <p:cNvPr id="11" name="Рисунок 10"/>
+          <p:cNvPr id="4" name="Рисунок 3"/>
           <p:cNvPicPr>
             <a:picLocks noChangeAspect="1"/>
           </p:cNvPicPr>
@@ -13948,8 +15904,8 @@
         </p:blipFill>
         <p:spPr>
           <a:xfrm>
-            <a:off x="5401680" y="303985"/>
-            <a:ext cx="1735076" cy="3696466"/>
+            <a:off x="96710" y="1956679"/>
+            <a:ext cx="1705128" cy="2547101"/>
           </a:xfrm>
           <a:prstGeom prst="rect">
             <a:avLst/>
@@ -13985,8 +15941,8 @@
         </p:blipFill>
         <p:spPr>
           <a:xfrm>
-            <a:off x="2303808" y="708262"/>
-            <a:ext cx="1729248" cy="2577761"/>
+            <a:off x="1990722" y="971750"/>
+            <a:ext cx="1705128" cy="2547101"/>
           </a:xfrm>
           <a:prstGeom prst="rect">
             <a:avLst/>
@@ -14002,7 +15958,7 @@
       </p:pic>
       <p:pic>
         <p:nvPicPr>
-          <p:cNvPr id="3" name="Рисунок 2"/>
+          <p:cNvPr id="6" name="Рисунок 5"/>
           <p:cNvPicPr>
             <a:picLocks noChangeAspect="1"/>
           </p:cNvPicPr>
@@ -14022,8 +15978,8 @@
         </p:blipFill>
         <p:spPr>
           <a:xfrm>
-            <a:off x="2303808" y="3542430"/>
-            <a:ext cx="1729248" cy="2577761"/>
+            <a:off x="2566018" y="4229520"/>
+            <a:ext cx="1705128" cy="2547101"/>
           </a:xfrm>
           <a:prstGeom prst="rect">
             <a:avLst/>
@@ -14039,7 +15995,7 @@
       </p:pic>
       <p:pic>
         <p:nvPicPr>
-          <p:cNvPr id="62" name="Рисунок 61"/>
+          <p:cNvPr id="7" name="Рисунок 6"/>
           <p:cNvPicPr>
             <a:picLocks noChangeAspect="1"/>
           </p:cNvPicPr>
@@ -14059,8 +16015,8 @@
         </p:blipFill>
         <p:spPr>
           <a:xfrm>
-            <a:off x="268600" y="3542430"/>
-            <a:ext cx="1716888" cy="2548837"/>
+            <a:off x="1990722" y="3631673"/>
+            <a:ext cx="1705128" cy="2547101"/>
           </a:xfrm>
           <a:prstGeom prst="rect">
             <a:avLst/>
@@ -14076,7 +16032,7 @@
       </p:pic>
       <p:pic>
         <p:nvPicPr>
-          <p:cNvPr id="59" name="Рисунок 58"/>
+          <p:cNvPr id="8" name="Рисунок 7"/>
           <p:cNvPicPr>
             <a:picLocks noChangeAspect="1"/>
           </p:cNvPicPr>
@@ -14096,8 +16052,8 @@
         </p:blipFill>
         <p:spPr>
           <a:xfrm>
-            <a:off x="249117" y="711669"/>
-            <a:ext cx="1736371" cy="2577761"/>
+            <a:off x="4491969" y="3923568"/>
+            <a:ext cx="1705128" cy="2547101"/>
           </a:xfrm>
           <a:prstGeom prst="rect">
             <a:avLst/>
@@ -14113,359 +16069,13 @@
       </p:pic>
       <p:sp>
         <p:nvSpPr>
-          <p:cNvPr id="2" name="TextBox 1"/>
-          <p:cNvSpPr txBox="1">
-            <a:spLocks noChangeAspect="1"/>
-          </p:cNvSpPr>
+          <p:cNvPr id="9" name="Овал 8"/>
+          <p:cNvSpPr/>
           <p:nvPr/>
         </p:nvSpPr>
         <p:spPr>
           <a:xfrm>
-            <a:off x="185918" y="-5561"/>
-            <a:ext cx="3599140" cy="308235"/>
-          </a:xfrm>
-          <a:prstGeom prst="rect">
-            <a:avLst/>
-          </a:prstGeom>
-          <a:noFill/>
-        </p:spPr>
-        <p:txBody>
-          <a:bodyPr wrap="square" rtlCol="0">
-            <a:noAutofit/>
-          </a:bodyPr>
-          <a:lstStyle/>
-          <a:p>
-            <a:r>
-              <a:rPr lang="ru-RU" sz="1500" b="1" u="sng" dirty="0" smtClean="0">
-                <a:solidFill>
-                  <a:schemeClr val="accent5"/>
-                </a:solidFill>
-              </a:rPr>
-              <a:t>Карта – </a:t>
-            </a:r>
-            <a:r>
-              <a:rPr lang="en-GB" sz="1500" b="1" u="sng" dirty="0" smtClean="0">
-                <a:solidFill>
-                  <a:schemeClr val="accent5"/>
-                </a:solidFill>
-              </a:rPr>
-              <a:t>Service Info</a:t>
-            </a:r>
-            <a:r>
-              <a:rPr lang="ru-RU" sz="1500" b="1" u="sng" dirty="0" smtClean="0">
-                <a:solidFill>
-                  <a:schemeClr val="accent5"/>
-                </a:solidFill>
-              </a:rPr>
-              <a:t> - </a:t>
-            </a:r>
-            <a:r>
-              <a:rPr lang="en-GB" sz="1500" b="1" u="sng" dirty="0" err="1" smtClean="0">
-                <a:solidFill>
-                  <a:schemeClr val="accent5"/>
-                </a:solidFill>
-              </a:rPr>
-              <a:t>Raiting</a:t>
-            </a:r>
-            <a:endParaRPr lang="ru-RU" sz="1500" b="1" u="sng" dirty="0">
-              <a:solidFill>
-                <a:schemeClr val="accent5"/>
-              </a:solidFill>
-            </a:endParaRPr>
-          </a:p>
-        </p:txBody>
-      </p:sp>
-      <p:grpSp>
-        <p:nvGrpSpPr>
-          <p:cNvPr id="17" name="Группа 16"/>
-          <p:cNvGrpSpPr/>
-          <p:nvPr/>
-        </p:nvGrpSpPr>
-        <p:grpSpPr>
-          <a:xfrm>
-            <a:off x="1104531" y="2457641"/>
-            <a:ext cx="252000" cy="466583"/>
-            <a:chOff x="6911856" y="2091964"/>
-            <a:chExt cx="252000" cy="466583"/>
-          </a:xfrm>
-        </p:grpSpPr>
-        <p:sp>
-          <p:nvSpPr>
-            <p:cNvPr id="15" name="Овал 14"/>
-            <p:cNvSpPr/>
-            <p:nvPr/>
-          </p:nvSpPr>
-          <p:spPr>
-            <a:xfrm>
-              <a:off x="6911856" y="2306547"/>
-              <a:ext cx="252000" cy="252000"/>
-            </a:xfrm>
-            <a:prstGeom prst="ellipse">
-              <a:avLst/>
-            </a:prstGeom>
-            <a:solidFill>
-              <a:schemeClr val="accent1">
-                <a:alpha val="50000"/>
-              </a:schemeClr>
-            </a:solidFill>
-            <a:ln w="38100">
-              <a:solidFill>
-                <a:schemeClr val="accent1"/>
-              </a:solidFill>
-            </a:ln>
-          </p:spPr>
-          <p:style>
-            <a:lnRef idx="2">
-              <a:schemeClr val="accent1">
-                <a:shade val="50000"/>
-              </a:schemeClr>
-            </a:lnRef>
-            <a:fillRef idx="1">
-              <a:schemeClr val="accent1"/>
-            </a:fillRef>
-            <a:effectRef idx="0">
-              <a:schemeClr val="accent1"/>
-            </a:effectRef>
-            <a:fontRef idx="minor">
-              <a:schemeClr val="lt1"/>
-            </a:fontRef>
-          </p:style>
-          <p:txBody>
-            <a:bodyPr rot="0" spcFirstLastPara="0" vertOverflow="overflow" horzOverflow="overflow" vert="horz" wrap="square" lIns="91440" tIns="45720" rIns="91440" bIns="45720" numCol="1" spcCol="0" rtlCol="0" fromWordArt="0" anchor="ctr" anchorCtr="0" forceAA="0" compatLnSpc="1">
-              <a:prstTxWarp prst="textNoShape">
-                <a:avLst/>
-              </a:prstTxWarp>
-              <a:noAutofit/>
-            </a:bodyPr>
-            <a:lstStyle/>
-            <a:p>
-              <a:pPr algn="ctr"/>
-              <a:endParaRPr lang="ru-RU"/>
-            </a:p>
-          </p:txBody>
-        </p:sp>
-        <p:cxnSp>
-          <p:nvCxnSpPr>
-            <p:cNvPr id="16" name="Прямая со стрелкой 15"/>
-            <p:cNvCxnSpPr>
-              <a:stCxn id="15" idx="0"/>
-            </p:cNvCxnSpPr>
-            <p:nvPr/>
-          </p:nvCxnSpPr>
-          <p:spPr>
-            <a:xfrm flipV="1">
-              <a:off x="7037856" y="2091964"/>
-              <a:ext cx="0" cy="214583"/>
-            </a:xfrm>
-            <a:prstGeom prst="straightConnector1">
-              <a:avLst/>
-            </a:prstGeom>
-            <a:ln w="28575">
-              <a:tailEnd type="triangle"/>
-            </a:ln>
-          </p:spPr>
-          <p:style>
-            <a:lnRef idx="1">
-              <a:schemeClr val="accent1"/>
-            </a:lnRef>
-            <a:fillRef idx="0">
-              <a:schemeClr val="accent1"/>
-            </a:fillRef>
-            <a:effectRef idx="0">
-              <a:schemeClr val="accent1"/>
-            </a:effectRef>
-            <a:fontRef idx="minor">
-              <a:schemeClr val="tx1"/>
-            </a:fontRef>
-          </p:style>
-        </p:cxnSp>
-      </p:grpSp>
-      <p:cxnSp>
-        <p:nvCxnSpPr>
-          <p:cNvPr id="44" name="Прямая со стрелкой 43"/>
-          <p:cNvCxnSpPr>
-            <a:stCxn id="15" idx="6"/>
-          </p:cNvCxnSpPr>
-          <p:nvPr/>
-        </p:nvCxnSpPr>
-        <p:spPr>
-          <a:xfrm>
-            <a:off x="1356531" y="2798224"/>
-            <a:ext cx="1061316" cy="65639"/>
-          </a:xfrm>
-          <a:prstGeom prst="straightConnector1">
-            <a:avLst/>
-          </a:prstGeom>
-          <a:ln>
-            <a:prstDash val="sysDash"/>
-            <a:tailEnd type="triangle"/>
-          </a:ln>
-        </p:spPr>
-        <p:style>
-          <a:lnRef idx="1">
-            <a:schemeClr val="accent1"/>
-          </a:lnRef>
-          <a:fillRef idx="0">
-            <a:schemeClr val="accent1"/>
-          </a:fillRef>
-          <a:effectRef idx="0">
-            <a:schemeClr val="accent1"/>
-          </a:effectRef>
-          <a:fontRef idx="minor">
-            <a:schemeClr val="tx1"/>
-          </a:fontRef>
-        </p:style>
-      </p:cxnSp>
-      <p:grpSp>
-        <p:nvGrpSpPr>
-          <p:cNvPr id="29" name="Группа 28"/>
-          <p:cNvGrpSpPr/>
-          <p:nvPr/>
-        </p:nvGrpSpPr>
-        <p:grpSpPr>
-          <a:xfrm>
-            <a:off x="1104531" y="5280653"/>
-            <a:ext cx="252000" cy="466583"/>
-            <a:chOff x="6911856" y="2091964"/>
-            <a:chExt cx="252000" cy="466583"/>
-          </a:xfrm>
-        </p:grpSpPr>
-        <p:sp>
-          <p:nvSpPr>
-            <p:cNvPr id="30" name="Овал 29"/>
-            <p:cNvSpPr/>
-            <p:nvPr/>
-          </p:nvSpPr>
-          <p:spPr>
-            <a:xfrm>
-              <a:off x="6911856" y="2306547"/>
-              <a:ext cx="252000" cy="252000"/>
-            </a:xfrm>
-            <a:prstGeom prst="ellipse">
-              <a:avLst/>
-            </a:prstGeom>
-            <a:solidFill>
-              <a:schemeClr val="accent1">
-                <a:alpha val="50000"/>
-              </a:schemeClr>
-            </a:solidFill>
-            <a:ln w="38100">
-              <a:solidFill>
-                <a:schemeClr val="accent1"/>
-              </a:solidFill>
-            </a:ln>
-          </p:spPr>
-          <p:style>
-            <a:lnRef idx="2">
-              <a:schemeClr val="accent1">
-                <a:shade val="50000"/>
-              </a:schemeClr>
-            </a:lnRef>
-            <a:fillRef idx="1">
-              <a:schemeClr val="accent1"/>
-            </a:fillRef>
-            <a:effectRef idx="0">
-              <a:schemeClr val="accent1"/>
-            </a:effectRef>
-            <a:fontRef idx="minor">
-              <a:schemeClr val="lt1"/>
-            </a:fontRef>
-          </p:style>
-          <p:txBody>
-            <a:bodyPr rot="0" spcFirstLastPara="0" vertOverflow="overflow" horzOverflow="overflow" vert="horz" wrap="square" lIns="91440" tIns="45720" rIns="91440" bIns="45720" numCol="1" spcCol="0" rtlCol="0" fromWordArt="0" anchor="ctr" anchorCtr="0" forceAA="0" compatLnSpc="1">
-              <a:prstTxWarp prst="textNoShape">
-                <a:avLst/>
-              </a:prstTxWarp>
-              <a:noAutofit/>
-            </a:bodyPr>
-            <a:lstStyle/>
-            <a:p>
-              <a:pPr algn="ctr"/>
-              <a:endParaRPr lang="ru-RU"/>
-            </a:p>
-          </p:txBody>
-        </p:sp>
-        <p:cxnSp>
-          <p:nvCxnSpPr>
-            <p:cNvPr id="31" name="Прямая со стрелкой 30"/>
-            <p:cNvCxnSpPr>
-              <a:stCxn id="30" idx="0"/>
-            </p:cNvCxnSpPr>
-            <p:nvPr/>
-          </p:nvCxnSpPr>
-          <p:spPr>
-            <a:xfrm flipV="1">
-              <a:off x="7037856" y="2091964"/>
-              <a:ext cx="0" cy="214583"/>
-            </a:xfrm>
-            <a:prstGeom prst="straightConnector1">
-              <a:avLst/>
-            </a:prstGeom>
-            <a:ln w="28575">
-              <a:tailEnd type="triangle"/>
-            </a:ln>
-          </p:spPr>
-          <p:style>
-            <a:lnRef idx="1">
-              <a:schemeClr val="accent1"/>
-            </a:lnRef>
-            <a:fillRef idx="0">
-              <a:schemeClr val="accent1"/>
-            </a:fillRef>
-            <a:effectRef idx="0">
-              <a:schemeClr val="accent1"/>
-            </a:effectRef>
-            <a:fontRef idx="minor">
-              <a:schemeClr val="tx1"/>
-            </a:fontRef>
-          </p:style>
-        </p:cxnSp>
-      </p:grpSp>
-      <p:cxnSp>
-        <p:nvCxnSpPr>
-          <p:cNvPr id="32" name="Прямая со стрелкой 31"/>
-          <p:cNvCxnSpPr>
-            <a:stCxn id="30" idx="6"/>
-          </p:cNvCxnSpPr>
-          <p:nvPr/>
-        </p:nvCxnSpPr>
-        <p:spPr>
-          <a:xfrm>
-            <a:off x="1356531" y="5621236"/>
-            <a:ext cx="1061316" cy="65639"/>
-          </a:xfrm>
-          <a:prstGeom prst="straightConnector1">
-            <a:avLst/>
-          </a:prstGeom>
-          <a:ln>
-            <a:prstDash val="sysDash"/>
-            <a:tailEnd type="triangle"/>
-          </a:ln>
-        </p:spPr>
-        <p:style>
-          <a:lnRef idx="1">
-            <a:schemeClr val="accent1"/>
-          </a:lnRef>
-          <a:fillRef idx="0">
-            <a:schemeClr val="accent1"/>
-          </a:fillRef>
-          <a:effectRef idx="0">
-            <a:schemeClr val="accent1"/>
-          </a:effectRef>
-          <a:fontRef idx="minor">
-            <a:schemeClr val="tx1"/>
-          </a:fontRef>
-        </p:style>
-      </p:cxnSp>
-      <p:sp>
-        <p:nvSpPr>
-          <p:cNvPr id="36" name="Овал 35"/>
-          <p:cNvSpPr/>
-          <p:nvPr/>
-        </p:nvSpPr>
-        <p:spPr>
-          <a:xfrm>
-            <a:off x="6281522" y="2152218"/>
+            <a:off x="1390617" y="3854586"/>
             <a:ext cx="377768" cy="378823"/>
           </a:xfrm>
           <a:prstGeom prst="ellipse">
@@ -14514,17 +16124,16 @@
       </p:sp>
       <p:cxnSp>
         <p:nvCxnSpPr>
-          <p:cNvPr id="37" name="Прямая со стрелкой 36"/>
+          <p:cNvPr id="10" name="Прямая со стрелкой 9"/>
           <p:cNvCxnSpPr>
-            <a:stCxn id="36" idx="7"/>
-            <a:endCxn id="10" idx="1"/>
+            <a:stCxn id="9" idx="7"/>
           </p:cNvCxnSpPr>
           <p:nvPr/>
         </p:nvCxnSpPr>
         <p:spPr>
           <a:xfrm flipV="1">
-            <a:off x="6603967" y="2017969"/>
-            <a:ext cx="695687" cy="189726"/>
+            <a:off x="1713062" y="3088888"/>
+            <a:ext cx="706754" cy="821175"/>
           </a:xfrm>
           <a:prstGeom prst="straightConnector1">
             <a:avLst/>
@@ -14549,450 +16158,16 @@
           </a:fontRef>
         </p:style>
       </p:cxnSp>
-      <p:pic>
-        <p:nvPicPr>
-          <p:cNvPr id="10" name="Рисунок 9"/>
-          <p:cNvPicPr>
-            <a:picLocks noChangeAspect="1"/>
-          </p:cNvPicPr>
-          <p:nvPr/>
-        </p:nvPicPr>
-        <p:blipFill>
-          <a:blip r:embed="rId7">
-            <a:extLst>
-              <a:ext uri="{28A0092B-C50C-407E-A947-70E740481C1C}">
-                <a14:useLocalDpi xmlns:a14="http://schemas.microsoft.com/office/drawing/2010/main" val="0"/>
-              </a:ext>
-            </a:extLst>
-          </a:blip>
-          <a:stretch>
-            <a:fillRect/>
-          </a:stretch>
-        </p:blipFill>
-        <p:spPr>
-          <a:xfrm>
-            <a:off x="7299654" y="708262"/>
-            <a:ext cx="1757190" cy="2619413"/>
-          </a:xfrm>
-          <a:prstGeom prst="rect">
-            <a:avLst/>
-          </a:prstGeom>
-          <a:ln>
-            <a:solidFill>
-              <a:schemeClr val="bg1">
-                <a:lumMod val="75000"/>
-              </a:schemeClr>
-            </a:solidFill>
-          </a:ln>
-        </p:spPr>
-      </p:pic>
-      <p:pic>
-        <p:nvPicPr>
-          <p:cNvPr id="12" name="Рисунок 11"/>
-          <p:cNvPicPr>
-            <a:picLocks noChangeAspect="1"/>
-          </p:cNvPicPr>
-          <p:nvPr/>
-        </p:nvPicPr>
-        <p:blipFill>
-          <a:blip r:embed="rId8">
-            <a:extLst>
-              <a:ext uri="{28A0092B-C50C-407E-A947-70E740481C1C}">
-                <a14:useLocalDpi xmlns:a14="http://schemas.microsoft.com/office/drawing/2010/main" val="0"/>
-              </a:ext>
-            </a:extLst>
-          </a:blip>
-          <a:stretch>
-            <a:fillRect/>
-          </a:stretch>
-        </p:blipFill>
-        <p:spPr>
-          <a:xfrm>
-            <a:off x="4201466" y="3061169"/>
-            <a:ext cx="1646282" cy="3696466"/>
-          </a:xfrm>
-          <a:prstGeom prst="rect">
-            <a:avLst/>
-          </a:prstGeom>
-          <a:ln>
-            <a:solidFill>
-              <a:schemeClr val="bg1">
-                <a:lumMod val="75000"/>
-              </a:schemeClr>
-            </a:solidFill>
-          </a:ln>
-        </p:spPr>
-      </p:pic>
-      <p:grpSp>
-        <p:nvGrpSpPr>
-          <p:cNvPr id="41" name="Группа 40"/>
-          <p:cNvGrpSpPr/>
-          <p:nvPr/>
-        </p:nvGrpSpPr>
-        <p:grpSpPr>
-          <a:xfrm>
-            <a:off x="3546432" y="2117058"/>
-            <a:ext cx="252000" cy="681166"/>
-            <a:chOff x="3104573" y="1223554"/>
-            <a:chExt cx="252000" cy="681166"/>
-          </a:xfrm>
-        </p:grpSpPr>
-        <p:cxnSp>
-          <p:nvCxnSpPr>
-            <p:cNvPr id="42" name="Прямая со стрелкой 41"/>
-            <p:cNvCxnSpPr>
-              <a:stCxn id="43" idx="4"/>
-            </p:cNvCxnSpPr>
-            <p:nvPr/>
-          </p:nvCxnSpPr>
-          <p:spPr>
-            <a:xfrm>
-              <a:off x="3230573" y="1690137"/>
-              <a:ext cx="9575" cy="214583"/>
-            </a:xfrm>
-            <a:prstGeom prst="straightConnector1">
-              <a:avLst/>
-            </a:prstGeom>
-            <a:ln>
-              <a:tailEnd type="triangle"/>
-            </a:ln>
-          </p:spPr>
-          <p:style>
-            <a:lnRef idx="1">
-              <a:schemeClr val="accent1"/>
-            </a:lnRef>
-            <a:fillRef idx="0">
-              <a:schemeClr val="accent1"/>
-            </a:fillRef>
-            <a:effectRef idx="0">
-              <a:schemeClr val="accent1"/>
-            </a:effectRef>
-            <a:fontRef idx="minor">
-              <a:schemeClr val="tx1"/>
-            </a:fontRef>
-          </p:style>
-        </p:cxnSp>
-        <p:sp>
-          <p:nvSpPr>
-            <p:cNvPr id="43" name="Овал 42"/>
-            <p:cNvSpPr/>
-            <p:nvPr/>
-          </p:nvSpPr>
-          <p:spPr>
-            <a:xfrm>
-              <a:off x="3104573" y="1438137"/>
-              <a:ext cx="252000" cy="252000"/>
-            </a:xfrm>
-            <a:prstGeom prst="ellipse">
-              <a:avLst/>
-            </a:prstGeom>
-            <a:solidFill>
-              <a:schemeClr val="accent1">
-                <a:alpha val="50000"/>
-              </a:schemeClr>
-            </a:solidFill>
-            <a:ln w="38100">
-              <a:solidFill>
-                <a:schemeClr val="accent1"/>
-              </a:solidFill>
-            </a:ln>
-          </p:spPr>
-          <p:style>
-            <a:lnRef idx="2">
-              <a:schemeClr val="accent1">
-                <a:shade val="50000"/>
-              </a:schemeClr>
-            </a:lnRef>
-            <a:fillRef idx="1">
-              <a:schemeClr val="accent1"/>
-            </a:fillRef>
-            <a:effectRef idx="0">
-              <a:schemeClr val="accent1"/>
-            </a:effectRef>
-            <a:fontRef idx="minor">
-              <a:schemeClr val="lt1"/>
-            </a:fontRef>
-          </p:style>
-          <p:txBody>
-            <a:bodyPr rot="0" spcFirstLastPara="0" vertOverflow="overflow" horzOverflow="overflow" vert="horz" wrap="square" lIns="91440" tIns="45720" rIns="91440" bIns="45720" numCol="1" spcCol="0" rtlCol="0" fromWordArt="0" anchor="ctr" anchorCtr="0" forceAA="0" compatLnSpc="1">
-              <a:prstTxWarp prst="textNoShape">
-                <a:avLst/>
-              </a:prstTxWarp>
-              <a:noAutofit/>
-            </a:bodyPr>
-            <a:lstStyle/>
-            <a:p>
-              <a:pPr algn="ctr"/>
-              <a:endParaRPr lang="ru-RU"/>
-            </a:p>
-          </p:txBody>
-        </p:sp>
-        <p:cxnSp>
-          <p:nvCxnSpPr>
-            <p:cNvPr id="45" name="Прямая со стрелкой 44"/>
-            <p:cNvCxnSpPr>
-              <a:stCxn id="43" idx="0"/>
-            </p:cNvCxnSpPr>
-            <p:nvPr/>
-          </p:nvCxnSpPr>
-          <p:spPr>
-            <a:xfrm flipV="1">
-              <a:off x="3230573" y="1223554"/>
-              <a:ext cx="0" cy="214583"/>
-            </a:xfrm>
-            <a:prstGeom prst="straightConnector1">
-              <a:avLst/>
-            </a:prstGeom>
-            <a:ln>
-              <a:tailEnd type="triangle"/>
-            </a:ln>
-          </p:spPr>
-          <p:style>
-            <a:lnRef idx="1">
-              <a:schemeClr val="accent1"/>
-            </a:lnRef>
-            <a:fillRef idx="0">
-              <a:schemeClr val="accent1"/>
-            </a:fillRef>
-            <a:effectRef idx="0">
-              <a:schemeClr val="accent1"/>
-            </a:effectRef>
-            <a:fontRef idx="minor">
-              <a:schemeClr val="tx1"/>
-            </a:fontRef>
-          </p:style>
-        </p:cxnSp>
-      </p:grpSp>
-      <p:grpSp>
-        <p:nvGrpSpPr>
-          <p:cNvPr id="46" name="Группа 45"/>
-          <p:cNvGrpSpPr/>
-          <p:nvPr/>
-        </p:nvGrpSpPr>
-        <p:grpSpPr>
-          <a:xfrm>
-            <a:off x="3529982" y="4909402"/>
-            <a:ext cx="252000" cy="681166"/>
-            <a:chOff x="3104573" y="1223554"/>
-            <a:chExt cx="252000" cy="681166"/>
-          </a:xfrm>
-        </p:grpSpPr>
-        <p:cxnSp>
-          <p:nvCxnSpPr>
-            <p:cNvPr id="47" name="Прямая со стрелкой 46"/>
-            <p:cNvCxnSpPr>
-              <a:stCxn id="51" idx="4"/>
-            </p:cNvCxnSpPr>
-            <p:nvPr/>
-          </p:nvCxnSpPr>
-          <p:spPr>
-            <a:xfrm>
-              <a:off x="3230573" y="1690137"/>
-              <a:ext cx="9575" cy="214583"/>
-            </a:xfrm>
-            <a:prstGeom prst="straightConnector1">
-              <a:avLst/>
-            </a:prstGeom>
-            <a:ln>
-              <a:tailEnd type="triangle"/>
-            </a:ln>
-          </p:spPr>
-          <p:style>
-            <a:lnRef idx="1">
-              <a:schemeClr val="accent1"/>
-            </a:lnRef>
-            <a:fillRef idx="0">
-              <a:schemeClr val="accent1"/>
-            </a:fillRef>
-            <a:effectRef idx="0">
-              <a:schemeClr val="accent1"/>
-            </a:effectRef>
-            <a:fontRef idx="minor">
-              <a:schemeClr val="tx1"/>
-            </a:fontRef>
-          </p:style>
-        </p:cxnSp>
-        <p:sp>
-          <p:nvSpPr>
-            <p:cNvPr id="51" name="Овал 50"/>
-            <p:cNvSpPr/>
-            <p:nvPr/>
-          </p:nvSpPr>
-          <p:spPr>
-            <a:xfrm>
-              <a:off x="3104573" y="1438137"/>
-              <a:ext cx="252000" cy="252000"/>
-            </a:xfrm>
-            <a:prstGeom prst="ellipse">
-              <a:avLst/>
-            </a:prstGeom>
-            <a:solidFill>
-              <a:schemeClr val="accent1">
-                <a:alpha val="50000"/>
-              </a:schemeClr>
-            </a:solidFill>
-            <a:ln w="38100">
-              <a:solidFill>
-                <a:schemeClr val="accent1"/>
-              </a:solidFill>
-            </a:ln>
-          </p:spPr>
-          <p:style>
-            <a:lnRef idx="2">
-              <a:schemeClr val="accent1">
-                <a:shade val="50000"/>
-              </a:schemeClr>
-            </a:lnRef>
-            <a:fillRef idx="1">
-              <a:schemeClr val="accent1"/>
-            </a:fillRef>
-            <a:effectRef idx="0">
-              <a:schemeClr val="accent1"/>
-            </a:effectRef>
-            <a:fontRef idx="minor">
-              <a:schemeClr val="lt1"/>
-            </a:fontRef>
-          </p:style>
-          <p:txBody>
-            <a:bodyPr rot="0" spcFirstLastPara="0" vertOverflow="overflow" horzOverflow="overflow" vert="horz" wrap="square" lIns="91440" tIns="45720" rIns="91440" bIns="45720" numCol="1" spcCol="0" rtlCol="0" fromWordArt="0" anchor="ctr" anchorCtr="0" forceAA="0" compatLnSpc="1">
-              <a:prstTxWarp prst="textNoShape">
-                <a:avLst/>
-              </a:prstTxWarp>
-              <a:noAutofit/>
-            </a:bodyPr>
-            <a:lstStyle/>
-            <a:p>
-              <a:pPr algn="ctr"/>
-              <a:endParaRPr lang="ru-RU"/>
-            </a:p>
-          </p:txBody>
-        </p:sp>
-        <p:cxnSp>
-          <p:nvCxnSpPr>
-            <p:cNvPr id="52" name="Прямая со стрелкой 51"/>
-            <p:cNvCxnSpPr>
-              <a:stCxn id="51" idx="0"/>
-            </p:cNvCxnSpPr>
-            <p:nvPr/>
-          </p:nvCxnSpPr>
-          <p:spPr>
-            <a:xfrm flipV="1">
-              <a:off x="3230573" y="1223554"/>
-              <a:ext cx="0" cy="214583"/>
-            </a:xfrm>
-            <a:prstGeom prst="straightConnector1">
-              <a:avLst/>
-            </a:prstGeom>
-            <a:ln>
-              <a:tailEnd type="triangle"/>
-            </a:ln>
-          </p:spPr>
-          <p:style>
-            <a:lnRef idx="1">
-              <a:schemeClr val="accent1"/>
-            </a:lnRef>
-            <a:fillRef idx="0">
-              <a:schemeClr val="accent1"/>
-            </a:fillRef>
-            <a:effectRef idx="0">
-              <a:schemeClr val="accent1"/>
-            </a:effectRef>
-            <a:fontRef idx="minor">
-              <a:schemeClr val="tx1"/>
-            </a:fontRef>
-          </p:style>
-        </p:cxnSp>
-      </p:grpSp>
       <p:sp>
         <p:nvSpPr>
-          <p:cNvPr id="54" name="TextBox 53"/>
-          <p:cNvSpPr txBox="1">
-            <a:spLocks noChangeAspect="1"/>
-          </p:cNvSpPr>
+          <p:cNvPr id="15" name="TextBox 14"/>
+          <p:cNvSpPr txBox="1"/>
           <p:nvPr/>
         </p:nvSpPr>
         <p:spPr>
           <a:xfrm>
-            <a:off x="185917" y="367638"/>
-            <a:ext cx="1910511" cy="308235"/>
-          </a:xfrm>
-          <a:prstGeom prst="rect">
-            <a:avLst/>
-          </a:prstGeom>
-          <a:noFill/>
-        </p:spPr>
-        <p:txBody>
-          <a:bodyPr wrap="square" rtlCol="0">
-            <a:noAutofit/>
-          </a:bodyPr>
-          <a:lstStyle/>
-          <a:p>
-            <a:r>
-              <a:rPr lang="ru-RU" sz="1500" dirty="0" smtClean="0">
-                <a:solidFill>
-                  <a:schemeClr val="accent5"/>
-                </a:solidFill>
-              </a:rPr>
-              <a:t>Нет своей оценки</a:t>
-            </a:r>
-            <a:endParaRPr lang="ru-RU" sz="1500" dirty="0">
-              <a:solidFill>
-                <a:schemeClr val="accent5"/>
-              </a:solidFill>
-            </a:endParaRPr>
-          </a:p>
-        </p:txBody>
-      </p:sp>
-      <p:sp>
-        <p:nvSpPr>
-          <p:cNvPr id="55" name="TextBox 54"/>
-          <p:cNvSpPr txBox="1">
-            <a:spLocks noChangeAspect="1"/>
-          </p:cNvSpPr>
-          <p:nvPr/>
-        </p:nvSpPr>
-        <p:spPr>
-          <a:xfrm>
-            <a:off x="275275" y="6139345"/>
-            <a:ext cx="1910511" cy="308235"/>
-          </a:xfrm>
-          <a:prstGeom prst="rect">
-            <a:avLst/>
-          </a:prstGeom>
-          <a:noFill/>
-        </p:spPr>
-        <p:txBody>
-          <a:bodyPr wrap="square" rtlCol="0">
-            <a:noAutofit/>
-          </a:bodyPr>
-          <a:lstStyle/>
-          <a:p>
-            <a:r>
-              <a:rPr lang="ru-RU" sz="1500" dirty="0" smtClean="0">
-                <a:solidFill>
-                  <a:schemeClr val="accent5"/>
-                </a:solidFill>
-              </a:rPr>
-              <a:t>Есть своя оценка</a:t>
-            </a:r>
-            <a:endParaRPr lang="ru-RU" sz="1500" dirty="0">
-              <a:solidFill>
-                <a:schemeClr val="accent5"/>
-              </a:solidFill>
-            </a:endParaRPr>
-          </a:p>
-        </p:txBody>
-      </p:sp>
-      <p:sp>
-        <p:nvSpPr>
-          <p:cNvPr id="56" name="TextBox 55"/>
-          <p:cNvSpPr txBox="1"/>
-          <p:nvPr/>
-        </p:nvSpPr>
-        <p:spPr>
-          <a:xfrm>
-            <a:off x="5549435" y="5514490"/>
-            <a:ext cx="2738082" cy="430887"/>
+            <a:off x="3785058" y="148659"/>
+            <a:ext cx="5358942" cy="3847207"/>
           </a:xfrm>
           <a:prstGeom prst="rect">
             <a:avLst/>
@@ -15005,6 +16180,31 @@
           </a:bodyPr>
           <a:lstStyle/>
           <a:p>
+            <a:pPr>
+              <a:spcBef>
+                <a:spcPts val="600"/>
+              </a:spcBef>
+            </a:pPr>
+            <a:r>
+              <a:rPr lang="en-GB" sz="1100" b="1" dirty="0" smtClean="0">
+                <a:solidFill>
+                  <a:schemeClr val="accent1">
+                    <a:lumMod val="75000"/>
+                  </a:schemeClr>
+                </a:solidFill>
+              </a:rPr>
+              <a:t>Down menu</a:t>
+            </a:r>
+            <a:r>
+              <a:rPr lang="ru-RU" sz="1100" b="1" dirty="0">
+                <a:solidFill>
+                  <a:schemeClr val="accent1">
+                    <a:lumMod val="75000"/>
+                  </a:schemeClr>
+                </a:solidFill>
+              </a:rPr>
+              <a:t> </a:t>
+            </a:r>
             <a:r>
               <a:rPr lang="ru-RU" sz="1100" dirty="0" smtClean="0">
                 <a:solidFill>
@@ -15013,7 +16213,581 @@
                   </a:schemeClr>
                 </a:solidFill>
               </a:rPr>
-              <a:t>В этой части Отзывов отображается средняя температура по больнице.</a:t>
+              <a:t>- индикатор проблем/</a:t>
+            </a:r>
+            <a:r>
+              <a:rPr lang="ru-RU" sz="1100" dirty="0" err="1" smtClean="0">
+                <a:solidFill>
+                  <a:schemeClr val="accent1">
+                    <a:lumMod val="75000"/>
+                  </a:schemeClr>
+                </a:solidFill>
+              </a:rPr>
+              <a:t>алармов</a:t>
+            </a:r>
+            <a:r>
+              <a:rPr lang="ru-RU" sz="1100" dirty="0" smtClean="0">
+                <a:solidFill>
+                  <a:schemeClr val="accent1">
+                    <a:lumMod val="75000"/>
+                  </a:schemeClr>
+                </a:solidFill>
+              </a:rPr>
+              <a:t>/уведомлений </a:t>
+            </a:r>
+            <a:r>
+              <a:rPr lang="ru-RU" sz="1100" dirty="0" err="1" smtClean="0">
+                <a:solidFill>
+                  <a:schemeClr val="accent1">
+                    <a:lumMod val="75000"/>
+                  </a:schemeClr>
+                </a:solidFill>
+              </a:rPr>
+              <a:t>КОТа</a:t>
+            </a:r>
+            <a:r>
+              <a:rPr lang="ru-RU" sz="1100" dirty="0" smtClean="0">
+                <a:solidFill>
+                  <a:schemeClr val="accent1">
+                    <a:lumMod val="75000"/>
+                  </a:schemeClr>
+                </a:solidFill>
+              </a:rPr>
+              <a:t> </a:t>
+            </a:r>
+          </a:p>
+          <a:p>
+            <a:pPr>
+              <a:spcBef>
+                <a:spcPts val="600"/>
+              </a:spcBef>
+            </a:pPr>
+            <a:r>
+              <a:rPr lang="ru-RU" sz="1100" b="1" dirty="0" smtClean="0">
+                <a:solidFill>
+                  <a:schemeClr val="accent1">
+                    <a:lumMod val="75000"/>
+                  </a:schemeClr>
+                </a:solidFill>
+              </a:rPr>
+              <a:t>Нет </a:t>
+            </a:r>
+            <a:r>
+              <a:rPr lang="ru-RU" sz="1100" b="1" dirty="0" err="1" smtClean="0">
+                <a:solidFill>
+                  <a:schemeClr val="accent1">
+                    <a:lumMod val="75000"/>
+                  </a:schemeClr>
+                </a:solidFill>
+              </a:rPr>
+              <a:t>алармов</a:t>
+            </a:r>
+            <a:r>
+              <a:rPr lang="ru-RU" sz="1100" b="1" dirty="0" smtClean="0">
+                <a:solidFill>
+                  <a:schemeClr val="accent1">
+                    <a:lumMod val="75000"/>
+                  </a:schemeClr>
+                </a:solidFill>
+              </a:rPr>
+              <a:t> </a:t>
+            </a:r>
+            <a:r>
+              <a:rPr lang="ru-RU" sz="1100" dirty="0" smtClean="0">
+                <a:solidFill>
+                  <a:schemeClr val="accent1">
+                    <a:lumMod val="75000"/>
+                  </a:schemeClr>
+                </a:solidFill>
+              </a:rPr>
+              <a:t>– всё неактивно</a:t>
+            </a:r>
+          </a:p>
+          <a:p>
+            <a:pPr>
+              <a:spcBef>
+                <a:spcPts val="600"/>
+              </a:spcBef>
+            </a:pPr>
+            <a:r>
+              <a:rPr lang="ru-RU" sz="1100" b="1" dirty="0" smtClean="0">
+                <a:solidFill>
+                  <a:schemeClr val="accent1">
+                    <a:lumMod val="75000"/>
+                  </a:schemeClr>
+                </a:solidFill>
+              </a:rPr>
+              <a:t>Есть </a:t>
+            </a:r>
+            <a:r>
+              <a:rPr lang="ru-RU" sz="1100" b="1" dirty="0" err="1" smtClean="0">
+                <a:solidFill>
+                  <a:schemeClr val="accent1">
+                    <a:lumMod val="75000"/>
+                  </a:schemeClr>
+                </a:solidFill>
+              </a:rPr>
+              <a:t>аларм</a:t>
+            </a:r>
+            <a:r>
+              <a:rPr lang="ru-RU" sz="1100" b="1" dirty="0" smtClean="0">
+                <a:solidFill>
+                  <a:schemeClr val="accent1">
+                    <a:lumMod val="75000"/>
+                  </a:schemeClr>
+                </a:solidFill>
+              </a:rPr>
+              <a:t>, чел на экране «Карта» </a:t>
+            </a:r>
+            <a:r>
+              <a:rPr lang="ru-RU" sz="1100" dirty="0" smtClean="0">
+                <a:solidFill>
+                  <a:schemeClr val="accent1">
+                    <a:lumMod val="75000"/>
+                  </a:schemeClr>
+                </a:solidFill>
+              </a:rPr>
+              <a:t>– всплывает </a:t>
+            </a:r>
+            <a:r>
+              <a:rPr lang="en-GB" sz="1100" dirty="0" smtClean="0">
+                <a:solidFill>
+                  <a:schemeClr val="accent1">
+                    <a:lumMod val="75000"/>
+                  </a:schemeClr>
+                </a:solidFill>
+              </a:rPr>
+              <a:t>Down menu</a:t>
+            </a:r>
+            <a:r>
+              <a:rPr lang="ru-RU" sz="1100" dirty="0" smtClean="0">
+                <a:solidFill>
+                  <a:schemeClr val="accent1">
+                    <a:lumMod val="75000"/>
+                  </a:schemeClr>
+                </a:solidFill>
+              </a:rPr>
+              <a:t>, иконка в </a:t>
+            </a:r>
+            <a:br>
+              <a:rPr lang="ru-RU" sz="1100" dirty="0" smtClean="0">
+                <a:solidFill>
+                  <a:schemeClr val="accent1">
+                    <a:lumMod val="75000"/>
+                  </a:schemeClr>
+                </a:solidFill>
+              </a:rPr>
+            </a:br>
+            <a:r>
+              <a:rPr lang="ru-RU" sz="1100" dirty="0" smtClean="0">
+                <a:solidFill>
+                  <a:schemeClr val="accent1">
+                    <a:lumMod val="75000"/>
+                  </a:schemeClr>
+                </a:solidFill>
+              </a:rPr>
+              <a:t>активном цвете, всплывает диалоговое окно с </a:t>
+            </a:r>
+            <a:r>
+              <a:rPr lang="ru-RU" sz="1100" dirty="0" err="1" smtClean="0">
+                <a:solidFill>
+                  <a:schemeClr val="accent1">
+                    <a:lumMod val="75000"/>
+                  </a:schemeClr>
+                </a:solidFill>
+              </a:rPr>
+              <a:t>алармовым</a:t>
+            </a:r>
+            <a:r>
+              <a:rPr lang="ru-RU" sz="1100" dirty="0" smtClean="0">
+                <a:solidFill>
+                  <a:schemeClr val="accent1">
+                    <a:lumMod val="75000"/>
+                  </a:schemeClr>
+                </a:solidFill>
+              </a:rPr>
+              <a:t> текстом. Чел </a:t>
+            </a:r>
+            <a:br>
+              <a:rPr lang="ru-RU" sz="1100" dirty="0" smtClean="0">
+                <a:solidFill>
+                  <a:schemeClr val="accent1">
+                    <a:lumMod val="75000"/>
+                  </a:schemeClr>
+                </a:solidFill>
+              </a:rPr>
+            </a:br>
+            <a:r>
+              <a:rPr lang="ru-RU" sz="1100" dirty="0" smtClean="0">
+                <a:solidFill>
+                  <a:schemeClr val="accent1">
+                    <a:lumMod val="75000"/>
+                  </a:schemeClr>
+                </a:solidFill>
+              </a:rPr>
+              <a:t>«ЗАКРЫТЬ» диалоговое окно, иконка становится неактивна.</a:t>
+            </a:r>
+          </a:p>
+          <a:p>
+            <a:pPr>
+              <a:spcBef>
+                <a:spcPts val="600"/>
+              </a:spcBef>
+            </a:pPr>
+            <a:r>
+              <a:rPr lang="ru-RU" sz="1100" b="1" dirty="0" smtClean="0">
+                <a:solidFill>
+                  <a:schemeClr val="accent1">
+                    <a:lumMod val="75000"/>
+                  </a:schemeClr>
+                </a:solidFill>
+              </a:rPr>
+              <a:t>Есть </a:t>
+            </a:r>
+            <a:r>
+              <a:rPr lang="ru-RU" sz="1100" b="1" dirty="0" err="1" smtClean="0">
+                <a:solidFill>
+                  <a:schemeClr val="accent1">
+                    <a:lumMod val="75000"/>
+                  </a:schemeClr>
+                </a:solidFill>
+              </a:rPr>
+              <a:t>аларм</a:t>
+            </a:r>
+            <a:r>
+              <a:rPr lang="ru-RU" sz="1100" b="1" dirty="0" smtClean="0">
+                <a:solidFill>
+                  <a:schemeClr val="accent1">
+                    <a:lumMod val="75000"/>
+                  </a:schemeClr>
+                </a:solidFill>
+              </a:rPr>
+              <a:t>, чел на любом </a:t>
+            </a:r>
+            <a:r>
+              <a:rPr lang="ru-RU" sz="1100" b="1" dirty="0" err="1" smtClean="0">
+                <a:solidFill>
+                  <a:schemeClr val="accent1">
+                    <a:lumMod val="75000"/>
+                  </a:schemeClr>
+                </a:solidFill>
+              </a:rPr>
+              <a:t>др</a:t>
+            </a:r>
+            <a:r>
+              <a:rPr lang="ru-RU" sz="1100" b="1" dirty="0" smtClean="0">
+                <a:solidFill>
+                  <a:schemeClr val="accent1">
+                    <a:lumMod val="75000"/>
+                  </a:schemeClr>
+                </a:solidFill>
+              </a:rPr>
+              <a:t> экране </a:t>
+            </a:r>
+            <a:r>
+              <a:rPr lang="ru-RU" sz="1100" dirty="0" smtClean="0">
+                <a:solidFill>
+                  <a:schemeClr val="accent1">
+                    <a:lumMod val="75000"/>
+                  </a:schemeClr>
+                </a:solidFill>
+              </a:rPr>
+              <a:t>– всплывает диалоговое окно.</a:t>
+            </a:r>
+          </a:p>
+          <a:p>
+            <a:pPr>
+              <a:spcBef>
+                <a:spcPts val="600"/>
+              </a:spcBef>
+            </a:pPr>
+            <a:r>
+              <a:rPr lang="ru-RU" sz="1100" b="1" dirty="0" smtClean="0">
+                <a:solidFill>
+                  <a:schemeClr val="accent1">
+                    <a:lumMod val="75000"/>
+                  </a:schemeClr>
+                </a:solidFill>
+              </a:rPr>
+              <a:t>Есть </a:t>
+            </a:r>
+            <a:r>
+              <a:rPr lang="ru-RU" sz="1100" b="1" dirty="0" err="1" smtClean="0">
+                <a:solidFill>
+                  <a:schemeClr val="accent1">
+                    <a:lumMod val="75000"/>
+                  </a:schemeClr>
+                </a:solidFill>
+              </a:rPr>
+              <a:t>аларм</a:t>
+            </a:r>
+            <a:r>
+              <a:rPr lang="ru-RU" sz="1100" b="1" dirty="0" smtClean="0">
+                <a:solidFill>
+                  <a:schemeClr val="accent1">
+                    <a:lumMod val="75000"/>
+                  </a:schemeClr>
+                </a:solidFill>
+              </a:rPr>
+              <a:t>, чел не в приложении </a:t>
+            </a:r>
+            <a:r>
+              <a:rPr lang="ru-RU" sz="1100" dirty="0" smtClean="0">
+                <a:solidFill>
+                  <a:schemeClr val="accent1">
+                    <a:lumMod val="75000"/>
+                  </a:schemeClr>
+                </a:solidFill>
+              </a:rPr>
+              <a:t>– уведомление появляется в </a:t>
+            </a:r>
+            <a:r>
+              <a:rPr lang="ru-RU" sz="1100" dirty="0" err="1" smtClean="0">
+                <a:solidFill>
+                  <a:schemeClr val="accent1">
+                    <a:lumMod val="75000"/>
+                  </a:schemeClr>
+                </a:solidFill>
+              </a:rPr>
+              <a:t>трее</a:t>
+            </a:r>
+            <a:r>
+              <a:rPr lang="ru-RU" sz="1100" dirty="0" smtClean="0">
+                <a:solidFill>
+                  <a:schemeClr val="accent1">
+                    <a:lumMod val="75000"/>
+                  </a:schemeClr>
+                </a:solidFill>
+              </a:rPr>
+              <a:t> </a:t>
+            </a:r>
+            <a:r>
+              <a:rPr lang="ru-RU" sz="1100" dirty="0" err="1" smtClean="0">
+                <a:solidFill>
+                  <a:schemeClr val="accent1">
+                    <a:lumMod val="75000"/>
+                  </a:schemeClr>
+                </a:solidFill>
+              </a:rPr>
+              <a:t>андройда</a:t>
+            </a:r>
+            <a:r>
+              <a:rPr lang="ru-RU" sz="1100" dirty="0" smtClean="0">
+                <a:solidFill>
+                  <a:schemeClr val="accent1">
+                    <a:lumMod val="75000"/>
+                  </a:schemeClr>
+                </a:solidFill>
+              </a:rPr>
+              <a:t>. Откуда он может закрыть уведомление. </a:t>
+            </a:r>
+            <a:r>
+              <a:rPr lang="ru-RU" sz="1100" dirty="0" err="1" smtClean="0">
+                <a:solidFill>
+                  <a:schemeClr val="accent1">
+                    <a:lumMod val="75000"/>
+                  </a:schemeClr>
+                </a:solidFill>
+              </a:rPr>
+              <a:t>Тапнув</a:t>
+            </a:r>
+            <a:r>
+              <a:rPr lang="ru-RU" sz="1100" dirty="0" smtClean="0">
+                <a:solidFill>
+                  <a:schemeClr val="accent1">
+                    <a:lumMod val="75000"/>
+                  </a:schemeClr>
+                </a:solidFill>
+              </a:rPr>
+              <a:t> по уведомлению в </a:t>
+            </a:r>
+            <a:r>
+              <a:rPr lang="ru-RU" sz="1100" dirty="0" err="1" smtClean="0">
+                <a:solidFill>
+                  <a:schemeClr val="accent1">
+                    <a:lumMod val="75000"/>
+                  </a:schemeClr>
+                </a:solidFill>
+              </a:rPr>
+              <a:t>трее</a:t>
+            </a:r>
+            <a:r>
+              <a:rPr lang="ru-RU" sz="1100" dirty="0" smtClean="0">
+                <a:solidFill>
+                  <a:schemeClr val="accent1">
+                    <a:lumMod val="75000"/>
+                  </a:schemeClr>
+                </a:solidFill>
+              </a:rPr>
+              <a:t> </a:t>
+            </a:r>
+            <a:r>
+              <a:rPr lang="ru-RU" sz="1100" dirty="0" err="1" smtClean="0">
+                <a:solidFill>
+                  <a:schemeClr val="accent1">
+                    <a:lumMod val="75000"/>
+                  </a:schemeClr>
+                </a:solidFill>
+              </a:rPr>
+              <a:t>андройда</a:t>
+            </a:r>
+            <a:r>
+              <a:rPr lang="ru-RU" sz="1100" dirty="0" smtClean="0">
+                <a:solidFill>
+                  <a:schemeClr val="accent1">
+                    <a:lumMod val="75000"/>
+                  </a:schemeClr>
+                </a:solidFill>
+              </a:rPr>
+              <a:t> – переадресация на экран «Карта с открытым диалоговом окном уведомления и нижнем меню с активной соответствующей иконкой».</a:t>
+            </a:r>
+            <a:endParaRPr lang="en-GB" sz="1100" dirty="0" smtClean="0">
+              <a:solidFill>
+                <a:schemeClr val="accent1">
+                  <a:lumMod val="75000"/>
+                </a:schemeClr>
+              </a:solidFill>
+            </a:endParaRPr>
+          </a:p>
+          <a:p>
+            <a:pPr>
+              <a:spcBef>
+                <a:spcPts val="600"/>
+              </a:spcBef>
+            </a:pPr>
+            <a:r>
+              <a:rPr lang="ru-RU" sz="1100" b="1" dirty="0" smtClean="0">
+                <a:solidFill>
+                  <a:schemeClr val="accent1">
+                    <a:lumMod val="75000"/>
+                  </a:schemeClr>
+                </a:solidFill>
+              </a:rPr>
+              <a:t>Есть </a:t>
+            </a:r>
+            <a:r>
+              <a:rPr lang="ru-RU" sz="1100" b="1" dirty="0" err="1" smtClean="0">
+                <a:solidFill>
+                  <a:schemeClr val="accent1">
+                    <a:lumMod val="75000"/>
+                  </a:schemeClr>
+                </a:solidFill>
+              </a:rPr>
+              <a:t>аларм</a:t>
+            </a:r>
+            <a:r>
+              <a:rPr lang="ru-RU" sz="1100" b="1" dirty="0" smtClean="0">
+                <a:solidFill>
+                  <a:schemeClr val="accent1">
+                    <a:lumMod val="75000"/>
+                  </a:schemeClr>
+                </a:solidFill>
+              </a:rPr>
+              <a:t>, но чел каким-либо образом не нажал на кнопку «ЗАКРЫТЬ» в диалоговом окне, а окно свернулось, или нажал на «Очистить» в </a:t>
+            </a:r>
+            <a:r>
+              <a:rPr lang="ru-RU" sz="1100" b="1" dirty="0" err="1" smtClean="0">
+                <a:solidFill>
+                  <a:schemeClr val="accent1">
+                    <a:lumMod val="75000"/>
+                  </a:schemeClr>
+                </a:solidFill>
+              </a:rPr>
+              <a:t>трее</a:t>
+            </a:r>
+            <a:r>
+              <a:rPr lang="ru-RU" sz="1100" b="1" dirty="0" smtClean="0">
+                <a:solidFill>
+                  <a:schemeClr val="accent1">
+                    <a:lumMod val="75000"/>
+                  </a:schemeClr>
+                </a:solidFill>
+              </a:rPr>
+              <a:t> </a:t>
+            </a:r>
+            <a:r>
+              <a:rPr lang="ru-RU" sz="1100" b="1" dirty="0" err="1" smtClean="0">
+                <a:solidFill>
+                  <a:schemeClr val="accent1">
+                    <a:lumMod val="75000"/>
+                  </a:schemeClr>
+                </a:solidFill>
+              </a:rPr>
+              <a:t>андройда</a:t>
+            </a:r>
+            <a:r>
+              <a:rPr lang="ru-RU" sz="1100" dirty="0" smtClean="0">
+                <a:solidFill>
+                  <a:schemeClr val="accent1">
+                    <a:lumMod val="75000"/>
+                  </a:schemeClr>
+                </a:solidFill>
+              </a:rPr>
+              <a:t> – при попадании на экран «Карта», чел видит не дефолтный экран, а экран с диалоговым окном и нижнем меню с активной иконкой с </a:t>
+            </a:r>
+            <a:r>
+              <a:rPr lang="ru-RU" sz="1100" dirty="0" err="1" smtClean="0">
+                <a:solidFill>
+                  <a:schemeClr val="accent1">
+                    <a:lumMod val="75000"/>
+                  </a:schemeClr>
+                </a:solidFill>
+              </a:rPr>
+              <a:t>алармом</a:t>
+            </a:r>
+            <a:r>
+              <a:rPr lang="ru-RU" sz="1100" dirty="0" smtClean="0">
+                <a:solidFill>
+                  <a:schemeClr val="accent1">
+                    <a:lumMod val="75000"/>
+                  </a:schemeClr>
+                </a:solidFill>
+              </a:rPr>
+              <a:t>.</a:t>
+            </a:r>
+          </a:p>
+          <a:p>
+            <a:pPr>
+              <a:spcBef>
+                <a:spcPts val="600"/>
+              </a:spcBef>
+            </a:pPr>
+            <a:r>
+              <a:rPr lang="ru-RU" sz="1100" dirty="0" smtClean="0">
+                <a:solidFill>
+                  <a:schemeClr val="accent1">
+                    <a:lumMod val="75000"/>
+                  </a:schemeClr>
+                </a:solidFill>
+              </a:rPr>
+              <a:t>«Хранится» для вызова по активной иконке в нижнем меню только одно уведомление. Остальные «улетают» на экран «Уведомления» (коллектор всех уведомлений приложения с датой и временем).</a:t>
+            </a:r>
+          </a:p>
+          <a:p>
+            <a:pPr>
+              <a:spcBef>
+                <a:spcPts val="600"/>
+              </a:spcBef>
+            </a:pPr>
+            <a:r>
+              <a:rPr lang="ru-RU" sz="1100" b="1" dirty="0" smtClean="0">
+                <a:solidFill>
+                  <a:schemeClr val="accent1">
+                    <a:lumMod val="75000"/>
+                  </a:schemeClr>
+                </a:solidFill>
+              </a:rPr>
+              <a:t>Если несколько уведомлений из разных категорий </a:t>
+            </a:r>
+            <a:r>
+              <a:rPr lang="ru-RU" sz="1100" dirty="0" smtClean="0">
+                <a:solidFill>
+                  <a:schemeClr val="accent1">
+                    <a:lumMod val="75000"/>
+                  </a:schemeClr>
+                </a:solidFill>
+              </a:rPr>
+              <a:t>- диалоговые окна «выскакивают» последовательно, пока чел не закроет все.</a:t>
             </a:r>
             <a:endParaRPr lang="ru-RU" sz="1100" dirty="0">
               <a:solidFill>
@@ -15027,14 +16801,105 @@
       </p:sp>
       <p:sp>
         <p:nvSpPr>
-          <p:cNvPr id="33" name="TextBox 32"/>
+          <p:cNvPr id="16" name="Овал 15"/>
+          <p:cNvSpPr/>
+          <p:nvPr/>
+        </p:nvSpPr>
+        <p:spPr>
+          <a:xfrm>
+            <a:off x="3468899" y="6169748"/>
+            <a:ext cx="377768" cy="378823"/>
+          </a:xfrm>
+          <a:prstGeom prst="ellipse">
+            <a:avLst/>
+          </a:prstGeom>
+          <a:solidFill>
+            <a:srgbClr val="5B9BD5">
+              <a:alpha val="20000"/>
+            </a:srgbClr>
+          </a:solidFill>
+          <a:ln>
+            <a:solidFill>
+              <a:schemeClr val="accent1"/>
+            </a:solidFill>
+          </a:ln>
+        </p:spPr>
+        <p:style>
+          <a:lnRef idx="2">
+            <a:schemeClr val="accent1">
+              <a:shade val="50000"/>
+            </a:schemeClr>
+          </a:lnRef>
+          <a:fillRef idx="1">
+            <a:schemeClr val="accent1"/>
+          </a:fillRef>
+          <a:effectRef idx="0">
+            <a:schemeClr val="accent1"/>
+          </a:effectRef>
+          <a:fontRef idx="minor">
+            <a:schemeClr val="lt1"/>
+          </a:fontRef>
+        </p:style>
+        <p:txBody>
+          <a:bodyPr rot="0" spcFirstLastPara="0" vertOverflow="overflow" horzOverflow="overflow" vert="horz" wrap="square" lIns="91440" tIns="45720" rIns="91440" bIns="45720" numCol="1" spcCol="0" rtlCol="0" fromWordArt="0" anchor="ctr" anchorCtr="0" forceAA="0" compatLnSpc="1">
+            <a:prstTxWarp prst="textNoShape">
+              <a:avLst/>
+            </a:prstTxWarp>
+            <a:noAutofit/>
+          </a:bodyPr>
+          <a:lstStyle/>
+          <a:p>
+            <a:pPr algn="ctr"/>
+            <a:endParaRPr lang="ru-RU"/>
+          </a:p>
+        </p:txBody>
+      </p:sp>
+      <p:cxnSp>
+        <p:nvCxnSpPr>
+          <p:cNvPr id="17" name="Прямая со стрелкой 16"/>
+          <p:cNvCxnSpPr>
+            <a:stCxn id="16" idx="7"/>
+          </p:cNvCxnSpPr>
+          <p:nvPr/>
+        </p:nvCxnSpPr>
+        <p:spPr>
+          <a:xfrm flipV="1">
+            <a:off x="3791344" y="5404050"/>
+            <a:ext cx="706754" cy="821175"/>
+          </a:xfrm>
+          <a:prstGeom prst="straightConnector1">
+            <a:avLst/>
+          </a:prstGeom>
+          <a:ln>
+            <a:prstDash val="sysDash"/>
+            <a:tailEnd type="triangle"/>
+          </a:ln>
+        </p:spPr>
+        <p:style>
+          <a:lnRef idx="1">
+            <a:schemeClr val="accent1"/>
+          </a:lnRef>
+          <a:fillRef idx="0">
+            <a:schemeClr val="accent1"/>
+          </a:fillRef>
+          <a:effectRef idx="0">
+            <a:schemeClr val="accent1"/>
+          </a:effectRef>
+          <a:fontRef idx="minor">
+            <a:schemeClr val="tx1"/>
+          </a:fontRef>
+        </p:style>
+      </p:cxnSp>
+      <p:sp>
+        <p:nvSpPr>
+          <p:cNvPr id="18" name="TextBox 17"/>
           <p:cNvSpPr txBox="1"/>
           <p:nvPr/>
         </p:nvSpPr>
         <p:spPr>
           <a:xfrm>
-            <a:off x="7262261" y="3456777"/>
-            <a:ext cx="1681017" cy="938719"/>
+            <a:off x="4232828" y="6440068"/>
+            <a:ext cx="4165762" cy="430887"/>
           </a:xfrm>
           <a:prstGeom prst="rect">
             <a:avLst/>
@@ -15055,10 +16920,18 @@
                   </a:schemeClr>
                 </a:solidFill>
               </a:rPr>
-              <a:t>5 звезд – Отлично</a:t>
-            </a:r>
-          </a:p>
-          <a:p>
+              <a:t>Тап обозначается «вспыхиванием» квадрата </a:t>
+            </a:r>
+            <a:r>
+              <a:rPr lang="en-GB" sz="1100" dirty="0" smtClean="0">
+                <a:solidFill>
+                  <a:schemeClr val="accent1">
+                    <a:lumMod val="75000"/>
+                  </a:schemeClr>
+                </a:solidFill>
+              </a:rPr>
+              <a:t>48x48dp</a:t>
+            </a:r>
             <a:r>
               <a:rPr lang="ru-RU" sz="1100" dirty="0" smtClean="0">
                 <a:solidFill>
@@ -15067,10 +16940,18 @@
                   </a:schemeClr>
                 </a:solidFill>
               </a:rPr>
-              <a:t>4 звезды – Хорошо</a:t>
-            </a:r>
-          </a:p>
-          <a:p>
+              <a:t> с </a:t>
+            </a:r>
+            <a:r>
+              <a:rPr lang="en-GB" sz="1100" dirty="0" smtClean="0">
+                <a:solidFill>
+                  <a:schemeClr val="accent1">
+                    <a:lumMod val="75000"/>
+                  </a:schemeClr>
+                </a:solidFill>
+              </a:rPr>
+              <a:t>corner 2dp </a:t>
+            </a:r>
             <a:r>
               <a:rPr lang="ru-RU" sz="1100" dirty="0" smtClean="0">
                 <a:solidFill>
@@ -15079,10 +16960,18 @@
                   </a:schemeClr>
                 </a:solidFill>
               </a:rPr>
-              <a:t>3 звезды – Неплохо</a:t>
-            </a:r>
-          </a:p>
-          <a:p>
+              <a:t>цвет: </a:t>
+            </a:r>
+            <a:r>
+              <a:rPr lang="en-GB" sz="1100" dirty="0" smtClean="0">
+                <a:solidFill>
+                  <a:schemeClr val="accent1">
+                    <a:lumMod val="75000"/>
+                  </a:schemeClr>
+                </a:solidFill>
+              </a:rPr>
+              <a:t>fill</a:t>
+            </a:r>
             <a:r>
               <a:rPr lang="ru-RU" sz="1100" dirty="0" smtClean="0">
                 <a:solidFill>
@@ -15091,10 +16980,38 @@
                   </a:schemeClr>
                 </a:solidFill>
               </a:rPr>
-              <a:t>2 звезды – Плохо</a:t>
-            </a:r>
-          </a:p>
-          <a:p>
+              <a:t> - </a:t>
+            </a:r>
+            <a:r>
+              <a:rPr lang="en-GB" sz="1100" dirty="0" smtClean="0">
+                <a:solidFill>
+                  <a:schemeClr val="accent1">
+                    <a:lumMod val="75000"/>
+                  </a:schemeClr>
+                </a:solidFill>
+              </a:rPr>
+              <a:t>#FF4081</a:t>
+            </a:r>
+            <a:r>
+              <a:rPr lang="en-GB" sz="1100" dirty="0">
+                <a:solidFill>
+                  <a:schemeClr val="accent1">
+                    <a:lumMod val="75000"/>
+                  </a:schemeClr>
+                </a:solidFill>
+              </a:rPr>
+              <a:t>, stroke - #</a:t>
+            </a:r>
+            <a:r>
+              <a:rPr lang="en-GB" sz="1100" dirty="0" smtClean="0">
+                <a:solidFill>
+                  <a:schemeClr val="accent1">
+                    <a:lumMod val="75000"/>
+                  </a:schemeClr>
+                </a:solidFill>
+              </a:rPr>
+              <a:t>C2185B 1dp</a:t>
+            </a:r>
             <a:r>
               <a:rPr lang="ru-RU" sz="1100" dirty="0" smtClean="0">
                 <a:solidFill>
@@ -15103,7 +17020,17 @@
                   </a:schemeClr>
                 </a:solidFill>
               </a:rPr>
-              <a:t>1 звезда - Ужасно</a:t>
+              <a:t>,</a:t>
+            </a:r>
+            <a:r>
+              <a:rPr lang="en-GB" sz="1100" dirty="0" smtClean="0">
+                <a:solidFill>
+                  <a:schemeClr val="accent1">
+                    <a:lumMod val="75000"/>
+                  </a:schemeClr>
+                </a:solidFill>
+              </a:rPr>
+              <a:t> opacity – 70%</a:t>
             </a:r>
             <a:endParaRPr lang="ru-RU" sz="1100" dirty="0">
               <a:solidFill>
@@ -15115,10 +17042,46 @@
           </a:p>
         </p:txBody>
       </p:sp>
+      <p:cxnSp>
+        <p:nvCxnSpPr>
+          <p:cNvPr id="20" name="Прямая со стрелкой 19"/>
+          <p:cNvCxnSpPr>
+            <a:stCxn id="9" idx="5"/>
+          </p:cNvCxnSpPr>
+          <p:nvPr/>
+        </p:nvCxnSpPr>
+        <p:spPr>
+          <a:xfrm>
+            <a:off x="1713062" y="4177932"/>
+            <a:ext cx="1109946" cy="1458057"/>
+          </a:xfrm>
+          <a:prstGeom prst="straightConnector1">
+            <a:avLst/>
+          </a:prstGeom>
+          <a:ln>
+            <a:prstDash val="sysDash"/>
+            <a:tailEnd type="triangle"/>
+          </a:ln>
+        </p:spPr>
+        <p:style>
+          <a:lnRef idx="1">
+            <a:schemeClr val="accent1"/>
+          </a:lnRef>
+          <a:fillRef idx="0">
+            <a:schemeClr val="accent1"/>
+          </a:fillRef>
+          <a:effectRef idx="0">
+            <a:schemeClr val="accent1"/>
+          </a:effectRef>
+          <a:fontRef idx="minor">
+            <a:schemeClr val="tx1"/>
+          </a:fontRef>
+        </p:style>
+      </p:cxnSp>
     </p:spTree>
     <p:extLst>
       <p:ext uri="{BB962C8B-B14F-4D97-AF65-F5344CB8AC3E}">
-        <p14:creationId xmlns:p14="http://schemas.microsoft.com/office/powerpoint/2010/main" val="3528250773"/>
+        <p14:creationId xmlns:p14="http://schemas.microsoft.com/office/powerpoint/2010/main" val="3598518176"/>
       </p:ext>
     </p:extLst>
   </p:cSld>
